--- a/presentations/NeuroeconPoster2018.pptx
+++ b/presentations/NeuroeconPoster2018.pptx
@@ -3941,7 +3941,7 @@
                 <a:latin typeface="Arial"/>
                 <a:cs typeface="Arial"/>
               </a:rPr>
-              <a:t>comparison of cognitive task measures: raw measures vs. model parameters </a:t>
+              <a:t>comparison of cognitive task measures of self-regulation: raw measures vs. model parameters </a:t>
             </a:r>
             <a:r>
               <a:rPr lang="en-US" sz="8700" dirty="0" smtClean="0">
@@ -4040,19 +4040,7 @@
                 <a:latin typeface="Arial"/>
                 <a:cs typeface="Arial"/>
               </a:rPr>
-              <a:t>of Psychology, Stanford University, </a:t>
-            </a:r>
-            <a:r>
-              <a:rPr lang="en-US" sz="4200" baseline="30000" dirty="0" smtClean="0">
-                <a:solidFill>
-                  <a:schemeClr val="bg1">
-                    <a:lumMod val="50000"/>
-                  </a:schemeClr>
-                </a:solidFill>
-                <a:latin typeface="Arial"/>
-                <a:cs typeface="Arial"/>
-              </a:rPr>
-              <a:t>2</a:t>
+              <a:t>of Psychology, Stanford </a:t>
             </a:r>
             <a:r>
               <a:rPr lang="en-US" sz="4200" dirty="0" smtClean="0">
@@ -4064,19 +4052,7 @@
                 <a:latin typeface="Arial"/>
                 <a:cs typeface="Arial"/>
               </a:rPr>
-              <a:t>Department of </a:t>
-            </a:r>
-            <a:r>
-              <a:rPr lang="en-US" sz="4200" dirty="0" smtClean="0">
-                <a:solidFill>
-                  <a:schemeClr val="bg1">
-                    <a:lumMod val="50000"/>
-                  </a:schemeClr>
-                </a:solidFill>
-                <a:latin typeface="Arial"/>
-                <a:cs typeface="Arial"/>
-              </a:rPr>
-              <a:t>Psychology</a:t>
+              <a:t>University</a:t>
             </a:r>
             <a:endParaRPr lang="en-US" sz="4200" baseline="30000" dirty="0">
               <a:solidFill>
@@ -4210,13 +4186,13 @@
       </p:sp>
       <p:pic>
         <p:nvPicPr>
-          <p:cNvPr id="18" name="Picture 17" descr="SUSig_Seal_StnfrdOnly_Left.png"/>
+          <p:cNvPr id="5" name="Picture 4" descr="NIH_Master_Logo_2Color-JPG.jpg"/>
           <p:cNvPicPr>
             <a:picLocks noChangeAspect="1"/>
           </p:cNvPicPr>
           <p:nvPr/>
         </p:nvPicPr>
-        <p:blipFill>
+        <p:blipFill rotWithShape="1">
           <a:blip r:embed="rId3">
             <a:extLst>
               <a:ext uri="{28A0092B-C50C-407E-A947-70E740481C1C}">
@@ -4224,44 +4200,13 @@
               </a:ext>
             </a:extLst>
           </a:blip>
-          <a:stretch>
-            <a:fillRect/>
-          </a:stretch>
+          <a:srcRect r="75420"/>
+          <a:stretch/>
         </p:blipFill>
         <p:spPr>
           <a:xfrm>
-            <a:off x="31237812" y="2048255"/>
-            <a:ext cx="6002095" cy="2256140"/>
-          </a:xfrm>
-          <a:prstGeom prst="rect">
-            <a:avLst/>
-          </a:prstGeom>
-        </p:spPr>
-      </p:pic>
-      <p:pic>
-        <p:nvPicPr>
-          <p:cNvPr id="5" name="Picture 4" descr="NIH_Master_Logo_2Color-JPG.jpg"/>
-          <p:cNvPicPr>
-            <a:picLocks noChangeAspect="1"/>
-          </p:cNvPicPr>
-          <p:nvPr/>
-        </p:nvPicPr>
-        <p:blipFill>
-          <a:blip r:embed="rId4">
-            <a:extLst>
-              <a:ext uri="{28A0092B-C50C-407E-A947-70E740481C1C}">
-                <a14:useLocalDpi xmlns:a14="http://schemas.microsoft.com/office/drawing/2010/main" val="0"/>
-              </a:ext>
-            </a:extLst>
-          </a:blip>
-          <a:stretch>
-            <a:fillRect/>
-          </a:stretch>
-        </p:blipFill>
-        <p:spPr>
-          <a:xfrm>
-            <a:off x="27156796" y="3781025"/>
-            <a:ext cx="10083111" cy="1554480"/>
+            <a:off x="34777277" y="3531186"/>
+            <a:ext cx="2478404" cy="1554480"/>
           </a:xfrm>
           <a:prstGeom prst="rect">
             <a:avLst/>
@@ -4360,7 +4305,35 @@
                 <a:latin typeface="Arial"/>
                 <a:cs typeface="Arial"/>
               </a:rPr>
-              <a:t> Psychological literature is rich with measures of </a:t>
+              <a:t> </a:t>
+            </a:r>
+            <a:r>
+              <a:rPr lang="en-US" sz="4400" dirty="0" smtClean="0">
+                <a:latin typeface="Arial"/>
+                <a:cs typeface="Arial"/>
+              </a:rPr>
+              <a:t>Psychology </a:t>
+            </a:r>
+            <a:r>
+              <a:rPr lang="en-US" sz="4400" dirty="0" smtClean="0">
+                <a:latin typeface="Arial"/>
+                <a:cs typeface="Arial"/>
+              </a:rPr>
+              <a:t>is rich with </a:t>
+            </a:r>
+            <a:r>
+              <a:rPr lang="en-US" sz="4400" dirty="0" smtClean="0">
+                <a:latin typeface="Arial"/>
+                <a:cs typeface="Arial"/>
+              </a:rPr>
+              <a:t>behavioral tasks measuring </a:t>
+            </a:r>
+            <a:r>
+              <a:rPr lang="en-US" sz="4400" dirty="0" smtClean="0">
+                <a:latin typeface="Arial"/>
+                <a:cs typeface="Arial"/>
+              </a:rPr>
+              <a:t>of </a:t>
             </a:r>
             <a:r>
               <a:rPr lang="en-US" sz="4400" dirty="0">
@@ -4381,8 +4354,19 @@
                 <a:latin typeface="Arial"/>
                 <a:cs typeface="Arial"/>
               </a:rPr>
-              <a:t>inhibition, delay discounting etc.</a:t>
-            </a:r>
+              <a:t>inhibition, delay </a:t>
+            </a:r>
+            <a:r>
+              <a:rPr lang="en-US" sz="4400" dirty="0" smtClean="0">
+                <a:latin typeface="Arial"/>
+                <a:cs typeface="Arial"/>
+              </a:rPr>
+              <a:t>discounting</a:t>
+            </a:r>
+            <a:endParaRPr lang="en-US" sz="4400" dirty="0">
+              <a:latin typeface="Arial"/>
+              <a:cs typeface="Arial"/>
+            </a:endParaRPr>
           </a:p>
           <a:p>
             <a:pPr>
@@ -4401,14 +4385,28 @@
                 <a:latin typeface="Arial"/>
                 <a:cs typeface="Arial"/>
               </a:rPr>
-              <a:t>measures are often assumed to capture trait-like individual differences without evaluating their stability over time</a:t>
+              <a:t>measures </a:t>
             </a:r>
             <a:r>
               <a:rPr lang="en-US" sz="4400" dirty="0" smtClean="0">
                 <a:latin typeface="Arial"/>
                 <a:cs typeface="Arial"/>
               </a:rPr>
-              <a:t>.</a:t>
+              <a:t>are </a:t>
+            </a:r>
+            <a:r>
+              <a:rPr lang="en-US" sz="4400" dirty="0">
+                <a:latin typeface="Arial"/>
+                <a:cs typeface="Arial"/>
+              </a:rPr>
+              <a:t>assumed to capture trait-like individual differences without evaluating their stability over time</a:t>
+            </a:r>
+            <a:r>
+              <a:rPr lang="en-US" sz="4400" dirty="0" smtClean="0">
+                <a:latin typeface="Arial"/>
+                <a:cs typeface="Arial"/>
+              </a:rPr>
+              <a:t>. </a:t>
             </a:r>
             <a:endParaRPr lang="en-US" sz="4400" dirty="0">
               <a:latin typeface="Arial"/>
@@ -4425,7 +4423,14 @@
                 <a:latin typeface="Arial"/>
                 <a:cs typeface="Arial"/>
               </a:rPr>
-              <a:t> We present a comprehensive literature review as well as novel analyses on a new large dataset containing both types of measures</a:t>
+              <a:t> We </a:t>
+            </a:r>
+            <a:r>
+              <a:rPr lang="en-US" sz="4400" dirty="0" smtClean="0">
+                <a:latin typeface="Arial"/>
+                <a:cs typeface="Arial"/>
+              </a:rPr>
+              <a:t>compare two common measure types from a large battery of behavioral tasks to determine best trait measures and their features</a:t>
             </a:r>
             <a:endParaRPr lang="en-US" sz="4400" dirty="0">
               <a:latin typeface="Arial"/>
@@ -4465,13 +4470,27 @@
                 <a:latin typeface="Arial"/>
                 <a:cs typeface="Arial"/>
               </a:rPr>
-              <a:t> Battery consisted of 37 cognitive tasks and 23 questionnaires putatively related to self-regulation </a:t>
+              <a:t> Battery consisted of 37 cognitive tasks </a:t>
             </a:r>
             <a:r>
               <a:rPr lang="en-US" sz="4400" dirty="0" smtClean="0">
                 <a:latin typeface="Arial"/>
                 <a:cs typeface="Arial"/>
-                <a:hlinkClick r:id="rId5"/>
+              </a:rPr>
+              <a:t>related </a:t>
+            </a:r>
+            <a:r>
+              <a:rPr lang="en-US" sz="4400" dirty="0" smtClean="0">
+                <a:latin typeface="Arial"/>
+                <a:cs typeface="Arial"/>
+              </a:rPr>
+              <a:t>to self-regulation </a:t>
+            </a:r>
+            <a:r>
+              <a:rPr lang="en-US" sz="4400" dirty="0" smtClean="0">
+                <a:latin typeface="Arial"/>
+                <a:cs typeface="Arial"/>
+                <a:hlinkClick r:id="rId4"/>
               </a:rPr>
               <a:t>https:</a:t>
             </a:r>
@@ -4479,7 +4498,7 @@
               <a:rPr lang="en-US" sz="4400" dirty="0">
                 <a:latin typeface="Arial"/>
                 <a:cs typeface="Arial"/>
-                <a:hlinkClick r:id="rId5"/>
+                <a:hlinkClick r:id="rId4"/>
               </a:rPr>
               <a:t>//expfactory.github.io/</a:t>
             </a:r>
@@ -4487,7 +4506,7 @@
               <a:rPr lang="en-US" sz="4400" dirty="0" smtClean="0">
                 <a:latin typeface="Arial"/>
                 <a:cs typeface="Arial"/>
-                <a:hlinkClick r:id="rId5"/>
+                <a:hlinkClick r:id="rId4"/>
               </a:rPr>
               <a:t>table.html</a:t>
             </a:r>
@@ -4560,7 +4579,21 @@
                 <a:latin typeface="Arial"/>
                 <a:cs typeface="Arial"/>
               </a:rPr>
-              <a:t>ICC’s were used as the main retest reliability metric (no changes with Spearman or Pearson correlations)</a:t>
+              <a:t>Bootstrapped </a:t>
+            </a:r>
+            <a:r>
+              <a:rPr lang="en-US" sz="4400" dirty="0" smtClean="0">
+                <a:latin typeface="Arial"/>
+                <a:cs typeface="Arial"/>
+              </a:rPr>
+              <a:t>reliabilities (n = 1000</a:t>
+            </a:r>
+            <a:r>
+              <a:rPr lang="en-US" sz="4400" dirty="0" smtClean="0">
+                <a:latin typeface="Arial"/>
+                <a:cs typeface="Arial"/>
+              </a:rPr>
+              <a:t>)</a:t>
             </a:r>
           </a:p>
           <a:p>
@@ -4580,8 +4613,32 @@
                 <a:latin typeface="Arial"/>
                 <a:cs typeface="Arial"/>
               </a:rPr>
-              <a:t>Bootstrapped reliabilities (n = 1000)</a:t>
-            </a:r>
+              <a:t>Raw measures: RT and accuracy</a:t>
+            </a:r>
+          </a:p>
+          <a:p>
+            <a:pPr>
+              <a:buFont typeface="Arial"/>
+              <a:buChar char="•"/>
+            </a:pPr>
+            <a:r>
+              <a:rPr lang="en-US" sz="4400" dirty="0">
+                <a:latin typeface="Arial"/>
+                <a:cs typeface="Arial"/>
+              </a:rPr>
+              <a:t> </a:t>
+            </a:r>
+            <a:r>
+              <a:rPr lang="en-US" sz="4400" dirty="0" smtClean="0">
+                <a:latin typeface="Arial"/>
+                <a:cs typeface="Arial"/>
+              </a:rPr>
+              <a:t>2 types of DDM: EZ and HDDM</a:t>
+            </a:r>
+            <a:endParaRPr lang="en-US" sz="4400" dirty="0" smtClean="0">
+              <a:latin typeface="Arial"/>
+              <a:cs typeface="Arial"/>
+            </a:endParaRPr>
           </a:p>
         </p:txBody>
       </p:sp>
@@ -4782,67 +4839,6 @@
       </p:sp>
       <p:sp>
         <p:nvSpPr>
-          <p:cNvPr id="186" name="Text Box 424"/>
-          <p:cNvSpPr txBox="1">
-            <a:spLocks noChangeArrowheads="1"/>
-          </p:cNvSpPr>
-          <p:nvPr/>
-        </p:nvSpPr>
-        <p:spPr bwMode="auto">
-          <a:xfrm>
-            <a:off x="10810242" y="5381666"/>
-            <a:ext cx="12801600" cy="844173"/>
-          </a:xfrm>
-          <a:prstGeom prst="rect">
-            <a:avLst/>
-          </a:prstGeom>
-          <a:solidFill>
-            <a:srgbClr val="A40A1D"/>
-          </a:solidFill>
-          <a:ln w="25400">
-            <a:noFill/>
-            <a:miter lim="800000"/>
-            <a:headEnd/>
-            <a:tailEnd/>
-          </a:ln>
-          <a:effectLst/>
-        </p:spPr>
-        <p:txBody>
-          <a:bodyPr wrap="square" lIns="79230" tIns="39614" rIns="79230" bIns="39614">
-            <a:prstTxWarp prst="textNoShape">
-              <a:avLst/>
-            </a:prstTxWarp>
-            <a:spAutoFit/>
-          </a:bodyPr>
-          <a:lstStyle/>
-          <a:p>
-            <a:pPr algn="ctr">
-              <a:spcBef>
-                <a:spcPct val="50000"/>
-              </a:spcBef>
-            </a:pPr>
-            <a:r>
-              <a:rPr lang="en-US" sz="5000" b="1" dirty="0" smtClean="0">
-                <a:solidFill>
-                  <a:schemeClr val="bg1"/>
-                </a:solidFill>
-                <a:latin typeface="Arial"/>
-                <a:cs typeface="Arial"/>
-              </a:rPr>
-              <a:t>Literature review</a:t>
-            </a:r>
-            <a:endParaRPr lang="en-US" sz="5000" dirty="0">
-              <a:solidFill>
-                <a:schemeClr val="bg1"/>
-              </a:solidFill>
-              <a:latin typeface="Arial"/>
-              <a:cs typeface="Arial"/>
-            </a:endParaRPr>
-          </a:p>
-        </p:txBody>
-      </p:sp>
-      <p:sp>
-        <p:nvSpPr>
           <p:cNvPr id="7" name="TextBox 6"/>
           <p:cNvSpPr txBox="1"/>
           <p:nvPr/>
@@ -4868,15 +4864,14 @@
                 <a:latin typeface="Arial"/>
                 <a:cs typeface="Arial"/>
               </a:rPr>
-              <a:t>An interactive version of the literature review as well as a list of all the references can be found at </a:t>
+              <a:t>An interactive version of the literature review as well as a list of all the references can be found </a:t>
             </a:r>
             <a:r>
               <a:rPr lang="en-US" sz="3000" dirty="0" smtClean="0">
                 <a:latin typeface="Arial"/>
                 <a:cs typeface="Arial"/>
-                <a:hlinkClick r:id="rId6" action="ppaction://hlinkfile"/>
               </a:rPr>
-              <a:t>goo.gl/gM7Pgr</a:t>
+              <a:t>at</a:t>
             </a:r>
             <a:endParaRPr lang="en-US" sz="3000" dirty="0">
               <a:latin typeface="Arial"/>
@@ -4916,92 +4911,21 @@
                 <a:latin typeface="Arial"/>
                 <a:cs typeface="Arial"/>
               </a:rPr>
-              <a:t> DVs from tasks show larger variability and </a:t>
-            </a:r>
-            <a:r>
-              <a:rPr lang="en-US" sz="4400" dirty="0">
-                <a:latin typeface="Arial"/>
-                <a:cs typeface="Arial"/>
-              </a:rPr>
-              <a:t>lower </a:t>
+              <a:t> </a:t>
             </a:r>
             <a:r>
               <a:rPr lang="en-US" sz="4400" dirty="0" smtClean="0">
                 <a:latin typeface="Arial"/>
                 <a:cs typeface="Arial"/>
               </a:rPr>
-              <a:t>retest reliability </a:t>
-            </a:r>
-            <a:r>
-              <a:rPr lang="en-US" sz="4400" dirty="0">
-                <a:latin typeface="Arial"/>
-                <a:cs typeface="Arial"/>
-              </a:rPr>
-              <a:t>compared to measures from </a:t>
+              <a:t>Drift </a:t>
             </a:r>
             <a:r>
               <a:rPr lang="en-US" sz="4400" dirty="0" smtClean="0">
                 <a:latin typeface="Arial"/>
                 <a:cs typeface="Arial"/>
               </a:rPr>
-              <a:t>surveys</a:t>
-            </a:r>
-          </a:p>
-          <a:p>
-            <a:pPr>
-              <a:buFont typeface="Arial"/>
-              <a:buChar char="•"/>
-            </a:pPr>
-            <a:r>
-              <a:rPr lang="en-US" sz="4400" dirty="0">
-                <a:latin typeface="Arial"/>
-                <a:cs typeface="Arial"/>
-              </a:rPr>
-              <a:t> </a:t>
-            </a:r>
-            <a:r>
-              <a:rPr lang="en-US" sz="4400" dirty="0" smtClean="0">
-                <a:latin typeface="Arial"/>
-                <a:cs typeface="Arial"/>
-              </a:rPr>
-              <a:t>This lower reliability is due to lower between subjects variance for cognitive task measures</a:t>
-            </a:r>
-          </a:p>
-          <a:p>
-            <a:pPr>
-              <a:buFont typeface="Arial"/>
-              <a:buChar char="•"/>
-            </a:pPr>
-            <a:r>
-              <a:rPr lang="en-US" sz="4400" dirty="0">
-                <a:latin typeface="Arial"/>
-                <a:cs typeface="Arial"/>
-              </a:rPr>
-              <a:t> </a:t>
-            </a:r>
-            <a:r>
-              <a:rPr lang="en-US" sz="4400" dirty="0" smtClean="0">
-                <a:latin typeface="Arial"/>
-                <a:cs typeface="Arial"/>
-              </a:rPr>
-              <a:t>Measures with low between subjects variance are not suitable for individual difference analyses</a:t>
-            </a:r>
-            <a:endParaRPr lang="en-US" sz="4400" dirty="0">
-              <a:latin typeface="Arial"/>
-              <a:cs typeface="Arial"/>
-            </a:endParaRPr>
-          </a:p>
-          <a:p>
-            <a:pPr>
-              <a:buFont typeface="Arial"/>
-              <a:buChar char="•"/>
-            </a:pPr>
-            <a:r>
-              <a:rPr lang="en-US" sz="4400" dirty="0" smtClean="0">
-                <a:latin typeface="Arial"/>
-                <a:cs typeface="Arial"/>
-              </a:rPr>
-              <a:t> Drift diffusion parameters show similar reliability to RT and accuracy</a:t>
+              <a:t>diffusion parameters show similar reliability to RT and accuracy</a:t>
             </a:r>
             <a:endParaRPr lang="en-US" sz="4400" dirty="0">
               <a:latin typeface="Arial"/>
@@ -5068,6 +4992,562 @@
               <a:latin typeface="Arial"/>
               <a:cs typeface="Arial"/>
             </a:endParaRPr>
+          </a:p>
+        </p:txBody>
+      </p:sp>
+      <p:pic>
+        <p:nvPicPr>
+          <p:cNvPr id="18" name="Picture 17" descr="SUSig_Seal_StnfrdOnly_Left.png"/>
+          <p:cNvPicPr>
+            <a:picLocks noChangeAspect="1"/>
+          </p:cNvPicPr>
+          <p:nvPr/>
+        </p:nvPicPr>
+        <p:blipFill>
+          <a:blip r:embed="rId5">
+            <a:extLst>
+              <a:ext uri="{28A0092B-C50C-407E-A947-70E740481C1C}">
+                <a14:useLocalDpi xmlns:a14="http://schemas.microsoft.com/office/drawing/2010/main" val="0"/>
+              </a:ext>
+            </a:extLst>
+          </a:blip>
+          <a:stretch>
+            <a:fillRect/>
+          </a:stretch>
+        </p:blipFill>
+        <p:spPr>
+          <a:xfrm>
+            <a:off x="28109902" y="3180356"/>
+            <a:ext cx="6002095" cy="2256140"/>
+          </a:xfrm>
+          <a:prstGeom prst="rect">
+            <a:avLst/>
+          </a:prstGeom>
+        </p:spPr>
+      </p:pic>
+      <p:pic>
+        <p:nvPicPr>
+          <p:cNvPr id="9" name="Picture 8" descr="Screen Shot 2018-08-11 at 6.37.29 AM.png"/>
+          <p:cNvPicPr>
+            <a:picLocks noChangeAspect="1"/>
+          </p:cNvPicPr>
+          <p:nvPr/>
+        </p:nvPicPr>
+        <p:blipFill>
+          <a:blip r:embed="rId6">
+            <a:extLst>
+              <a:ext uri="{28A0092B-C50C-407E-A947-70E740481C1C}">
+                <a14:useLocalDpi xmlns:a14="http://schemas.microsoft.com/office/drawing/2010/main" val="0"/>
+              </a:ext>
+            </a:extLst>
+          </a:blip>
+          <a:stretch>
+            <a:fillRect/>
+          </a:stretch>
+        </p:blipFill>
+        <p:spPr>
+          <a:xfrm>
+            <a:off x="11121160" y="5850880"/>
+            <a:ext cx="5047134" cy="1869309"/>
+          </a:xfrm>
+          <a:prstGeom prst="rect">
+            <a:avLst/>
+          </a:prstGeom>
+        </p:spPr>
+      </p:pic>
+      <p:pic>
+        <p:nvPicPr>
+          <p:cNvPr id="13" name="Picture 12" descr="Screen Shot 2018-08-11 at 6.37.34 AM.png"/>
+          <p:cNvPicPr>
+            <a:picLocks noChangeAspect="1"/>
+          </p:cNvPicPr>
+          <p:nvPr/>
+        </p:nvPicPr>
+        <p:blipFill>
+          <a:blip r:embed="rId7">
+            <a:extLst>
+              <a:ext uri="{28A0092B-C50C-407E-A947-70E740481C1C}">
+                <a14:useLocalDpi xmlns:a14="http://schemas.microsoft.com/office/drawing/2010/main" val="0"/>
+              </a:ext>
+            </a:extLst>
+          </a:blip>
+          <a:stretch>
+            <a:fillRect/>
+          </a:stretch>
+        </p:blipFill>
+        <p:spPr>
+          <a:xfrm>
+            <a:off x="11911579" y="7896544"/>
+            <a:ext cx="3201061" cy="2055727"/>
+          </a:xfrm>
+          <a:prstGeom prst="rect">
+            <a:avLst/>
+          </a:prstGeom>
+        </p:spPr>
+      </p:pic>
+      <p:grpSp>
+        <p:nvGrpSpPr>
+          <p:cNvPr id="57" name="Group 56"/>
+          <p:cNvGrpSpPr/>
+          <p:nvPr/>
+        </p:nvGrpSpPr>
+        <p:grpSpPr>
+          <a:xfrm>
+            <a:off x="34463767" y="6001475"/>
+            <a:ext cx="2565400" cy="3872505"/>
+            <a:chOff x="34463767" y="6441733"/>
+            <a:chExt cx="2565400" cy="3872505"/>
+          </a:xfrm>
+        </p:grpSpPr>
+        <p:pic>
+          <p:nvPicPr>
+            <p:cNvPr id="14" name="Picture 13" descr="Screen Shot 2018-08-11 at 6.37.47 AM.png"/>
+            <p:cNvPicPr>
+              <a:picLocks noChangeAspect="1"/>
+            </p:cNvPicPr>
+            <p:nvPr/>
+          </p:nvPicPr>
+          <p:blipFill>
+            <a:blip r:embed="rId8">
+              <a:extLst>
+                <a:ext uri="{28A0092B-C50C-407E-A947-70E740481C1C}">
+                  <a14:useLocalDpi xmlns:a14="http://schemas.microsoft.com/office/drawing/2010/main" val="0"/>
+                </a:ext>
+              </a:extLst>
+            </a:blip>
+            <a:stretch>
+              <a:fillRect/>
+            </a:stretch>
+          </p:blipFill>
+          <p:spPr>
+            <a:xfrm>
+              <a:off x="34787617" y="6441733"/>
+              <a:ext cx="1917700" cy="1117600"/>
+            </a:xfrm>
+            <a:prstGeom prst="rect">
+              <a:avLst/>
+            </a:prstGeom>
+          </p:spPr>
+        </p:pic>
+        <p:pic>
+          <p:nvPicPr>
+            <p:cNvPr id="16" name="Picture 15" descr="Screen Shot 2018-08-11 at 6.37.52 AM.png"/>
+            <p:cNvPicPr>
+              <a:picLocks noChangeAspect="1"/>
+            </p:cNvPicPr>
+            <p:nvPr/>
+          </p:nvPicPr>
+          <p:blipFill>
+            <a:blip r:embed="rId9">
+              <a:extLst>
+                <a:ext uri="{28A0092B-C50C-407E-A947-70E740481C1C}">
+                  <a14:useLocalDpi xmlns:a14="http://schemas.microsoft.com/office/drawing/2010/main" val="0"/>
+                </a:ext>
+              </a:extLst>
+            </a:blip>
+            <a:stretch>
+              <a:fillRect/>
+            </a:stretch>
+          </p:blipFill>
+          <p:spPr>
+            <a:xfrm>
+              <a:off x="34609817" y="7872102"/>
+              <a:ext cx="2273300" cy="457200"/>
+            </a:xfrm>
+            <a:prstGeom prst="rect">
+              <a:avLst/>
+            </a:prstGeom>
+          </p:spPr>
+        </p:pic>
+        <p:pic>
+          <p:nvPicPr>
+            <p:cNvPr id="17" name="Picture 16" descr="Screen Shot 2018-08-11 at 6.37.56 AM.png"/>
+            <p:cNvPicPr>
+              <a:picLocks noChangeAspect="1"/>
+            </p:cNvPicPr>
+            <p:nvPr/>
+          </p:nvPicPr>
+          <p:blipFill>
+            <a:blip r:embed="rId10">
+              <a:extLst>
+                <a:ext uri="{28A0092B-C50C-407E-A947-70E740481C1C}">
+                  <a14:useLocalDpi xmlns:a14="http://schemas.microsoft.com/office/drawing/2010/main" val="0"/>
+                </a:ext>
+              </a:extLst>
+            </a:blip>
+            <a:stretch>
+              <a:fillRect/>
+            </a:stretch>
+          </p:blipFill>
+          <p:spPr>
+            <a:xfrm>
+              <a:off x="34463767" y="8625138"/>
+              <a:ext cx="2565400" cy="1689100"/>
+            </a:xfrm>
+            <a:prstGeom prst="rect">
+              <a:avLst/>
+            </a:prstGeom>
+          </p:spPr>
+        </p:pic>
+      </p:grpSp>
+      <p:pic>
+        <p:nvPicPr>
+          <p:cNvPr id="19" name="Picture 18" descr="Screen Shot 2018-08-11 at 6.38.05 AM.png"/>
+          <p:cNvPicPr>
+            <a:picLocks noChangeAspect="1"/>
+          </p:cNvPicPr>
+          <p:nvPr/>
+        </p:nvPicPr>
+        <p:blipFill rotWithShape="1">
+          <a:blip r:embed="rId11">
+            <a:extLst>
+              <a:ext uri="{28A0092B-C50C-407E-A947-70E740481C1C}">
+                <a14:useLocalDpi xmlns:a14="http://schemas.microsoft.com/office/drawing/2010/main" val="0"/>
+              </a:ext>
+            </a:extLst>
+          </a:blip>
+          <a:srcRect t="5783" b="10101"/>
+          <a:stretch/>
+        </p:blipFill>
+        <p:spPr>
+          <a:xfrm>
+            <a:off x="17202299" y="6333066"/>
+            <a:ext cx="1838847" cy="3163824"/>
+          </a:xfrm>
+          <a:prstGeom prst="rect">
+            <a:avLst/>
+          </a:prstGeom>
+        </p:spPr>
+      </p:pic>
+      <p:pic>
+        <p:nvPicPr>
+          <p:cNvPr id="21" name="Picture 20" descr="Screen Shot 2018-08-11 at 6.38.12 AM.png"/>
+          <p:cNvPicPr>
+            <a:picLocks noChangeAspect="1"/>
+          </p:cNvPicPr>
+          <p:nvPr/>
+        </p:nvPicPr>
+        <p:blipFill rotWithShape="1">
+          <a:blip r:embed="rId12">
+            <a:extLst>
+              <a:ext uri="{28A0092B-C50C-407E-A947-70E740481C1C}">
+                <a14:useLocalDpi xmlns:a14="http://schemas.microsoft.com/office/drawing/2010/main" val="0"/>
+              </a:ext>
+            </a:extLst>
+          </a:blip>
+          <a:srcRect t="2293" b="4842"/>
+          <a:stretch/>
+        </p:blipFill>
+        <p:spPr>
+          <a:xfrm>
+            <a:off x="19831481" y="6333066"/>
+            <a:ext cx="1675534" cy="3163824"/>
+          </a:xfrm>
+          <a:prstGeom prst="rect">
+            <a:avLst/>
+          </a:prstGeom>
+        </p:spPr>
+      </p:pic>
+      <p:grpSp>
+        <p:nvGrpSpPr>
+          <p:cNvPr id="56" name="Group 55"/>
+          <p:cNvGrpSpPr/>
+          <p:nvPr/>
+        </p:nvGrpSpPr>
+        <p:grpSpPr>
+          <a:xfrm>
+            <a:off x="22583419" y="5869796"/>
+            <a:ext cx="7710314" cy="3897258"/>
+            <a:chOff x="22583419" y="5869796"/>
+            <a:chExt cx="7710314" cy="3897258"/>
+          </a:xfrm>
+        </p:grpSpPr>
+        <p:grpSp>
+          <p:nvGrpSpPr>
+            <p:cNvPr id="55" name="Group 54"/>
+            <p:cNvGrpSpPr/>
+            <p:nvPr/>
+          </p:nvGrpSpPr>
+          <p:grpSpPr>
+            <a:xfrm>
+              <a:off x="22583419" y="5869796"/>
+              <a:ext cx="7710314" cy="1907462"/>
+              <a:chOff x="22583419" y="5869796"/>
+              <a:chExt cx="7710314" cy="1907462"/>
+            </a:xfrm>
+          </p:grpSpPr>
+          <p:grpSp>
+            <p:nvGrpSpPr>
+              <p:cNvPr id="54" name="Group 53"/>
+              <p:cNvGrpSpPr/>
+              <p:nvPr/>
+            </p:nvGrpSpPr>
+            <p:grpSpPr>
+              <a:xfrm>
+                <a:off x="22583419" y="5950275"/>
+                <a:ext cx="3108861" cy="1746504"/>
+                <a:chOff x="22583419" y="5968681"/>
+                <a:chExt cx="3108861" cy="1746504"/>
+              </a:xfrm>
+            </p:grpSpPr>
+            <p:pic>
+              <p:nvPicPr>
+                <p:cNvPr id="22" name="Picture 21" descr="response-time.png"/>
+                <p:cNvPicPr>
+                  <a:picLocks noChangeAspect="1"/>
+                </p:cNvPicPr>
+                <p:nvPr/>
+              </p:nvPicPr>
+              <p:blipFill>
+                <a:blip r:embed="rId13">
+                  <a:biLevel thresh="75000"/>
+                  <a:extLst>
+                    <a:ext uri="{28A0092B-C50C-407E-A947-70E740481C1C}">
+                      <a14:useLocalDpi xmlns:a14="http://schemas.microsoft.com/office/drawing/2010/main" val="0"/>
+                    </a:ext>
+                  </a:extLst>
+                </a:blip>
+                <a:stretch>
+                  <a:fillRect/>
+                </a:stretch>
+              </p:blipFill>
+              <p:spPr>
+                <a:xfrm>
+                  <a:off x="22583419" y="5968681"/>
+                  <a:ext cx="1292413" cy="1746504"/>
+                </a:xfrm>
+                <a:prstGeom prst="rect">
+                  <a:avLst/>
+                </a:prstGeom>
+              </p:spPr>
+            </p:pic>
+            <p:pic>
+              <p:nvPicPr>
+                <p:cNvPr id="23" name="Picture 22" descr="accuracy.jpg"/>
+                <p:cNvPicPr>
+                  <a:picLocks noChangeAspect="1"/>
+                </p:cNvPicPr>
+                <p:nvPr/>
+              </p:nvPicPr>
+              <p:blipFill>
+                <a:blip r:embed="rId14">
+                  <a:extLst>
+                    <a:ext uri="{28A0092B-C50C-407E-A947-70E740481C1C}">
+                      <a14:useLocalDpi xmlns:a14="http://schemas.microsoft.com/office/drawing/2010/main" val="0"/>
+                    </a:ext>
+                  </a:extLst>
+                </a:blip>
+                <a:stretch>
+                  <a:fillRect/>
+                </a:stretch>
+              </p:blipFill>
+              <p:spPr>
+                <a:xfrm>
+                  <a:off x="23953278" y="5972432"/>
+                  <a:ext cx="1739002" cy="1739002"/>
+                </a:xfrm>
+                <a:prstGeom prst="rect">
+                  <a:avLst/>
+                </a:prstGeom>
+              </p:spPr>
+            </p:pic>
+          </p:grpSp>
+          <p:pic>
+            <p:nvPicPr>
+              <p:cNvPr id="24" name="Picture 23" descr="hddm-hierarchical-bayesian-estimation-of-the-drift-diffusion-model-in-python_20708267.jpeg"/>
+              <p:cNvPicPr>
+                <a:picLocks noChangeAspect="1"/>
+              </p:cNvPicPr>
+              <p:nvPr/>
+            </p:nvPicPr>
+            <p:blipFill rotWithShape="1">
+              <a:blip r:embed="rId15">
+                <a:extLst>
+                  <a:ext uri="{28A0092B-C50C-407E-A947-70E740481C1C}">
+                    <a14:useLocalDpi xmlns:a14="http://schemas.microsoft.com/office/drawing/2010/main" val="0"/>
+                  </a:ext>
+                </a:extLst>
+              </a:blip>
+              <a:srcRect l="2467" t="33013" r="3726" b="32488"/>
+              <a:stretch/>
+            </p:blipFill>
+            <p:spPr>
+              <a:xfrm>
+                <a:off x="27031882" y="5869796"/>
+                <a:ext cx="3261851" cy="1907462"/>
+              </a:xfrm>
+              <a:prstGeom prst="rect">
+                <a:avLst/>
+              </a:prstGeom>
+            </p:spPr>
+          </p:pic>
+        </p:grpSp>
+        <p:sp>
+          <p:nvSpPr>
+            <p:cNvPr id="51" name="Right Brace 50"/>
+            <p:cNvSpPr/>
+            <p:nvPr/>
+          </p:nvSpPr>
+          <p:spPr>
+            <a:xfrm rot="5400000">
+              <a:off x="26035253" y="4862941"/>
+              <a:ext cx="806647" cy="6956656"/>
+            </a:xfrm>
+            <a:prstGeom prst="rightBrace">
+              <a:avLst/>
+            </a:prstGeom>
+            <a:ln w="57150" cmpd="sng">
+              <a:headEnd type="none"/>
+              <a:tailEnd type="none"/>
+            </a:ln>
+          </p:spPr>
+          <p:style>
+            <a:lnRef idx="2">
+              <a:schemeClr val="dk1"/>
+            </a:lnRef>
+            <a:fillRef idx="0">
+              <a:schemeClr val="dk1"/>
+            </a:fillRef>
+            <a:effectRef idx="1">
+              <a:schemeClr val="dk1"/>
+            </a:effectRef>
+            <a:fontRef idx="minor">
+              <a:schemeClr val="tx1"/>
+            </a:fontRef>
+          </p:style>
+          <p:txBody>
+            <a:bodyPr rtlCol="0" anchor="ctr"/>
+            <a:lstStyle/>
+            <a:p>
+              <a:pPr algn="ctr"/>
+              <a:endParaRPr lang="en-US"/>
+            </a:p>
+          </p:txBody>
+        </p:sp>
+        <p:sp>
+          <p:nvSpPr>
+            <p:cNvPr id="53" name="TextBox 52"/>
+            <p:cNvSpPr txBox="1"/>
+            <p:nvPr/>
+          </p:nvSpPr>
+          <p:spPr>
+            <a:xfrm>
+              <a:off x="24430467" y="8905280"/>
+              <a:ext cx="4016219" cy="861774"/>
+            </a:xfrm>
+            <a:prstGeom prst="rect">
+              <a:avLst/>
+            </a:prstGeom>
+            <a:noFill/>
+          </p:spPr>
+          <p:txBody>
+            <a:bodyPr wrap="none" rtlCol="0">
+              <a:spAutoFit/>
+            </a:bodyPr>
+            <a:lstStyle/>
+            <a:p>
+              <a:r>
+                <a:rPr lang="en-US" sz="5000" dirty="0" smtClean="0"/>
+                <a:t>Factor analysis</a:t>
+              </a:r>
+              <a:endParaRPr lang="en-US" sz="5000" dirty="0"/>
+            </a:p>
+          </p:txBody>
+        </p:sp>
+      </p:grpSp>
+      <p:cxnSp>
+        <p:nvCxnSpPr>
+          <p:cNvPr id="59" name="Straight Arrow Connector 58"/>
+          <p:cNvCxnSpPr/>
+          <p:nvPr/>
+        </p:nvCxnSpPr>
+        <p:spPr>
+          <a:xfrm>
+            <a:off x="30852533" y="6688672"/>
+            <a:ext cx="3403600" cy="978345"/>
+          </a:xfrm>
+          <a:prstGeom prst="straightConnector1">
+            <a:avLst/>
+          </a:prstGeom>
+          <a:ln w="57150" cmpd="sng">
+            <a:tailEnd type="arrow"/>
+          </a:ln>
+        </p:spPr>
+        <p:style>
+          <a:lnRef idx="2">
+            <a:schemeClr val="dk1"/>
+          </a:lnRef>
+          <a:fillRef idx="0">
+            <a:schemeClr val="dk1"/>
+          </a:fillRef>
+          <a:effectRef idx="1">
+            <a:schemeClr val="dk1"/>
+          </a:effectRef>
+          <a:fontRef idx="minor">
+            <a:schemeClr val="tx1"/>
+          </a:fontRef>
+        </p:style>
+      </p:cxnSp>
+      <p:cxnSp>
+        <p:nvCxnSpPr>
+          <p:cNvPr id="65" name="Straight Arrow Connector 64"/>
+          <p:cNvCxnSpPr/>
+          <p:nvPr/>
+        </p:nvCxnSpPr>
+        <p:spPr>
+          <a:xfrm flipV="1">
+            <a:off x="30869469" y="7806253"/>
+            <a:ext cx="3403600" cy="978345"/>
+          </a:xfrm>
+          <a:prstGeom prst="straightConnector1">
+            <a:avLst/>
+          </a:prstGeom>
+          <a:ln w="57150" cmpd="sng">
+            <a:tailEnd type="arrow"/>
+          </a:ln>
+        </p:spPr>
+        <p:style>
+          <a:lnRef idx="2">
+            <a:schemeClr val="dk1"/>
+          </a:lnRef>
+          <a:fillRef idx="0">
+            <a:schemeClr val="dk1"/>
+          </a:fillRef>
+          <a:effectRef idx="1">
+            <a:schemeClr val="dk1"/>
+          </a:effectRef>
+          <a:fontRef idx="minor">
+            <a:schemeClr val="tx1"/>
+          </a:fontRef>
+        </p:style>
+      </p:cxnSp>
+      <p:sp>
+        <p:nvSpPr>
+          <p:cNvPr id="66" name="TextBox 65"/>
+          <p:cNvSpPr txBox="1"/>
+          <p:nvPr/>
+        </p:nvSpPr>
+        <p:spPr>
+          <a:xfrm>
+            <a:off x="30593598" y="8884867"/>
+            <a:ext cx="2845901" cy="861774"/>
+          </a:xfrm>
+          <a:prstGeom prst="rect">
+            <a:avLst/>
+          </a:prstGeom>
+          <a:noFill/>
+        </p:spPr>
+        <p:txBody>
+          <a:bodyPr wrap="none" rtlCol="0">
+            <a:spAutoFit/>
+          </a:bodyPr>
+          <a:lstStyle/>
+          <a:p>
+            <a:r>
+              <a:rPr lang="en-US" sz="5000" dirty="0" smtClean="0"/>
+              <a:t>Prediction</a:t>
+            </a:r>
+            <a:endParaRPr lang="en-US" sz="5000" dirty="0"/>
           </a:p>
         </p:txBody>
       </p:sp>

--- a/presentations/NeuroeconPoster2018.pptx
+++ b/presentations/NeuroeconPoster2018.pptx
@@ -4470,21 +4470,28 @@
                 <a:latin typeface="Arial"/>
                 <a:cs typeface="Arial"/>
               </a:rPr>
-              <a:t> Battery consisted of 37 cognitive tasks </a:t>
+              <a:t> </a:t>
+            </a:r>
+            <a:r>
+              <a:rPr lang="en-US" sz="4400" smtClean="0">
+                <a:latin typeface="Arial"/>
+                <a:cs typeface="Arial"/>
+              </a:rPr>
+              <a:t>Extracted 14 </a:t>
             </a:r>
             <a:r>
               <a:rPr lang="en-US" sz="4400" dirty="0" smtClean="0">
                 <a:latin typeface="Arial"/>
                 <a:cs typeface="Arial"/>
               </a:rPr>
-              <a:t>related </a:t>
+              <a:t>tasks from larger battery related to self</a:t>
             </a:r>
             <a:r>
               <a:rPr lang="en-US" sz="4400" dirty="0" smtClean="0">
                 <a:latin typeface="Arial"/>
                 <a:cs typeface="Arial"/>
               </a:rPr>
-              <a:t>to self-regulation </a:t>
+              <a:t>-regulation </a:t>
             </a:r>
             <a:r>
               <a:rPr lang="en-US" sz="4400" dirty="0" smtClean="0">

--- a/presentations/NeuroeconPoster2018.pptx
+++ b/presentations/NeuroeconPoster2018.pptx
@@ -112,7 +112,7 @@
   </p:defaultTextStyle>
   <p:extLst>
     <p:ext uri="{EFAFB233-063F-42B5-8137-9DF3F51BA10A}">
-      <p15:sldGuideLst xmlns:p15="http://schemas.microsoft.com/office/powerpoint/2012/main" xmlns="">
+      <p15:sldGuideLst xmlns="" xmlns:p15="http://schemas.microsoft.com/office/powerpoint/2012/main">
         <p15:guide id="1" orient="horz" pos="10368">
           <p15:clr>
             <a:srgbClr val="A4A3A4"/>
@@ -217,7 +217,7 @@
           <a:p>
             <a:fld id="{1ADD2877-6E47-914A-A562-5BB1D9253FFF}" type="datetimeFigureOut">
               <a:rPr lang="en-US" smtClean="0"/>
-              <a:t>8/10/18</a:t>
+              <a:t>9/21/18</a:t>
             </a:fld>
             <a:endParaRPr lang="en-US"/>
           </a:p>
@@ -383,7 +383,7 @@
             <a:fld id="{9C8C3FF2-16C4-3444-9527-EB6C5966600B}" type="datetimeFigureOut">
               <a:rPr lang="en-US" smtClean="0"/>
               <a:pPr/>
-              <a:t>8/10/18</a:t>
+              <a:t>9/21/18</a:t>
             </a:fld>
             <a:endParaRPr lang="en-US"/>
           </a:p>
@@ -1116,7 +1116,7 @@
             <a:fld id="{34EA0383-EA84-CF41-8911-55C3D60C640A}" type="datetimeFigureOut">
               <a:rPr lang="en-US" smtClean="0"/>
               <a:pPr/>
-              <a:t>8/10/18</a:t>
+              <a:t>9/21/18</a:t>
             </a:fld>
             <a:endParaRPr lang="en-US"/>
           </a:p>
@@ -1283,7 +1283,7 @@
             <a:fld id="{34EA0383-EA84-CF41-8911-55C3D60C640A}" type="datetimeFigureOut">
               <a:rPr lang="en-US" smtClean="0"/>
               <a:pPr/>
-              <a:t>8/10/18</a:t>
+              <a:t>9/21/18</a:t>
             </a:fld>
             <a:endParaRPr lang="en-US"/>
           </a:p>
@@ -1460,7 +1460,7 @@
             <a:fld id="{34EA0383-EA84-CF41-8911-55C3D60C640A}" type="datetimeFigureOut">
               <a:rPr lang="en-US" smtClean="0"/>
               <a:pPr/>
-              <a:t>8/10/18</a:t>
+              <a:t>9/21/18</a:t>
             </a:fld>
             <a:endParaRPr lang="en-US"/>
           </a:p>
@@ -1627,7 +1627,7 @@
             <a:fld id="{34EA0383-EA84-CF41-8911-55C3D60C640A}" type="datetimeFigureOut">
               <a:rPr lang="en-US" smtClean="0"/>
               <a:pPr/>
-              <a:t>8/10/18</a:t>
+              <a:t>9/21/18</a:t>
             </a:fld>
             <a:endParaRPr lang="en-US"/>
           </a:p>
@@ -1870,7 +1870,7 @@
             <a:fld id="{34EA0383-EA84-CF41-8911-55C3D60C640A}" type="datetimeFigureOut">
               <a:rPr lang="en-US" smtClean="0"/>
               <a:pPr/>
-              <a:t>8/10/18</a:t>
+              <a:t>9/21/18</a:t>
             </a:fld>
             <a:endParaRPr lang="en-US"/>
           </a:p>
@@ -2155,7 +2155,7 @@
             <a:fld id="{34EA0383-EA84-CF41-8911-55C3D60C640A}" type="datetimeFigureOut">
               <a:rPr lang="en-US" smtClean="0"/>
               <a:pPr/>
-              <a:t>8/10/18</a:t>
+              <a:t>9/21/18</a:t>
             </a:fld>
             <a:endParaRPr lang="en-US"/>
           </a:p>
@@ -2579,7 +2579,7 @@
             <a:fld id="{34EA0383-EA84-CF41-8911-55C3D60C640A}" type="datetimeFigureOut">
               <a:rPr lang="en-US" smtClean="0"/>
               <a:pPr/>
-              <a:t>8/10/18</a:t>
+              <a:t>9/21/18</a:t>
             </a:fld>
             <a:endParaRPr lang="en-US"/>
           </a:p>
@@ -2694,7 +2694,7 @@
             <a:fld id="{34EA0383-EA84-CF41-8911-55C3D60C640A}" type="datetimeFigureOut">
               <a:rPr lang="en-US" smtClean="0"/>
               <a:pPr/>
-              <a:t>8/10/18</a:t>
+              <a:t>9/21/18</a:t>
             </a:fld>
             <a:endParaRPr lang="en-US"/>
           </a:p>
@@ -2786,7 +2786,7 @@
             <a:fld id="{34EA0383-EA84-CF41-8911-55C3D60C640A}" type="datetimeFigureOut">
               <a:rPr lang="en-US" smtClean="0"/>
               <a:pPr/>
-              <a:t>8/10/18</a:t>
+              <a:t>9/21/18</a:t>
             </a:fld>
             <a:endParaRPr lang="en-US"/>
           </a:p>
@@ -3060,7 +3060,7 @@
             <a:fld id="{34EA0383-EA84-CF41-8911-55C3D60C640A}" type="datetimeFigureOut">
               <a:rPr lang="en-US" smtClean="0"/>
               <a:pPr/>
-              <a:t>8/10/18</a:t>
+              <a:t>9/21/18</a:t>
             </a:fld>
             <a:endParaRPr lang="en-US"/>
           </a:p>
@@ -3310,7 +3310,7 @@
             <a:fld id="{34EA0383-EA84-CF41-8911-55C3D60C640A}" type="datetimeFigureOut">
               <a:rPr lang="en-US" smtClean="0"/>
               <a:pPr/>
-              <a:t>8/10/18</a:t>
+              <a:t>9/21/18</a:t>
             </a:fld>
             <a:endParaRPr lang="en-US"/>
           </a:p>
@@ -3520,7 +3520,7 @@
             <a:fld id="{34EA0383-EA84-CF41-8911-55C3D60C640A}" type="datetimeFigureOut">
               <a:rPr lang="en-US" smtClean="0"/>
               <a:pPr/>
-              <a:t>8/10/18</a:t>
+              <a:t>9/21/18</a:t>
             </a:fld>
             <a:endParaRPr lang="en-US"/>
           </a:p>
@@ -3934,21 +3934,7 @@
                 <a:latin typeface="Arial"/>
                 <a:cs typeface="Arial"/>
               </a:rPr>
-              <a:t>A large-scale </a:t>
-            </a:r>
-            <a:r>
-              <a:rPr lang="en-US" sz="8700" dirty="0" smtClean="0">
-                <a:latin typeface="Arial"/>
-                <a:cs typeface="Arial"/>
-              </a:rPr>
-              <a:t>comparison of cognitive task measures of self-regulation: raw measures vs. model parameters </a:t>
-            </a:r>
-            <a:r>
-              <a:rPr lang="en-US" sz="8700" dirty="0" smtClean="0">
-                <a:latin typeface="Arial"/>
-                <a:cs typeface="Arial"/>
-              </a:rPr>
-              <a:t>for individual difference analyses</a:t>
+              <a:t>A large-scale comparison of cognitive task measures of self-regulation: raw measures vs. model parameters for individual difference analyses</a:t>
             </a:r>
             <a:endParaRPr lang="en-US" sz="8700" dirty="0">
               <a:latin typeface="Arial"/>
@@ -3961,28 +3947,7 @@
                 <a:latin typeface="Arial"/>
                 <a:cs typeface="Arial"/>
               </a:rPr>
-              <a:t>A. Zeynep Enkavi, Ian </a:t>
-            </a:r>
-            <a:r>
-              <a:rPr lang="en-US" sz="6000" dirty="0" smtClean="0">
-                <a:latin typeface="Arial"/>
-                <a:cs typeface="Arial"/>
-              </a:rPr>
-              <a:t>W. </a:t>
-            </a:r>
-            <a:r>
-              <a:rPr lang="en-US" sz="6000" dirty="0" smtClean="0">
-                <a:latin typeface="Arial"/>
-                <a:cs typeface="Arial"/>
-              </a:rPr>
-              <a:t>Eisenberg, Patrick </a:t>
-            </a:r>
-            <a:r>
-              <a:rPr lang="en-US" sz="6000" dirty="0" smtClean="0">
-                <a:latin typeface="Arial"/>
-                <a:cs typeface="Arial"/>
-              </a:rPr>
-              <a:t>G. </a:t>
+              <a:t>A. Zeynep Enkavi, Ian W. Eisenberg, Patrick G. </a:t>
             </a:r>
             <a:r>
               <a:rPr lang="en-US" sz="6000" dirty="0" err="1" smtClean="0">
@@ -3996,14 +3961,7 @@
                 <a:latin typeface="Arial"/>
                 <a:cs typeface="Arial"/>
               </a:rPr>
-              <a:t>, Russell A</a:t>
-            </a:r>
-            <a:r>
-              <a:rPr lang="en-US" sz="6000" dirty="0" smtClean="0">
-                <a:latin typeface="Arial"/>
-                <a:cs typeface="Arial"/>
-              </a:rPr>
-              <a:t>. </a:t>
+              <a:t>, Russell A. </a:t>
             </a:r>
             <a:r>
               <a:rPr lang="en-US" sz="6000" dirty="0" err="1" smtClean="0">
@@ -4028,31 +3986,7 @@
                 <a:latin typeface="Arial"/>
                 <a:cs typeface="Arial"/>
               </a:rPr>
-              <a:t>Department </a:t>
-            </a:r>
-            <a:r>
-              <a:rPr lang="en-US" sz="4200" dirty="0" smtClean="0">
-                <a:solidFill>
-                  <a:schemeClr val="bg1">
-                    <a:lumMod val="50000"/>
-                  </a:schemeClr>
-                </a:solidFill>
-                <a:latin typeface="Arial"/>
-                <a:cs typeface="Arial"/>
-              </a:rPr>
-              <a:t>of Psychology, Stanford </a:t>
-            </a:r>
-            <a:r>
-              <a:rPr lang="en-US" sz="4200" dirty="0" smtClean="0">
-                <a:solidFill>
-                  <a:schemeClr val="bg1">
-                    <a:lumMod val="50000"/>
-                  </a:schemeClr>
-                </a:solidFill>
-                <a:latin typeface="Arial"/>
-                <a:cs typeface="Arial"/>
-              </a:rPr>
-              <a:t>University</a:t>
+              <a:t>Department of Psychology, Stanford University</a:t>
             </a:r>
             <a:endParaRPr lang="en-US" sz="4200" baseline="30000" dirty="0">
               <a:solidFill>
@@ -4305,35 +4239,7 @@
                 <a:latin typeface="Arial"/>
                 <a:cs typeface="Arial"/>
               </a:rPr>
-              <a:t> </a:t>
-            </a:r>
-            <a:r>
-              <a:rPr lang="en-US" sz="4400" dirty="0" smtClean="0">
-                <a:latin typeface="Arial"/>
-                <a:cs typeface="Arial"/>
-              </a:rPr>
-              <a:t>Psychology </a:t>
-            </a:r>
-            <a:r>
-              <a:rPr lang="en-US" sz="4400" dirty="0" smtClean="0">
-                <a:latin typeface="Arial"/>
-                <a:cs typeface="Arial"/>
-              </a:rPr>
-              <a:t>is rich with </a:t>
-            </a:r>
-            <a:r>
-              <a:rPr lang="en-US" sz="4400" dirty="0" smtClean="0">
-                <a:latin typeface="Arial"/>
-                <a:cs typeface="Arial"/>
-              </a:rPr>
-              <a:t>behavioral tasks measuring </a:t>
-            </a:r>
-            <a:r>
-              <a:rPr lang="en-US" sz="4400" dirty="0" smtClean="0">
-                <a:latin typeface="Arial"/>
-                <a:cs typeface="Arial"/>
-              </a:rPr>
-              <a:t>of </a:t>
+              <a:t> Psychology is rich with behavioral tasks measuring of </a:t>
             </a:r>
             <a:r>
               <a:rPr lang="en-US" sz="4400" dirty="0">
@@ -4399,14 +4305,14 @@
                 <a:latin typeface="Arial"/>
                 <a:cs typeface="Arial"/>
               </a:rPr>
-              <a:t>assumed to capture trait-like individual differences without evaluating their stability over time</a:t>
+              <a:t>assumed to capture trait-like individual differences without evaluating their stability over </a:t>
             </a:r>
             <a:r>
               <a:rPr lang="en-US" sz="4400" dirty="0" smtClean="0">
                 <a:latin typeface="Arial"/>
                 <a:cs typeface="Arial"/>
               </a:rPr>
-              <a:t>. </a:t>
+              <a:t>time </a:t>
             </a:r>
             <a:endParaRPr lang="en-US" sz="4400" dirty="0">
               <a:latin typeface="Arial"/>
@@ -4423,14 +4329,7 @@
                 <a:latin typeface="Arial"/>
                 <a:cs typeface="Arial"/>
               </a:rPr>
-              <a:t> We </a:t>
-            </a:r>
-            <a:r>
-              <a:rPr lang="en-US" sz="4400" dirty="0" smtClean="0">
-                <a:latin typeface="Arial"/>
-                <a:cs typeface="Arial"/>
-              </a:rPr>
-              <a:t>compare two common measure types from a large battery of behavioral tasks to determine best trait measures and their features</a:t>
+              <a:t> We compare two common measure types from a large battery of behavioral tasks to determine best trait measures and their features</a:t>
             </a:r>
             <a:endParaRPr lang="en-US" sz="4400" dirty="0">
               <a:latin typeface="Arial"/>
@@ -4470,69 +4369,49 @@
                 <a:latin typeface="Arial"/>
                 <a:cs typeface="Arial"/>
               </a:rPr>
-              <a:t> </a:t>
-            </a:r>
-            <a:r>
-              <a:rPr lang="en-US" sz="4400" smtClean="0">
-                <a:latin typeface="Arial"/>
-                <a:cs typeface="Arial"/>
-              </a:rPr>
-              <a:t>Extracted 14 </a:t>
+              <a:t> Extracted 14 tasks from larger battery </a:t>
             </a:r>
             <a:r>
               <a:rPr lang="en-US" sz="4400" dirty="0" smtClean="0">
                 <a:latin typeface="Arial"/>
                 <a:cs typeface="Arial"/>
               </a:rPr>
-              <a:t>tasks from larger battery related to self</a:t>
+              <a:t>on reliability of </a:t>
             </a:r>
             <a:r>
               <a:rPr lang="en-US" sz="4400" dirty="0" smtClean="0">
                 <a:latin typeface="Arial"/>
                 <a:cs typeface="Arial"/>
               </a:rPr>
-              <a:t>-regulation </a:t>
-            </a:r>
-            <a:r>
-              <a:rPr lang="en-US" sz="4400" dirty="0" smtClean="0">
-                <a:latin typeface="Arial"/>
-                <a:cs typeface="Arial"/>
-                <a:hlinkClick r:id="rId4"/>
-              </a:rPr>
-              <a:t>https:</a:t>
-            </a:r>
-            <a:r>
-              <a:rPr lang="en-US" sz="4400" dirty="0">
-                <a:latin typeface="Arial"/>
-                <a:cs typeface="Arial"/>
-                <a:hlinkClick r:id="rId4"/>
-              </a:rPr>
-              <a:t>//expfactory.github.io/</a:t>
-            </a:r>
-            <a:r>
-              <a:rPr lang="en-US" sz="4400" dirty="0" smtClean="0">
-                <a:latin typeface="Arial"/>
-                <a:cs typeface="Arial"/>
-                <a:hlinkClick r:id="rId4"/>
-              </a:rPr>
-              <a:t>table.html</a:t>
-            </a:r>
-            <a:endParaRPr lang="en-US" sz="4400" dirty="0" smtClean="0">
-              <a:latin typeface="Arial"/>
-              <a:cs typeface="Arial"/>
-            </a:endParaRPr>
-          </a:p>
-          <a:p>
-            <a:pPr>
-              <a:buFont typeface="Arial"/>
-              <a:buChar char="•"/>
-            </a:pPr>
+              <a:t>self</a:t>
+            </a:r>
             <a:r>
               <a:rPr lang="en-US" sz="4400" dirty="0" smtClean="0">
                 <a:latin typeface="Arial"/>
                 <a:cs typeface="Arial"/>
               </a:rPr>
-              <a:t> N</a:t>
+              <a:t>-</a:t>
+            </a:r>
+            <a:r>
+              <a:rPr lang="en-US" sz="4400" dirty="0" smtClean="0">
+                <a:latin typeface="Arial"/>
+                <a:cs typeface="Arial"/>
+              </a:rPr>
+              <a:t>regulation measures</a:t>
+            </a:r>
+            <a:r>
+              <a:rPr lang="en-US" sz="4400" baseline="30000" dirty="0" smtClean="0">
+                <a:latin typeface="Arial"/>
+                <a:cs typeface="Arial"/>
+              </a:rPr>
+              <a:t>1,2</a:t>
+            </a:r>
+            <a:r>
+              <a:rPr lang="en-US" sz="4400" dirty="0" smtClean="0">
+                <a:latin typeface="Arial"/>
+                <a:cs typeface="Arial"/>
+              </a:rPr>
+              <a:t> (N</a:t>
             </a:r>
             <a:r>
               <a:rPr lang="en-US" sz="4400" dirty="0">
@@ -4546,7 +4425,7 @@
                 <a:latin typeface="Arial"/>
                 <a:cs typeface="Arial"/>
               </a:rPr>
-              <a:t>150 passed QC</a:t>
+              <a:t>150; )</a:t>
             </a:r>
           </a:p>
           <a:p>
@@ -4566,8 +4445,47 @@
                 <a:latin typeface="Arial"/>
                 <a:cs typeface="Arial"/>
               </a:rPr>
-              <a:t>Average retest delay = 115 days (range = 60 - 228 days)</a:t>
-            </a:r>
+              <a:t>Tasks: N-back, ANT, choice RT, directed forgetting, DPX, local globa</a:t>
+            </a:r>
+            <a:r>
+              <a:rPr lang="en-US" sz="4400" dirty="0" smtClean="0">
+                <a:latin typeface="Arial"/>
+                <a:cs typeface="Arial"/>
+              </a:rPr>
+              <a:t>l, recent, probes, shape matching, </a:t>
+            </a:r>
+            <a:r>
+              <a:rPr lang="en-US" sz="4400" dirty="0" err="1" smtClean="0">
+                <a:latin typeface="Arial"/>
+                <a:cs typeface="Arial"/>
+              </a:rPr>
+              <a:t>simon</a:t>
+            </a:r>
+            <a:r>
+              <a:rPr lang="en-US" sz="4400" dirty="0" smtClean="0">
+                <a:latin typeface="Arial"/>
+                <a:cs typeface="Arial"/>
+              </a:rPr>
+              <a:t>, stop signal (x3), </a:t>
+            </a:r>
+            <a:r>
+              <a:rPr lang="en-US" sz="4400" dirty="0" err="1" smtClean="0">
+                <a:latin typeface="Arial"/>
+                <a:cs typeface="Arial"/>
+              </a:rPr>
+              <a:t>stroop</a:t>
+            </a:r>
+            <a:r>
+              <a:rPr lang="en-US" sz="4400" dirty="0" smtClean="0">
+                <a:latin typeface="Arial"/>
+                <a:cs typeface="Arial"/>
+              </a:rPr>
+              <a:t>, cued task switching</a:t>
+            </a:r>
+            <a:endParaRPr lang="en-US" sz="4400" dirty="0" smtClean="0">
+              <a:latin typeface="Arial"/>
+              <a:cs typeface="Arial"/>
+            </a:endParaRPr>
           </a:p>
           <a:p>
             <a:pPr>
@@ -4586,21 +4504,7 @@
                 <a:latin typeface="Arial"/>
                 <a:cs typeface="Arial"/>
               </a:rPr>
-              <a:t>Bootstrapped </a:t>
-            </a:r>
-            <a:r>
-              <a:rPr lang="en-US" sz="4400" dirty="0" smtClean="0">
-                <a:latin typeface="Arial"/>
-                <a:cs typeface="Arial"/>
-              </a:rPr>
-              <a:t>reliabilities (n = 1000</a:t>
-            </a:r>
-            <a:r>
-              <a:rPr lang="en-US" sz="4400" dirty="0" smtClean="0">
-                <a:latin typeface="Arial"/>
-                <a:cs typeface="Arial"/>
-              </a:rPr>
-              <a:t>)</a:t>
+              <a:t>Raw measures: RT and accuracy</a:t>
             </a:r>
           </a:p>
           <a:p>
@@ -4620,32 +4524,8 @@
                 <a:latin typeface="Arial"/>
                 <a:cs typeface="Arial"/>
               </a:rPr>
-              <a:t>Raw measures: RT and accuracy</a:t>
-            </a:r>
-          </a:p>
-          <a:p>
-            <a:pPr>
-              <a:buFont typeface="Arial"/>
-              <a:buChar char="•"/>
-            </a:pPr>
-            <a:r>
-              <a:rPr lang="en-US" sz="4400" dirty="0">
-                <a:latin typeface="Arial"/>
-                <a:cs typeface="Arial"/>
-              </a:rPr>
-              <a:t> </a:t>
-            </a:r>
-            <a:r>
-              <a:rPr lang="en-US" sz="4400" dirty="0" smtClean="0">
-                <a:latin typeface="Arial"/>
-                <a:cs typeface="Arial"/>
-              </a:rPr>
               <a:t>2 types of DDM: EZ and HDDM</a:t>
             </a:r>
-            <a:endParaRPr lang="en-US" sz="4400" dirty="0" smtClean="0">
-              <a:latin typeface="Arial"/>
-              <a:cs typeface="Arial"/>
-            </a:endParaRPr>
           </a:p>
         </p:txBody>
       </p:sp>
@@ -4846,14 +4726,14 @@
       </p:sp>
       <p:sp>
         <p:nvSpPr>
-          <p:cNvPr id="7" name="TextBox 6"/>
-          <p:cNvSpPr txBox="1"/>
+          <p:cNvPr id="47" name="Rectangle 46"/>
+          <p:cNvSpPr/>
           <p:nvPr/>
         </p:nvSpPr>
         <p:spPr>
           <a:xfrm>
-            <a:off x="471431" y="31641920"/>
-            <a:ext cx="9774936" cy="1015663"/>
+            <a:off x="454934" y="24555044"/>
+            <a:ext cx="9774936" cy="5438114"/>
           </a:xfrm>
           <a:prstGeom prst="rect">
             <a:avLst/>
@@ -4861,49 +4741,6 @@
           <a:noFill/>
         </p:spPr>
         <p:txBody>
-          <a:bodyPr wrap="square" rtlCol="0">
-            <a:spAutoFit/>
-          </a:bodyPr>
-          <a:lstStyle/>
-          <a:p>
-            <a:r>
-              <a:rPr lang="en-US" sz="3000" dirty="0" smtClean="0">
-                <a:latin typeface="Arial"/>
-                <a:cs typeface="Arial"/>
-              </a:rPr>
-              <a:t>An interactive version of the literature review as well as a list of all the references can be found </a:t>
-            </a:r>
-            <a:r>
-              <a:rPr lang="en-US" sz="3000" dirty="0" smtClean="0">
-                <a:latin typeface="Arial"/>
-                <a:cs typeface="Arial"/>
-              </a:rPr>
-              <a:t>at</a:t>
-            </a:r>
-            <a:endParaRPr lang="en-US" sz="3000" dirty="0">
-              <a:latin typeface="Arial"/>
-              <a:cs typeface="Arial"/>
-            </a:endParaRPr>
-          </a:p>
-        </p:txBody>
-      </p:sp>
-      <p:sp>
-        <p:nvSpPr>
-          <p:cNvPr id="47" name="Rectangle 46"/>
-          <p:cNvSpPr/>
-          <p:nvPr/>
-        </p:nvSpPr>
-        <p:spPr>
-          <a:xfrm>
-            <a:off x="454934" y="23224704"/>
-            <a:ext cx="9774936" cy="8200712"/>
-          </a:xfrm>
-          <a:prstGeom prst="rect">
-            <a:avLst/>
-          </a:prstGeom>
-          <a:noFill/>
-        </p:spPr>
-        <p:txBody>
           <a:bodyPr wrap="square" lIns="274320" rIns="274320" rtlCol="0">
             <a:noAutofit/>
           </a:bodyPr>
@@ -4918,21 +4755,7 @@
                 <a:latin typeface="Arial"/>
                 <a:cs typeface="Arial"/>
               </a:rPr>
-              <a:t> </a:t>
-            </a:r>
-            <a:r>
-              <a:rPr lang="en-US" sz="4400" dirty="0" smtClean="0">
-                <a:latin typeface="Arial"/>
-                <a:cs typeface="Arial"/>
-              </a:rPr>
-              <a:t>Drift </a:t>
-            </a:r>
-            <a:r>
-              <a:rPr lang="en-US" sz="4400" dirty="0" smtClean="0">
-                <a:latin typeface="Arial"/>
-                <a:cs typeface="Arial"/>
-              </a:rPr>
-              <a:t>diffusion parameters show similar reliability to RT and accuracy</a:t>
+              <a:t> Drift diffusion parameters show similar reliability to RT and accuracy</a:t>
             </a:r>
             <a:endParaRPr lang="en-US" sz="4400" dirty="0">
               <a:latin typeface="Arial"/>
@@ -4951,7 +4774,7 @@
         </p:nvSpPr>
         <p:spPr bwMode="auto">
           <a:xfrm>
-            <a:off x="471431" y="22380531"/>
+            <a:off x="471431" y="23710871"/>
             <a:ext cx="9769848" cy="844173"/>
           </a:xfrm>
           <a:prstGeom prst="rect">
@@ -5005,6 +4828,36 @@
       <p:pic>
         <p:nvPicPr>
           <p:cNvPr id="18" name="Picture 17" descr="SUSig_Seal_StnfrdOnly_Left.png"/>
+          <p:cNvPicPr>
+            <a:picLocks noChangeAspect="1"/>
+          </p:cNvPicPr>
+          <p:nvPr/>
+        </p:nvPicPr>
+        <p:blipFill>
+          <a:blip r:embed="rId4">
+            <a:extLst>
+              <a:ext uri="{28A0092B-C50C-407E-A947-70E740481C1C}">
+                <a14:useLocalDpi xmlns:a14="http://schemas.microsoft.com/office/drawing/2010/main" val="0"/>
+              </a:ext>
+            </a:extLst>
+          </a:blip>
+          <a:stretch>
+            <a:fillRect/>
+          </a:stretch>
+        </p:blipFill>
+        <p:spPr>
+          <a:xfrm>
+            <a:off x="28109902" y="3180356"/>
+            <a:ext cx="6002095" cy="2256140"/>
+          </a:xfrm>
+          <a:prstGeom prst="rect">
+            <a:avLst/>
+          </a:prstGeom>
+        </p:spPr>
+      </p:pic>
+      <p:pic>
+        <p:nvPicPr>
+          <p:cNvPr id="9" name="Picture 8" descr="Screen Shot 2018-08-11 at 6.37.29 AM.png"/>
           <p:cNvPicPr>
             <a:picLocks noChangeAspect="1"/>
           </p:cNvPicPr>
@@ -5024,68 +4877,8 @@
         </p:blipFill>
         <p:spPr>
           <a:xfrm>
-            <a:off x="28109902" y="3180356"/>
-            <a:ext cx="6002095" cy="2256140"/>
-          </a:xfrm>
-          <a:prstGeom prst="rect">
-            <a:avLst/>
-          </a:prstGeom>
-        </p:spPr>
-      </p:pic>
-      <p:pic>
-        <p:nvPicPr>
-          <p:cNvPr id="9" name="Picture 8" descr="Screen Shot 2018-08-11 at 6.37.29 AM.png"/>
-          <p:cNvPicPr>
-            <a:picLocks noChangeAspect="1"/>
-          </p:cNvPicPr>
-          <p:nvPr/>
-        </p:nvPicPr>
-        <p:blipFill>
-          <a:blip r:embed="rId6">
-            <a:extLst>
-              <a:ext uri="{28A0092B-C50C-407E-A947-70E740481C1C}">
-                <a14:useLocalDpi xmlns:a14="http://schemas.microsoft.com/office/drawing/2010/main" val="0"/>
-              </a:ext>
-            </a:extLst>
-          </a:blip>
-          <a:stretch>
-            <a:fillRect/>
-          </a:stretch>
-        </p:blipFill>
-        <p:spPr>
-          <a:xfrm>
-            <a:off x="11121160" y="5850880"/>
+            <a:off x="11174327" y="6636990"/>
             <a:ext cx="5047134" cy="1869309"/>
-          </a:xfrm>
-          <a:prstGeom prst="rect">
-            <a:avLst/>
-          </a:prstGeom>
-        </p:spPr>
-      </p:pic>
-      <p:pic>
-        <p:nvPicPr>
-          <p:cNvPr id="13" name="Picture 12" descr="Screen Shot 2018-08-11 at 6.37.34 AM.png"/>
-          <p:cNvPicPr>
-            <a:picLocks noChangeAspect="1"/>
-          </p:cNvPicPr>
-          <p:nvPr/>
-        </p:nvPicPr>
-        <p:blipFill>
-          <a:blip r:embed="rId7">
-            <a:extLst>
-              <a:ext uri="{28A0092B-C50C-407E-A947-70E740481C1C}">
-                <a14:useLocalDpi xmlns:a14="http://schemas.microsoft.com/office/drawing/2010/main" val="0"/>
-              </a:ext>
-            </a:extLst>
-          </a:blip>
-          <a:stretch>
-            <a:fillRect/>
-          </a:stretch>
-        </p:blipFill>
-        <p:spPr>
-          <a:xfrm>
-            <a:off x="11911579" y="7896544"/>
-            <a:ext cx="3201061" cy="2055727"/>
           </a:xfrm>
           <a:prstGeom prst="rect">
             <a:avLst/>
@@ -5100,7 +4893,7 @@
         </p:nvGrpSpPr>
         <p:grpSpPr>
           <a:xfrm>
-            <a:off x="34463767" y="6001475"/>
+            <a:off x="34463767" y="6787585"/>
             <a:ext cx="2565400" cy="3872505"/>
             <a:chOff x="34463767" y="6441733"/>
             <a:chExt cx="2565400" cy="3872505"/>
@@ -5115,7 +4908,7 @@
             <p:nvPr/>
           </p:nvPicPr>
           <p:blipFill>
-            <a:blip r:embed="rId8">
+            <a:blip r:embed="rId6">
               <a:extLst>
                 <a:ext uri="{28A0092B-C50C-407E-A947-70E740481C1C}">
                   <a14:useLocalDpi xmlns:a14="http://schemas.microsoft.com/office/drawing/2010/main" val="0"/>
@@ -5145,7 +4938,7 @@
             <p:nvPr/>
           </p:nvPicPr>
           <p:blipFill>
-            <a:blip r:embed="rId9">
+            <a:blip r:embed="rId7">
               <a:extLst>
                 <a:ext uri="{28A0092B-C50C-407E-A947-70E740481C1C}">
                   <a14:useLocalDpi xmlns:a14="http://schemas.microsoft.com/office/drawing/2010/main" val="0"/>
@@ -5175,7 +4968,7 @@
             <p:nvPr/>
           </p:nvPicPr>
           <p:blipFill>
-            <a:blip r:embed="rId10">
+            <a:blip r:embed="rId8">
               <a:extLst>
                 <a:ext uri="{28A0092B-C50C-407E-A947-70E740481C1C}">
                   <a14:useLocalDpi xmlns:a14="http://schemas.microsoft.com/office/drawing/2010/main" val="0"/>
@@ -5206,7 +4999,7 @@
           <p:nvPr/>
         </p:nvPicPr>
         <p:blipFill rotWithShape="1">
-          <a:blip r:embed="rId11">
+          <a:blip r:embed="rId9">
             <a:extLst>
               <a:ext uri="{28A0092B-C50C-407E-A947-70E740481C1C}">
                 <a14:useLocalDpi xmlns:a14="http://schemas.microsoft.com/office/drawing/2010/main" val="0"/>
@@ -5218,8 +5011,8 @@
         </p:blipFill>
         <p:spPr>
           <a:xfrm>
-            <a:off x="17202299" y="6333066"/>
-            <a:ext cx="1838847" cy="3163824"/>
+            <a:off x="17202299" y="6695886"/>
+            <a:ext cx="1483133" cy="2551801"/>
           </a:xfrm>
           <a:prstGeom prst="rect">
             <a:avLst/>
@@ -5235,7 +5028,7 @@
           <p:nvPr/>
         </p:nvPicPr>
         <p:blipFill rotWithShape="1">
-          <a:blip r:embed="rId12">
+          <a:blip r:embed="rId10">
             <a:extLst>
               <a:ext uri="{28A0092B-C50C-407E-A947-70E740481C1C}">
                 <a14:useLocalDpi xmlns:a14="http://schemas.microsoft.com/office/drawing/2010/main" val="0"/>
@@ -5247,8 +5040,8 @@
         </p:blipFill>
         <p:spPr>
           <a:xfrm>
-            <a:off x="19831481" y="6333066"/>
-            <a:ext cx="1675534" cy="3163824"/>
+            <a:off x="19831481" y="6695886"/>
+            <a:ext cx="1351412" cy="2551801"/>
           </a:xfrm>
           <a:prstGeom prst="rect">
             <a:avLst/>
@@ -5257,131 +5050,87 @@
       </p:pic>
       <p:grpSp>
         <p:nvGrpSpPr>
-          <p:cNvPr id="56" name="Group 55"/>
+          <p:cNvPr id="55" name="Group 54"/>
           <p:cNvGrpSpPr/>
           <p:nvPr/>
         </p:nvGrpSpPr>
         <p:grpSpPr>
           <a:xfrm>
-            <a:off x="22583419" y="5869796"/>
-            <a:ext cx="7710314" cy="3897258"/>
+            <a:off x="22583419" y="6655906"/>
+            <a:ext cx="7710314" cy="1907462"/>
             <a:chOff x="22583419" y="5869796"/>
-            <a:chExt cx="7710314" cy="3897258"/>
+            <a:chExt cx="7710314" cy="1907462"/>
           </a:xfrm>
         </p:grpSpPr>
         <p:grpSp>
           <p:nvGrpSpPr>
-            <p:cNvPr id="55" name="Group 54"/>
+            <p:cNvPr id="54" name="Group 53"/>
             <p:cNvGrpSpPr/>
             <p:nvPr/>
           </p:nvGrpSpPr>
           <p:grpSpPr>
             <a:xfrm>
-              <a:off x="22583419" y="5869796"/>
-              <a:ext cx="7710314" cy="1907462"/>
-              <a:chOff x="22583419" y="5869796"/>
-              <a:chExt cx="7710314" cy="1907462"/>
+              <a:off x="22583419" y="5950275"/>
+              <a:ext cx="3108861" cy="1746504"/>
+              <a:chOff x="22583419" y="5968681"/>
+              <a:chExt cx="3108861" cy="1746504"/>
             </a:xfrm>
           </p:grpSpPr>
-          <p:grpSp>
-            <p:nvGrpSpPr>
-              <p:cNvPr id="54" name="Group 53"/>
-              <p:cNvGrpSpPr/>
-              <p:nvPr/>
-            </p:nvGrpSpPr>
-            <p:grpSpPr>
-              <a:xfrm>
-                <a:off x="22583419" y="5950275"/>
-                <a:ext cx="3108861" cy="1746504"/>
-                <a:chOff x="22583419" y="5968681"/>
-                <a:chExt cx="3108861" cy="1746504"/>
-              </a:xfrm>
-            </p:grpSpPr>
-            <p:pic>
-              <p:nvPicPr>
-                <p:cNvPr id="22" name="Picture 21" descr="response-time.png"/>
-                <p:cNvPicPr>
-                  <a:picLocks noChangeAspect="1"/>
-                </p:cNvPicPr>
-                <p:nvPr/>
-              </p:nvPicPr>
-              <p:blipFill>
-                <a:blip r:embed="rId13">
-                  <a:biLevel thresh="75000"/>
-                  <a:extLst>
-                    <a:ext uri="{28A0092B-C50C-407E-A947-70E740481C1C}">
-                      <a14:useLocalDpi xmlns:a14="http://schemas.microsoft.com/office/drawing/2010/main" val="0"/>
-                    </a:ext>
-                  </a:extLst>
-                </a:blip>
-                <a:stretch>
-                  <a:fillRect/>
-                </a:stretch>
-              </p:blipFill>
-              <p:spPr>
-                <a:xfrm>
-                  <a:off x="22583419" y="5968681"/>
-                  <a:ext cx="1292413" cy="1746504"/>
-                </a:xfrm>
-                <a:prstGeom prst="rect">
-                  <a:avLst/>
-                </a:prstGeom>
-              </p:spPr>
-            </p:pic>
-            <p:pic>
-              <p:nvPicPr>
-                <p:cNvPr id="23" name="Picture 22" descr="accuracy.jpg"/>
-                <p:cNvPicPr>
-                  <a:picLocks noChangeAspect="1"/>
-                </p:cNvPicPr>
-                <p:nvPr/>
-              </p:nvPicPr>
-              <p:blipFill>
-                <a:blip r:embed="rId14">
-                  <a:extLst>
-                    <a:ext uri="{28A0092B-C50C-407E-A947-70E740481C1C}">
-                      <a14:useLocalDpi xmlns:a14="http://schemas.microsoft.com/office/drawing/2010/main" val="0"/>
-                    </a:ext>
-                  </a:extLst>
-                </a:blip>
-                <a:stretch>
-                  <a:fillRect/>
-                </a:stretch>
-              </p:blipFill>
-              <p:spPr>
-                <a:xfrm>
-                  <a:off x="23953278" y="5972432"/>
-                  <a:ext cx="1739002" cy="1739002"/>
-                </a:xfrm>
-                <a:prstGeom prst="rect">
-                  <a:avLst/>
-                </a:prstGeom>
-              </p:spPr>
-            </p:pic>
-          </p:grpSp>
           <p:pic>
             <p:nvPicPr>
-              <p:cNvPr id="24" name="Picture 23" descr="hddm-hierarchical-bayesian-estimation-of-the-drift-diffusion-model-in-python_20708267.jpeg"/>
+              <p:cNvPr id="22" name="Picture 21" descr="response-time.png"/>
               <p:cNvPicPr>
                 <a:picLocks noChangeAspect="1"/>
               </p:cNvPicPr>
               <p:nvPr/>
             </p:nvPicPr>
-            <p:blipFill rotWithShape="1">
-              <a:blip r:embed="rId15">
+            <p:blipFill>
+              <a:blip r:embed="rId11">
+                <a:biLevel thresh="75000"/>
                 <a:extLst>
                   <a:ext uri="{28A0092B-C50C-407E-A947-70E740481C1C}">
                     <a14:useLocalDpi xmlns:a14="http://schemas.microsoft.com/office/drawing/2010/main" val="0"/>
                   </a:ext>
                 </a:extLst>
               </a:blip>
-              <a:srcRect l="2467" t="33013" r="3726" b="32488"/>
-              <a:stretch/>
+              <a:stretch>
+                <a:fillRect/>
+              </a:stretch>
             </p:blipFill>
             <p:spPr>
               <a:xfrm>
-                <a:off x="27031882" y="5869796"/>
-                <a:ext cx="3261851" cy="1907462"/>
+                <a:off x="22583419" y="5968681"/>
+                <a:ext cx="1292413" cy="1746504"/>
+              </a:xfrm>
+              <a:prstGeom prst="rect">
+                <a:avLst/>
+              </a:prstGeom>
+            </p:spPr>
+          </p:pic>
+          <p:pic>
+            <p:nvPicPr>
+              <p:cNvPr id="23" name="Picture 22" descr="accuracy.jpg"/>
+              <p:cNvPicPr>
+                <a:picLocks noChangeAspect="1"/>
+              </p:cNvPicPr>
+              <p:nvPr/>
+            </p:nvPicPr>
+            <p:blipFill>
+              <a:blip r:embed="rId12">
+                <a:extLst>
+                  <a:ext uri="{28A0092B-C50C-407E-A947-70E740481C1C}">
+                    <a14:useLocalDpi xmlns:a14="http://schemas.microsoft.com/office/drawing/2010/main" val="0"/>
+                  </a:ext>
+                </a:extLst>
+              </a:blip>
+              <a:stretch>
+                <a:fillRect/>
+              </a:stretch>
+            </p:blipFill>
+            <p:spPr>
+              <a:xfrm>
+                <a:off x="23953278" y="5972432"/>
+                <a:ext cx="1739002" cy="1739002"/>
               </a:xfrm>
               <a:prstGeom prst="rect">
                 <a:avLst/>
@@ -5389,79 +5138,108 @@
             </p:spPr>
           </p:pic>
         </p:grpSp>
-        <p:sp>
-          <p:nvSpPr>
-            <p:cNvPr id="51" name="Right Brace 50"/>
-            <p:cNvSpPr/>
+        <p:pic>
+          <p:nvPicPr>
+            <p:cNvPr id="24" name="Picture 23" descr="hddm-hierarchical-bayesian-estimation-of-the-drift-diffusion-model-in-python_20708267.jpeg"/>
+            <p:cNvPicPr>
+              <a:picLocks noChangeAspect="1"/>
+            </p:cNvPicPr>
             <p:nvPr/>
-          </p:nvSpPr>
-          <p:spPr>
-            <a:xfrm rot="5400000">
-              <a:off x="26035253" y="4862941"/>
-              <a:ext cx="806647" cy="6956656"/>
-            </a:xfrm>
-            <a:prstGeom prst="rightBrace">
-              <a:avLst/>
-            </a:prstGeom>
-            <a:ln w="57150" cmpd="sng">
-              <a:headEnd type="none"/>
-              <a:tailEnd type="none"/>
-            </a:ln>
-          </p:spPr>
-          <p:style>
-            <a:lnRef idx="2">
-              <a:schemeClr val="dk1"/>
-            </a:lnRef>
-            <a:fillRef idx="0">
-              <a:schemeClr val="dk1"/>
-            </a:fillRef>
-            <a:effectRef idx="1">
-              <a:schemeClr val="dk1"/>
-            </a:effectRef>
-            <a:fontRef idx="minor">
-              <a:schemeClr val="tx1"/>
-            </a:fontRef>
-          </p:style>
-          <p:txBody>
-            <a:bodyPr rtlCol="0" anchor="ctr"/>
-            <a:lstStyle/>
-            <a:p>
-              <a:pPr algn="ctr"/>
-              <a:endParaRPr lang="en-US"/>
-            </a:p>
-          </p:txBody>
-        </p:sp>
-        <p:sp>
-          <p:nvSpPr>
-            <p:cNvPr id="53" name="TextBox 52"/>
-            <p:cNvSpPr txBox="1"/>
-            <p:nvPr/>
-          </p:nvSpPr>
+          </p:nvPicPr>
+          <p:blipFill rotWithShape="1">
+            <a:blip r:embed="rId13">
+              <a:extLst>
+                <a:ext uri="{28A0092B-C50C-407E-A947-70E740481C1C}">
+                  <a14:useLocalDpi xmlns:a14="http://schemas.microsoft.com/office/drawing/2010/main" val="0"/>
+                </a:ext>
+              </a:extLst>
+            </a:blip>
+            <a:srcRect l="2467" t="33013" r="3726" b="32488"/>
+            <a:stretch/>
+          </p:blipFill>
           <p:spPr>
             <a:xfrm>
-              <a:off x="24430467" y="8905280"/>
-              <a:ext cx="4016219" cy="861774"/>
+              <a:off x="27031882" y="5869796"/>
+              <a:ext cx="3261851" cy="1907462"/>
             </a:xfrm>
             <a:prstGeom prst="rect">
               <a:avLst/>
             </a:prstGeom>
-            <a:noFill/>
           </p:spPr>
-          <p:txBody>
-            <a:bodyPr wrap="none" rtlCol="0">
-              <a:spAutoFit/>
-            </a:bodyPr>
-            <a:lstStyle/>
-            <a:p>
-              <a:r>
-                <a:rPr lang="en-US" sz="5000" dirty="0" smtClean="0"/>
-                <a:t>Factor analysis</a:t>
-              </a:r>
-              <a:endParaRPr lang="en-US" sz="5000" dirty="0"/>
-            </a:p>
-          </p:txBody>
-        </p:sp>
+        </p:pic>
       </p:grpSp>
+      <p:sp>
+        <p:nvSpPr>
+          <p:cNvPr id="51" name="Right Brace 50"/>
+          <p:cNvSpPr/>
+          <p:nvPr/>
+        </p:nvSpPr>
+        <p:spPr>
+          <a:xfrm rot="5400000">
+            <a:off x="26035253" y="5649051"/>
+            <a:ext cx="806647" cy="6956656"/>
+          </a:xfrm>
+          <a:prstGeom prst="rightBrace">
+            <a:avLst/>
+          </a:prstGeom>
+          <a:ln w="57150" cmpd="sng">
+            <a:headEnd type="none"/>
+            <a:tailEnd type="none"/>
+          </a:ln>
+        </p:spPr>
+        <p:style>
+          <a:lnRef idx="2">
+            <a:schemeClr val="dk1"/>
+          </a:lnRef>
+          <a:fillRef idx="0">
+            <a:schemeClr val="dk1"/>
+          </a:fillRef>
+          <a:effectRef idx="1">
+            <a:schemeClr val="dk1"/>
+          </a:effectRef>
+          <a:fontRef idx="minor">
+            <a:schemeClr val="tx1"/>
+          </a:fontRef>
+        </p:style>
+        <p:txBody>
+          <a:bodyPr rtlCol="0" anchor="ctr"/>
+          <a:lstStyle/>
+          <a:p>
+            <a:pPr algn="ctr"/>
+            <a:endParaRPr lang="en-US"/>
+          </a:p>
+        </p:txBody>
+      </p:sp>
+      <p:sp>
+        <p:nvSpPr>
+          <p:cNvPr id="53" name="TextBox 52"/>
+          <p:cNvSpPr txBox="1"/>
+          <p:nvPr/>
+        </p:nvSpPr>
+        <p:spPr>
+          <a:xfrm>
+            <a:off x="24430467" y="9691390"/>
+            <a:ext cx="4016219" cy="861774"/>
+          </a:xfrm>
+          <a:prstGeom prst="rect">
+            <a:avLst/>
+          </a:prstGeom>
+          <a:noFill/>
+        </p:spPr>
+        <p:txBody>
+          <a:bodyPr wrap="none" rtlCol="0">
+            <a:spAutoFit/>
+          </a:bodyPr>
+          <a:lstStyle/>
+          <a:p>
+            <a:r>
+              <a:rPr lang="en-US" sz="5000" dirty="0" smtClean="0"/>
+              <a:t>Factor analysis</a:t>
+            </a:r>
+            <a:endParaRPr lang="en-US" sz="5000" dirty="0"/>
+          </a:p>
+        </p:txBody>
+      </p:sp>
       <p:cxnSp>
         <p:nvCxnSpPr>
           <p:cNvPr id="59" name="Straight Arrow Connector 58"/>
@@ -5470,7 +5248,7 @@
         </p:nvCxnSpPr>
         <p:spPr>
           <a:xfrm>
-            <a:off x="30852533" y="6688672"/>
+            <a:off x="30852533" y="7474782"/>
             <a:ext cx="3403600" cy="978345"/>
           </a:xfrm>
           <a:prstGeom prst="straightConnector1">
@@ -5503,7 +5281,7 @@
         </p:nvCxnSpPr>
         <p:spPr>
           <a:xfrm flipV="1">
-            <a:off x="30869469" y="7806253"/>
+            <a:off x="30869469" y="8592363"/>
             <a:ext cx="3403600" cy="978345"/>
           </a:xfrm>
           <a:prstGeom prst="straightConnector1">
@@ -5536,7 +5314,7 @@
         </p:nvSpPr>
         <p:spPr>
           <a:xfrm>
-            <a:off x="30593598" y="8884867"/>
+            <a:off x="30593598" y="9670977"/>
             <a:ext cx="2845901" cy="861774"/>
           </a:xfrm>
           <a:prstGeom prst="rect">
@@ -5558,6 +5336,677 @@
           </a:p>
         </p:txBody>
       </p:sp>
+      <p:sp>
+        <p:nvSpPr>
+          <p:cNvPr id="35" name="Text Box 424"/>
+          <p:cNvSpPr txBox="1">
+            <a:spLocks noChangeArrowheads="1"/>
+          </p:cNvSpPr>
+          <p:nvPr/>
+        </p:nvSpPr>
+        <p:spPr bwMode="auto">
+          <a:xfrm>
+            <a:off x="10810241" y="5394944"/>
+            <a:ext cx="26883360" cy="844173"/>
+          </a:xfrm>
+          <a:prstGeom prst="rect">
+            <a:avLst/>
+          </a:prstGeom>
+          <a:solidFill>
+            <a:srgbClr val="A40A1D"/>
+          </a:solidFill>
+          <a:ln w="25400">
+            <a:noFill/>
+            <a:miter lim="800000"/>
+            <a:headEnd/>
+            <a:tailEnd/>
+          </a:ln>
+          <a:effectLst/>
+        </p:spPr>
+        <p:txBody>
+          <a:bodyPr wrap="square" lIns="79230" tIns="39614" rIns="79230" bIns="39614">
+            <a:prstTxWarp prst="textNoShape">
+              <a:avLst/>
+            </a:prstTxWarp>
+            <a:spAutoFit/>
+          </a:bodyPr>
+          <a:lstStyle/>
+          <a:p>
+            <a:pPr algn="ctr">
+              <a:spcBef>
+                <a:spcPct val="50000"/>
+              </a:spcBef>
+            </a:pPr>
+            <a:r>
+              <a:rPr lang="en-US" sz="5000" b="1" dirty="0" smtClean="0">
+                <a:solidFill>
+                  <a:schemeClr val="bg1"/>
+                </a:solidFill>
+                <a:latin typeface="Arial"/>
+                <a:cs typeface="Arial"/>
+              </a:rPr>
+              <a:t>Overview of Procedure</a:t>
+            </a:r>
+            <a:endParaRPr lang="en-US" sz="5000" dirty="0">
+              <a:solidFill>
+                <a:schemeClr val="bg1"/>
+              </a:solidFill>
+              <a:latin typeface="Arial"/>
+              <a:cs typeface="Arial"/>
+            </a:endParaRPr>
+          </a:p>
+        </p:txBody>
+      </p:sp>
+      <p:sp>
+        <p:nvSpPr>
+          <p:cNvPr id="36" name="Text Box 424"/>
+          <p:cNvSpPr txBox="1">
+            <a:spLocks noChangeArrowheads="1"/>
+          </p:cNvSpPr>
+          <p:nvPr/>
+        </p:nvSpPr>
+        <p:spPr bwMode="auto">
+          <a:xfrm>
+            <a:off x="10810241" y="11119204"/>
+            <a:ext cx="12801600" cy="844173"/>
+          </a:xfrm>
+          <a:prstGeom prst="rect">
+            <a:avLst/>
+          </a:prstGeom>
+          <a:solidFill>
+            <a:srgbClr val="A40A1D"/>
+          </a:solidFill>
+          <a:ln w="25400">
+            <a:noFill/>
+            <a:miter lim="800000"/>
+            <a:headEnd/>
+            <a:tailEnd/>
+          </a:ln>
+          <a:effectLst/>
+        </p:spPr>
+        <p:txBody>
+          <a:bodyPr wrap="square" lIns="79230" tIns="39614" rIns="79230" bIns="39614">
+            <a:prstTxWarp prst="textNoShape">
+              <a:avLst/>
+            </a:prstTxWarp>
+            <a:spAutoFit/>
+          </a:bodyPr>
+          <a:lstStyle/>
+          <a:p>
+            <a:pPr algn="ctr">
+              <a:spcBef>
+                <a:spcPct val="50000"/>
+              </a:spcBef>
+            </a:pPr>
+            <a:r>
+              <a:rPr lang="en-US" sz="5000" b="1" dirty="0" smtClean="0">
+                <a:solidFill>
+                  <a:schemeClr val="bg1"/>
+                </a:solidFill>
+                <a:latin typeface="Arial"/>
+                <a:cs typeface="Arial"/>
+              </a:rPr>
+              <a:t>DDM </a:t>
+            </a:r>
+            <a:r>
+              <a:rPr lang="en-US" sz="5000" b="1" dirty="0" err="1" smtClean="0">
+                <a:solidFill>
+                  <a:schemeClr val="bg1"/>
+                </a:solidFill>
+                <a:latin typeface="Arial"/>
+                <a:cs typeface="Arial"/>
+              </a:rPr>
+              <a:t>vs</a:t>
+            </a:r>
+            <a:r>
+              <a:rPr lang="en-US" sz="5000" b="1" dirty="0" smtClean="0">
+                <a:solidFill>
+                  <a:schemeClr val="bg1"/>
+                </a:solidFill>
+                <a:latin typeface="Arial"/>
+                <a:cs typeface="Arial"/>
+              </a:rPr>
+              <a:t> Raw measure reliability</a:t>
+            </a:r>
+            <a:endParaRPr lang="en-US" sz="5000" dirty="0">
+              <a:solidFill>
+                <a:schemeClr val="bg1"/>
+              </a:solidFill>
+              <a:latin typeface="Arial"/>
+              <a:cs typeface="Arial"/>
+            </a:endParaRPr>
+          </a:p>
+        </p:txBody>
+      </p:sp>
+      <p:sp>
+        <p:nvSpPr>
+          <p:cNvPr id="37" name="Text Box 424"/>
+          <p:cNvSpPr txBox="1">
+            <a:spLocks noChangeArrowheads="1"/>
+          </p:cNvSpPr>
+          <p:nvPr/>
+        </p:nvSpPr>
+        <p:spPr bwMode="auto">
+          <a:xfrm>
+            <a:off x="24892000" y="11058734"/>
+            <a:ext cx="12801600" cy="844173"/>
+          </a:xfrm>
+          <a:prstGeom prst="rect">
+            <a:avLst/>
+          </a:prstGeom>
+          <a:solidFill>
+            <a:srgbClr val="A40A1D"/>
+          </a:solidFill>
+          <a:ln w="25400">
+            <a:noFill/>
+            <a:miter lim="800000"/>
+            <a:headEnd/>
+            <a:tailEnd/>
+          </a:ln>
+          <a:effectLst/>
+        </p:spPr>
+        <p:txBody>
+          <a:bodyPr wrap="square" lIns="79230" tIns="39614" rIns="79230" bIns="39614">
+            <a:prstTxWarp prst="textNoShape">
+              <a:avLst/>
+            </a:prstTxWarp>
+            <a:spAutoFit/>
+          </a:bodyPr>
+          <a:lstStyle/>
+          <a:p>
+            <a:pPr algn="ctr">
+              <a:spcBef>
+                <a:spcPct val="50000"/>
+              </a:spcBef>
+            </a:pPr>
+            <a:r>
+              <a:rPr lang="en-US" sz="5000" b="1" dirty="0" smtClean="0">
+                <a:solidFill>
+                  <a:schemeClr val="bg1"/>
+                </a:solidFill>
+                <a:latin typeface="Arial"/>
+                <a:cs typeface="Arial"/>
+              </a:rPr>
+              <a:t>Variance Breakdown</a:t>
+            </a:r>
+            <a:endParaRPr lang="en-US" sz="5000" dirty="0">
+              <a:solidFill>
+                <a:schemeClr val="bg1"/>
+              </a:solidFill>
+              <a:latin typeface="Arial"/>
+              <a:cs typeface="Arial"/>
+            </a:endParaRPr>
+          </a:p>
+        </p:txBody>
+      </p:sp>
+      <p:sp>
+        <p:nvSpPr>
+          <p:cNvPr id="40" name="Right Brace 39"/>
+          <p:cNvSpPr/>
+          <p:nvPr/>
+        </p:nvSpPr>
+        <p:spPr>
+          <a:xfrm rot="5400000">
+            <a:off x="18841479" y="6844963"/>
+            <a:ext cx="813816" cy="4572000"/>
+          </a:xfrm>
+          <a:prstGeom prst="rightBrace">
+            <a:avLst/>
+          </a:prstGeom>
+          <a:ln w="57150" cmpd="sng">
+            <a:headEnd type="none"/>
+            <a:tailEnd type="none"/>
+          </a:ln>
+        </p:spPr>
+        <p:style>
+          <a:lnRef idx="2">
+            <a:schemeClr val="dk1"/>
+          </a:lnRef>
+          <a:fillRef idx="0">
+            <a:schemeClr val="dk1"/>
+          </a:fillRef>
+          <a:effectRef idx="1">
+            <a:schemeClr val="dk1"/>
+          </a:effectRef>
+          <a:fontRef idx="minor">
+            <a:schemeClr val="tx1"/>
+          </a:fontRef>
+        </p:style>
+        <p:txBody>
+          <a:bodyPr rtlCol="0" anchor="ctr"/>
+          <a:lstStyle/>
+          <a:p>
+            <a:pPr algn="ctr"/>
+            <a:endParaRPr lang="en-US"/>
+          </a:p>
+        </p:txBody>
+      </p:sp>
+      <p:sp>
+        <p:nvSpPr>
+          <p:cNvPr id="41" name="TextBox 40"/>
+          <p:cNvSpPr txBox="1"/>
+          <p:nvPr/>
+        </p:nvSpPr>
+        <p:spPr>
+          <a:xfrm>
+            <a:off x="17880070" y="9722850"/>
+            <a:ext cx="2736634" cy="861774"/>
+          </a:xfrm>
+          <a:prstGeom prst="rect">
+            <a:avLst/>
+          </a:prstGeom>
+          <a:noFill/>
+        </p:spPr>
+        <p:txBody>
+          <a:bodyPr wrap="none" rtlCol="0">
+            <a:spAutoFit/>
+          </a:bodyPr>
+          <a:lstStyle/>
+          <a:p>
+            <a:r>
+              <a:rPr lang="en-US" sz="5000" dirty="0" smtClean="0"/>
+              <a:t>Reliability</a:t>
+            </a:r>
+            <a:endParaRPr lang="en-US" sz="5000" dirty="0"/>
+          </a:p>
+        </p:txBody>
+      </p:sp>
+      <p:pic>
+        <p:nvPicPr>
+          <p:cNvPr id="2" name="Picture 1" descr="Screen Shot 2018-09-21 at 10.28.04 AM.png"/>
+          <p:cNvPicPr>
+            <a:picLocks noChangeAspect="1"/>
+          </p:cNvPicPr>
+          <p:nvPr/>
+        </p:nvPicPr>
+        <p:blipFill>
+          <a:blip r:embed="rId14">
+            <a:extLst>
+              <a:ext uri="{28A0092B-C50C-407E-A947-70E740481C1C}">
+                <a14:useLocalDpi xmlns:a14="http://schemas.microsoft.com/office/drawing/2010/main" val="0"/>
+              </a:ext>
+            </a:extLst>
+          </a:blip>
+          <a:stretch>
+            <a:fillRect/>
+          </a:stretch>
+        </p:blipFill>
+        <p:spPr>
+          <a:xfrm>
+            <a:off x="10810241" y="8575060"/>
+            <a:ext cx="5775307" cy="1874520"/>
+          </a:xfrm>
+          <a:prstGeom prst="rect">
+            <a:avLst/>
+          </a:prstGeom>
+        </p:spPr>
+      </p:pic>
+      <p:sp>
+        <p:nvSpPr>
+          <p:cNvPr id="42" name="Text Box 424"/>
+          <p:cNvSpPr txBox="1">
+            <a:spLocks noChangeArrowheads="1"/>
+          </p:cNvSpPr>
+          <p:nvPr/>
+        </p:nvSpPr>
+        <p:spPr bwMode="auto">
+          <a:xfrm>
+            <a:off x="10810241" y="17105734"/>
+            <a:ext cx="12801600" cy="844173"/>
+          </a:xfrm>
+          <a:prstGeom prst="rect">
+            <a:avLst/>
+          </a:prstGeom>
+          <a:solidFill>
+            <a:srgbClr val="A40A1D"/>
+          </a:solidFill>
+          <a:ln w="25400">
+            <a:noFill/>
+            <a:miter lim="800000"/>
+            <a:headEnd/>
+            <a:tailEnd/>
+          </a:ln>
+          <a:effectLst/>
+        </p:spPr>
+        <p:txBody>
+          <a:bodyPr wrap="square" lIns="79230" tIns="39614" rIns="79230" bIns="39614">
+            <a:prstTxWarp prst="textNoShape">
+              <a:avLst/>
+            </a:prstTxWarp>
+            <a:spAutoFit/>
+          </a:bodyPr>
+          <a:lstStyle/>
+          <a:p>
+            <a:pPr algn="ctr">
+              <a:spcBef>
+                <a:spcPct val="50000"/>
+              </a:spcBef>
+            </a:pPr>
+            <a:r>
+              <a:rPr lang="en-US" sz="5000" b="1" dirty="0" smtClean="0">
+                <a:solidFill>
+                  <a:schemeClr val="bg1"/>
+                </a:solidFill>
+                <a:latin typeface="Arial"/>
+                <a:cs typeface="Arial"/>
+              </a:rPr>
+              <a:t>Sample size effects</a:t>
+            </a:r>
+            <a:endParaRPr lang="en-US" sz="5000" dirty="0">
+              <a:solidFill>
+                <a:schemeClr val="bg1"/>
+              </a:solidFill>
+              <a:latin typeface="Arial"/>
+              <a:cs typeface="Arial"/>
+            </a:endParaRPr>
+          </a:p>
+        </p:txBody>
+      </p:sp>
+      <p:sp>
+        <p:nvSpPr>
+          <p:cNvPr id="43" name="Text Box 424"/>
+          <p:cNvSpPr txBox="1">
+            <a:spLocks noChangeArrowheads="1"/>
+          </p:cNvSpPr>
+          <p:nvPr/>
+        </p:nvSpPr>
+        <p:spPr bwMode="auto">
+          <a:xfrm>
+            <a:off x="24892000" y="17105734"/>
+            <a:ext cx="12801600" cy="844173"/>
+          </a:xfrm>
+          <a:prstGeom prst="rect">
+            <a:avLst/>
+          </a:prstGeom>
+          <a:solidFill>
+            <a:srgbClr val="A40A1D"/>
+          </a:solidFill>
+          <a:ln w="25400">
+            <a:noFill/>
+            <a:miter lim="800000"/>
+            <a:headEnd/>
+            <a:tailEnd/>
+          </a:ln>
+          <a:effectLst/>
+        </p:spPr>
+        <p:txBody>
+          <a:bodyPr wrap="square" lIns="79230" tIns="39614" rIns="79230" bIns="39614">
+            <a:prstTxWarp prst="textNoShape">
+              <a:avLst/>
+            </a:prstTxWarp>
+            <a:spAutoFit/>
+          </a:bodyPr>
+          <a:lstStyle/>
+          <a:p>
+            <a:pPr algn="ctr">
+              <a:spcBef>
+                <a:spcPct val="50000"/>
+              </a:spcBef>
+            </a:pPr>
+            <a:r>
+              <a:rPr lang="en-US" sz="5000" b="1" dirty="0" smtClean="0">
+                <a:solidFill>
+                  <a:schemeClr val="bg1"/>
+                </a:solidFill>
+                <a:latin typeface="Arial"/>
+                <a:cs typeface="Arial"/>
+              </a:rPr>
+              <a:t>Analysis of hierarchical estimates</a:t>
+            </a:r>
+            <a:endParaRPr lang="en-US" sz="5000" dirty="0">
+              <a:solidFill>
+                <a:schemeClr val="bg1"/>
+              </a:solidFill>
+              <a:latin typeface="Arial"/>
+              <a:cs typeface="Arial"/>
+            </a:endParaRPr>
+          </a:p>
+        </p:txBody>
+      </p:sp>
+      <p:sp>
+        <p:nvSpPr>
+          <p:cNvPr id="45" name="Text Box 424"/>
+          <p:cNvSpPr txBox="1">
+            <a:spLocks noChangeArrowheads="1"/>
+          </p:cNvSpPr>
+          <p:nvPr/>
+        </p:nvSpPr>
+        <p:spPr bwMode="auto">
+          <a:xfrm>
+            <a:off x="10801499" y="23812632"/>
+            <a:ext cx="12801600" cy="844173"/>
+          </a:xfrm>
+          <a:prstGeom prst="rect">
+            <a:avLst/>
+          </a:prstGeom>
+          <a:solidFill>
+            <a:srgbClr val="A40A1D"/>
+          </a:solidFill>
+          <a:ln w="25400">
+            <a:noFill/>
+            <a:miter lim="800000"/>
+            <a:headEnd/>
+            <a:tailEnd/>
+          </a:ln>
+          <a:effectLst/>
+        </p:spPr>
+        <p:txBody>
+          <a:bodyPr wrap="square" lIns="79230" tIns="39614" rIns="79230" bIns="39614">
+            <a:prstTxWarp prst="textNoShape">
+              <a:avLst/>
+            </a:prstTxWarp>
+            <a:spAutoFit/>
+          </a:bodyPr>
+          <a:lstStyle/>
+          <a:p>
+            <a:pPr algn="ctr">
+              <a:spcBef>
+                <a:spcPct val="50000"/>
+              </a:spcBef>
+            </a:pPr>
+            <a:r>
+              <a:rPr lang="en-US" sz="5000" b="1" dirty="0" smtClean="0">
+                <a:solidFill>
+                  <a:schemeClr val="bg1"/>
+                </a:solidFill>
+                <a:latin typeface="Arial"/>
+                <a:cs typeface="Arial"/>
+              </a:rPr>
+              <a:t>Clustering</a:t>
+            </a:r>
+            <a:endParaRPr lang="en-US" sz="5000" dirty="0">
+              <a:solidFill>
+                <a:schemeClr val="bg1"/>
+              </a:solidFill>
+              <a:latin typeface="Arial"/>
+              <a:cs typeface="Arial"/>
+            </a:endParaRPr>
+          </a:p>
+        </p:txBody>
+      </p:sp>
+      <p:sp>
+        <p:nvSpPr>
+          <p:cNvPr id="46" name="Text Box 424"/>
+          <p:cNvSpPr txBox="1">
+            <a:spLocks noChangeArrowheads="1"/>
+          </p:cNvSpPr>
+          <p:nvPr/>
+        </p:nvSpPr>
+        <p:spPr bwMode="auto">
+          <a:xfrm>
+            <a:off x="24883258" y="23812632"/>
+            <a:ext cx="12801600" cy="844173"/>
+          </a:xfrm>
+          <a:prstGeom prst="rect">
+            <a:avLst/>
+          </a:prstGeom>
+          <a:solidFill>
+            <a:srgbClr val="A40A1D"/>
+          </a:solidFill>
+          <a:ln w="25400">
+            <a:noFill/>
+            <a:miter lim="800000"/>
+            <a:headEnd/>
+            <a:tailEnd/>
+          </a:ln>
+          <a:effectLst/>
+        </p:spPr>
+        <p:txBody>
+          <a:bodyPr wrap="square" lIns="79230" tIns="39614" rIns="79230" bIns="39614">
+            <a:prstTxWarp prst="textNoShape">
+              <a:avLst/>
+            </a:prstTxWarp>
+            <a:spAutoFit/>
+          </a:bodyPr>
+          <a:lstStyle/>
+          <a:p>
+            <a:pPr algn="ctr">
+              <a:spcBef>
+                <a:spcPct val="50000"/>
+              </a:spcBef>
+            </a:pPr>
+            <a:r>
+              <a:rPr lang="en-US" sz="5000" b="1" dirty="0" smtClean="0">
+                <a:solidFill>
+                  <a:schemeClr val="bg1"/>
+                </a:solidFill>
+                <a:latin typeface="Arial"/>
+                <a:cs typeface="Arial"/>
+              </a:rPr>
+              <a:t>Prediction</a:t>
+            </a:r>
+            <a:endParaRPr lang="en-US" sz="5000" dirty="0">
+              <a:solidFill>
+                <a:schemeClr val="bg1"/>
+              </a:solidFill>
+              <a:latin typeface="Arial"/>
+              <a:cs typeface="Arial"/>
+            </a:endParaRPr>
+          </a:p>
+        </p:txBody>
+      </p:sp>
+      <p:sp>
+        <p:nvSpPr>
+          <p:cNvPr id="50" name="TextBox 49"/>
+          <p:cNvSpPr txBox="1"/>
+          <p:nvPr/>
+        </p:nvSpPr>
+        <p:spPr>
+          <a:xfrm>
+            <a:off x="18418431" y="7595722"/>
+            <a:ext cx="1584263" cy="677108"/>
+          </a:xfrm>
+          <a:prstGeom prst="rect">
+            <a:avLst/>
+          </a:prstGeom>
+          <a:noFill/>
+        </p:spPr>
+        <p:txBody>
+          <a:bodyPr wrap="none" rtlCol="0">
+            <a:spAutoFit/>
+          </a:bodyPr>
+          <a:lstStyle/>
+          <a:p>
+            <a:r>
+              <a:rPr lang="en-US" sz="3800" dirty="0" smtClean="0"/>
+              <a:t>2-4 </a:t>
+            </a:r>
+            <a:r>
+              <a:rPr lang="en-US" sz="3800" dirty="0" err="1" smtClean="0"/>
+              <a:t>mo</a:t>
+            </a:r>
+            <a:endParaRPr lang="en-US" sz="3800" dirty="0"/>
+          </a:p>
+        </p:txBody>
+      </p:sp>
+      <p:sp>
+        <p:nvSpPr>
+          <p:cNvPr id="58" name="TextBox 57"/>
+          <p:cNvSpPr txBox="1"/>
+          <p:nvPr/>
+        </p:nvSpPr>
+        <p:spPr>
+          <a:xfrm>
+            <a:off x="23409231" y="8352822"/>
+            <a:ext cx="1908107" cy="677108"/>
+          </a:xfrm>
+          <a:prstGeom prst="rect">
+            <a:avLst/>
+          </a:prstGeom>
+          <a:noFill/>
+        </p:spPr>
+        <p:txBody>
+          <a:bodyPr wrap="none" rtlCol="0">
+            <a:spAutoFit/>
+          </a:bodyPr>
+          <a:lstStyle/>
+          <a:p>
+            <a:r>
+              <a:rPr lang="en-US" sz="3800" dirty="0" smtClean="0"/>
+              <a:t>Raw DVs</a:t>
+            </a:r>
+          </a:p>
+        </p:txBody>
+      </p:sp>
+      <p:sp>
+        <p:nvSpPr>
+          <p:cNvPr id="60" name="TextBox 59"/>
+          <p:cNvSpPr txBox="1"/>
+          <p:nvPr/>
+        </p:nvSpPr>
+        <p:spPr>
+          <a:xfrm>
+            <a:off x="27432351" y="8352822"/>
+            <a:ext cx="2078000" cy="677108"/>
+          </a:xfrm>
+          <a:prstGeom prst="rect">
+            <a:avLst/>
+          </a:prstGeom>
+          <a:noFill/>
+        </p:spPr>
+        <p:txBody>
+          <a:bodyPr wrap="none" rtlCol="0">
+            <a:spAutoFit/>
+          </a:bodyPr>
+          <a:lstStyle/>
+          <a:p>
+            <a:r>
+              <a:rPr lang="en-US" sz="3800" dirty="0" smtClean="0"/>
+              <a:t>DDM DVs</a:t>
+            </a:r>
+          </a:p>
+        </p:txBody>
+      </p:sp>
+      <p:pic>
+        <p:nvPicPr>
+          <p:cNvPr id="6" name="Picture 5" descr="Boot_ddm_plot.jpeg"/>
+          <p:cNvPicPr>
+            <a:picLocks noChangeAspect="1"/>
+          </p:cNvPicPr>
+          <p:nvPr/>
+        </p:nvPicPr>
+        <p:blipFill>
+          <a:blip r:embed="rId15">
+            <a:extLst>
+              <a:ext uri="{28A0092B-C50C-407E-A947-70E740481C1C}">
+                <a14:useLocalDpi xmlns:a14="http://schemas.microsoft.com/office/drawing/2010/main" val="0"/>
+              </a:ext>
+            </a:extLst>
+          </a:blip>
+          <a:stretch>
+            <a:fillRect/>
+          </a:stretch>
+        </p:blipFill>
+        <p:spPr>
+          <a:xfrm>
+            <a:off x="10810242" y="11998029"/>
+            <a:ext cx="12801600" cy="2695074"/>
+          </a:xfrm>
+          <a:prstGeom prst="rect">
+            <a:avLst/>
+          </a:prstGeom>
+        </p:spPr>
+      </p:pic>
     </p:spTree>
   </p:cSld>
   <p:clrMapOvr>

--- a/presentations/NeuroeconPoster2018.pptx
+++ b/presentations/NeuroeconPoster2018.pptx
@@ -6000,6 +6000,36 @@
         <p:spPr>
           <a:xfrm>
             <a:off x="10810242" y="11998029"/>
+            <a:ext cx="12801600" cy="2695074"/>
+          </a:xfrm>
+          <a:prstGeom prst="rect">
+            <a:avLst/>
+          </a:prstGeom>
+        </p:spPr>
+      </p:pic>
+      <p:pic>
+        <p:nvPicPr>
+          <p:cNvPr id="8" name="Picture 7" descr="var_subs_ddm_plot.jpeg"/>
+          <p:cNvPicPr>
+            <a:picLocks noChangeAspect="1"/>
+          </p:cNvPicPr>
+          <p:nvPr/>
+        </p:nvPicPr>
+        <p:blipFill>
+          <a:blip r:embed="rId16">
+            <a:extLst>
+              <a:ext uri="{28A0092B-C50C-407E-A947-70E740481C1C}">
+                <a14:useLocalDpi xmlns:a14="http://schemas.microsoft.com/office/drawing/2010/main" val="0"/>
+              </a:ext>
+            </a:extLst>
+          </a:blip>
+          <a:stretch>
+            <a:fillRect/>
+          </a:stretch>
+        </p:blipFill>
+        <p:spPr>
+          <a:xfrm>
+            <a:off x="24883258" y="11998029"/>
             <a:ext cx="12801600" cy="2695074"/>
           </a:xfrm>
           <a:prstGeom prst="rect">

--- a/presentations/NeuroeconPoster2018.pptx
+++ b/presentations/NeuroeconPoster2018.pptx
@@ -4114,6 +4114,8 @@
               <a:solidFill>
                 <a:schemeClr val="tx1"/>
               </a:solidFill>
+              <a:latin typeface="Arial"/>
+              <a:cs typeface="Arial"/>
             </a:endParaRPr>
           </a:p>
         </p:txBody>
@@ -4571,6 +4573,8 @@
                 <a:solidFill>
                   <a:schemeClr val="bg1"/>
                 </a:solidFill>
+                <a:latin typeface="Arial"/>
+                <a:cs typeface="Arial"/>
               </a:rPr>
               <a:t>Contact: </a:t>
             </a:r>
@@ -4579,6 +4583,8 @@
                 <a:solidFill>
                   <a:schemeClr val="bg1"/>
                 </a:solidFill>
+                <a:latin typeface="Arial"/>
+                <a:cs typeface="Arial"/>
               </a:rPr>
               <a:t>A. Zeynep </a:t>
             </a:r>
@@ -4587,6 +4593,8 @@
                 <a:solidFill>
                   <a:schemeClr val="bg1"/>
                 </a:solidFill>
+                <a:latin typeface="Arial"/>
+                <a:cs typeface="Arial"/>
               </a:rPr>
               <a:t>Enkavi </a:t>
             </a:r>
@@ -4595,6 +4603,8 @@
                 <a:solidFill>
                   <a:schemeClr val="bg1"/>
                 </a:solidFill>
+                <a:latin typeface="Arial"/>
+                <a:cs typeface="Arial"/>
               </a:rPr>
               <a:t>&lt;</a:t>
             </a:r>
@@ -4603,6 +4613,8 @@
                 <a:solidFill>
                   <a:schemeClr val="bg1"/>
                 </a:solidFill>
+                <a:latin typeface="Arial"/>
+                <a:cs typeface="Arial"/>
               </a:rPr>
               <a:t>zenkavi@stanford.edu</a:t>
             </a:r>
@@ -4611,6 +4623,8 @@
                 <a:solidFill>
                   <a:schemeClr val="bg1"/>
                 </a:solidFill>
+                <a:latin typeface="Arial"/>
+                <a:cs typeface="Arial"/>
               </a:rPr>
               <a:t>&gt;</a:t>
             </a:r>
@@ -4720,6 +4734,8 @@
               <a:solidFill>
                 <a:schemeClr val="tx1"/>
               </a:solidFill>
+              <a:latin typeface="Arial"/>
+              <a:cs typeface="Arial"/>
             </a:endParaRPr>
           </a:p>
         </p:txBody>
@@ -5206,7 +5222,10 @@
           <a:lstStyle/>
           <a:p>
             <a:pPr algn="ctr"/>
-            <a:endParaRPr lang="en-US"/>
+            <a:endParaRPr lang="en-US">
+              <a:latin typeface="Arial"/>
+              <a:cs typeface="Arial"/>
+            </a:endParaRPr>
           </a:p>
         </p:txBody>
       </p:sp>
@@ -5218,8 +5237,8 @@
         </p:nvSpPr>
         <p:spPr>
           <a:xfrm>
-            <a:off x="24430467" y="9691390"/>
-            <a:ext cx="4016219" cy="861774"/>
+            <a:off x="24430467" y="9696913"/>
+            <a:ext cx="4496493" cy="861774"/>
           </a:xfrm>
           <a:prstGeom prst="rect">
             <a:avLst/>
@@ -5233,10 +5252,16 @@
           <a:lstStyle/>
           <a:p>
             <a:r>
-              <a:rPr lang="en-US" sz="5000" dirty="0" smtClean="0"/>
+              <a:rPr lang="en-US" sz="5000" dirty="0" smtClean="0">
+                <a:latin typeface="Arial"/>
+                <a:cs typeface="Arial"/>
+              </a:rPr>
               <a:t>Factor analysis</a:t>
             </a:r>
-            <a:endParaRPr lang="en-US" sz="5000" dirty="0"/>
+            <a:endParaRPr lang="en-US" sz="5000" dirty="0">
+              <a:latin typeface="Arial"/>
+              <a:cs typeface="Arial"/>
+            </a:endParaRPr>
           </a:p>
         </p:txBody>
       </p:sp>
@@ -5314,8 +5339,8 @@
         </p:nvSpPr>
         <p:spPr>
           <a:xfrm>
-            <a:off x="30593598" y="9670977"/>
-            <a:ext cx="2845901" cy="861774"/>
+            <a:off x="30593598" y="9696913"/>
+            <a:ext cx="3035945" cy="861774"/>
           </a:xfrm>
           <a:prstGeom prst="rect">
             <a:avLst/>
@@ -5329,10 +5354,16 @@
           <a:lstStyle/>
           <a:p>
             <a:r>
-              <a:rPr lang="en-US" sz="5000" dirty="0" smtClean="0"/>
+              <a:rPr lang="en-US" sz="5000" dirty="0" smtClean="0">
+                <a:latin typeface="Arial"/>
+                <a:cs typeface="Arial"/>
+              </a:rPr>
               <a:t>Prediction</a:t>
             </a:r>
-            <a:endParaRPr lang="en-US" sz="5000" dirty="0"/>
+            <a:endParaRPr lang="en-US" sz="5000" dirty="0">
+              <a:latin typeface="Arial"/>
+              <a:cs typeface="Arial"/>
+            </a:endParaRPr>
           </a:p>
         </p:txBody>
       </p:sp>
@@ -5386,148 +5417,6 @@
                 <a:cs typeface="Arial"/>
               </a:rPr>
               <a:t>Overview of Procedure</a:t>
-            </a:r>
-            <a:endParaRPr lang="en-US" sz="5000" dirty="0">
-              <a:solidFill>
-                <a:schemeClr val="bg1"/>
-              </a:solidFill>
-              <a:latin typeface="Arial"/>
-              <a:cs typeface="Arial"/>
-            </a:endParaRPr>
-          </a:p>
-        </p:txBody>
-      </p:sp>
-      <p:sp>
-        <p:nvSpPr>
-          <p:cNvPr id="36" name="Text Box 424"/>
-          <p:cNvSpPr txBox="1">
-            <a:spLocks noChangeArrowheads="1"/>
-          </p:cNvSpPr>
-          <p:nvPr/>
-        </p:nvSpPr>
-        <p:spPr bwMode="auto">
-          <a:xfrm>
-            <a:off x="10810241" y="11119204"/>
-            <a:ext cx="12801600" cy="844173"/>
-          </a:xfrm>
-          <a:prstGeom prst="rect">
-            <a:avLst/>
-          </a:prstGeom>
-          <a:solidFill>
-            <a:srgbClr val="A40A1D"/>
-          </a:solidFill>
-          <a:ln w="25400">
-            <a:noFill/>
-            <a:miter lim="800000"/>
-            <a:headEnd/>
-            <a:tailEnd/>
-          </a:ln>
-          <a:effectLst/>
-        </p:spPr>
-        <p:txBody>
-          <a:bodyPr wrap="square" lIns="79230" tIns="39614" rIns="79230" bIns="39614">
-            <a:prstTxWarp prst="textNoShape">
-              <a:avLst/>
-            </a:prstTxWarp>
-            <a:spAutoFit/>
-          </a:bodyPr>
-          <a:lstStyle/>
-          <a:p>
-            <a:pPr algn="ctr">
-              <a:spcBef>
-                <a:spcPct val="50000"/>
-              </a:spcBef>
-            </a:pPr>
-            <a:r>
-              <a:rPr lang="en-US" sz="5000" b="1" dirty="0" smtClean="0">
-                <a:solidFill>
-                  <a:schemeClr val="bg1"/>
-                </a:solidFill>
-                <a:latin typeface="Arial"/>
-                <a:cs typeface="Arial"/>
-              </a:rPr>
-              <a:t>DDM </a:t>
-            </a:r>
-            <a:r>
-              <a:rPr lang="en-US" sz="5000" b="1" dirty="0" err="1" smtClean="0">
-                <a:solidFill>
-                  <a:schemeClr val="bg1"/>
-                </a:solidFill>
-                <a:latin typeface="Arial"/>
-                <a:cs typeface="Arial"/>
-              </a:rPr>
-              <a:t>vs</a:t>
-            </a:r>
-            <a:r>
-              <a:rPr lang="en-US" sz="5000" b="1" dirty="0" smtClean="0">
-                <a:solidFill>
-                  <a:schemeClr val="bg1"/>
-                </a:solidFill>
-                <a:latin typeface="Arial"/>
-                <a:cs typeface="Arial"/>
-              </a:rPr>
-              <a:t> Raw measure reliability</a:t>
-            </a:r>
-            <a:endParaRPr lang="en-US" sz="5000" dirty="0">
-              <a:solidFill>
-                <a:schemeClr val="bg1"/>
-              </a:solidFill>
-              <a:latin typeface="Arial"/>
-              <a:cs typeface="Arial"/>
-            </a:endParaRPr>
-          </a:p>
-        </p:txBody>
-      </p:sp>
-      <p:sp>
-        <p:nvSpPr>
-          <p:cNvPr id="37" name="Text Box 424"/>
-          <p:cNvSpPr txBox="1">
-            <a:spLocks noChangeArrowheads="1"/>
-          </p:cNvSpPr>
-          <p:nvPr/>
-        </p:nvSpPr>
-        <p:spPr bwMode="auto">
-          <a:xfrm>
-            <a:off x="24892000" y="11058734"/>
-            <a:ext cx="12801600" cy="844173"/>
-          </a:xfrm>
-          <a:prstGeom prst="rect">
-            <a:avLst/>
-          </a:prstGeom>
-          <a:solidFill>
-            <a:srgbClr val="A40A1D"/>
-          </a:solidFill>
-          <a:ln w="25400">
-            <a:noFill/>
-            <a:miter lim="800000"/>
-            <a:headEnd/>
-            <a:tailEnd/>
-          </a:ln>
-          <a:effectLst/>
-        </p:spPr>
-        <p:txBody>
-          <a:bodyPr wrap="square" lIns="79230" tIns="39614" rIns="79230" bIns="39614">
-            <a:prstTxWarp prst="textNoShape">
-              <a:avLst/>
-            </a:prstTxWarp>
-            <a:spAutoFit/>
-          </a:bodyPr>
-          <a:lstStyle/>
-          <a:p>
-            <a:pPr algn="ctr">
-              <a:spcBef>
-                <a:spcPct val="50000"/>
-              </a:spcBef>
-            </a:pPr>
-            <a:r>
-              <a:rPr lang="en-US" sz="5000" b="1" dirty="0" smtClean="0">
-                <a:solidFill>
-                  <a:schemeClr val="bg1"/>
-                </a:solidFill>
-                <a:latin typeface="Arial"/>
-                <a:cs typeface="Arial"/>
-              </a:rPr>
-              <a:t>Variance Breakdown</a:t>
             </a:r>
             <a:endParaRPr lang="en-US" sz="5000" dirty="0">
               <a:solidFill>
@@ -5577,7 +5466,10 @@
           <a:lstStyle/>
           <a:p>
             <a:pPr algn="ctr"/>
-            <a:endParaRPr lang="en-US"/>
+            <a:endParaRPr lang="en-US">
+              <a:latin typeface="Arial"/>
+              <a:cs typeface="Arial"/>
+            </a:endParaRPr>
           </a:p>
         </p:txBody>
       </p:sp>
@@ -5589,8 +5481,8 @@
         </p:nvSpPr>
         <p:spPr>
           <a:xfrm>
-            <a:off x="17880070" y="9722850"/>
-            <a:ext cx="2736634" cy="861774"/>
+            <a:off x="17880070" y="9696913"/>
+            <a:ext cx="2929007" cy="861774"/>
           </a:xfrm>
           <a:prstGeom prst="rect">
             <a:avLst/>
@@ -5604,10 +5496,16 @@
           <a:lstStyle/>
           <a:p>
             <a:r>
-              <a:rPr lang="en-US" sz="5000" dirty="0" smtClean="0"/>
+              <a:rPr lang="en-US" sz="5000" dirty="0" smtClean="0">
+                <a:latin typeface="Arial"/>
+                <a:cs typeface="Arial"/>
+              </a:rPr>
               <a:t>Reliability</a:t>
             </a:r>
-            <a:endParaRPr lang="en-US" sz="5000" dirty="0"/>
+            <a:endParaRPr lang="en-US" sz="5000" dirty="0">
+              <a:latin typeface="Arial"/>
+              <a:cs typeface="Arial"/>
+            </a:endParaRPr>
           </a:p>
         </p:txBody>
       </p:sp>
@@ -5651,7 +5549,7 @@
         </p:nvSpPr>
         <p:spPr bwMode="auto">
           <a:xfrm>
-            <a:off x="10810241" y="17105734"/>
+            <a:off x="10810241" y="16501034"/>
             <a:ext cx="12801600" cy="844173"/>
           </a:xfrm>
           <a:prstGeom prst="rect">
@@ -5712,7 +5610,7 @@
         </p:nvSpPr>
         <p:spPr bwMode="auto">
           <a:xfrm>
-            <a:off x="24892000" y="17105734"/>
+            <a:off x="24892000" y="16501034"/>
             <a:ext cx="12801600" cy="844173"/>
           </a:xfrm>
           <a:prstGeom prst="rect">
@@ -5894,7 +5792,7 @@
         <p:spPr>
           <a:xfrm>
             <a:off x="18418431" y="7595722"/>
-            <a:ext cx="1584263" cy="677108"/>
+            <a:ext cx="1701332" cy="677108"/>
           </a:xfrm>
           <a:prstGeom prst="rect">
             <a:avLst/>
@@ -5908,14 +5806,23 @@
           <a:lstStyle/>
           <a:p>
             <a:r>
-              <a:rPr lang="en-US" sz="3800" dirty="0" smtClean="0"/>
+              <a:rPr lang="en-US" sz="3800" dirty="0" smtClean="0">
+                <a:latin typeface="Arial"/>
+                <a:cs typeface="Arial"/>
+              </a:rPr>
               <a:t>2-4 </a:t>
             </a:r>
             <a:r>
-              <a:rPr lang="en-US" sz="3800" dirty="0" err="1" smtClean="0"/>
+              <a:rPr lang="en-US" sz="3800" dirty="0" err="1" smtClean="0">
+                <a:latin typeface="Arial"/>
+                <a:cs typeface="Arial"/>
+              </a:rPr>
               <a:t>mo</a:t>
             </a:r>
-            <a:endParaRPr lang="en-US" sz="3800" dirty="0"/>
+            <a:endParaRPr lang="en-US" sz="3800" dirty="0">
+              <a:latin typeface="Arial"/>
+              <a:cs typeface="Arial"/>
+            </a:endParaRPr>
           </a:p>
         </p:txBody>
       </p:sp>
@@ -5928,7 +5835,7 @@
         <p:spPr>
           <a:xfrm>
             <a:off x="23409231" y="8352822"/>
-            <a:ext cx="1908107" cy="677108"/>
+            <a:ext cx="2215533" cy="677108"/>
           </a:xfrm>
           <a:prstGeom prst="rect">
             <a:avLst/>
@@ -5942,7 +5849,10 @@
           <a:lstStyle/>
           <a:p>
             <a:r>
-              <a:rPr lang="en-US" sz="3800" dirty="0" smtClean="0"/>
+              <a:rPr lang="en-US" sz="3800" dirty="0" smtClean="0">
+                <a:latin typeface="Arial"/>
+                <a:cs typeface="Arial"/>
+              </a:rPr>
               <a:t>Raw DVs</a:t>
             </a:r>
           </a:p>
@@ -5957,7 +5867,7 @@
         <p:spPr>
           <a:xfrm>
             <a:off x="27432351" y="8352822"/>
-            <a:ext cx="2078000" cy="677108"/>
+            <a:ext cx="2350448" cy="677108"/>
           </a:xfrm>
           <a:prstGeom prst="rect">
             <a:avLst/>
@@ -5971,7 +5881,10 @@
           <a:lstStyle/>
           <a:p>
             <a:r>
-              <a:rPr lang="en-US" sz="3800" dirty="0" smtClean="0"/>
+              <a:rPr lang="en-US" sz="3800" dirty="0" smtClean="0">
+                <a:latin typeface="Arial"/>
+                <a:cs typeface="Arial"/>
+              </a:rPr>
               <a:t>DDM DVs</a:t>
             </a:r>
           </a:p>
@@ -5999,44 +5912,172 @@
         </p:blipFill>
         <p:spPr>
           <a:xfrm>
-            <a:off x="10810242" y="11998029"/>
-            <a:ext cx="12801600" cy="2695074"/>
+            <a:off x="11174328" y="11998029"/>
+            <a:ext cx="18742578" cy="3945806"/>
           </a:xfrm>
           <a:prstGeom prst="rect">
             <a:avLst/>
           </a:prstGeom>
         </p:spPr>
       </p:pic>
-      <p:pic>
-        <p:nvPicPr>
-          <p:cNvPr id="8" name="Picture 7" descr="var_subs_ddm_plot.jpeg"/>
-          <p:cNvPicPr>
-            <a:picLocks noChangeAspect="1"/>
-          </p:cNvPicPr>
+      <p:sp>
+        <p:nvSpPr>
+          <p:cNvPr id="61" name="Text Box 424"/>
+          <p:cNvSpPr txBox="1">
+            <a:spLocks noChangeArrowheads="1"/>
+          </p:cNvSpPr>
           <p:nvPr/>
-        </p:nvPicPr>
-        <p:blipFill>
-          <a:blip r:embed="rId16">
-            <a:extLst>
-              <a:ext uri="{28A0092B-C50C-407E-A947-70E740481C1C}">
-                <a14:useLocalDpi xmlns:a14="http://schemas.microsoft.com/office/drawing/2010/main" val="0"/>
-              </a:ext>
-            </a:extLst>
-          </a:blip>
-          <a:stretch>
-            <a:fillRect/>
-          </a:stretch>
-        </p:blipFill>
-        <p:spPr>
+        </p:nvSpPr>
+        <p:spPr bwMode="auto">
           <a:xfrm>
-            <a:off x="24883258" y="11998029"/>
-            <a:ext cx="12801600" cy="2695074"/>
+            <a:off x="10801498" y="10660090"/>
+            <a:ext cx="26883360" cy="844173"/>
           </a:xfrm>
           <a:prstGeom prst="rect">
             <a:avLst/>
           </a:prstGeom>
+          <a:solidFill>
+            <a:srgbClr val="A40A1D"/>
+          </a:solidFill>
+          <a:ln w="25400">
+            <a:noFill/>
+            <a:miter lim="800000"/>
+            <a:headEnd/>
+            <a:tailEnd/>
+          </a:ln>
+          <a:effectLst/>
         </p:spPr>
-      </p:pic>
+        <p:txBody>
+          <a:bodyPr wrap="square" lIns="79230" tIns="39614" rIns="79230" bIns="39614">
+            <a:prstTxWarp prst="textNoShape">
+              <a:avLst/>
+            </a:prstTxWarp>
+            <a:spAutoFit/>
+          </a:bodyPr>
+          <a:lstStyle/>
+          <a:p>
+            <a:pPr algn="ctr">
+              <a:spcBef>
+                <a:spcPct val="50000"/>
+              </a:spcBef>
+            </a:pPr>
+            <a:r>
+              <a:rPr lang="en-US" sz="5000" b="1" dirty="0">
+                <a:solidFill>
+                  <a:schemeClr val="bg1"/>
+                </a:solidFill>
+                <a:latin typeface="Arial"/>
+                <a:cs typeface="Arial"/>
+              </a:rPr>
+              <a:t>DDM </a:t>
+            </a:r>
+            <a:r>
+              <a:rPr lang="en-US" sz="5000" b="1" dirty="0" err="1">
+                <a:solidFill>
+                  <a:schemeClr val="bg1"/>
+                </a:solidFill>
+                <a:latin typeface="Arial"/>
+                <a:cs typeface="Arial"/>
+              </a:rPr>
+              <a:t>vs</a:t>
+            </a:r>
+            <a:r>
+              <a:rPr lang="en-US" sz="5000" b="1" dirty="0">
+                <a:solidFill>
+                  <a:schemeClr val="bg1"/>
+                </a:solidFill>
+                <a:latin typeface="Arial"/>
+                <a:cs typeface="Arial"/>
+              </a:rPr>
+              <a:t> Raw measure reliability</a:t>
+            </a:r>
+            <a:endParaRPr lang="en-US" sz="5000" dirty="0">
+              <a:solidFill>
+                <a:schemeClr val="bg1"/>
+              </a:solidFill>
+              <a:latin typeface="Arial"/>
+              <a:cs typeface="Arial"/>
+            </a:endParaRPr>
+          </a:p>
+        </p:txBody>
+      </p:sp>
+      <p:sp>
+        <p:nvSpPr>
+          <p:cNvPr id="62" name="Rectangle 61"/>
+          <p:cNvSpPr/>
+          <p:nvPr/>
+        </p:nvSpPr>
+        <p:spPr>
+          <a:xfrm>
+            <a:off x="30593598" y="12017441"/>
+            <a:ext cx="6111719" cy="4437029"/>
+          </a:xfrm>
+          <a:prstGeom prst="rect">
+            <a:avLst/>
+          </a:prstGeom>
+          <a:noFill/>
+        </p:spPr>
+        <p:txBody>
+          <a:bodyPr wrap="square" lIns="274320" rIns="274320" rtlCol="0">
+            <a:noAutofit/>
+          </a:bodyPr>
+          <a:lstStyle/>
+          <a:p>
+            <a:pPr>
+              <a:buFont typeface="Arial"/>
+              <a:buChar char="•"/>
+            </a:pPr>
+            <a:r>
+              <a:rPr lang="en-US" sz="4400" dirty="0" smtClean="0">
+                <a:latin typeface="Arial"/>
+                <a:cs typeface="Arial"/>
+              </a:rPr>
+              <a:t> </a:t>
+            </a:r>
+            <a:r>
+              <a:rPr lang="en-US" sz="4400" dirty="0" smtClean="0">
+                <a:latin typeface="Arial"/>
+                <a:cs typeface="Arial"/>
+              </a:rPr>
+              <a:t>Stats for figure </a:t>
+            </a:r>
+            <a:r>
+              <a:rPr lang="en-US" sz="4400" dirty="0" smtClean="0">
+                <a:latin typeface="Arial"/>
+                <a:cs typeface="Arial"/>
+                <a:sym typeface="Wingdings"/>
+              </a:rPr>
+              <a:t></a:t>
+            </a:r>
+          </a:p>
+          <a:p>
+            <a:pPr>
+              <a:buFont typeface="Arial"/>
+              <a:buChar char="•"/>
+            </a:pPr>
+            <a:r>
+              <a:rPr lang="en-US" sz="4400" dirty="0">
+                <a:latin typeface="Arial"/>
+                <a:cs typeface="Arial"/>
+                <a:sym typeface="Wingdings"/>
+              </a:rPr>
+              <a:t> </a:t>
+            </a:r>
+            <a:r>
+              <a:rPr lang="en-US" sz="4400" dirty="0" smtClean="0">
+                <a:latin typeface="Arial"/>
+                <a:cs typeface="Arial"/>
+                <a:sym typeface="Wingdings"/>
+              </a:rPr>
+              <a:t>Stats for variance differences</a:t>
+            </a:r>
+            <a:endParaRPr lang="en-US" sz="4400" dirty="0">
+              <a:latin typeface="Arial"/>
+              <a:cs typeface="Arial"/>
+            </a:endParaRPr>
+          </a:p>
+        </p:txBody>
+      </p:sp>
     </p:spTree>
   </p:cSld>
   <p:clrMapOvr>

--- a/presentations/NeuroeconPoster2018.pptx
+++ b/presentations/NeuroeconPoster2018.pptx
@@ -4371,7 +4371,21 @@
                 <a:latin typeface="Arial"/>
                 <a:cs typeface="Arial"/>
               </a:rPr>
-              <a:t> Extracted 14 tasks from larger battery </a:t>
+              <a:t> </a:t>
+            </a:r>
+            <a:r>
+              <a:rPr lang="en-US" sz="4400" dirty="0" smtClean="0">
+                <a:latin typeface="Arial"/>
+                <a:cs typeface="Arial"/>
+              </a:rPr>
+              <a:t>14 </a:t>
+            </a:r>
+            <a:r>
+              <a:rPr lang="en-US" sz="4400" dirty="0" smtClean="0">
+                <a:latin typeface="Arial"/>
+                <a:cs typeface="Arial"/>
+              </a:rPr>
+              <a:t>tasks from larger battery </a:t>
             </a:r>
             <a:r>
               <a:rPr lang="en-US" sz="4400" dirty="0" smtClean="0">
@@ -4427,8 +4441,47 @@
                 <a:latin typeface="Arial"/>
                 <a:cs typeface="Arial"/>
               </a:rPr>
-              <a:t>150; )</a:t>
-            </a:r>
+              <a:t>150): N-back, ANT, choice RT, directed forgetting, DPX, local globa</a:t>
+            </a:r>
+            <a:r>
+              <a:rPr lang="en-US" sz="4400" dirty="0" smtClean="0">
+                <a:latin typeface="Arial"/>
+                <a:cs typeface="Arial"/>
+              </a:rPr>
+              <a:t>l, recent, probes, shape matching, </a:t>
+            </a:r>
+            <a:r>
+              <a:rPr lang="en-US" sz="4400" dirty="0" err="1" smtClean="0">
+                <a:latin typeface="Arial"/>
+                <a:cs typeface="Arial"/>
+              </a:rPr>
+              <a:t>simon</a:t>
+            </a:r>
+            <a:r>
+              <a:rPr lang="en-US" sz="4400" dirty="0" smtClean="0">
+                <a:latin typeface="Arial"/>
+                <a:cs typeface="Arial"/>
+              </a:rPr>
+              <a:t>, stop signal (x3), </a:t>
+            </a:r>
+            <a:r>
+              <a:rPr lang="en-US" sz="4400" dirty="0" err="1" smtClean="0">
+                <a:latin typeface="Arial"/>
+                <a:cs typeface="Arial"/>
+              </a:rPr>
+              <a:t>stroop</a:t>
+            </a:r>
+            <a:r>
+              <a:rPr lang="en-US" sz="4400" dirty="0" smtClean="0">
+                <a:latin typeface="Arial"/>
+                <a:cs typeface="Arial"/>
+              </a:rPr>
+              <a:t>, cued task switching</a:t>
+            </a:r>
+            <a:endParaRPr lang="en-US" sz="4400" dirty="0" smtClean="0">
+              <a:latin typeface="Arial"/>
+              <a:cs typeface="Arial"/>
+            </a:endParaRPr>
           </a:p>
           <a:p>
             <a:pPr>
@@ -4447,47 +4500,8 @@
                 <a:latin typeface="Arial"/>
                 <a:cs typeface="Arial"/>
               </a:rPr>
-              <a:t>Tasks: N-back, ANT, choice RT, directed forgetting, DPX, local globa</a:t>
-            </a:r>
-            <a:r>
-              <a:rPr lang="en-US" sz="4400" dirty="0" smtClean="0">
-                <a:latin typeface="Arial"/>
-                <a:cs typeface="Arial"/>
-              </a:rPr>
-              <a:t>l, recent, probes, shape matching, </a:t>
-            </a:r>
-            <a:r>
-              <a:rPr lang="en-US" sz="4400" dirty="0" err="1" smtClean="0">
-                <a:latin typeface="Arial"/>
-                <a:cs typeface="Arial"/>
-              </a:rPr>
-              <a:t>simon</a:t>
-            </a:r>
-            <a:r>
-              <a:rPr lang="en-US" sz="4400" dirty="0" smtClean="0">
-                <a:latin typeface="Arial"/>
-                <a:cs typeface="Arial"/>
-              </a:rPr>
-              <a:t>, stop signal (x3), </a:t>
-            </a:r>
-            <a:r>
-              <a:rPr lang="en-US" sz="4400" dirty="0" err="1" smtClean="0">
-                <a:latin typeface="Arial"/>
-                <a:cs typeface="Arial"/>
-              </a:rPr>
-              <a:t>stroop</a:t>
-            </a:r>
-            <a:r>
-              <a:rPr lang="en-US" sz="4400" dirty="0" smtClean="0">
-                <a:latin typeface="Arial"/>
-                <a:cs typeface="Arial"/>
-              </a:rPr>
-              <a:t>, cued task switching</a:t>
-            </a:r>
-            <a:endParaRPr lang="en-US" sz="4400" dirty="0" smtClean="0">
-              <a:latin typeface="Arial"/>
-              <a:cs typeface="Arial"/>
-            </a:endParaRPr>
+              <a:t>Raw measures: RT and accuracy</a:t>
+            </a:r>
           </a:p>
           <a:p>
             <a:pPr>
@@ -4506,7 +4520,14 @@
                 <a:latin typeface="Arial"/>
                 <a:cs typeface="Arial"/>
               </a:rPr>
-              <a:t>Raw measures: RT and accuracy</a:t>
+              <a:t>2 types of DDM: EZ and </a:t>
+            </a:r>
+            <a:r>
+              <a:rPr lang="en-US" sz="4400" dirty="0" smtClean="0">
+                <a:latin typeface="Arial"/>
+                <a:cs typeface="Arial"/>
+              </a:rPr>
+              <a:t>HDDM</a:t>
             </a:r>
           </a:p>
           <a:p>
@@ -4526,8 +4547,12 @@
                 <a:latin typeface="Arial"/>
                 <a:cs typeface="Arial"/>
               </a:rPr>
-              <a:t>2 types of DDM: EZ and HDDM</a:t>
-            </a:r>
+              <a:t>Non-contrast measures = use all trials; contrast variables = subtraction of two conditions; condition variables = subset of trials</a:t>
+            </a:r>
+            <a:endParaRPr lang="en-US" sz="4400" dirty="0" smtClean="0">
+              <a:latin typeface="Arial"/>
+              <a:cs typeface="Arial"/>
+            </a:endParaRPr>
           </a:p>
         </p:txBody>
       </p:sp>
@@ -4748,7 +4773,7 @@
         </p:nvSpPr>
         <p:spPr>
           <a:xfrm>
-            <a:off x="454934" y="24555044"/>
+            <a:off x="454934" y="25522564"/>
             <a:ext cx="9774936" cy="5438114"/>
           </a:xfrm>
           <a:prstGeom prst="rect">
@@ -4790,7 +4815,7 @@
         </p:nvSpPr>
         <p:spPr bwMode="auto">
           <a:xfrm>
-            <a:off x="471431" y="23710871"/>
+            <a:off x="471431" y="24678391"/>
             <a:ext cx="9769848" cy="844173"/>
           </a:xfrm>
           <a:prstGeom prst="rect">

--- a/presentations/NeuroeconPoster2018.pptx
+++ b/presentations/NeuroeconPoster2018.pptx
@@ -112,7 +112,7 @@
   </p:defaultTextStyle>
   <p:extLst>
     <p:ext uri="{EFAFB233-063F-42B5-8137-9DF3F51BA10A}">
-      <p15:sldGuideLst xmlns="" xmlns:p15="http://schemas.microsoft.com/office/powerpoint/2012/main">
+      <p15:sldGuideLst xmlns:p15="http://schemas.microsoft.com/office/powerpoint/2012/main" xmlns="">
         <p15:guide id="1" orient="horz" pos="10368">
           <p15:clr>
             <a:srgbClr val="A4A3A4"/>
@@ -217,7 +217,7 @@
           <a:p>
             <a:fld id="{1ADD2877-6E47-914A-A562-5BB1D9253FFF}" type="datetimeFigureOut">
               <a:rPr lang="en-US" smtClean="0"/>
-              <a:t>9/21/18</a:t>
+              <a:t>9/24/18</a:t>
             </a:fld>
             <a:endParaRPr lang="en-US"/>
           </a:p>
@@ -383,7 +383,7 @@
             <a:fld id="{9C8C3FF2-16C4-3444-9527-EB6C5966600B}" type="datetimeFigureOut">
               <a:rPr lang="en-US" smtClean="0"/>
               <a:pPr/>
-              <a:t>9/21/18</a:t>
+              <a:t>9/24/18</a:t>
             </a:fld>
             <a:endParaRPr lang="en-US"/>
           </a:p>
@@ -1116,7 +1116,7 @@
             <a:fld id="{34EA0383-EA84-CF41-8911-55C3D60C640A}" type="datetimeFigureOut">
               <a:rPr lang="en-US" smtClean="0"/>
               <a:pPr/>
-              <a:t>9/21/18</a:t>
+              <a:t>9/24/18</a:t>
             </a:fld>
             <a:endParaRPr lang="en-US"/>
           </a:p>
@@ -1283,7 +1283,7 @@
             <a:fld id="{34EA0383-EA84-CF41-8911-55C3D60C640A}" type="datetimeFigureOut">
               <a:rPr lang="en-US" smtClean="0"/>
               <a:pPr/>
-              <a:t>9/21/18</a:t>
+              <a:t>9/24/18</a:t>
             </a:fld>
             <a:endParaRPr lang="en-US"/>
           </a:p>
@@ -1460,7 +1460,7 @@
             <a:fld id="{34EA0383-EA84-CF41-8911-55C3D60C640A}" type="datetimeFigureOut">
               <a:rPr lang="en-US" smtClean="0"/>
               <a:pPr/>
-              <a:t>9/21/18</a:t>
+              <a:t>9/24/18</a:t>
             </a:fld>
             <a:endParaRPr lang="en-US"/>
           </a:p>
@@ -1627,7 +1627,7 @@
             <a:fld id="{34EA0383-EA84-CF41-8911-55C3D60C640A}" type="datetimeFigureOut">
               <a:rPr lang="en-US" smtClean="0"/>
               <a:pPr/>
-              <a:t>9/21/18</a:t>
+              <a:t>9/24/18</a:t>
             </a:fld>
             <a:endParaRPr lang="en-US"/>
           </a:p>
@@ -1870,7 +1870,7 @@
             <a:fld id="{34EA0383-EA84-CF41-8911-55C3D60C640A}" type="datetimeFigureOut">
               <a:rPr lang="en-US" smtClean="0"/>
               <a:pPr/>
-              <a:t>9/21/18</a:t>
+              <a:t>9/24/18</a:t>
             </a:fld>
             <a:endParaRPr lang="en-US"/>
           </a:p>
@@ -2155,7 +2155,7 @@
             <a:fld id="{34EA0383-EA84-CF41-8911-55C3D60C640A}" type="datetimeFigureOut">
               <a:rPr lang="en-US" smtClean="0"/>
               <a:pPr/>
-              <a:t>9/21/18</a:t>
+              <a:t>9/24/18</a:t>
             </a:fld>
             <a:endParaRPr lang="en-US"/>
           </a:p>
@@ -2579,7 +2579,7 @@
             <a:fld id="{34EA0383-EA84-CF41-8911-55C3D60C640A}" type="datetimeFigureOut">
               <a:rPr lang="en-US" smtClean="0"/>
               <a:pPr/>
-              <a:t>9/21/18</a:t>
+              <a:t>9/24/18</a:t>
             </a:fld>
             <a:endParaRPr lang="en-US"/>
           </a:p>
@@ -2694,7 +2694,7 @@
             <a:fld id="{34EA0383-EA84-CF41-8911-55C3D60C640A}" type="datetimeFigureOut">
               <a:rPr lang="en-US" smtClean="0"/>
               <a:pPr/>
-              <a:t>9/21/18</a:t>
+              <a:t>9/24/18</a:t>
             </a:fld>
             <a:endParaRPr lang="en-US"/>
           </a:p>
@@ -2786,7 +2786,7 @@
             <a:fld id="{34EA0383-EA84-CF41-8911-55C3D60C640A}" type="datetimeFigureOut">
               <a:rPr lang="en-US" smtClean="0"/>
               <a:pPr/>
-              <a:t>9/21/18</a:t>
+              <a:t>9/24/18</a:t>
             </a:fld>
             <a:endParaRPr lang="en-US"/>
           </a:p>
@@ -3060,7 +3060,7 @@
             <a:fld id="{34EA0383-EA84-CF41-8911-55C3D60C640A}" type="datetimeFigureOut">
               <a:rPr lang="en-US" smtClean="0"/>
               <a:pPr/>
-              <a:t>9/21/18</a:t>
+              <a:t>9/24/18</a:t>
             </a:fld>
             <a:endParaRPr lang="en-US"/>
           </a:p>
@@ -3310,7 +3310,7 @@
             <a:fld id="{34EA0383-EA84-CF41-8911-55C3D60C640A}" type="datetimeFigureOut">
               <a:rPr lang="en-US" smtClean="0"/>
               <a:pPr/>
-              <a:t>9/21/18</a:t>
+              <a:t>9/24/18</a:t>
             </a:fld>
             <a:endParaRPr lang="en-US"/>
           </a:p>
@@ -3520,7 +3520,7 @@
             <a:fld id="{34EA0383-EA84-CF41-8911-55C3D60C640A}" type="datetimeFigureOut">
               <a:rPr lang="en-US" smtClean="0"/>
               <a:pPr/>
-              <a:t>9/21/18</a:t>
+              <a:t>9/24/18</a:t>
             </a:fld>
             <a:endParaRPr lang="en-US"/>
           </a:p>
@@ -4371,49 +4371,7 @@
                 <a:latin typeface="Arial"/>
                 <a:cs typeface="Arial"/>
               </a:rPr>
-              <a:t> </a:t>
-            </a:r>
-            <a:r>
-              <a:rPr lang="en-US" sz="4400" dirty="0" smtClean="0">
-                <a:latin typeface="Arial"/>
-                <a:cs typeface="Arial"/>
-              </a:rPr>
-              <a:t>14 </a:t>
-            </a:r>
-            <a:r>
-              <a:rPr lang="en-US" sz="4400" dirty="0" smtClean="0">
-                <a:latin typeface="Arial"/>
-                <a:cs typeface="Arial"/>
-              </a:rPr>
-              <a:t>tasks from larger battery </a:t>
-            </a:r>
-            <a:r>
-              <a:rPr lang="en-US" sz="4400" dirty="0" smtClean="0">
-                <a:latin typeface="Arial"/>
-                <a:cs typeface="Arial"/>
-              </a:rPr>
-              <a:t>on reliability of </a:t>
-            </a:r>
-            <a:r>
-              <a:rPr lang="en-US" sz="4400" dirty="0" smtClean="0">
-                <a:latin typeface="Arial"/>
-                <a:cs typeface="Arial"/>
-              </a:rPr>
-              <a:t>self</a:t>
-            </a:r>
-            <a:r>
-              <a:rPr lang="en-US" sz="4400" dirty="0" smtClean="0">
-                <a:latin typeface="Arial"/>
-                <a:cs typeface="Arial"/>
-              </a:rPr>
-              <a:t>-</a:t>
-            </a:r>
-            <a:r>
-              <a:rPr lang="en-US" sz="4400" dirty="0" smtClean="0">
-                <a:latin typeface="Arial"/>
-                <a:cs typeface="Arial"/>
-              </a:rPr>
-              <a:t>regulation measures</a:t>
+              <a:t> 14 tasks from larger battery on reliability of self-regulation measures</a:t>
             </a:r>
             <a:r>
               <a:rPr lang="en-US" sz="4400" baseline="30000" dirty="0" smtClean="0">
@@ -4441,14 +4399,7 @@
                 <a:latin typeface="Arial"/>
                 <a:cs typeface="Arial"/>
               </a:rPr>
-              <a:t>150): N-back, ANT, choice RT, directed forgetting, DPX, local globa</a:t>
-            </a:r>
-            <a:r>
-              <a:rPr lang="en-US" sz="4400" dirty="0" smtClean="0">
-                <a:latin typeface="Arial"/>
-                <a:cs typeface="Arial"/>
-              </a:rPr>
-              <a:t>l, recent, probes, shape matching, </a:t>
+              <a:t>150): N-back, ANT, choice RT, directed forgetting, DPX, local global, recent, probes, shape matching, </a:t>
             </a:r>
             <a:r>
               <a:rPr lang="en-US" sz="4400" dirty="0" err="1" smtClean="0">
@@ -4478,10 +4429,6 @@
               </a:rPr>
               <a:t>, cued task switching</a:t>
             </a:r>
-            <a:endParaRPr lang="en-US" sz="4400" dirty="0" smtClean="0">
-              <a:latin typeface="Arial"/>
-              <a:cs typeface="Arial"/>
-            </a:endParaRPr>
           </a:p>
           <a:p>
             <a:pPr>
@@ -4520,14 +4467,7 @@
                 <a:latin typeface="Arial"/>
                 <a:cs typeface="Arial"/>
               </a:rPr>
-              <a:t>2 types of DDM: EZ and </a:t>
-            </a:r>
-            <a:r>
-              <a:rPr lang="en-US" sz="4400" dirty="0" smtClean="0">
-                <a:latin typeface="Arial"/>
-                <a:cs typeface="Arial"/>
-              </a:rPr>
-              <a:t>HDDM</a:t>
+              <a:t>2 types of DDM: EZ and HDDM</a:t>
             </a:r>
           </a:p>
           <a:p>
@@ -4549,10 +4489,6 @@
               </a:rPr>
               <a:t>Non-contrast measures = use all trials; contrast variables = subtraction of two conditions; condition variables = subset of trials</a:t>
             </a:r>
-            <a:endParaRPr lang="en-US" sz="4400" dirty="0" smtClean="0">
-              <a:latin typeface="Arial"/>
-              <a:cs typeface="Arial"/>
-            </a:endParaRPr>
           </a:p>
         </p:txBody>
       </p:sp>
@@ -6057,14 +5993,7 @@
                 <a:latin typeface="Arial"/>
                 <a:cs typeface="Arial"/>
               </a:rPr>
-              <a:t> </a:t>
-            </a:r>
-            <a:r>
-              <a:rPr lang="en-US" sz="4400" dirty="0" smtClean="0">
-                <a:latin typeface="Arial"/>
-                <a:cs typeface="Arial"/>
-              </a:rPr>
-              <a:t>Stats for figure </a:t>
+              <a:t> Stats for figure </a:t>
             </a:r>
             <a:r>
               <a:rPr lang="en-US" sz="4400" dirty="0" smtClean="0">
@@ -6095,6 +6024,123 @@
                 <a:sym typeface="Wingdings"/>
               </a:rPr>
               <a:t>Stats for variance differences</a:t>
+            </a:r>
+            <a:endParaRPr lang="en-US" sz="4400" dirty="0">
+              <a:latin typeface="Arial"/>
+              <a:cs typeface="Arial"/>
+            </a:endParaRPr>
+          </a:p>
+        </p:txBody>
+      </p:sp>
+      <p:pic>
+        <p:nvPicPr>
+          <p:cNvPr id="25" name="Picture 24" descr="Sample_size.jpeg"/>
+          <p:cNvPicPr>
+            <a:picLocks noChangeAspect="1"/>
+          </p:cNvPicPr>
+          <p:nvPr/>
+        </p:nvPicPr>
+        <p:blipFill>
+          <a:blip r:embed="rId16">
+            <a:extLst>
+              <a:ext uri="{28A0092B-C50C-407E-A947-70E740481C1C}">
+                <a14:useLocalDpi xmlns:a14="http://schemas.microsoft.com/office/drawing/2010/main" val="0"/>
+              </a:ext>
+            </a:extLst>
+          </a:blip>
+          <a:stretch>
+            <a:fillRect/>
+          </a:stretch>
+        </p:blipFill>
+        <p:spPr>
+          <a:xfrm>
+            <a:off x="10810242" y="17272000"/>
+            <a:ext cx="12801600" cy="4572000"/>
+          </a:xfrm>
+          <a:prstGeom prst="rect">
+            <a:avLst/>
+          </a:prstGeom>
+        </p:spPr>
+      </p:pic>
+      <p:sp>
+        <p:nvSpPr>
+          <p:cNvPr id="56" name="Rectangle 55"/>
+          <p:cNvSpPr/>
+          <p:nvPr/>
+        </p:nvSpPr>
+        <p:spPr>
+          <a:xfrm>
+            <a:off x="10928167" y="21751057"/>
+            <a:ext cx="12801600" cy="1839071"/>
+          </a:xfrm>
+          <a:prstGeom prst="rect">
+            <a:avLst/>
+          </a:prstGeom>
+          <a:noFill/>
+        </p:spPr>
+        <p:txBody>
+          <a:bodyPr wrap="square" lIns="274320" rIns="274320" rtlCol="0">
+            <a:noAutofit/>
+          </a:bodyPr>
+          <a:lstStyle/>
+          <a:p>
+            <a:pPr>
+              <a:buFont typeface="Arial"/>
+              <a:buChar char="•"/>
+            </a:pPr>
+            <a:r>
+              <a:rPr lang="en-US" sz="4400" dirty="0" smtClean="0">
+                <a:latin typeface="Arial"/>
+                <a:cs typeface="Arial"/>
+              </a:rPr>
+              <a:t> </a:t>
+            </a:r>
+            <a:r>
+              <a:rPr lang="en-US" sz="4400" dirty="0">
+                <a:latin typeface="Arial"/>
+                <a:cs typeface="Arial"/>
+              </a:rPr>
+              <a:t>Larger samples are better for </a:t>
+            </a:r>
+            <a:r>
+              <a:rPr lang="en-US" sz="4400" dirty="0" smtClean="0">
+                <a:latin typeface="Arial"/>
+                <a:cs typeface="Arial"/>
+              </a:rPr>
+              <a:t>reliability</a:t>
+            </a:r>
+          </a:p>
+          <a:p>
+            <a:pPr>
+              <a:buFont typeface="Arial"/>
+              <a:buChar char="•"/>
+            </a:pPr>
+            <a:r>
+              <a:rPr lang="en-US" sz="4400" dirty="0" smtClean="0">
+                <a:latin typeface="Arial"/>
+                <a:cs typeface="Arial"/>
+              </a:rPr>
+              <a:t> STATs</a:t>
+            </a:r>
+          </a:p>
+          <a:p>
+            <a:pPr>
+              <a:buFont typeface="Arial"/>
+              <a:buChar char="•"/>
+            </a:pPr>
+            <a:r>
+              <a:rPr lang="en-US" sz="4400" dirty="0">
+                <a:latin typeface="Arial"/>
+                <a:cs typeface="Arial"/>
+              </a:rPr>
+              <a:t> </a:t>
+            </a:r>
+            <a:r>
+              <a:rPr lang="en-US" sz="4400" dirty="0" smtClean="0">
+                <a:latin typeface="Arial"/>
+                <a:cs typeface="Arial"/>
+              </a:rPr>
+              <a:t>Same for all measure types</a:t>
             </a:r>
             <a:endParaRPr lang="en-US" sz="4400" dirty="0">
               <a:latin typeface="Arial"/>

--- a/presentations/NeuroeconPoster2018.pptx
+++ b/presentations/NeuroeconPoster2018.pptx
@@ -5549,7 +5549,17 @@
                 <a:latin typeface="Arial"/>
                 <a:cs typeface="Arial"/>
               </a:rPr>
-              <a:t>Sample size effects</a:t>
+              <a:t>Sample size </a:t>
+            </a:r>
+            <a:r>
+              <a:rPr lang="en-US" sz="5000" b="1" dirty="0" smtClean="0">
+                <a:solidFill>
+                  <a:schemeClr val="bg1"/>
+                </a:solidFill>
+                <a:latin typeface="Arial"/>
+                <a:cs typeface="Arial"/>
+              </a:rPr>
+              <a:t>effects on reliability</a:t>
             </a:r>
             <a:endParaRPr lang="en-US" sz="5000" dirty="0">
               <a:solidFill>
@@ -6149,6 +6159,66 @@
           </a:p>
         </p:txBody>
       </p:sp>
+      <p:pic>
+        <p:nvPicPr>
+          <p:cNvPr id="28" name="Picture 27" descr="Flat_vs_hier.jpeg"/>
+          <p:cNvPicPr>
+            <a:picLocks noChangeAspect="1"/>
+          </p:cNvPicPr>
+          <p:nvPr/>
+        </p:nvPicPr>
+        <p:blipFill>
+          <a:blip r:embed="rId17">
+            <a:extLst>
+              <a:ext uri="{28A0092B-C50C-407E-A947-70E740481C1C}">
+                <a14:useLocalDpi xmlns:a14="http://schemas.microsoft.com/office/drawing/2010/main" val="0"/>
+              </a:ext>
+            </a:extLst>
+          </a:blip>
+          <a:stretch>
+            <a:fillRect/>
+          </a:stretch>
+        </p:blipFill>
+        <p:spPr>
+          <a:xfrm>
+            <a:off x="24614763" y="17345207"/>
+            <a:ext cx="6400800" cy="5486400"/>
+          </a:xfrm>
+          <a:prstGeom prst="rect">
+            <a:avLst/>
+          </a:prstGeom>
+        </p:spPr>
+      </p:pic>
+      <p:pic>
+        <p:nvPicPr>
+          <p:cNvPr id="29" name="Picture 28" descr="Flat_vs_hier_rel.jpeg"/>
+          <p:cNvPicPr>
+            <a:picLocks noChangeAspect="1"/>
+          </p:cNvPicPr>
+          <p:nvPr/>
+        </p:nvPicPr>
+        <p:blipFill>
+          <a:blip r:embed="rId18">
+            <a:extLst>
+              <a:ext uri="{28A0092B-C50C-407E-A947-70E740481C1C}">
+                <a14:useLocalDpi xmlns:a14="http://schemas.microsoft.com/office/drawing/2010/main" val="0"/>
+              </a:ext>
+            </a:extLst>
+          </a:blip>
+          <a:stretch>
+            <a:fillRect/>
+          </a:stretch>
+        </p:blipFill>
+        <p:spPr>
+          <a:xfrm>
+            <a:off x="31197149" y="17345207"/>
+            <a:ext cx="6400800" cy="5486400"/>
+          </a:xfrm>
+          <a:prstGeom prst="rect">
+            <a:avLst/>
+          </a:prstGeom>
+        </p:spPr>
+      </p:pic>
     </p:spTree>
   </p:cSld>
   <p:clrMapOvr>

--- a/presentations/NeuroeconPoster2018.pptx
+++ b/presentations/NeuroeconPoster2018.pptx
@@ -4709,7 +4709,7 @@
         </p:nvSpPr>
         <p:spPr>
           <a:xfrm>
-            <a:off x="454934" y="25522564"/>
+            <a:off x="454934" y="24521980"/>
             <a:ext cx="9774936" cy="5438114"/>
           </a:xfrm>
           <a:prstGeom prst="rect">
@@ -4732,7 +4732,82 @@
                 <a:latin typeface="Arial"/>
                 <a:cs typeface="Arial"/>
               </a:rPr>
-              <a:t> Drift diffusion parameters show similar reliability to RT and accuracy</a:t>
+              <a:t> Drift diffusion parameters </a:t>
+            </a:r>
+            <a:r>
+              <a:rPr lang="en-US" sz="4400" dirty="0" smtClean="0">
+                <a:latin typeface="Arial"/>
+                <a:cs typeface="Arial"/>
+              </a:rPr>
+              <a:t>show</a:t>
+            </a:r>
+            <a:r>
+              <a:rPr lang="en-US" sz="4400" dirty="0" smtClean="0">
+                <a:latin typeface="Arial"/>
+                <a:cs typeface="Arial"/>
+              </a:rPr>
+              <a:t> </a:t>
+            </a:r>
+            <a:r>
+              <a:rPr lang="en-US" sz="4400" dirty="0" smtClean="0">
+                <a:latin typeface="Arial"/>
+                <a:cs typeface="Arial"/>
+              </a:rPr>
+              <a:t>similar reliability to RT and </a:t>
+            </a:r>
+            <a:r>
+              <a:rPr lang="en-US" sz="4400" dirty="0" smtClean="0">
+                <a:latin typeface="Arial"/>
+                <a:cs typeface="Arial"/>
+              </a:rPr>
+              <a:t>accuracy</a:t>
+            </a:r>
+          </a:p>
+          <a:p>
+            <a:pPr>
+              <a:buFont typeface="Arial"/>
+              <a:buChar char="•"/>
+            </a:pPr>
+            <a:r>
+              <a:rPr lang="en-US" sz="4400" dirty="0">
+                <a:latin typeface="Arial"/>
+                <a:cs typeface="Arial"/>
+              </a:rPr>
+              <a:t> </a:t>
+            </a:r>
+            <a:r>
+              <a:rPr lang="en-US" sz="4400" dirty="0" smtClean="0">
+                <a:latin typeface="Arial"/>
+                <a:cs typeface="Arial"/>
+              </a:rPr>
+              <a:t>Sample sizes &lt;15 are less reliable</a:t>
+            </a:r>
+          </a:p>
+          <a:p>
+            <a:pPr>
+              <a:buFont typeface="Arial"/>
+              <a:buChar char="•"/>
+            </a:pPr>
+            <a:r>
+              <a:rPr lang="en-US" sz="4400" dirty="0">
+                <a:latin typeface="Arial"/>
+                <a:cs typeface="Arial"/>
+              </a:rPr>
+              <a:t> </a:t>
+            </a:r>
+            <a:r>
+              <a:rPr lang="en-US" sz="4400" dirty="0" smtClean="0">
+                <a:latin typeface="Arial"/>
+                <a:cs typeface="Arial"/>
+              </a:rPr>
+              <a:t>Hierarchical estimates don’t </a:t>
+            </a:r>
+            <a:r>
+              <a:rPr lang="en-US" sz="4400" dirty="0" smtClean="0">
+                <a:latin typeface="Arial"/>
+                <a:cs typeface="Arial"/>
+              </a:rPr>
+              <a:t>change parameter values or reliability</a:t>
             </a:r>
             <a:endParaRPr lang="en-US" sz="4400" dirty="0">
               <a:latin typeface="Arial"/>
@@ -4751,7 +4826,7 @@
         </p:nvSpPr>
         <p:spPr bwMode="auto">
           <a:xfrm>
-            <a:off x="471431" y="24678391"/>
+            <a:off x="471431" y="23639323"/>
             <a:ext cx="9769848" cy="844173"/>
           </a:xfrm>
           <a:prstGeom prst="rect">
@@ -5883,8 +5958,8 @@
         </p:blipFill>
         <p:spPr>
           <a:xfrm>
-            <a:off x="11174328" y="11998029"/>
-            <a:ext cx="18742578" cy="3945806"/>
+            <a:off x="10869528" y="11617029"/>
+            <a:ext cx="20848319" cy="4389120"/>
           </a:xfrm>
           <a:prstGeom prst="rect">
             <a:avLst/>
@@ -5980,8 +6055,8 @@
         </p:nvSpPr>
         <p:spPr>
           <a:xfrm>
-            <a:off x="30593598" y="12017441"/>
-            <a:ext cx="6111719" cy="4437029"/>
+            <a:off x="32418639" y="11671070"/>
+            <a:ext cx="4382356" cy="4437029"/>
           </a:xfrm>
           <a:prstGeom prst="rect">
             <a:avLst/>
@@ -6081,7 +6156,7 @@
         <p:spPr>
           <a:xfrm>
             <a:off x="10928167" y="21751057"/>
-            <a:ext cx="12801600" cy="1839071"/>
+            <a:ext cx="12801600" cy="2061575"/>
           </a:xfrm>
           <a:prstGeom prst="rect">
             <a:avLst/>
@@ -6106,19 +6181,30 @@
               <a:t> </a:t>
             </a:r>
             <a:r>
-              <a:rPr lang="en-US" sz="4400" dirty="0">
-                <a:latin typeface="Arial"/>
-                <a:cs typeface="Arial"/>
-              </a:rPr>
-              <a:t>Larger samples are better for </a:t>
-            </a:r>
-            <a:r>
               <a:rPr lang="en-US" sz="4400" dirty="0" smtClean="0">
                 <a:latin typeface="Arial"/>
                 <a:cs typeface="Arial"/>
               </a:rPr>
-              <a:t>reliability</a:t>
-            </a:r>
+              <a:t>Measurements</a:t>
+            </a:r>
+            <a:r>
+              <a:rPr lang="en-US" sz="4400" dirty="0" smtClean="0">
+                <a:latin typeface="Arial"/>
+                <a:cs typeface="Arial"/>
+              </a:rPr>
+              <a:t> from s</a:t>
+            </a:r>
+            <a:r>
+              <a:rPr lang="en-US" sz="4400" dirty="0" smtClean="0">
+                <a:latin typeface="Arial"/>
+                <a:cs typeface="Arial"/>
+              </a:rPr>
+              <a:t>amples &lt;15 are significantly less reliable (b=0.001, t(505)=4.92)</a:t>
+            </a:r>
+            <a:endParaRPr lang="en-US" sz="4400" dirty="0" smtClean="0">
+              <a:latin typeface="Arial"/>
+              <a:cs typeface="Arial"/>
+            </a:endParaRPr>
           </a:p>
           <a:p>
             <a:pPr>
@@ -6130,27 +6216,7 @@
                 <a:latin typeface="Arial"/>
                 <a:cs typeface="Arial"/>
               </a:rPr>
-              <a:t> STATs</a:t>
-            </a:r>
-          </a:p>
-          <a:p>
-            <a:pPr>
-              <a:buFont typeface="Arial"/>
-              <a:buChar char="•"/>
-            </a:pPr>
-            <a:r>
-              <a:rPr lang="en-US" sz="4400" dirty="0">
-                <a:latin typeface="Arial"/>
-                <a:cs typeface="Arial"/>
-              </a:rPr>
-              <a:t> </a:t>
-            </a:r>
-            <a:r>
-              <a:rPr lang="en-US" sz="4400" dirty="0" smtClean="0">
-                <a:latin typeface="Arial"/>
-                <a:cs typeface="Arial"/>
-              </a:rPr>
-              <a:t>Same for all measure types</a:t>
+              <a:t> Independent of measure type (raw, contrast...)</a:t>
             </a:r>
             <a:endParaRPr lang="en-US" sz="4400" dirty="0">
               <a:latin typeface="Arial"/>
@@ -6181,8 +6247,8 @@
         </p:blipFill>
         <p:spPr>
           <a:xfrm>
-            <a:off x="24614763" y="17345207"/>
-            <a:ext cx="6400800" cy="5486400"/>
+            <a:off x="25071963" y="17373600"/>
+            <a:ext cx="5867400" cy="5029200"/>
           </a:xfrm>
           <a:prstGeom prst="rect">
             <a:avLst/>
@@ -6211,14 +6277,61 @@
         </p:blipFill>
         <p:spPr>
           <a:xfrm>
-            <a:off x="31197149" y="17345207"/>
-            <a:ext cx="6400800" cy="5486400"/>
+            <a:off x="31654349" y="17373600"/>
+            <a:ext cx="5867400" cy="5029200"/>
           </a:xfrm>
           <a:prstGeom prst="rect">
             <a:avLst/>
           </a:prstGeom>
         </p:spPr>
       </p:pic>
+      <p:sp>
+        <p:nvSpPr>
+          <p:cNvPr id="63" name="Rectangle 62"/>
+          <p:cNvSpPr/>
+          <p:nvPr/>
+        </p:nvSpPr>
+        <p:spPr>
+          <a:xfrm>
+            <a:off x="24614763" y="22349007"/>
+            <a:ext cx="12801600" cy="1463625"/>
+          </a:xfrm>
+          <a:prstGeom prst="rect">
+            <a:avLst/>
+          </a:prstGeom>
+          <a:noFill/>
+        </p:spPr>
+        <p:txBody>
+          <a:bodyPr wrap="square" lIns="274320" rIns="274320" rtlCol="0">
+            <a:noAutofit/>
+          </a:bodyPr>
+          <a:lstStyle/>
+          <a:p>
+            <a:pPr>
+              <a:buFont typeface="Arial"/>
+              <a:buChar char="•"/>
+            </a:pPr>
+            <a:r>
+              <a:rPr lang="en-US" sz="4400" dirty="0">
+                <a:latin typeface="Arial"/>
+                <a:cs typeface="Arial"/>
+              </a:rPr>
+              <a:t> </a:t>
+            </a:r>
+            <a:r>
+              <a:rPr lang="en-US" sz="4400" dirty="0" smtClean="0">
+                <a:latin typeface="Arial"/>
+                <a:cs typeface="Arial"/>
+              </a:rPr>
+              <a:t>No difference in parameter estimate or reliability using hierarchical estimates </a:t>
+            </a:r>
+            <a:endParaRPr lang="en-US" sz="4400" dirty="0">
+              <a:latin typeface="Arial"/>
+              <a:cs typeface="Arial"/>
+            </a:endParaRPr>
+          </a:p>
+        </p:txBody>
+      </p:sp>
     </p:spTree>
   </p:cSld>
   <p:clrMapOvr>

--- a/presentations/NeuroeconPoster2018.pptx
+++ b/presentations/NeuroeconPoster2018.pptx
@@ -112,7 +112,7 @@
   </p:defaultTextStyle>
   <p:extLst>
     <p:ext uri="{EFAFB233-063F-42B5-8137-9DF3F51BA10A}">
-      <p15:sldGuideLst xmlns:p15="http://schemas.microsoft.com/office/powerpoint/2012/main" xmlns="">
+      <p15:sldGuideLst xmlns="" xmlns:p15="http://schemas.microsoft.com/office/powerpoint/2012/main">
         <p15:guide id="1" orient="horz" pos="10368">
           <p15:clr>
             <a:srgbClr val="A4A3A4"/>
@@ -217,7 +217,7 @@
           <a:p>
             <a:fld id="{1ADD2877-6E47-914A-A562-5BB1D9253FFF}" type="datetimeFigureOut">
               <a:rPr lang="en-US" smtClean="0"/>
-              <a:t>9/24/18</a:t>
+              <a:t>9/26/18</a:t>
             </a:fld>
             <a:endParaRPr lang="en-US"/>
           </a:p>
@@ -383,7 +383,7 @@
             <a:fld id="{9C8C3FF2-16C4-3444-9527-EB6C5966600B}" type="datetimeFigureOut">
               <a:rPr lang="en-US" smtClean="0"/>
               <a:pPr/>
-              <a:t>9/24/18</a:t>
+              <a:t>9/26/18</a:t>
             </a:fld>
             <a:endParaRPr lang="en-US"/>
           </a:p>
@@ -1116,7 +1116,7 @@
             <a:fld id="{34EA0383-EA84-CF41-8911-55C3D60C640A}" type="datetimeFigureOut">
               <a:rPr lang="en-US" smtClean="0"/>
               <a:pPr/>
-              <a:t>9/24/18</a:t>
+              <a:t>9/26/18</a:t>
             </a:fld>
             <a:endParaRPr lang="en-US"/>
           </a:p>
@@ -1283,7 +1283,7 @@
             <a:fld id="{34EA0383-EA84-CF41-8911-55C3D60C640A}" type="datetimeFigureOut">
               <a:rPr lang="en-US" smtClean="0"/>
               <a:pPr/>
-              <a:t>9/24/18</a:t>
+              <a:t>9/26/18</a:t>
             </a:fld>
             <a:endParaRPr lang="en-US"/>
           </a:p>
@@ -1460,7 +1460,7 @@
             <a:fld id="{34EA0383-EA84-CF41-8911-55C3D60C640A}" type="datetimeFigureOut">
               <a:rPr lang="en-US" smtClean="0"/>
               <a:pPr/>
-              <a:t>9/24/18</a:t>
+              <a:t>9/26/18</a:t>
             </a:fld>
             <a:endParaRPr lang="en-US"/>
           </a:p>
@@ -1627,7 +1627,7 @@
             <a:fld id="{34EA0383-EA84-CF41-8911-55C3D60C640A}" type="datetimeFigureOut">
               <a:rPr lang="en-US" smtClean="0"/>
               <a:pPr/>
-              <a:t>9/24/18</a:t>
+              <a:t>9/26/18</a:t>
             </a:fld>
             <a:endParaRPr lang="en-US"/>
           </a:p>
@@ -1870,7 +1870,7 @@
             <a:fld id="{34EA0383-EA84-CF41-8911-55C3D60C640A}" type="datetimeFigureOut">
               <a:rPr lang="en-US" smtClean="0"/>
               <a:pPr/>
-              <a:t>9/24/18</a:t>
+              <a:t>9/26/18</a:t>
             </a:fld>
             <a:endParaRPr lang="en-US"/>
           </a:p>
@@ -2155,7 +2155,7 @@
             <a:fld id="{34EA0383-EA84-CF41-8911-55C3D60C640A}" type="datetimeFigureOut">
               <a:rPr lang="en-US" smtClean="0"/>
               <a:pPr/>
-              <a:t>9/24/18</a:t>
+              <a:t>9/26/18</a:t>
             </a:fld>
             <a:endParaRPr lang="en-US"/>
           </a:p>
@@ -2579,7 +2579,7 @@
             <a:fld id="{34EA0383-EA84-CF41-8911-55C3D60C640A}" type="datetimeFigureOut">
               <a:rPr lang="en-US" smtClean="0"/>
               <a:pPr/>
-              <a:t>9/24/18</a:t>
+              <a:t>9/26/18</a:t>
             </a:fld>
             <a:endParaRPr lang="en-US"/>
           </a:p>
@@ -2694,7 +2694,7 @@
             <a:fld id="{34EA0383-EA84-CF41-8911-55C3D60C640A}" type="datetimeFigureOut">
               <a:rPr lang="en-US" smtClean="0"/>
               <a:pPr/>
-              <a:t>9/24/18</a:t>
+              <a:t>9/26/18</a:t>
             </a:fld>
             <a:endParaRPr lang="en-US"/>
           </a:p>
@@ -2786,7 +2786,7 @@
             <a:fld id="{34EA0383-EA84-CF41-8911-55C3D60C640A}" type="datetimeFigureOut">
               <a:rPr lang="en-US" smtClean="0"/>
               <a:pPr/>
-              <a:t>9/24/18</a:t>
+              <a:t>9/26/18</a:t>
             </a:fld>
             <a:endParaRPr lang="en-US"/>
           </a:p>
@@ -3060,7 +3060,7 @@
             <a:fld id="{34EA0383-EA84-CF41-8911-55C3D60C640A}" type="datetimeFigureOut">
               <a:rPr lang="en-US" smtClean="0"/>
               <a:pPr/>
-              <a:t>9/24/18</a:t>
+              <a:t>9/26/18</a:t>
             </a:fld>
             <a:endParaRPr lang="en-US"/>
           </a:p>
@@ -3310,7 +3310,7 @@
             <a:fld id="{34EA0383-EA84-CF41-8911-55C3D60C640A}" type="datetimeFigureOut">
               <a:rPr lang="en-US" smtClean="0"/>
               <a:pPr/>
-              <a:t>9/24/18</a:t>
+              <a:t>9/26/18</a:t>
             </a:fld>
             <a:endParaRPr lang="en-US"/>
           </a:p>
@@ -3520,7 +3520,7 @@
             <a:fld id="{34EA0383-EA84-CF41-8911-55C3D60C640A}" type="datetimeFigureOut">
               <a:rPr lang="en-US" smtClean="0"/>
               <a:pPr/>
-              <a:t>9/24/18</a:t>
+              <a:t>9/26/18</a:t>
             </a:fld>
             <a:endParaRPr lang="en-US"/>
           </a:p>
@@ -4732,35 +4732,7 @@
                 <a:latin typeface="Arial"/>
                 <a:cs typeface="Arial"/>
               </a:rPr>
-              <a:t> Drift diffusion parameters </a:t>
-            </a:r>
-            <a:r>
-              <a:rPr lang="en-US" sz="4400" dirty="0" smtClean="0">
-                <a:latin typeface="Arial"/>
-                <a:cs typeface="Arial"/>
-              </a:rPr>
-              <a:t>show</a:t>
-            </a:r>
-            <a:r>
-              <a:rPr lang="en-US" sz="4400" dirty="0" smtClean="0">
-                <a:latin typeface="Arial"/>
-                <a:cs typeface="Arial"/>
-              </a:rPr>
-              <a:t> </a:t>
-            </a:r>
-            <a:r>
-              <a:rPr lang="en-US" sz="4400" dirty="0" smtClean="0">
-                <a:latin typeface="Arial"/>
-                <a:cs typeface="Arial"/>
-              </a:rPr>
-              <a:t>similar reliability to RT and </a:t>
-            </a:r>
-            <a:r>
-              <a:rPr lang="en-US" sz="4400" dirty="0" smtClean="0">
-                <a:latin typeface="Arial"/>
-                <a:cs typeface="Arial"/>
-              </a:rPr>
-              <a:t>accuracy</a:t>
+              <a:t> Drift diffusion parameters show similar reliability to RT and accuracy</a:t>
             </a:r>
           </a:p>
           <a:p>
@@ -4800,14 +4772,7 @@
                 <a:latin typeface="Arial"/>
                 <a:cs typeface="Arial"/>
               </a:rPr>
-              <a:t>Hierarchical estimates don’t </a:t>
-            </a:r>
-            <a:r>
-              <a:rPr lang="en-US" sz="4400" dirty="0" smtClean="0">
-                <a:latin typeface="Arial"/>
-                <a:cs typeface="Arial"/>
-              </a:rPr>
-              <a:t>change parameter values or reliability</a:t>
+              <a:t>Hierarchical estimates don’t change parameter values or reliability</a:t>
             </a:r>
             <a:endParaRPr lang="en-US" sz="4400" dirty="0">
               <a:latin typeface="Arial"/>
@@ -5624,17 +5589,7 @@
                 <a:latin typeface="Arial"/>
                 <a:cs typeface="Arial"/>
               </a:rPr>
-              <a:t>Sample size </a:t>
-            </a:r>
-            <a:r>
-              <a:rPr lang="en-US" sz="5000" b="1" dirty="0" smtClean="0">
-                <a:solidFill>
-                  <a:schemeClr val="bg1"/>
-                </a:solidFill>
-                <a:latin typeface="Arial"/>
-                <a:cs typeface="Arial"/>
-              </a:rPr>
-              <a:t>effects on reliability</a:t>
+              <a:t>Sample size effects on reliability</a:t>
             </a:r>
             <a:endParaRPr lang="en-US" sz="5000" dirty="0">
               <a:solidFill>
@@ -6178,33 +6133,8 @@
                 <a:latin typeface="Arial"/>
                 <a:cs typeface="Arial"/>
               </a:rPr>
-              <a:t> </a:t>
-            </a:r>
-            <a:r>
-              <a:rPr lang="en-US" sz="4400" dirty="0" smtClean="0">
-                <a:latin typeface="Arial"/>
-                <a:cs typeface="Arial"/>
-              </a:rPr>
-              <a:t>Measurements</a:t>
-            </a:r>
-            <a:r>
-              <a:rPr lang="en-US" sz="4400" dirty="0" smtClean="0">
-                <a:latin typeface="Arial"/>
-                <a:cs typeface="Arial"/>
-              </a:rPr>
-              <a:t> from s</a:t>
-            </a:r>
-            <a:r>
-              <a:rPr lang="en-US" sz="4400" dirty="0" smtClean="0">
-                <a:latin typeface="Arial"/>
-                <a:cs typeface="Arial"/>
-              </a:rPr>
-              <a:t>amples &lt;15 are significantly less reliable (b=0.001, t(505)=4.92)</a:t>
-            </a:r>
-            <a:endParaRPr lang="en-US" sz="4400" dirty="0" smtClean="0">
-              <a:latin typeface="Arial"/>
-              <a:cs typeface="Arial"/>
-            </a:endParaRPr>
+              <a:t> Measurements from samples &lt;15 are significantly less reliable (b=0.001, t(505)=4.92)</a:t>
+            </a:r>
           </a:p>
           <a:p>
             <a:pPr>
@@ -6329,6 +6259,48 @@
               <a:latin typeface="Arial"/>
               <a:cs typeface="Arial"/>
             </a:endParaRPr>
+          </a:p>
+        </p:txBody>
+      </p:sp>
+      <p:sp>
+        <p:nvSpPr>
+          <p:cNvPr id="3" name="TextBox 2"/>
+          <p:cNvSpPr txBox="1"/>
+          <p:nvPr/>
+        </p:nvSpPr>
+        <p:spPr>
+          <a:xfrm>
+            <a:off x="38992223" y="18537630"/>
+            <a:ext cx="20340800" cy="1338828"/>
+          </a:xfrm>
+          <a:prstGeom prst="rect">
+            <a:avLst/>
+          </a:prstGeom>
+          <a:noFill/>
+        </p:spPr>
+        <p:txBody>
+          <a:bodyPr wrap="none" rtlCol="0">
+            <a:spAutoFit/>
+          </a:bodyPr>
+          <a:lstStyle/>
+          <a:p>
+            <a:r>
+              <a:rPr lang="en-US" dirty="0" smtClean="0"/>
+              <a:t>Variances of reliability estimates in flat </a:t>
+            </a:r>
+            <a:r>
+              <a:rPr lang="en-US" dirty="0" err="1" smtClean="0"/>
+              <a:t>vs</a:t>
+            </a:r>
+            <a:r>
+              <a:rPr lang="en-US" dirty="0" smtClean="0"/>
+              <a:t> </a:t>
+            </a:r>
+            <a:r>
+              <a:rPr lang="en-US" dirty="0" err="1" smtClean="0"/>
+              <a:t>hddm</a:t>
+            </a:r>
+            <a:endParaRPr lang="en-US" dirty="0"/>
           </a:p>
         </p:txBody>
       </p:sp>

--- a/presentations/NeuroeconPoster2018.pptx
+++ b/presentations/NeuroeconPoster2018.pptx
@@ -112,7 +112,7 @@
   </p:defaultTextStyle>
   <p:extLst>
     <p:ext uri="{EFAFB233-063F-42B5-8137-9DF3F51BA10A}">
-      <p15:sldGuideLst xmlns="" xmlns:p15="http://schemas.microsoft.com/office/powerpoint/2012/main">
+      <p15:sldGuideLst xmlns:p15="http://schemas.microsoft.com/office/powerpoint/2012/main" xmlns="">
         <p15:guide id="1" orient="horz" pos="10368">
           <p15:clr>
             <a:srgbClr val="A4A3A4"/>
@@ -217,7 +217,7 @@
           <a:p>
             <a:fld id="{1ADD2877-6E47-914A-A562-5BB1D9253FFF}" type="datetimeFigureOut">
               <a:rPr lang="en-US" smtClean="0"/>
-              <a:t>9/26/18</a:t>
+              <a:t>9/27/18</a:t>
             </a:fld>
             <a:endParaRPr lang="en-US"/>
           </a:p>
@@ -383,7 +383,7 @@
             <a:fld id="{9C8C3FF2-16C4-3444-9527-EB6C5966600B}" type="datetimeFigureOut">
               <a:rPr lang="en-US" smtClean="0"/>
               <a:pPr/>
-              <a:t>9/26/18</a:t>
+              <a:t>9/27/18</a:t>
             </a:fld>
             <a:endParaRPr lang="en-US"/>
           </a:p>
@@ -1116,7 +1116,7 @@
             <a:fld id="{34EA0383-EA84-CF41-8911-55C3D60C640A}" type="datetimeFigureOut">
               <a:rPr lang="en-US" smtClean="0"/>
               <a:pPr/>
-              <a:t>9/26/18</a:t>
+              <a:t>9/27/18</a:t>
             </a:fld>
             <a:endParaRPr lang="en-US"/>
           </a:p>
@@ -1283,7 +1283,7 @@
             <a:fld id="{34EA0383-EA84-CF41-8911-55C3D60C640A}" type="datetimeFigureOut">
               <a:rPr lang="en-US" smtClean="0"/>
               <a:pPr/>
-              <a:t>9/26/18</a:t>
+              <a:t>9/27/18</a:t>
             </a:fld>
             <a:endParaRPr lang="en-US"/>
           </a:p>
@@ -1460,7 +1460,7 @@
             <a:fld id="{34EA0383-EA84-CF41-8911-55C3D60C640A}" type="datetimeFigureOut">
               <a:rPr lang="en-US" smtClean="0"/>
               <a:pPr/>
-              <a:t>9/26/18</a:t>
+              <a:t>9/27/18</a:t>
             </a:fld>
             <a:endParaRPr lang="en-US"/>
           </a:p>
@@ -1627,7 +1627,7 @@
             <a:fld id="{34EA0383-EA84-CF41-8911-55C3D60C640A}" type="datetimeFigureOut">
               <a:rPr lang="en-US" smtClean="0"/>
               <a:pPr/>
-              <a:t>9/26/18</a:t>
+              <a:t>9/27/18</a:t>
             </a:fld>
             <a:endParaRPr lang="en-US"/>
           </a:p>
@@ -1870,7 +1870,7 @@
             <a:fld id="{34EA0383-EA84-CF41-8911-55C3D60C640A}" type="datetimeFigureOut">
               <a:rPr lang="en-US" smtClean="0"/>
               <a:pPr/>
-              <a:t>9/26/18</a:t>
+              <a:t>9/27/18</a:t>
             </a:fld>
             <a:endParaRPr lang="en-US"/>
           </a:p>
@@ -2155,7 +2155,7 @@
             <a:fld id="{34EA0383-EA84-CF41-8911-55C3D60C640A}" type="datetimeFigureOut">
               <a:rPr lang="en-US" smtClean="0"/>
               <a:pPr/>
-              <a:t>9/26/18</a:t>
+              <a:t>9/27/18</a:t>
             </a:fld>
             <a:endParaRPr lang="en-US"/>
           </a:p>
@@ -2579,7 +2579,7 @@
             <a:fld id="{34EA0383-EA84-CF41-8911-55C3D60C640A}" type="datetimeFigureOut">
               <a:rPr lang="en-US" smtClean="0"/>
               <a:pPr/>
-              <a:t>9/26/18</a:t>
+              <a:t>9/27/18</a:t>
             </a:fld>
             <a:endParaRPr lang="en-US"/>
           </a:p>
@@ -2694,7 +2694,7 @@
             <a:fld id="{34EA0383-EA84-CF41-8911-55C3D60C640A}" type="datetimeFigureOut">
               <a:rPr lang="en-US" smtClean="0"/>
               <a:pPr/>
-              <a:t>9/26/18</a:t>
+              <a:t>9/27/18</a:t>
             </a:fld>
             <a:endParaRPr lang="en-US"/>
           </a:p>
@@ -2786,7 +2786,7 @@
             <a:fld id="{34EA0383-EA84-CF41-8911-55C3D60C640A}" type="datetimeFigureOut">
               <a:rPr lang="en-US" smtClean="0"/>
               <a:pPr/>
-              <a:t>9/26/18</a:t>
+              <a:t>9/27/18</a:t>
             </a:fld>
             <a:endParaRPr lang="en-US"/>
           </a:p>
@@ -3060,7 +3060,7 @@
             <a:fld id="{34EA0383-EA84-CF41-8911-55C3D60C640A}" type="datetimeFigureOut">
               <a:rPr lang="en-US" smtClean="0"/>
               <a:pPr/>
-              <a:t>9/26/18</a:t>
+              <a:t>9/27/18</a:t>
             </a:fld>
             <a:endParaRPr lang="en-US"/>
           </a:p>
@@ -3310,7 +3310,7 @@
             <a:fld id="{34EA0383-EA84-CF41-8911-55C3D60C640A}" type="datetimeFigureOut">
               <a:rPr lang="en-US" smtClean="0"/>
               <a:pPr/>
-              <a:t>9/26/18</a:t>
+              <a:t>9/27/18</a:t>
             </a:fld>
             <a:endParaRPr lang="en-US"/>
           </a:p>
@@ -3520,7 +3520,7 @@
             <a:fld id="{34EA0383-EA84-CF41-8911-55C3D60C640A}" type="datetimeFigureOut">
               <a:rPr lang="en-US" smtClean="0"/>
               <a:pPr/>
-              <a:t>9/26/18</a:t>
+              <a:t>9/27/18</a:t>
             </a:fld>
             <a:endParaRPr lang="en-US"/>
           </a:p>
@@ -4732,7 +4732,21 @@
                 <a:latin typeface="Arial"/>
                 <a:cs typeface="Arial"/>
               </a:rPr>
-              <a:t> Drift diffusion parameters show similar reliability to RT and accuracy</a:t>
+              <a:t> </a:t>
+            </a:r>
+            <a:r>
+              <a:rPr lang="en-US" sz="4400" dirty="0" smtClean="0">
+                <a:latin typeface="Arial"/>
+                <a:cs typeface="Arial"/>
+              </a:rPr>
+              <a:t>DDM </a:t>
+            </a:r>
+            <a:r>
+              <a:rPr lang="en-US" sz="4400" dirty="0" smtClean="0">
+                <a:latin typeface="Arial"/>
+                <a:cs typeface="Arial"/>
+              </a:rPr>
+              <a:t>parameters show similar reliability to RT and accuracy</a:t>
             </a:r>
           </a:p>
           <a:p>
@@ -4752,8 +4766,12 @@
                 <a:latin typeface="Arial"/>
                 <a:cs typeface="Arial"/>
               </a:rPr>
-              <a:t>Sample sizes &lt;15 are less reliable</a:t>
-            </a:r>
+              <a:t>Pilot studies of variable selection need n&gt;15 for reliable decisions </a:t>
+            </a:r>
+            <a:endParaRPr lang="en-US" sz="4400" dirty="0" smtClean="0">
+              <a:latin typeface="Arial"/>
+              <a:cs typeface="Arial"/>
+            </a:endParaRPr>
           </a:p>
           <a:p>
             <a:pPr>
@@ -4772,7 +4790,42 @@
                 <a:latin typeface="Arial"/>
                 <a:cs typeface="Arial"/>
               </a:rPr>
-              <a:t>Hierarchical estimates don’t change parameter values or reliability</a:t>
+              <a:t>Hierarchical </a:t>
+            </a:r>
+            <a:r>
+              <a:rPr lang="en-US" sz="4400" dirty="0" smtClean="0">
+                <a:latin typeface="Arial"/>
+                <a:cs typeface="Arial"/>
+              </a:rPr>
+              <a:t>estimates </a:t>
+            </a:r>
+            <a:r>
+              <a:rPr lang="en-US" sz="4400" dirty="0" smtClean="0">
+                <a:latin typeface="Arial"/>
+                <a:cs typeface="Arial"/>
+              </a:rPr>
+              <a:t>do not </a:t>
+            </a:r>
+            <a:r>
+              <a:rPr lang="en-US" sz="4400" dirty="0" smtClean="0">
+                <a:latin typeface="Arial"/>
+                <a:cs typeface="Arial"/>
+              </a:rPr>
+              <a:t>change parameter </a:t>
+            </a:r>
+            <a:r>
+              <a:rPr lang="en-US" sz="4400" dirty="0" smtClean="0">
+                <a:latin typeface="Arial"/>
+                <a:cs typeface="Arial"/>
+              </a:rPr>
+              <a:t>value </a:t>
+            </a:r>
+            <a:r>
+              <a:rPr lang="en-US" sz="4400" dirty="0" smtClean="0">
+                <a:latin typeface="Arial"/>
+                <a:cs typeface="Arial"/>
+              </a:rPr>
+              <a:t>or reliability</a:t>
             </a:r>
             <a:endParaRPr lang="en-US" sz="4400" dirty="0">
               <a:latin typeface="Arial"/>
@@ -6129,11 +6182,25 @@
               <a:buChar char="•"/>
             </a:pPr>
             <a:r>
+              <a:rPr lang="en-US" sz="4400" dirty="0">
+                <a:latin typeface="Arial"/>
+                <a:cs typeface="Arial"/>
+              </a:rPr>
+              <a:t> </a:t>
+            </a:r>
+            <a:r>
               <a:rPr lang="en-US" sz="4400" dirty="0" smtClean="0">
                 <a:latin typeface="Arial"/>
                 <a:cs typeface="Arial"/>
               </a:rPr>
-              <a:t> Measurements from samples &lt;15 are significantly less reliable (b=0.001, t(505)=4.92)</a:t>
+              <a:t>Measurements </a:t>
+            </a:r>
+            <a:r>
+              <a:rPr lang="en-US" sz="4400" dirty="0" smtClean="0">
+                <a:latin typeface="Arial"/>
+                <a:cs typeface="Arial"/>
+              </a:rPr>
+              <a:t>from samples &lt;15 are significantly less reliable (b=0.001, t(505)=4.92)</a:t>
             </a:r>
           </a:p>
           <a:p>
@@ -6270,8 +6337,8 @@
         </p:nvSpPr>
         <p:spPr>
           <a:xfrm>
-            <a:off x="38992223" y="18537630"/>
-            <a:ext cx="20340800" cy="1338828"/>
+            <a:off x="38960789" y="17373600"/>
+            <a:ext cx="12033926" cy="2585323"/>
           </a:xfrm>
           <a:prstGeom prst="rect">
             <a:avLst/>
@@ -6279,7 +6346,7 @@
           <a:noFill/>
         </p:spPr>
         <p:txBody>
-          <a:bodyPr wrap="none" rtlCol="0">
+          <a:bodyPr wrap="square" rtlCol="0">
             <a:spAutoFit/>
           </a:bodyPr>
           <a:lstStyle/>
@@ -6301,6 +6368,171 @@
               <a:t>hddm</a:t>
             </a:r>
             <a:endParaRPr lang="en-US" dirty="0"/>
+          </a:p>
+        </p:txBody>
+      </p:sp>
+      <p:sp>
+        <p:nvSpPr>
+          <p:cNvPr id="64" name="Rectangle 63"/>
+          <p:cNvSpPr/>
+          <p:nvPr/>
+        </p:nvSpPr>
+        <p:spPr>
+          <a:xfrm>
+            <a:off x="259768" y="31573821"/>
+            <a:ext cx="10398098" cy="1244845"/>
+          </a:xfrm>
+          <a:prstGeom prst="rect">
+            <a:avLst/>
+          </a:prstGeom>
+          <a:noFill/>
+        </p:spPr>
+        <p:txBody>
+          <a:bodyPr wrap="square" lIns="274320" rIns="274320" rtlCol="0">
+            <a:noAutofit/>
+          </a:bodyPr>
+          <a:lstStyle/>
+          <a:p>
+            <a:r>
+              <a:rPr lang="en-US" sz="1800" dirty="0">
+                <a:latin typeface="Arial"/>
+                <a:cs typeface="Arial"/>
+              </a:rPr>
+              <a:t>Eisenberg, I., </a:t>
+            </a:r>
+            <a:r>
+              <a:rPr lang="en-US" sz="1800" dirty="0" err="1">
+                <a:latin typeface="Arial"/>
+                <a:cs typeface="Arial"/>
+              </a:rPr>
+              <a:t>Bissett</a:t>
+            </a:r>
+            <a:r>
+              <a:rPr lang="en-US" sz="1800" dirty="0">
+                <a:latin typeface="Arial"/>
+                <a:cs typeface="Arial"/>
+              </a:rPr>
+              <a:t>, P., Enkavi, A. Z., Li, J., MacKinnon, D., </a:t>
+            </a:r>
+            <a:r>
+              <a:rPr lang="en-US" sz="1800" dirty="0" err="1">
+                <a:latin typeface="Arial"/>
+                <a:cs typeface="Arial"/>
+              </a:rPr>
+              <a:t>Marsch</a:t>
+            </a:r>
+            <a:r>
+              <a:rPr lang="en-US" sz="1800" dirty="0">
+                <a:latin typeface="Arial"/>
+                <a:cs typeface="Arial"/>
+              </a:rPr>
+              <a:t>, L., &amp; </a:t>
+            </a:r>
+            <a:r>
+              <a:rPr lang="en-US" sz="1800" dirty="0" err="1">
+                <a:latin typeface="Arial"/>
+                <a:cs typeface="Arial"/>
+              </a:rPr>
+              <a:t>Poldrack</a:t>
+            </a:r>
+            <a:r>
+              <a:rPr lang="en-US" sz="1800" dirty="0">
+                <a:latin typeface="Arial"/>
+                <a:cs typeface="Arial"/>
+              </a:rPr>
+              <a:t>, R. (2018). Uncovering mental structure through data-driven ontology </a:t>
+            </a:r>
+            <a:r>
+              <a:rPr lang="en-US" sz="1800" dirty="0" smtClean="0">
+                <a:latin typeface="Arial"/>
+                <a:cs typeface="Arial"/>
+              </a:rPr>
+              <a:t>discovery</a:t>
+            </a:r>
+          </a:p>
+          <a:p>
+            <a:r>
+              <a:rPr lang="en-US" sz="1800" dirty="0">
+                <a:latin typeface="Arial"/>
+                <a:cs typeface="Arial"/>
+              </a:rPr>
+              <a:t>Enkavi, A. Z., Eisenberg, I., </a:t>
+            </a:r>
+            <a:r>
+              <a:rPr lang="en-US" sz="1800" dirty="0" err="1">
+                <a:latin typeface="Arial"/>
+                <a:cs typeface="Arial"/>
+              </a:rPr>
+              <a:t>Bissett</a:t>
+            </a:r>
+            <a:r>
+              <a:rPr lang="en-US" sz="1800" dirty="0">
+                <a:latin typeface="Arial"/>
+                <a:cs typeface="Arial"/>
+              </a:rPr>
+              <a:t>, P., </a:t>
+            </a:r>
+            <a:r>
+              <a:rPr lang="en-US" sz="1800" dirty="0" err="1">
+                <a:latin typeface="Arial"/>
+                <a:cs typeface="Arial"/>
+              </a:rPr>
+              <a:t>Mazza</a:t>
+            </a:r>
+            <a:r>
+              <a:rPr lang="en-US" sz="1800" dirty="0">
+                <a:latin typeface="Arial"/>
+                <a:cs typeface="Arial"/>
+              </a:rPr>
+              <a:t>, G. L., MacKinnon, D. P., </a:t>
+            </a:r>
+            <a:r>
+              <a:rPr lang="en-US" sz="1800" dirty="0" err="1">
+                <a:latin typeface="Arial"/>
+                <a:cs typeface="Arial"/>
+              </a:rPr>
+              <a:t>Marsch</a:t>
+            </a:r>
+            <a:r>
+              <a:rPr lang="en-US" sz="1800" dirty="0">
+                <a:latin typeface="Arial"/>
+                <a:cs typeface="Arial"/>
+              </a:rPr>
+              <a:t>, L. A., &amp; </a:t>
+            </a:r>
+            <a:r>
+              <a:rPr lang="en-US" sz="1800" dirty="0" err="1">
+                <a:latin typeface="Arial"/>
+                <a:cs typeface="Arial"/>
+              </a:rPr>
+              <a:t>Poldrack</a:t>
+            </a:r>
+            <a:r>
+              <a:rPr lang="en-US" sz="1800" dirty="0">
+                <a:latin typeface="Arial"/>
+                <a:cs typeface="Arial"/>
+              </a:rPr>
+              <a:t>, R. (2018). A large-scale analysis of test-retest reliabilities of self-regulation measures</a:t>
+            </a:r>
+            <a:r>
+              <a:rPr lang="en-US" sz="1800" dirty="0" smtClean="0">
+                <a:latin typeface="Arial"/>
+                <a:cs typeface="Arial"/>
+              </a:rPr>
+              <a:t>.</a:t>
+            </a:r>
+          </a:p>
+          <a:p>
+            <a:endParaRPr lang="en-US" sz="1800" dirty="0" smtClean="0">
+              <a:latin typeface="Arial"/>
+              <a:cs typeface="Arial"/>
+            </a:endParaRPr>
+          </a:p>
+          <a:p>
+            <a:endParaRPr lang="en-US" sz="1800" dirty="0">
+              <a:latin typeface="Arial"/>
+              <a:cs typeface="Arial"/>
+            </a:endParaRPr>
           </a:p>
         </p:txBody>
       </p:sp>

--- a/presentations/NeuroeconPoster2018.pptx
+++ b/presentations/NeuroeconPoster2018.pptx
@@ -705,195 +705,73 @@
           </a:bodyPr>
           <a:lstStyle/>
           <a:p>
-            <a:r>
-              <a:rPr lang="en-US" sz="1200" dirty="0" smtClean="0"/>
-              <a:t>-This study is an</a:t>
-            </a:r>
-            <a:r>
-              <a:rPr lang="en-US" sz="1200" baseline="0" dirty="0" smtClean="0"/>
-              <a:t> extension to our previous work in aging decision making</a:t>
-            </a:r>
-          </a:p>
-          <a:p>
-            <a:r>
-              <a:rPr lang="en-US" sz="1200" baseline="0" dirty="0" smtClean="0"/>
-              <a:t>-The paradox here is: as people get older they face more complicated decisions in life. </a:t>
-            </a:r>
-          </a:p>
-          <a:p>
-            <a:r>
-              <a:rPr lang="en-US" sz="1200" baseline="0" dirty="0" smtClean="0"/>
-              <a:t>-On the other hand, however, their cognitive abilities are declining. </a:t>
-            </a:r>
-          </a:p>
-          <a:p>
-            <a:r>
-              <a:rPr lang="en-US" sz="1200" baseline="0" dirty="0" smtClean="0"/>
-              <a:t>-How then are they able to make “good” decisions? How are they “wise”?</a:t>
-            </a:r>
-          </a:p>
-          <a:p>
-            <a:r>
-              <a:rPr lang="en-US" sz="1200" baseline="0" dirty="0" smtClean="0"/>
-              <a:t>-In our previous work we have shown that compensatory cognitive processes can account for this discrepancy. </a:t>
-            </a:r>
-          </a:p>
-          <a:p>
-            <a:r>
-              <a:rPr lang="en-US" sz="1200" baseline="0" dirty="0" smtClean="0"/>
-              <a:t>-Namely, as fluid intelligence (your working memory, ability to solve complex problems on the spot) declines your crystallized intelligence (your accumulated knowledge) increases. </a:t>
-            </a:r>
-          </a:p>
-          <a:p>
-            <a:r>
-              <a:rPr lang="en-US" sz="1200" baseline="0" dirty="0" smtClean="0"/>
-              <a:t>-In previous work, however, we have measured crystallized intelligence in a domain-general way like fluid intelligence. Using synonym, antonym and general knowledge tasks.</a:t>
-            </a:r>
-          </a:p>
-          <a:p>
-            <a:r>
-              <a:rPr lang="en-US" sz="1200" baseline="0" dirty="0" smtClean="0"/>
-              <a:t>-This is different than our previous work in that we are focusing in a real-world domain: financial decision making and we are not only comparing old people to young people but have a sample of people from all age groups </a:t>
-            </a:r>
-          </a:p>
-          <a:p>
-            <a:r>
-              <a:rPr lang="en-US" sz="1200" baseline="0" dirty="0" smtClean="0"/>
-              <a:t>-Furthermore we have expanded/improved/tailored our </a:t>
-            </a:r>
-            <a:r>
-              <a:rPr lang="en-US" sz="1200" baseline="0" dirty="0" err="1" smtClean="0"/>
-              <a:t>Gc</a:t>
-            </a:r>
-            <a:r>
-              <a:rPr lang="en-US" sz="1200" baseline="0" dirty="0" smtClean="0"/>
-              <a:t> measure to focus on this domain. So we have measured how financial literate people are and how much experience they have with financial products </a:t>
-            </a:r>
-          </a:p>
-          <a:p>
-            <a:r>
-              <a:rPr lang="en-US" sz="1200" baseline="0" dirty="0" smtClean="0"/>
-              <a:t>-What is fico: well it is quiet an important number actually. It is people’s credit scores. Asked in renting an apartment, buying a car or a house, applying for a credit card </a:t>
-            </a:r>
-            <a:r>
-              <a:rPr lang="en-US" sz="1200" baseline="0" dirty="0" err="1" smtClean="0"/>
-              <a:t>etc</a:t>
-            </a:r>
+            <a:pPr marL="0" marR="0" indent="0" algn="l" defTabSz="2037626" rtl="0" eaLnBrk="1" fontAlgn="auto" latinLnBrk="0" hangingPunct="1">
+              <a:lnSpc>
+                <a:spcPct val="100000"/>
+              </a:lnSpc>
+              <a:spcBef>
+                <a:spcPts val="0"/>
+              </a:spcBef>
+              <a:spcAft>
+                <a:spcPts val="0"/>
+              </a:spcAft>
+              <a:buClrTx/>
+              <a:buSzTx/>
+              <a:buFontTx/>
+              <a:buNone/>
+              <a:tabLst/>
+              <a:defRPr/>
+            </a:pPr>
+            <a:r>
+              <a:rPr lang="en-US" sz="1200" dirty="0" smtClean="0">
+                <a:solidFill>
+                  <a:schemeClr val="bg1">
+                    <a:lumMod val="65000"/>
+                  </a:schemeClr>
+                </a:solidFill>
+              </a:rPr>
+              <a:t>Variances of reliability estimates in flat </a:t>
+            </a:r>
+            <a:r>
+              <a:rPr lang="en-US" sz="1200" dirty="0" err="1" smtClean="0">
+                <a:solidFill>
+                  <a:schemeClr val="bg1">
+                    <a:lumMod val="65000"/>
+                  </a:schemeClr>
+                </a:solidFill>
+              </a:rPr>
+              <a:t>vs</a:t>
+            </a:r>
+            <a:r>
+              <a:rPr lang="en-US" sz="1200" dirty="0" smtClean="0">
+                <a:solidFill>
+                  <a:schemeClr val="bg1">
+                    <a:lumMod val="65000"/>
+                  </a:schemeClr>
+                </a:solidFill>
+              </a:rPr>
+              <a:t> </a:t>
+            </a:r>
+            <a:r>
+              <a:rPr lang="en-US" sz="1200" dirty="0" err="1" smtClean="0">
+                <a:solidFill>
+                  <a:schemeClr val="bg1">
+                    <a:lumMod val="65000"/>
+                  </a:schemeClr>
+                </a:solidFill>
+              </a:rPr>
+              <a:t>hddm</a:t>
+            </a:r>
+            <a:endParaRPr lang="en-US" sz="1200" smtClean="0">
+              <a:solidFill>
+                <a:schemeClr val="bg1">
+                  <a:lumMod val="65000"/>
+                </a:schemeClr>
+              </a:solidFill>
+            </a:endParaRPr>
+          </a:p>
+          <a:p>
             <a:endParaRPr lang="en-US" sz="1200" baseline="0" dirty="0" smtClean="0"/>
-          </a:p>
-          <a:p>
-            <a:r>
-              <a:rPr lang="en-US" sz="1200" baseline="0" dirty="0" smtClean="0"/>
-              <a:t>-With all of these implications this measure places our study somewhere between a lab experiment and a field study. So this data set is quiet unique. </a:t>
-            </a:r>
-          </a:p>
-          <a:p>
-            <a:r>
-              <a:rPr lang="en-US" sz="1200" baseline="0" dirty="0" smtClean="0"/>
-              <a:t>-Given that fico is a historical measure older people are more likely to have higher scores: the more history you have the more likely you are to have a higher credit score, which implies and improvement in financial </a:t>
-            </a:r>
-            <a:r>
-              <a:rPr lang="en-US" sz="1200" baseline="0" dirty="0" err="1" smtClean="0"/>
-              <a:t>dm</a:t>
-            </a:r>
-            <a:r>
-              <a:rPr lang="en-US" sz="1200" baseline="0" dirty="0" smtClean="0"/>
-              <a:t> skill with age</a:t>
-            </a:r>
-          </a:p>
-          <a:p>
-            <a:r>
-              <a:rPr lang="en-US" sz="1200" baseline="0" dirty="0" smtClean="0"/>
-              <a:t>-But keeping this paradox of decision making skills and aging in mind it is difficult to explain this rise in credit scores</a:t>
-            </a:r>
-          </a:p>
-          <a:p>
-            <a:r>
-              <a:rPr lang="en-US" sz="1200" baseline="0" dirty="0" smtClean="0"/>
-              <a:t>-So here we combine what we know about compensatory cognitive abilities and real world measures</a:t>
-            </a:r>
-          </a:p>
-          <a:p>
-            <a:r>
-              <a:rPr lang="en-US" sz="1200" baseline="0" dirty="0" smtClean="0"/>
-              <a:t>-As our statistical method we use SEM. A combination of path and mediation analysis. Since we have so many different measures this method allows us to measure underlying constructs and examine the relationships between them establishing causal paths</a:t>
-            </a:r>
-          </a:p>
-          <a:p>
-            <a:r>
-              <a:rPr lang="en-US" sz="1200" baseline="0" dirty="0" smtClean="0"/>
-              <a:t>-What do we find: </a:t>
-            </a:r>
-          </a:p>
-          <a:p>
-            <a:r>
-              <a:rPr lang="en-US" sz="1200" baseline="0" dirty="0" smtClean="0"/>
-              <a:t>-So the CCC mechanism explains this increase</a:t>
-            </a:r>
-          </a:p>
-          <a:p>
-            <a:r>
-              <a:rPr lang="en-US" sz="1200" baseline="0" dirty="0" smtClean="0"/>
-              <a:t>-But we also have other personality and econ measures</a:t>
-            </a:r>
-          </a:p>
-          <a:p>
-            <a:r>
-              <a:rPr lang="en-US" sz="1200" baseline="0" dirty="0" smtClean="0"/>
-              <a:t>-So what else predicts fico </a:t>
-            </a:r>
-          </a:p>
-          <a:p>
-            <a:r>
-              <a:rPr lang="en-US" sz="1200" baseline="0" dirty="0" smtClean="0"/>
-              <a:t>-What we call economic phenotype here consists of measures often encountered in economics literature: relative risk attitude, delay discounting. Importantly we used multiple measures for these parameters as well.</a:t>
-            </a:r>
-          </a:p>
-          <a:p>
-            <a:r>
-              <a:rPr lang="en-US" sz="1200" baseline="0" dirty="0" smtClean="0"/>
-              <a:t>-So </a:t>
-            </a:r>
-            <a:r>
-              <a:rPr lang="en-US" sz="1200" baseline="0" dirty="0" err="1" smtClean="0"/>
-              <a:t>dospert</a:t>
-            </a:r>
-            <a:r>
-              <a:rPr lang="en-US" sz="1200" baseline="0" dirty="0" smtClean="0"/>
-              <a:t> is a self-administered questionnaire consisting of questions asking how likely people judge themselves to engage in certain activities involving risk</a:t>
-            </a:r>
-          </a:p>
-          <a:p>
-            <a:r>
-              <a:rPr lang="en-US" sz="1200" baseline="0" dirty="0" smtClean="0"/>
-              <a:t>-Lambda is the loss aversion parameter measured by an adaptive preference measurement task</a:t>
-            </a:r>
-          </a:p>
-          <a:p>
-            <a:r>
-              <a:rPr lang="en-US" sz="1200" baseline="0" dirty="0" smtClean="0"/>
-              <a:t>-Using the same task we can also estimate alpha (the probability distortion measure) and sigma (the curvature of the value function – diminishing sensitivity)</a:t>
-            </a:r>
-          </a:p>
-          <a:p>
-            <a:r>
-              <a:rPr lang="en-US" sz="1200" baseline="0" dirty="0" smtClean="0"/>
-              <a:t>-Beta and delta are measures of delay discounting (beta being the present bias and delta the discounting factor)</a:t>
-            </a:r>
-          </a:p>
-          <a:p>
-            <a:r>
-              <a:rPr lang="en-US" sz="1200" baseline="0" dirty="0" smtClean="0"/>
-              <a:t>-And a personality scale: Regulatory-</a:t>
-            </a:r>
-            <a:r>
-              <a:rPr lang="en-US" sz="1200" baseline="0" smtClean="0"/>
-              <a:t>Focus-Questionnaire: </a:t>
-            </a:r>
-            <a:r>
-              <a:rPr lang="en-US" sz="1200" baseline="0" dirty="0" smtClean="0"/>
-              <a:t>RFQ is scale with 11 questions and two psychometrically distinct subscales (promotion and prevention). Here we focus on the prevention subscale. This measures people’s subjective histories of prevention success (A sample question is: How often did you obey rules and regulations that were established by your parents?”. Regulatory focus is the way an individual approaches goals and consists of two orientations. Prevention orientation involves sensitivity to the presence or absence of negative outcomes and is characterized by strategies of avoiding losses and approaching non-losses. People are sensitive to the absence or presence of negative outcomes (So we can see how this could be related to people’s risk attitudes and eventually their credit scores)</a:t>
-            </a:r>
           </a:p>
         </p:txBody>
       </p:sp>
@@ -6213,7 +6091,21 @@
                 <a:latin typeface="Arial"/>
                 <a:cs typeface="Arial"/>
               </a:rPr>
-              <a:t> Independent of measure type (raw, contrast...)</a:t>
+              <a:t> Independent of measure type (</a:t>
+            </a:r>
+            <a:r>
+              <a:rPr lang="en-US" sz="4400" dirty="0" smtClean="0">
+                <a:latin typeface="Arial"/>
+                <a:cs typeface="Arial"/>
+              </a:rPr>
+              <a:t>raw, </a:t>
+            </a:r>
+            <a:r>
+              <a:rPr lang="en-US" sz="4400" dirty="0" smtClean="0">
+                <a:latin typeface="Arial"/>
+                <a:cs typeface="Arial"/>
+              </a:rPr>
+              <a:t>contrast...)</a:t>
             </a:r>
             <a:endParaRPr lang="en-US" sz="4400" dirty="0">
               <a:latin typeface="Arial"/>
@@ -6331,14 +6223,14 @@
       </p:sp>
       <p:sp>
         <p:nvSpPr>
-          <p:cNvPr id="3" name="TextBox 2"/>
-          <p:cNvSpPr txBox="1"/>
+          <p:cNvPr id="64" name="Rectangle 63"/>
+          <p:cNvSpPr/>
           <p:nvPr/>
         </p:nvSpPr>
         <p:spPr>
           <a:xfrm>
-            <a:off x="38960789" y="17373600"/>
-            <a:ext cx="12033926" cy="2585323"/>
+            <a:off x="259768" y="31573821"/>
+            <a:ext cx="10398098" cy="1244845"/>
           </a:xfrm>
           <a:prstGeom prst="rect">
             <a:avLst/>
@@ -6346,41 +6238,223 @@
           <a:noFill/>
         </p:spPr>
         <p:txBody>
-          <a:bodyPr wrap="square" rtlCol="0">
-            <a:spAutoFit/>
+          <a:bodyPr wrap="square" lIns="274320" rIns="274320" rtlCol="0">
+            <a:noAutofit/>
           </a:bodyPr>
           <a:lstStyle/>
           <a:p>
             <a:r>
-              <a:rPr lang="en-US" dirty="0" smtClean="0"/>
-              <a:t>Variances of reliability estimates in flat </a:t>
-            </a:r>
-            <a:r>
-              <a:rPr lang="en-US" dirty="0" err="1" smtClean="0"/>
-              <a:t>vs</a:t>
-            </a:r>
-            <a:r>
-              <a:rPr lang="en-US" dirty="0" smtClean="0"/>
-              <a:t> </a:t>
-            </a:r>
-            <a:r>
-              <a:rPr lang="en-US" dirty="0" err="1" smtClean="0"/>
-              <a:t>hddm</a:t>
-            </a:r>
-            <a:endParaRPr lang="en-US" dirty="0"/>
-          </a:p>
-        </p:txBody>
-      </p:sp>
-      <p:sp>
-        <p:nvSpPr>
-          <p:cNvPr id="64" name="Rectangle 63"/>
+              <a:rPr lang="en-US" sz="1800" dirty="0">
+                <a:latin typeface="Arial"/>
+                <a:cs typeface="Arial"/>
+              </a:rPr>
+              <a:t>Eisenberg, I., </a:t>
+            </a:r>
+            <a:r>
+              <a:rPr lang="en-US" sz="1800" dirty="0" err="1">
+                <a:latin typeface="Arial"/>
+                <a:cs typeface="Arial"/>
+              </a:rPr>
+              <a:t>Bissett</a:t>
+            </a:r>
+            <a:r>
+              <a:rPr lang="en-US" sz="1800" dirty="0">
+                <a:latin typeface="Arial"/>
+                <a:cs typeface="Arial"/>
+              </a:rPr>
+              <a:t>, P., Enkavi, A. Z., Li, J., MacKinnon, D., </a:t>
+            </a:r>
+            <a:r>
+              <a:rPr lang="en-US" sz="1800" dirty="0" err="1">
+                <a:latin typeface="Arial"/>
+                <a:cs typeface="Arial"/>
+              </a:rPr>
+              <a:t>Marsch</a:t>
+            </a:r>
+            <a:r>
+              <a:rPr lang="en-US" sz="1800" dirty="0">
+                <a:latin typeface="Arial"/>
+                <a:cs typeface="Arial"/>
+              </a:rPr>
+              <a:t>, L., &amp; </a:t>
+            </a:r>
+            <a:r>
+              <a:rPr lang="en-US" sz="1800" dirty="0" err="1">
+                <a:latin typeface="Arial"/>
+                <a:cs typeface="Arial"/>
+              </a:rPr>
+              <a:t>Poldrack</a:t>
+            </a:r>
+            <a:r>
+              <a:rPr lang="en-US" sz="1800" dirty="0">
+                <a:latin typeface="Arial"/>
+                <a:cs typeface="Arial"/>
+              </a:rPr>
+              <a:t>, R. (2018). Uncovering mental structure through data-driven ontology </a:t>
+            </a:r>
+            <a:r>
+              <a:rPr lang="en-US" sz="1800" dirty="0" smtClean="0">
+                <a:latin typeface="Arial"/>
+                <a:cs typeface="Arial"/>
+              </a:rPr>
+              <a:t>discovery</a:t>
+            </a:r>
+          </a:p>
+          <a:p>
+            <a:r>
+              <a:rPr lang="en-US" sz="1800" dirty="0">
+                <a:latin typeface="Arial"/>
+                <a:cs typeface="Arial"/>
+              </a:rPr>
+              <a:t>Enkavi, A. Z., Eisenberg, I., </a:t>
+            </a:r>
+            <a:r>
+              <a:rPr lang="en-US" sz="1800" dirty="0" err="1">
+                <a:latin typeface="Arial"/>
+                <a:cs typeface="Arial"/>
+              </a:rPr>
+              <a:t>Bissett</a:t>
+            </a:r>
+            <a:r>
+              <a:rPr lang="en-US" sz="1800" dirty="0">
+                <a:latin typeface="Arial"/>
+                <a:cs typeface="Arial"/>
+              </a:rPr>
+              <a:t>, P., </a:t>
+            </a:r>
+            <a:r>
+              <a:rPr lang="en-US" sz="1800" dirty="0" err="1">
+                <a:latin typeface="Arial"/>
+                <a:cs typeface="Arial"/>
+              </a:rPr>
+              <a:t>Mazza</a:t>
+            </a:r>
+            <a:r>
+              <a:rPr lang="en-US" sz="1800" dirty="0">
+                <a:latin typeface="Arial"/>
+                <a:cs typeface="Arial"/>
+              </a:rPr>
+              <a:t>, G. L., MacKinnon, D. P., </a:t>
+            </a:r>
+            <a:r>
+              <a:rPr lang="en-US" sz="1800" dirty="0" err="1">
+                <a:latin typeface="Arial"/>
+                <a:cs typeface="Arial"/>
+              </a:rPr>
+              <a:t>Marsch</a:t>
+            </a:r>
+            <a:r>
+              <a:rPr lang="en-US" sz="1800" dirty="0">
+                <a:latin typeface="Arial"/>
+                <a:cs typeface="Arial"/>
+              </a:rPr>
+              <a:t>, L. A., &amp; </a:t>
+            </a:r>
+            <a:r>
+              <a:rPr lang="en-US" sz="1800" dirty="0" err="1">
+                <a:latin typeface="Arial"/>
+                <a:cs typeface="Arial"/>
+              </a:rPr>
+              <a:t>Poldrack</a:t>
+            </a:r>
+            <a:r>
+              <a:rPr lang="en-US" sz="1800" dirty="0">
+                <a:latin typeface="Arial"/>
+                <a:cs typeface="Arial"/>
+              </a:rPr>
+              <a:t>, R. (2018). A large-scale analysis of test-retest reliabilities of self-regulation measures</a:t>
+            </a:r>
+            <a:r>
+              <a:rPr lang="en-US" sz="1800" dirty="0" smtClean="0">
+                <a:latin typeface="Arial"/>
+                <a:cs typeface="Arial"/>
+              </a:rPr>
+              <a:t>.</a:t>
+            </a:r>
+          </a:p>
+          <a:p>
+            <a:endParaRPr lang="en-US" sz="1800" dirty="0" smtClean="0">
+              <a:latin typeface="Arial"/>
+              <a:cs typeface="Arial"/>
+            </a:endParaRPr>
+          </a:p>
+          <a:p>
+            <a:endParaRPr lang="en-US" sz="1800" dirty="0">
+              <a:latin typeface="Arial"/>
+              <a:cs typeface="Arial"/>
+            </a:endParaRPr>
+          </a:p>
+        </p:txBody>
+      </p:sp>
+      <p:pic>
+        <p:nvPicPr>
+          <p:cNvPr id="10" name="Picture 9" descr="EZ_PCA3_HClust_nolables.jpeg"/>
+          <p:cNvPicPr>
+            <a:picLocks noChangeAspect="1"/>
+          </p:cNvPicPr>
+          <p:nvPr/>
+        </p:nvPicPr>
+        <p:blipFill rotWithShape="1">
+          <a:blip r:embed="rId19">
+            <a:extLst>
+              <a:ext uri="{28A0092B-C50C-407E-A947-70E740481C1C}">
+                <a14:useLocalDpi xmlns:a14="http://schemas.microsoft.com/office/drawing/2010/main" val="0"/>
+              </a:ext>
+            </a:extLst>
+          </a:blip>
+          <a:srcRect l="18148" t="4087" r="19968" b="6022"/>
+          <a:stretch/>
+        </p:blipFill>
+        <p:spPr>
+          <a:xfrm rot="5400000">
+            <a:off x="16292402" y="19189700"/>
+            <a:ext cx="1905000" cy="12801600"/>
+          </a:xfrm>
+          <a:prstGeom prst="rect">
+            <a:avLst/>
+          </a:prstGeom>
+        </p:spPr>
+      </p:pic>
+      <p:pic>
+        <p:nvPicPr>
+          <p:cNvPr id="11" name="Picture 10" descr="EZ_clust_rel.jpeg"/>
+          <p:cNvPicPr>
+            <a:picLocks noChangeAspect="1"/>
+          </p:cNvPicPr>
+          <p:nvPr/>
+        </p:nvPicPr>
+        <p:blipFill>
+          <a:blip r:embed="rId20">
+            <a:extLst>
+              <a:ext uri="{28A0092B-C50C-407E-A947-70E740481C1C}">
+                <a14:useLocalDpi xmlns:a14="http://schemas.microsoft.com/office/drawing/2010/main" val="0"/>
+              </a:ext>
+            </a:extLst>
+          </a:blip>
+          <a:stretch>
+            <a:fillRect/>
+          </a:stretch>
+        </p:blipFill>
+        <p:spPr>
+          <a:xfrm>
+            <a:off x="11276003" y="26620792"/>
+            <a:ext cx="5946883" cy="5097328"/>
+          </a:xfrm>
+          <a:prstGeom prst="rect">
+            <a:avLst/>
+          </a:prstGeom>
+        </p:spPr>
+      </p:pic>
+      <p:sp>
+        <p:nvSpPr>
+          <p:cNvPr id="68" name="Rectangle 67"/>
           <p:cNvSpPr/>
           <p:nvPr/>
         </p:nvSpPr>
         <p:spPr>
           <a:xfrm>
-            <a:off x="259768" y="31573821"/>
-            <a:ext cx="10398098" cy="1244845"/>
+            <a:off x="17328967" y="26633624"/>
+            <a:ext cx="6274132" cy="4151176"/>
           </a:xfrm>
           <a:prstGeom prst="rect">
             <a:avLst/>
@@ -6393,146 +6467,79 @@
           </a:bodyPr>
           <a:lstStyle/>
           <a:p>
-            <a:r>
-              <a:rPr lang="en-US" sz="1800" dirty="0">
-                <a:latin typeface="Arial"/>
-                <a:cs typeface="Arial"/>
-              </a:rPr>
-              <a:t>Eisenberg, I., </a:t>
-            </a:r>
-            <a:r>
-              <a:rPr lang="en-US" sz="1800" dirty="0" err="1">
-                <a:latin typeface="Arial"/>
-                <a:cs typeface="Arial"/>
-              </a:rPr>
-              <a:t>Bissett</a:t>
-            </a:r>
-            <a:r>
-              <a:rPr lang="en-US" sz="1800" dirty="0">
-                <a:latin typeface="Arial"/>
-                <a:cs typeface="Arial"/>
-              </a:rPr>
-              <a:t>, P., Enkavi, A. Z., Li, J., MacKinnon, D., </a:t>
-            </a:r>
-            <a:r>
-              <a:rPr lang="en-US" sz="1800" dirty="0" err="1">
-                <a:latin typeface="Arial"/>
-                <a:cs typeface="Arial"/>
-              </a:rPr>
-              <a:t>Marsch</a:t>
-            </a:r>
-            <a:r>
-              <a:rPr lang="en-US" sz="1800" dirty="0">
-                <a:latin typeface="Arial"/>
-                <a:cs typeface="Arial"/>
-              </a:rPr>
-              <a:t>, L., &amp; </a:t>
-            </a:r>
-            <a:r>
-              <a:rPr lang="en-US" sz="1800" dirty="0" err="1">
-                <a:latin typeface="Arial"/>
-                <a:cs typeface="Arial"/>
-              </a:rPr>
-              <a:t>Poldrack</a:t>
-            </a:r>
-            <a:r>
-              <a:rPr lang="en-US" sz="1800" dirty="0">
-                <a:latin typeface="Arial"/>
-                <a:cs typeface="Arial"/>
-              </a:rPr>
-              <a:t>, R. (2018). Uncovering mental structure through data-driven ontology </a:t>
-            </a:r>
-            <a:r>
-              <a:rPr lang="en-US" sz="1800" dirty="0" smtClean="0">
-                <a:latin typeface="Arial"/>
-                <a:cs typeface="Arial"/>
-              </a:rPr>
-              <a:t>discovery</a:t>
-            </a:r>
-          </a:p>
-          <a:p>
-            <a:r>
-              <a:rPr lang="en-US" sz="1800" dirty="0">
-                <a:latin typeface="Arial"/>
-                <a:cs typeface="Arial"/>
-              </a:rPr>
-              <a:t>Enkavi, A. Z., Eisenberg, I., </a:t>
-            </a:r>
-            <a:r>
-              <a:rPr lang="en-US" sz="1800" dirty="0" err="1">
-                <a:latin typeface="Arial"/>
-                <a:cs typeface="Arial"/>
-              </a:rPr>
-              <a:t>Bissett</a:t>
-            </a:r>
-            <a:r>
-              <a:rPr lang="en-US" sz="1800" dirty="0">
-                <a:latin typeface="Arial"/>
-                <a:cs typeface="Arial"/>
-              </a:rPr>
-              <a:t>, P., </a:t>
-            </a:r>
-            <a:r>
-              <a:rPr lang="en-US" sz="1800" dirty="0" err="1">
-                <a:latin typeface="Arial"/>
-                <a:cs typeface="Arial"/>
-              </a:rPr>
-              <a:t>Mazza</a:t>
-            </a:r>
-            <a:r>
-              <a:rPr lang="en-US" sz="1800" dirty="0">
-                <a:latin typeface="Arial"/>
-                <a:cs typeface="Arial"/>
-              </a:rPr>
-              <a:t>, G. L., MacKinnon, D. P., </a:t>
-            </a:r>
-            <a:r>
-              <a:rPr lang="en-US" sz="1800" dirty="0" err="1">
-                <a:latin typeface="Arial"/>
-                <a:cs typeface="Arial"/>
-              </a:rPr>
-              <a:t>Marsch</a:t>
-            </a:r>
-            <a:r>
-              <a:rPr lang="en-US" sz="1800" dirty="0">
-                <a:latin typeface="Arial"/>
-                <a:cs typeface="Arial"/>
-              </a:rPr>
-              <a:t>, L. A., &amp; </a:t>
-            </a:r>
-            <a:r>
-              <a:rPr lang="en-US" sz="1800" dirty="0" err="1">
-                <a:latin typeface="Arial"/>
-                <a:cs typeface="Arial"/>
-              </a:rPr>
-              <a:t>Poldrack</a:t>
-            </a:r>
-            <a:r>
-              <a:rPr lang="en-US" sz="1800" dirty="0">
-                <a:latin typeface="Arial"/>
-                <a:cs typeface="Arial"/>
-              </a:rPr>
-              <a:t>, R. (2018). A large-scale analysis of test-retest reliabilities of self-regulation measures</a:t>
-            </a:r>
-            <a:r>
-              <a:rPr lang="en-US" sz="1800" dirty="0" smtClean="0">
-                <a:latin typeface="Arial"/>
-                <a:cs typeface="Arial"/>
-              </a:rPr>
-              <a:t>.</a:t>
-            </a:r>
-          </a:p>
-          <a:p>
-            <a:endParaRPr lang="en-US" sz="1800" dirty="0" smtClean="0">
-              <a:latin typeface="Arial"/>
-              <a:cs typeface="Arial"/>
-            </a:endParaRPr>
-          </a:p>
-          <a:p>
-            <a:endParaRPr lang="en-US" sz="1800" dirty="0">
-              <a:latin typeface="Arial"/>
-              <a:cs typeface="Arial"/>
-            </a:endParaRPr>
+            <a:pPr>
+              <a:buFont typeface="Arial"/>
+              <a:buChar char="•"/>
+            </a:pPr>
+            <a:r>
+              <a:rPr lang="en-US" sz="4400" dirty="0">
+                <a:latin typeface="Arial"/>
+                <a:cs typeface="Arial"/>
+              </a:rPr>
+              <a:t> </a:t>
+            </a:r>
+            <a:r>
+              <a:rPr lang="en-US" sz="4400" dirty="0" smtClean="0">
+                <a:latin typeface="Arial"/>
+                <a:cs typeface="Arial"/>
+              </a:rPr>
+              <a:t>3 PCs for EZ </a:t>
+            </a:r>
+            <a:r>
+              <a:rPr lang="en-US" sz="4400" dirty="0" err="1" smtClean="0">
+                <a:latin typeface="Arial"/>
+                <a:cs typeface="Arial"/>
+              </a:rPr>
+              <a:t>ddm</a:t>
+            </a:r>
+            <a:r>
+              <a:rPr lang="en-US" sz="4400" dirty="0" smtClean="0">
+                <a:latin typeface="Arial"/>
+                <a:cs typeface="Arial"/>
+              </a:rPr>
+              <a:t> variables</a:t>
+            </a:r>
+            <a:r>
+              <a:rPr lang="en-US" sz="4400" dirty="0">
+                <a:latin typeface="Arial"/>
+                <a:cs typeface="Arial"/>
+              </a:rPr>
+              <a:t> </a:t>
+            </a:r>
+            <a:r>
+              <a:rPr lang="en-US" sz="4400" dirty="0" smtClean="0">
+                <a:latin typeface="Arial"/>
+                <a:cs typeface="Arial"/>
+              </a:rPr>
+              <a:t>calculated on T1 data and used to predict T2 scores</a:t>
+            </a:r>
+          </a:p>
+          <a:p>
+            <a:pPr>
+              <a:buFont typeface="Arial"/>
+              <a:buChar char="•"/>
+            </a:pPr>
+            <a:r>
+              <a:rPr lang="en-US" sz="4400" dirty="0" smtClean="0">
+                <a:latin typeface="Arial"/>
+                <a:cs typeface="Arial"/>
+              </a:rPr>
+              <a:t> PCs are more reliable than </a:t>
+            </a:r>
+            <a:r>
+              <a:rPr lang="en-US" sz="4400" dirty="0" err="1" smtClean="0">
+                <a:latin typeface="Arial"/>
+                <a:cs typeface="Arial"/>
+              </a:rPr>
+              <a:t>dv’s</a:t>
+            </a:r>
+            <a:r>
+              <a:rPr lang="en-US" sz="4400" dirty="0" smtClean="0">
+                <a:latin typeface="Arial"/>
+                <a:cs typeface="Arial"/>
+              </a:rPr>
+              <a:t> that compose them</a:t>
+            </a:r>
           </a:p>
         </p:txBody>
       </p:sp>

--- a/presentations/NeuroeconPoster2018.pptx
+++ b/presentations/NeuroeconPoster2018.pptx
@@ -5961,6 +5961,9 @@
             </a:pPr>
             <a:r>
               <a:rPr lang="en-US" sz="4400" dirty="0" smtClean="0">
+                <a:solidFill>
+                  <a:srgbClr val="FF0000"/>
+                </a:solidFill>
                 <a:latin typeface="Arial"/>
                 <a:cs typeface="Arial"/>
               </a:rPr>
@@ -5968,6 +5971,9 @@
             </a:r>
             <a:r>
               <a:rPr lang="en-US" sz="4400" dirty="0" smtClean="0">
+                <a:solidFill>
+                  <a:srgbClr val="FF0000"/>
+                </a:solidFill>
                 <a:latin typeface="Arial"/>
                 <a:cs typeface="Arial"/>
                 <a:sym typeface="Wingdings"/>
@@ -5982,6 +5988,9 @@
             </a:pPr>
             <a:r>
               <a:rPr lang="en-US" sz="4400" dirty="0">
+                <a:solidFill>
+                  <a:srgbClr val="FF0000"/>
+                </a:solidFill>
                 <a:latin typeface="Arial"/>
                 <a:cs typeface="Arial"/>
                 <a:sym typeface="Wingdings"/>
@@ -5990,6 +5999,9 @@
             </a:r>
             <a:r>
               <a:rPr lang="en-US" sz="4400" dirty="0" smtClean="0">
+                <a:solidFill>
+                  <a:srgbClr val="FF0000"/>
+                </a:solidFill>
                 <a:latin typeface="Arial"/>
                 <a:cs typeface="Arial"/>
                 <a:sym typeface="Wingdings"/>
@@ -5997,6 +6009,9 @@
               <a:t>Stats for variance differences</a:t>
             </a:r>
             <a:endParaRPr lang="en-US" sz="4400" dirty="0">
+              <a:solidFill>
+                <a:srgbClr val="FF0000"/>
+              </a:solidFill>
               <a:latin typeface="Arial"/>
               <a:cs typeface="Arial"/>
             </a:endParaRPr>
@@ -6540,6 +6555,86 @@
               </a:rPr>
               <a:t> that compose them</a:t>
             </a:r>
+          </a:p>
+        </p:txBody>
+      </p:sp>
+      <p:pic>
+        <p:nvPicPr>
+          <p:cNvPr id="26" name="Picture 25" descr="fvsm_pred.jpeg"/>
+          <p:cNvPicPr>
+            <a:picLocks noChangeAspect="1"/>
+          </p:cNvPicPr>
+          <p:nvPr/>
+        </p:nvPicPr>
+        <p:blipFill>
+          <a:blip r:embed="rId21">
+            <a:extLst>
+              <a:ext uri="{28A0092B-C50C-407E-A947-70E740481C1C}">
+                <a14:useLocalDpi xmlns:a14="http://schemas.microsoft.com/office/drawing/2010/main" val="0"/>
+              </a:ext>
+            </a:extLst>
+          </a:blip>
+          <a:stretch>
+            <a:fillRect/>
+          </a:stretch>
+        </p:blipFill>
+        <p:spPr>
+          <a:xfrm>
+            <a:off x="24901443" y="24777745"/>
+            <a:ext cx="12801600" cy="5486400"/>
+          </a:xfrm>
+          <a:prstGeom prst="rect">
+            <a:avLst/>
+          </a:prstGeom>
+        </p:spPr>
+      </p:pic>
+      <p:sp>
+        <p:nvSpPr>
+          <p:cNvPr id="69" name="Rectangle 68"/>
+          <p:cNvSpPr/>
+          <p:nvPr/>
+        </p:nvSpPr>
+        <p:spPr>
+          <a:xfrm>
+            <a:off x="24767163" y="30250600"/>
+            <a:ext cx="12801600" cy="1463625"/>
+          </a:xfrm>
+          <a:prstGeom prst="rect">
+            <a:avLst/>
+          </a:prstGeom>
+          <a:noFill/>
+        </p:spPr>
+        <p:txBody>
+          <a:bodyPr wrap="square" lIns="274320" rIns="274320" rtlCol="0">
+            <a:noAutofit/>
+          </a:bodyPr>
+          <a:lstStyle/>
+          <a:p>
+            <a:pPr>
+              <a:buFont typeface="Arial"/>
+              <a:buChar char="•"/>
+            </a:pPr>
+            <a:r>
+              <a:rPr lang="en-US" sz="4400" dirty="0" smtClean="0">
+                <a:solidFill>
+                  <a:srgbClr val="FF0000"/>
+                </a:solidFill>
+                <a:latin typeface="Arial"/>
+                <a:cs typeface="Arial"/>
+              </a:rPr>
+              <a:t>Stats on figure above</a:t>
+            </a:r>
+            <a:r>
+              <a:rPr lang="en-US" sz="4400" dirty="0" smtClean="0">
+                <a:latin typeface="Arial"/>
+                <a:cs typeface="Arial"/>
+              </a:rPr>
+              <a:t> </a:t>
+            </a:r>
+            <a:endParaRPr lang="en-US" sz="4400" dirty="0">
+              <a:latin typeface="Arial"/>
+              <a:cs typeface="Arial"/>
+            </a:endParaRPr>
           </a:p>
         </p:txBody>
       </p:sp>

--- a/presentations/NeuroeconPoster2018.pptx
+++ b/presentations/NeuroeconPoster2018.pptx
@@ -112,7 +112,7 @@
   </p:defaultTextStyle>
   <p:extLst>
     <p:ext uri="{EFAFB233-063F-42B5-8137-9DF3F51BA10A}">
-      <p15:sldGuideLst xmlns:p15="http://schemas.microsoft.com/office/powerpoint/2012/main" xmlns="">
+      <p15:sldGuideLst xmlns="" xmlns:p15="http://schemas.microsoft.com/office/powerpoint/2012/main">
         <p15:guide id="1" orient="horz" pos="10368">
           <p15:clr>
             <a:srgbClr val="A4A3A4"/>
@@ -217,7 +217,7 @@
           <a:p>
             <a:fld id="{1ADD2877-6E47-914A-A562-5BB1D9253FFF}" type="datetimeFigureOut">
               <a:rPr lang="en-US" smtClean="0"/>
-              <a:t>9/27/18</a:t>
+              <a:t>9/30/18</a:t>
             </a:fld>
             <a:endParaRPr lang="en-US"/>
           </a:p>
@@ -383,7 +383,7 @@
             <a:fld id="{9C8C3FF2-16C4-3444-9527-EB6C5966600B}" type="datetimeFigureOut">
               <a:rPr lang="en-US" smtClean="0"/>
               <a:pPr/>
-              <a:t>9/27/18</a:t>
+              <a:t>9/30/18</a:t>
             </a:fld>
             <a:endParaRPr lang="en-US"/>
           </a:p>
@@ -994,7 +994,7 @@
             <a:fld id="{34EA0383-EA84-CF41-8911-55C3D60C640A}" type="datetimeFigureOut">
               <a:rPr lang="en-US" smtClean="0"/>
               <a:pPr/>
-              <a:t>9/27/18</a:t>
+              <a:t>9/30/18</a:t>
             </a:fld>
             <a:endParaRPr lang="en-US"/>
           </a:p>
@@ -1161,7 +1161,7 @@
             <a:fld id="{34EA0383-EA84-CF41-8911-55C3D60C640A}" type="datetimeFigureOut">
               <a:rPr lang="en-US" smtClean="0"/>
               <a:pPr/>
-              <a:t>9/27/18</a:t>
+              <a:t>9/30/18</a:t>
             </a:fld>
             <a:endParaRPr lang="en-US"/>
           </a:p>
@@ -1338,7 +1338,7 @@
             <a:fld id="{34EA0383-EA84-CF41-8911-55C3D60C640A}" type="datetimeFigureOut">
               <a:rPr lang="en-US" smtClean="0"/>
               <a:pPr/>
-              <a:t>9/27/18</a:t>
+              <a:t>9/30/18</a:t>
             </a:fld>
             <a:endParaRPr lang="en-US"/>
           </a:p>
@@ -1505,7 +1505,7 @@
             <a:fld id="{34EA0383-EA84-CF41-8911-55C3D60C640A}" type="datetimeFigureOut">
               <a:rPr lang="en-US" smtClean="0"/>
               <a:pPr/>
-              <a:t>9/27/18</a:t>
+              <a:t>9/30/18</a:t>
             </a:fld>
             <a:endParaRPr lang="en-US"/>
           </a:p>
@@ -1748,7 +1748,7 @@
             <a:fld id="{34EA0383-EA84-CF41-8911-55C3D60C640A}" type="datetimeFigureOut">
               <a:rPr lang="en-US" smtClean="0"/>
               <a:pPr/>
-              <a:t>9/27/18</a:t>
+              <a:t>9/30/18</a:t>
             </a:fld>
             <a:endParaRPr lang="en-US"/>
           </a:p>
@@ -2033,7 +2033,7 @@
             <a:fld id="{34EA0383-EA84-CF41-8911-55C3D60C640A}" type="datetimeFigureOut">
               <a:rPr lang="en-US" smtClean="0"/>
               <a:pPr/>
-              <a:t>9/27/18</a:t>
+              <a:t>9/30/18</a:t>
             </a:fld>
             <a:endParaRPr lang="en-US"/>
           </a:p>
@@ -2457,7 +2457,7 @@
             <a:fld id="{34EA0383-EA84-CF41-8911-55C3D60C640A}" type="datetimeFigureOut">
               <a:rPr lang="en-US" smtClean="0"/>
               <a:pPr/>
-              <a:t>9/27/18</a:t>
+              <a:t>9/30/18</a:t>
             </a:fld>
             <a:endParaRPr lang="en-US"/>
           </a:p>
@@ -2572,7 +2572,7 @@
             <a:fld id="{34EA0383-EA84-CF41-8911-55C3D60C640A}" type="datetimeFigureOut">
               <a:rPr lang="en-US" smtClean="0"/>
               <a:pPr/>
-              <a:t>9/27/18</a:t>
+              <a:t>9/30/18</a:t>
             </a:fld>
             <a:endParaRPr lang="en-US"/>
           </a:p>
@@ -2664,7 +2664,7 @@
             <a:fld id="{34EA0383-EA84-CF41-8911-55C3D60C640A}" type="datetimeFigureOut">
               <a:rPr lang="en-US" smtClean="0"/>
               <a:pPr/>
-              <a:t>9/27/18</a:t>
+              <a:t>9/30/18</a:t>
             </a:fld>
             <a:endParaRPr lang="en-US"/>
           </a:p>
@@ -2938,7 +2938,7 @@
             <a:fld id="{34EA0383-EA84-CF41-8911-55C3D60C640A}" type="datetimeFigureOut">
               <a:rPr lang="en-US" smtClean="0"/>
               <a:pPr/>
-              <a:t>9/27/18</a:t>
+              <a:t>9/30/18</a:t>
             </a:fld>
             <a:endParaRPr lang="en-US"/>
           </a:p>
@@ -3188,7 +3188,7 @@
             <a:fld id="{34EA0383-EA84-CF41-8911-55C3D60C640A}" type="datetimeFigureOut">
               <a:rPr lang="en-US" smtClean="0"/>
               <a:pPr/>
-              <a:t>9/27/18</a:t>
+              <a:t>9/30/18</a:t>
             </a:fld>
             <a:endParaRPr lang="en-US"/>
           </a:p>
@@ -3398,7 +3398,7 @@
             <a:fld id="{34EA0383-EA84-CF41-8911-55C3D60C640A}" type="datetimeFigureOut">
               <a:rPr lang="en-US" smtClean="0"/>
               <a:pPr/>
-              <a:t>9/27/18</a:t>
+              <a:t>9/30/18</a:t>
             </a:fld>
             <a:endParaRPr lang="en-US"/>
           </a:p>
@@ -4610,21 +4610,7 @@
                 <a:latin typeface="Arial"/>
                 <a:cs typeface="Arial"/>
               </a:rPr>
-              <a:t> </a:t>
-            </a:r>
-            <a:r>
-              <a:rPr lang="en-US" sz="4400" dirty="0" smtClean="0">
-                <a:latin typeface="Arial"/>
-                <a:cs typeface="Arial"/>
-              </a:rPr>
-              <a:t>DDM </a:t>
-            </a:r>
-            <a:r>
-              <a:rPr lang="en-US" sz="4400" dirty="0" smtClean="0">
-                <a:latin typeface="Arial"/>
-                <a:cs typeface="Arial"/>
-              </a:rPr>
-              <a:t>parameters show similar reliability to RT and accuracy</a:t>
+              <a:t> DDM parameters show similar reliability to RT and accuracy</a:t>
             </a:r>
           </a:p>
           <a:p>
@@ -4646,10 +4632,6 @@
               </a:rPr>
               <a:t>Pilot studies of variable selection need n&gt;15 for reliable decisions </a:t>
             </a:r>
-            <a:endParaRPr lang="en-US" sz="4400" dirty="0" smtClean="0">
-              <a:latin typeface="Arial"/>
-              <a:cs typeface="Arial"/>
-            </a:endParaRPr>
           </a:p>
           <a:p>
             <a:pPr>
@@ -4668,42 +4650,7 @@
                 <a:latin typeface="Arial"/>
                 <a:cs typeface="Arial"/>
               </a:rPr>
-              <a:t>Hierarchical </a:t>
-            </a:r>
-            <a:r>
-              <a:rPr lang="en-US" sz="4400" dirty="0" smtClean="0">
-                <a:latin typeface="Arial"/>
-                <a:cs typeface="Arial"/>
-              </a:rPr>
-              <a:t>estimates </a:t>
-            </a:r>
-            <a:r>
-              <a:rPr lang="en-US" sz="4400" dirty="0" smtClean="0">
-                <a:latin typeface="Arial"/>
-                <a:cs typeface="Arial"/>
-              </a:rPr>
-              <a:t>do not </a:t>
-            </a:r>
-            <a:r>
-              <a:rPr lang="en-US" sz="4400" dirty="0" smtClean="0">
-                <a:latin typeface="Arial"/>
-                <a:cs typeface="Arial"/>
-              </a:rPr>
-              <a:t>change parameter </a:t>
-            </a:r>
-            <a:r>
-              <a:rPr lang="en-US" sz="4400" dirty="0" smtClean="0">
-                <a:latin typeface="Arial"/>
-                <a:cs typeface="Arial"/>
-              </a:rPr>
-              <a:t>value </a:t>
-            </a:r>
-            <a:r>
-              <a:rPr lang="en-US" sz="4400" dirty="0" smtClean="0">
-                <a:latin typeface="Arial"/>
-                <a:cs typeface="Arial"/>
-              </a:rPr>
-              <a:t>or reliability</a:t>
+              <a:t>Hierarchical estimates do not change parameter value or reliability</a:t>
             </a:r>
             <a:endParaRPr lang="en-US" sz="4400" dirty="0">
               <a:latin typeface="Arial"/>
@@ -4857,6 +4804,7 @@
           </p:nvPicPr>
           <p:blipFill>
             <a:blip r:embed="rId6">
+              <a:grayscl/>
               <a:extLst>
                 <a:ext uri="{28A0092B-C50C-407E-A947-70E740481C1C}">
                   <a14:useLocalDpi xmlns:a14="http://schemas.microsoft.com/office/drawing/2010/main" val="0"/>
@@ -4887,6 +4835,7 @@
           </p:nvPicPr>
           <p:blipFill>
             <a:blip r:embed="rId7">
+              <a:grayscl/>
               <a:extLst>
                 <a:ext uri="{28A0092B-C50C-407E-A947-70E740481C1C}">
                   <a14:useLocalDpi xmlns:a14="http://schemas.microsoft.com/office/drawing/2010/main" val="0"/>
@@ -4917,6 +4866,7 @@
           </p:nvPicPr>
           <p:blipFill>
             <a:blip r:embed="rId8">
+              <a:grayscl/>
               <a:extLst>
                 <a:ext uri="{28A0092B-C50C-407E-A947-70E740481C1C}">
                   <a14:useLocalDpi xmlns:a14="http://schemas.microsoft.com/office/drawing/2010/main" val="0"/>
@@ -5169,8 +5119,8 @@
         </p:nvSpPr>
         <p:spPr>
           <a:xfrm>
-            <a:off x="24430467" y="9696913"/>
-            <a:ext cx="4496493" cy="861774"/>
+            <a:off x="24902914" y="9696913"/>
+            <a:ext cx="3071324" cy="861774"/>
           </a:xfrm>
           <a:prstGeom prst="rect">
             <a:avLst/>
@@ -5188,7 +5138,7 @@
                 <a:latin typeface="Arial"/>
                 <a:cs typeface="Arial"/>
               </a:rPr>
-              <a:t>Factor analysis</a:t>
+              <a:t>Clustering</a:t>
             </a:r>
             <a:endParaRPr lang="en-US" sz="5000" dirty="0">
               <a:latin typeface="Arial"/>
@@ -5212,6 +5162,11 @@
             <a:avLst/>
           </a:prstGeom>
           <a:ln w="57150" cmpd="sng">
+            <a:solidFill>
+              <a:schemeClr val="bg1">
+                <a:lumMod val="75000"/>
+              </a:schemeClr>
+            </a:solidFill>
             <a:tailEnd type="arrow"/>
           </a:ln>
         </p:spPr>
@@ -5245,6 +5200,11 @@
             <a:avLst/>
           </a:prstGeom>
           <a:ln w="57150" cmpd="sng">
+            <a:solidFill>
+              <a:schemeClr val="bg1">
+                <a:lumMod val="75000"/>
+              </a:schemeClr>
+            </a:solidFill>
             <a:tailEnd type="arrow"/>
           </a:ln>
         </p:spPr>
@@ -5287,12 +5247,22 @@
           <a:p>
             <a:r>
               <a:rPr lang="en-US" sz="5000" dirty="0" smtClean="0">
+                <a:solidFill>
+                  <a:schemeClr val="bg1">
+                    <a:lumMod val="75000"/>
+                  </a:schemeClr>
+                </a:solidFill>
                 <a:latin typeface="Arial"/>
                 <a:cs typeface="Arial"/>
               </a:rPr>
               <a:t>Prediction</a:t>
             </a:r>
             <a:endParaRPr lang="en-US" sz="5000" dirty="0">
+              <a:solidFill>
+                <a:schemeClr val="bg1">
+                  <a:lumMod val="75000"/>
+                </a:schemeClr>
+              </a:solidFill>
               <a:latin typeface="Arial"/>
               <a:cs typeface="Arial"/>
             </a:endParaRPr>
@@ -5604,7 +5574,7 @@
         <p:spPr bwMode="auto">
           <a:xfrm>
             <a:off x="10801499" y="23812632"/>
-            <a:ext cx="12801600" cy="844173"/>
+            <a:ext cx="26883360" cy="844173"/>
           </a:xfrm>
           <a:prstGeom prst="rect">
             <a:avLst/>
@@ -5643,67 +5613,6 @@
                 <a:cs typeface="Arial"/>
               </a:rPr>
               <a:t>Clustering</a:t>
-            </a:r>
-            <a:endParaRPr lang="en-US" sz="5000" dirty="0">
-              <a:solidFill>
-                <a:schemeClr val="bg1"/>
-              </a:solidFill>
-              <a:latin typeface="Arial"/>
-              <a:cs typeface="Arial"/>
-            </a:endParaRPr>
-          </a:p>
-        </p:txBody>
-      </p:sp>
-      <p:sp>
-        <p:nvSpPr>
-          <p:cNvPr id="46" name="Text Box 424"/>
-          <p:cNvSpPr txBox="1">
-            <a:spLocks noChangeArrowheads="1"/>
-          </p:cNvSpPr>
-          <p:nvPr/>
-        </p:nvSpPr>
-        <p:spPr bwMode="auto">
-          <a:xfrm>
-            <a:off x="24883258" y="23812632"/>
-            <a:ext cx="12801600" cy="844173"/>
-          </a:xfrm>
-          <a:prstGeom prst="rect">
-            <a:avLst/>
-          </a:prstGeom>
-          <a:solidFill>
-            <a:srgbClr val="A40A1D"/>
-          </a:solidFill>
-          <a:ln w="25400">
-            <a:noFill/>
-            <a:miter lim="800000"/>
-            <a:headEnd/>
-            <a:tailEnd/>
-          </a:ln>
-          <a:effectLst/>
-        </p:spPr>
-        <p:txBody>
-          <a:bodyPr wrap="square" lIns="79230" tIns="39614" rIns="79230" bIns="39614">
-            <a:prstTxWarp prst="textNoShape">
-              <a:avLst/>
-            </a:prstTxWarp>
-            <a:spAutoFit/>
-          </a:bodyPr>
-          <a:lstStyle/>
-          <a:p>
-            <a:pPr algn="ctr">
-              <a:spcBef>
-                <a:spcPct val="50000"/>
-              </a:spcBef>
-            </a:pPr>
-            <a:r>
-              <a:rPr lang="en-US" sz="5000" b="1" dirty="0" smtClean="0">
-                <a:solidFill>
-                  <a:schemeClr val="bg1"/>
-                </a:solidFill>
-                <a:latin typeface="Arial"/>
-                <a:cs typeface="Arial"/>
-              </a:rPr>
-              <a:t>Prediction</a:t>
             </a:r>
             <a:endParaRPr lang="en-US" sz="5000" dirty="0">
               <a:solidFill>
@@ -6086,14 +5995,7 @@
                 <a:latin typeface="Arial"/>
                 <a:cs typeface="Arial"/>
               </a:rPr>
-              <a:t>Measurements </a:t>
-            </a:r>
-            <a:r>
-              <a:rPr lang="en-US" sz="4400" dirty="0" smtClean="0">
-                <a:latin typeface="Arial"/>
-                <a:cs typeface="Arial"/>
-              </a:rPr>
-              <a:t>from samples &lt;15 are significantly less reliable (b=0.001, t(505)=4.92)</a:t>
+              <a:t>Measurements from samples &lt;15 are significantly less reliable (b=0.001, t(505)=4.92)</a:t>
             </a:r>
           </a:p>
           <a:p>
@@ -6106,21 +6008,7 @@
                 <a:latin typeface="Arial"/>
                 <a:cs typeface="Arial"/>
               </a:rPr>
-              <a:t> Independent of measure type (</a:t>
-            </a:r>
-            <a:r>
-              <a:rPr lang="en-US" sz="4400" dirty="0" smtClean="0">
-                <a:latin typeface="Arial"/>
-                <a:cs typeface="Arial"/>
-              </a:rPr>
-              <a:t>raw, </a:t>
-            </a:r>
-            <a:r>
-              <a:rPr lang="en-US" sz="4400" dirty="0" smtClean="0">
-                <a:latin typeface="Arial"/>
-                <a:cs typeface="Arial"/>
-              </a:rPr>
-              <a:t>contrast...)</a:t>
+              <a:t> Independent of measure type (raw, contrast...)</a:t>
             </a:r>
             <a:endParaRPr lang="en-US" sz="4400" dirty="0">
               <a:latin typeface="Arial"/>
@@ -6227,7 +6115,21 @@
                 <a:latin typeface="Arial"/>
                 <a:cs typeface="Arial"/>
               </a:rPr>
-              <a:t>No difference in parameter estimate or reliability using hierarchical estimates </a:t>
+              <a:t>No </a:t>
+            </a:r>
+            <a:r>
+              <a:rPr lang="en-US" sz="4400" dirty="0" smtClean="0">
+                <a:latin typeface="Arial"/>
+                <a:cs typeface="Arial"/>
+              </a:rPr>
+              <a:t>systematic difference </a:t>
+            </a:r>
+            <a:r>
+              <a:rPr lang="en-US" sz="4400" dirty="0" smtClean="0">
+                <a:latin typeface="Arial"/>
+                <a:cs typeface="Arial"/>
+              </a:rPr>
+              <a:t>in parameter estimate or reliability using hierarchical estimates </a:t>
             </a:r>
             <a:endParaRPr lang="en-US" sz="4400" dirty="0">
               <a:latin typeface="Arial"/>
@@ -6405,7 +6307,7 @@
         <p:nvPicPr>
           <p:cNvPr id="10" name="Picture 9" descr="EZ_PCA3_HClust_nolables.jpeg"/>
           <p:cNvPicPr>
-            <a:picLocks noChangeAspect="1"/>
+            <a:picLocks/>
           </p:cNvPicPr>
           <p:nvPr/>
         </p:nvPicPr>
@@ -6422,8 +6324,8 @@
         </p:blipFill>
         <p:spPr>
           <a:xfrm rot="5400000">
-            <a:off x="16292402" y="19189700"/>
-            <a:ext cx="1905000" cy="12801600"/>
+            <a:off x="22540247" y="13385335"/>
+            <a:ext cx="2286000" cy="25603200"/>
           </a:xfrm>
           <a:prstGeom prst="rect">
             <a:avLst/>
@@ -6452,8 +6354,8 @@
         </p:blipFill>
         <p:spPr>
           <a:xfrm>
-            <a:off x="11276003" y="26620792"/>
-            <a:ext cx="5946883" cy="5097328"/>
+            <a:off x="31903096" y="27329936"/>
+            <a:ext cx="5277419" cy="4523501"/>
           </a:xfrm>
           <a:prstGeom prst="rect">
             <a:avLst/>
@@ -6468,7 +6370,7 @@
         </p:nvSpPr>
         <p:spPr>
           <a:xfrm>
-            <a:off x="17328967" y="26633624"/>
+            <a:off x="43940167" y="23635959"/>
             <a:ext cx="6274132" cy="4151176"/>
           </a:xfrm>
           <a:prstGeom prst="rect">
@@ -6555,86 +6457,6 @@
               </a:rPr>
               <a:t> that compose them</a:t>
             </a:r>
-          </a:p>
-        </p:txBody>
-      </p:sp>
-      <p:pic>
-        <p:nvPicPr>
-          <p:cNvPr id="26" name="Picture 25" descr="fvsm_pred.jpeg"/>
-          <p:cNvPicPr>
-            <a:picLocks noChangeAspect="1"/>
-          </p:cNvPicPr>
-          <p:nvPr/>
-        </p:nvPicPr>
-        <p:blipFill>
-          <a:blip r:embed="rId21">
-            <a:extLst>
-              <a:ext uri="{28A0092B-C50C-407E-A947-70E740481C1C}">
-                <a14:useLocalDpi xmlns:a14="http://schemas.microsoft.com/office/drawing/2010/main" val="0"/>
-              </a:ext>
-            </a:extLst>
-          </a:blip>
-          <a:stretch>
-            <a:fillRect/>
-          </a:stretch>
-        </p:blipFill>
-        <p:spPr>
-          <a:xfrm>
-            <a:off x="24901443" y="24777745"/>
-            <a:ext cx="12801600" cy="5486400"/>
-          </a:xfrm>
-          <a:prstGeom prst="rect">
-            <a:avLst/>
-          </a:prstGeom>
-        </p:spPr>
-      </p:pic>
-      <p:sp>
-        <p:nvSpPr>
-          <p:cNvPr id="69" name="Rectangle 68"/>
-          <p:cNvSpPr/>
-          <p:nvPr/>
-        </p:nvSpPr>
-        <p:spPr>
-          <a:xfrm>
-            <a:off x="24767163" y="30250600"/>
-            <a:ext cx="12801600" cy="1463625"/>
-          </a:xfrm>
-          <a:prstGeom prst="rect">
-            <a:avLst/>
-          </a:prstGeom>
-          <a:noFill/>
-        </p:spPr>
-        <p:txBody>
-          <a:bodyPr wrap="square" lIns="274320" rIns="274320" rtlCol="0">
-            <a:noAutofit/>
-          </a:bodyPr>
-          <a:lstStyle/>
-          <a:p>
-            <a:pPr>
-              <a:buFont typeface="Arial"/>
-              <a:buChar char="•"/>
-            </a:pPr>
-            <a:r>
-              <a:rPr lang="en-US" sz="4400" dirty="0" smtClean="0">
-                <a:solidFill>
-                  <a:srgbClr val="FF0000"/>
-                </a:solidFill>
-                <a:latin typeface="Arial"/>
-                <a:cs typeface="Arial"/>
-              </a:rPr>
-              <a:t>Stats on figure above</a:t>
-            </a:r>
-            <a:r>
-              <a:rPr lang="en-US" sz="4400" dirty="0" smtClean="0">
-                <a:latin typeface="Arial"/>
-                <a:cs typeface="Arial"/>
-              </a:rPr>
-              <a:t> </a:t>
-            </a:r>
-            <a:endParaRPr lang="en-US" sz="4400" dirty="0">
-              <a:latin typeface="Arial"/>
-              <a:cs typeface="Arial"/>
-            </a:endParaRPr>
           </a:p>
         </p:txBody>
       </p:sp>

--- a/presentations/NeuroeconPoster2018.pptx
+++ b/presentations/NeuroeconPoster2018.pptx
@@ -5074,7 +5074,7 @@
         </p:nvSpPr>
         <p:spPr>
           <a:xfrm rot="5400000">
-            <a:off x="26035253" y="5649051"/>
+            <a:off x="26206027" y="5649051"/>
             <a:ext cx="806647" cy="6956656"/>
           </a:xfrm>
           <a:prstGeom prst="rightBrace">
@@ -5119,8 +5119,8 @@
         </p:nvSpPr>
         <p:spPr>
           <a:xfrm>
-            <a:off x="24902914" y="9696913"/>
-            <a:ext cx="3071324" cy="861774"/>
+            <a:off x="23024381" y="9696913"/>
+            <a:ext cx="7169939" cy="861774"/>
           </a:xfrm>
           <a:prstGeom prst="rect">
             <a:avLst/>
@@ -5138,7 +5138,7 @@
                 <a:latin typeface="Arial"/>
                 <a:cs typeface="Arial"/>
               </a:rPr>
-              <a:t>Clustering</a:t>
+              <a:t>Dimensionality reduction</a:t>
             </a:r>
             <a:endParaRPr lang="en-US" sz="5000" dirty="0">
               <a:latin typeface="Arial"/>
@@ -5612,7 +5612,7 @@
                 <a:latin typeface="Arial"/>
                 <a:cs typeface="Arial"/>
               </a:rPr>
-              <a:t>Clustering</a:t>
+              <a:t>Measures vs. lower dimensional projections as trait measures</a:t>
             </a:r>
             <a:endParaRPr lang="en-US" sz="5000" dirty="0">
               <a:solidFill>
@@ -5731,9 +5731,235 @@
           </a:p>
         </p:txBody>
       </p:sp>
+      <p:sp>
+        <p:nvSpPr>
+          <p:cNvPr id="61" name="Text Box 424"/>
+          <p:cNvSpPr txBox="1">
+            <a:spLocks noChangeArrowheads="1"/>
+          </p:cNvSpPr>
+          <p:nvPr/>
+        </p:nvSpPr>
+        <p:spPr bwMode="auto">
+          <a:xfrm>
+            <a:off x="10801498" y="10660090"/>
+            <a:ext cx="26883360" cy="844173"/>
+          </a:xfrm>
+          <a:prstGeom prst="rect">
+            <a:avLst/>
+          </a:prstGeom>
+          <a:solidFill>
+            <a:srgbClr val="A40A1D"/>
+          </a:solidFill>
+          <a:ln w="25400">
+            <a:noFill/>
+            <a:miter lim="800000"/>
+            <a:headEnd/>
+            <a:tailEnd/>
+          </a:ln>
+          <a:effectLst/>
+        </p:spPr>
+        <p:txBody>
+          <a:bodyPr wrap="square" lIns="79230" tIns="39614" rIns="79230" bIns="39614">
+            <a:prstTxWarp prst="textNoShape">
+              <a:avLst/>
+            </a:prstTxWarp>
+            <a:spAutoFit/>
+          </a:bodyPr>
+          <a:lstStyle/>
+          <a:p>
+            <a:pPr algn="ctr">
+              <a:spcBef>
+                <a:spcPct val="50000"/>
+              </a:spcBef>
+            </a:pPr>
+            <a:r>
+              <a:rPr lang="en-US" sz="5000" b="1" dirty="0">
+                <a:solidFill>
+                  <a:schemeClr val="bg1"/>
+                </a:solidFill>
+                <a:latin typeface="Arial"/>
+                <a:cs typeface="Arial"/>
+              </a:rPr>
+              <a:t>DDM </a:t>
+            </a:r>
+            <a:r>
+              <a:rPr lang="en-US" sz="5000" b="1" dirty="0" err="1">
+                <a:solidFill>
+                  <a:schemeClr val="bg1"/>
+                </a:solidFill>
+                <a:latin typeface="Arial"/>
+                <a:cs typeface="Arial"/>
+              </a:rPr>
+              <a:t>vs</a:t>
+            </a:r>
+            <a:r>
+              <a:rPr lang="en-US" sz="5000" b="1" dirty="0">
+                <a:solidFill>
+                  <a:schemeClr val="bg1"/>
+                </a:solidFill>
+                <a:latin typeface="Arial"/>
+                <a:cs typeface="Arial"/>
+              </a:rPr>
+              <a:t> Raw measure reliability</a:t>
+            </a:r>
+            <a:endParaRPr lang="en-US" sz="5000" dirty="0">
+              <a:solidFill>
+                <a:schemeClr val="bg1"/>
+              </a:solidFill>
+              <a:latin typeface="Arial"/>
+              <a:cs typeface="Arial"/>
+            </a:endParaRPr>
+          </a:p>
+        </p:txBody>
+      </p:sp>
+      <p:sp>
+        <p:nvSpPr>
+          <p:cNvPr id="62" name="Rectangle 61"/>
+          <p:cNvSpPr/>
+          <p:nvPr/>
+        </p:nvSpPr>
+        <p:spPr>
+          <a:xfrm>
+            <a:off x="31241763" y="11671070"/>
+            <a:ext cx="6316318" cy="3022033"/>
+          </a:xfrm>
+          <a:prstGeom prst="rect">
+            <a:avLst/>
+          </a:prstGeom>
+          <a:noFill/>
+        </p:spPr>
+        <p:txBody>
+          <a:bodyPr wrap="square" lIns="274320" rIns="274320" rtlCol="0">
+            <a:noAutofit/>
+          </a:bodyPr>
+          <a:lstStyle/>
+          <a:p>
+            <a:pPr>
+              <a:buFont typeface="Arial"/>
+              <a:buChar char="•"/>
+            </a:pPr>
+            <a:r>
+              <a:rPr lang="en-US" sz="4400" dirty="0" smtClean="0">
+                <a:solidFill>
+                  <a:srgbClr val="000000"/>
+                </a:solidFill>
+                <a:latin typeface="Arial"/>
+                <a:cs typeface="Arial"/>
+              </a:rPr>
+              <a:t> </a:t>
+            </a:r>
+            <a:r>
+              <a:rPr lang="en-US" sz="4400" dirty="0" smtClean="0">
+                <a:solidFill>
+                  <a:srgbClr val="000000"/>
+                </a:solidFill>
+                <a:latin typeface="Arial"/>
+                <a:cs typeface="Arial"/>
+              </a:rPr>
+              <a:t>Raw measures are comparable in reliability to DDM parameters (b = -0.03, t(512) = -0.83)</a:t>
+            </a:r>
+            <a:endParaRPr lang="en-US" sz="4400" dirty="0" smtClean="0">
+              <a:solidFill>
+                <a:srgbClr val="000000"/>
+              </a:solidFill>
+              <a:latin typeface="Arial"/>
+              <a:cs typeface="Arial"/>
+              <a:sym typeface="Wingdings"/>
+            </a:endParaRPr>
+          </a:p>
+        </p:txBody>
+      </p:sp>
+      <p:sp>
+        <p:nvSpPr>
+          <p:cNvPr id="56" name="Rectangle 55"/>
+          <p:cNvSpPr/>
+          <p:nvPr/>
+        </p:nvSpPr>
+        <p:spPr>
+          <a:xfrm>
+            <a:off x="17286242" y="17784391"/>
+            <a:ext cx="7328521" cy="2061575"/>
+          </a:xfrm>
+          <a:prstGeom prst="rect">
+            <a:avLst/>
+          </a:prstGeom>
+          <a:noFill/>
+        </p:spPr>
+        <p:txBody>
+          <a:bodyPr wrap="square" lIns="274320" rIns="274320" rtlCol="0">
+            <a:noAutofit/>
+          </a:bodyPr>
+          <a:lstStyle/>
+          <a:p>
+            <a:pPr>
+              <a:buFont typeface="Arial"/>
+              <a:buChar char="•"/>
+            </a:pPr>
+            <a:r>
+              <a:rPr lang="en-US" sz="4400" dirty="0">
+                <a:latin typeface="Arial"/>
+                <a:cs typeface="Arial"/>
+              </a:rPr>
+              <a:t> </a:t>
+            </a:r>
+            <a:r>
+              <a:rPr lang="en-US" sz="4400" dirty="0" smtClean="0">
+                <a:latin typeface="Arial"/>
+                <a:cs typeface="Arial"/>
+              </a:rPr>
+              <a:t>Are</a:t>
+            </a:r>
+            <a:r>
+              <a:rPr lang="en-US" sz="4400" dirty="0" smtClean="0">
+                <a:latin typeface="Arial"/>
+                <a:cs typeface="Arial"/>
+              </a:rPr>
+              <a:t> pilot studies helpful in choosing trait variables?</a:t>
+            </a:r>
+          </a:p>
+          <a:p>
+            <a:pPr>
+              <a:buFont typeface="Arial"/>
+              <a:buChar char="•"/>
+            </a:pPr>
+            <a:r>
+              <a:rPr lang="en-US" sz="4400" dirty="0">
+                <a:latin typeface="Arial"/>
+                <a:cs typeface="Arial"/>
+              </a:rPr>
+              <a:t> </a:t>
+            </a:r>
+            <a:r>
+              <a:rPr lang="en-US" sz="4400" dirty="0" smtClean="0">
+                <a:latin typeface="Arial"/>
+                <a:cs typeface="Arial"/>
+              </a:rPr>
+              <a:t>Yes, BUT samples &lt;15 yield too variable and lower reliability estimates (</a:t>
+            </a:r>
+            <a:r>
+              <a:rPr lang="en-US" sz="4400" dirty="0" smtClean="0">
+                <a:latin typeface="Arial"/>
+                <a:cs typeface="Arial"/>
+              </a:rPr>
+              <a:t>b=0.001, t(505)=4.92</a:t>
+            </a:r>
+            <a:r>
+              <a:rPr lang="en-US" sz="4400" dirty="0" smtClean="0">
+                <a:latin typeface="Arial"/>
+                <a:cs typeface="Arial"/>
+              </a:rPr>
+              <a:t>)</a:t>
+            </a:r>
+            <a:endParaRPr lang="en-US" sz="4400" dirty="0" smtClean="0">
+              <a:latin typeface="Arial"/>
+              <a:cs typeface="Arial"/>
+            </a:endParaRPr>
+          </a:p>
+        </p:txBody>
+      </p:sp>
       <p:pic>
         <p:nvPicPr>
-          <p:cNvPr id="6" name="Picture 5" descr="Boot_ddm_plot.jpeg"/>
+          <p:cNvPr id="28" name="Picture 27" descr="Flat_vs_hier.jpeg"/>
           <p:cNvPicPr>
             <a:picLocks noChangeAspect="1"/>
           </p:cNvPicPr>
@@ -5753,183 +5979,17 @@
         </p:blipFill>
         <p:spPr>
           <a:xfrm>
-            <a:off x="10869528" y="11617029"/>
-            <a:ext cx="20848319" cy="4389120"/>
+            <a:off x="25071963" y="17373600"/>
+            <a:ext cx="5867400" cy="5029200"/>
           </a:xfrm>
           <a:prstGeom prst="rect">
             <a:avLst/>
           </a:prstGeom>
         </p:spPr>
       </p:pic>
-      <p:sp>
-        <p:nvSpPr>
-          <p:cNvPr id="61" name="Text Box 424"/>
-          <p:cNvSpPr txBox="1">
-            <a:spLocks noChangeArrowheads="1"/>
-          </p:cNvSpPr>
-          <p:nvPr/>
-        </p:nvSpPr>
-        <p:spPr bwMode="auto">
-          <a:xfrm>
-            <a:off x="10801498" y="10660090"/>
-            <a:ext cx="26883360" cy="844173"/>
-          </a:xfrm>
-          <a:prstGeom prst="rect">
-            <a:avLst/>
-          </a:prstGeom>
-          <a:solidFill>
-            <a:srgbClr val="A40A1D"/>
-          </a:solidFill>
-          <a:ln w="25400">
-            <a:noFill/>
-            <a:miter lim="800000"/>
-            <a:headEnd/>
-            <a:tailEnd/>
-          </a:ln>
-          <a:effectLst/>
-        </p:spPr>
-        <p:txBody>
-          <a:bodyPr wrap="square" lIns="79230" tIns="39614" rIns="79230" bIns="39614">
-            <a:prstTxWarp prst="textNoShape">
-              <a:avLst/>
-            </a:prstTxWarp>
-            <a:spAutoFit/>
-          </a:bodyPr>
-          <a:lstStyle/>
-          <a:p>
-            <a:pPr algn="ctr">
-              <a:spcBef>
-                <a:spcPct val="50000"/>
-              </a:spcBef>
-            </a:pPr>
-            <a:r>
-              <a:rPr lang="en-US" sz="5000" b="1" dirty="0">
-                <a:solidFill>
-                  <a:schemeClr val="bg1"/>
-                </a:solidFill>
-                <a:latin typeface="Arial"/>
-                <a:cs typeface="Arial"/>
-              </a:rPr>
-              <a:t>DDM </a:t>
-            </a:r>
-            <a:r>
-              <a:rPr lang="en-US" sz="5000" b="1" dirty="0" err="1">
-                <a:solidFill>
-                  <a:schemeClr val="bg1"/>
-                </a:solidFill>
-                <a:latin typeface="Arial"/>
-                <a:cs typeface="Arial"/>
-              </a:rPr>
-              <a:t>vs</a:t>
-            </a:r>
-            <a:r>
-              <a:rPr lang="en-US" sz="5000" b="1" dirty="0">
-                <a:solidFill>
-                  <a:schemeClr val="bg1"/>
-                </a:solidFill>
-                <a:latin typeface="Arial"/>
-                <a:cs typeface="Arial"/>
-              </a:rPr>
-              <a:t> Raw measure reliability</a:t>
-            </a:r>
-            <a:endParaRPr lang="en-US" sz="5000" dirty="0">
-              <a:solidFill>
-                <a:schemeClr val="bg1"/>
-              </a:solidFill>
-              <a:latin typeface="Arial"/>
-              <a:cs typeface="Arial"/>
-            </a:endParaRPr>
-          </a:p>
-        </p:txBody>
-      </p:sp>
-      <p:sp>
-        <p:nvSpPr>
-          <p:cNvPr id="62" name="Rectangle 61"/>
-          <p:cNvSpPr/>
-          <p:nvPr/>
-        </p:nvSpPr>
-        <p:spPr>
-          <a:xfrm>
-            <a:off x="32418639" y="11671070"/>
-            <a:ext cx="4382356" cy="4437029"/>
-          </a:xfrm>
-          <a:prstGeom prst="rect">
-            <a:avLst/>
-          </a:prstGeom>
-          <a:noFill/>
-        </p:spPr>
-        <p:txBody>
-          <a:bodyPr wrap="square" lIns="274320" rIns="274320" rtlCol="0">
-            <a:noAutofit/>
-          </a:bodyPr>
-          <a:lstStyle/>
-          <a:p>
-            <a:pPr>
-              <a:buFont typeface="Arial"/>
-              <a:buChar char="•"/>
-            </a:pPr>
-            <a:r>
-              <a:rPr lang="en-US" sz="4400" dirty="0" smtClean="0">
-                <a:solidFill>
-                  <a:srgbClr val="FF0000"/>
-                </a:solidFill>
-                <a:latin typeface="Arial"/>
-                <a:cs typeface="Arial"/>
-              </a:rPr>
-              <a:t> Stats for figure </a:t>
-            </a:r>
-            <a:r>
-              <a:rPr lang="en-US" sz="4400" dirty="0" smtClean="0">
-                <a:solidFill>
-                  <a:srgbClr val="FF0000"/>
-                </a:solidFill>
-                <a:latin typeface="Arial"/>
-                <a:cs typeface="Arial"/>
-                <a:sym typeface="Wingdings"/>
-              </a:rPr>
-              <a:t></a:t>
-            </a:r>
-          </a:p>
-          <a:p>
-            <a:pPr>
-              <a:buFont typeface="Arial"/>
-              <a:buChar char="•"/>
-            </a:pPr>
-            <a:r>
-              <a:rPr lang="en-US" sz="4400" dirty="0">
-                <a:solidFill>
-                  <a:srgbClr val="FF0000"/>
-                </a:solidFill>
-                <a:latin typeface="Arial"/>
-                <a:cs typeface="Arial"/>
-                <a:sym typeface="Wingdings"/>
-              </a:rPr>
-              <a:t> </a:t>
-            </a:r>
-            <a:r>
-              <a:rPr lang="en-US" sz="4400" dirty="0" smtClean="0">
-                <a:solidFill>
-                  <a:srgbClr val="FF0000"/>
-                </a:solidFill>
-                <a:latin typeface="Arial"/>
-                <a:cs typeface="Arial"/>
-                <a:sym typeface="Wingdings"/>
-              </a:rPr>
-              <a:t>Stats for variance differences</a:t>
-            </a:r>
-            <a:endParaRPr lang="en-US" sz="4400" dirty="0">
-              <a:solidFill>
-                <a:srgbClr val="FF0000"/>
-              </a:solidFill>
-              <a:latin typeface="Arial"/>
-              <a:cs typeface="Arial"/>
-            </a:endParaRPr>
-          </a:p>
-        </p:txBody>
-      </p:sp>
       <p:pic>
         <p:nvPicPr>
-          <p:cNvPr id="25" name="Picture 24" descr="Sample_size.jpeg"/>
+          <p:cNvPr id="29" name="Picture 28" descr="Flat_vs_hier_rel.jpeg"/>
           <p:cNvPicPr>
             <a:picLocks noChangeAspect="1"/>
           </p:cNvPicPr>
@@ -5949,8 +6009,8 @@
         </p:blipFill>
         <p:spPr>
           <a:xfrm>
-            <a:off x="10810242" y="17272000"/>
-            <a:ext cx="12801600" cy="4572000"/>
+            <a:off x="31654349" y="17373600"/>
+            <a:ext cx="5867400" cy="5029200"/>
           </a:xfrm>
           <a:prstGeom prst="rect">
             <a:avLst/>
@@ -5959,14 +6019,14 @@
       </p:pic>
       <p:sp>
         <p:nvSpPr>
-          <p:cNvPr id="56" name="Rectangle 55"/>
+          <p:cNvPr id="63" name="Rectangle 62"/>
           <p:cNvSpPr/>
           <p:nvPr/>
         </p:nvSpPr>
         <p:spPr>
           <a:xfrm>
-            <a:off x="10928167" y="21751057"/>
-            <a:ext cx="12801600" cy="2061575"/>
+            <a:off x="24614763" y="22349007"/>
+            <a:ext cx="12801600" cy="1463625"/>
           </a:xfrm>
           <a:prstGeom prst="rect">
             <a:avLst/>
@@ -5995,20 +6055,21 @@
                 <a:latin typeface="Arial"/>
                 <a:cs typeface="Arial"/>
               </a:rPr>
-              <a:t>Measurements from samples &lt;15 are significantly less reliable (b=0.001, t(505)=4.92)</a:t>
-            </a:r>
-          </a:p>
-          <a:p>
-            <a:pPr>
-              <a:buFont typeface="Arial"/>
-              <a:buChar char="•"/>
-            </a:pPr>
+              <a:t>No </a:t>
+            </a:r>
             <a:r>
               <a:rPr lang="en-US" sz="4400" dirty="0" smtClean="0">
                 <a:latin typeface="Arial"/>
                 <a:cs typeface="Arial"/>
               </a:rPr>
-              <a:t> Independent of measure type (raw, contrast...)</a:t>
+              <a:t>systematic difference </a:t>
+            </a:r>
+            <a:r>
+              <a:rPr lang="en-US" sz="4400" dirty="0" smtClean="0">
+                <a:latin typeface="Arial"/>
+                <a:cs typeface="Arial"/>
+              </a:rPr>
+              <a:t>in parameter estimate or reliability using hierarchical estimates </a:t>
             </a:r>
             <a:endParaRPr lang="en-US" sz="4400" dirty="0">
               <a:latin typeface="Arial"/>
@@ -6017,15 +6078,180 @@
           </a:p>
         </p:txBody>
       </p:sp>
+      <p:sp>
+        <p:nvSpPr>
+          <p:cNvPr id="64" name="Rectangle 63"/>
+          <p:cNvSpPr/>
+          <p:nvPr/>
+        </p:nvSpPr>
+        <p:spPr>
+          <a:xfrm>
+            <a:off x="259768" y="31573821"/>
+            <a:ext cx="10398098" cy="1244845"/>
+          </a:xfrm>
+          <a:prstGeom prst="rect">
+            <a:avLst/>
+          </a:prstGeom>
+          <a:noFill/>
+        </p:spPr>
+        <p:txBody>
+          <a:bodyPr wrap="square" lIns="274320" rIns="274320" rtlCol="0">
+            <a:noAutofit/>
+          </a:bodyPr>
+          <a:lstStyle/>
+          <a:p>
+            <a:r>
+              <a:rPr lang="en-US" sz="1800" dirty="0">
+                <a:latin typeface="Arial"/>
+                <a:cs typeface="Arial"/>
+              </a:rPr>
+              <a:t>Eisenberg, I., </a:t>
+            </a:r>
+            <a:r>
+              <a:rPr lang="en-US" sz="1800" dirty="0" err="1">
+                <a:latin typeface="Arial"/>
+                <a:cs typeface="Arial"/>
+              </a:rPr>
+              <a:t>Bissett</a:t>
+            </a:r>
+            <a:r>
+              <a:rPr lang="en-US" sz="1800" dirty="0">
+                <a:latin typeface="Arial"/>
+                <a:cs typeface="Arial"/>
+              </a:rPr>
+              <a:t>, P., Enkavi, A. Z., Li, J., MacKinnon, D., </a:t>
+            </a:r>
+            <a:r>
+              <a:rPr lang="en-US" sz="1800" dirty="0" err="1">
+                <a:latin typeface="Arial"/>
+                <a:cs typeface="Arial"/>
+              </a:rPr>
+              <a:t>Marsch</a:t>
+            </a:r>
+            <a:r>
+              <a:rPr lang="en-US" sz="1800" dirty="0">
+                <a:latin typeface="Arial"/>
+                <a:cs typeface="Arial"/>
+              </a:rPr>
+              <a:t>, L., &amp; </a:t>
+            </a:r>
+            <a:r>
+              <a:rPr lang="en-US" sz="1800" dirty="0" err="1">
+                <a:latin typeface="Arial"/>
+                <a:cs typeface="Arial"/>
+              </a:rPr>
+              <a:t>Poldrack</a:t>
+            </a:r>
+            <a:r>
+              <a:rPr lang="en-US" sz="1800" dirty="0">
+                <a:latin typeface="Arial"/>
+                <a:cs typeface="Arial"/>
+              </a:rPr>
+              <a:t>, R. (2018). Uncovering mental structure through data-driven ontology </a:t>
+            </a:r>
+            <a:r>
+              <a:rPr lang="en-US" sz="1800" dirty="0" smtClean="0">
+                <a:latin typeface="Arial"/>
+                <a:cs typeface="Arial"/>
+              </a:rPr>
+              <a:t>discovery</a:t>
+            </a:r>
+          </a:p>
+          <a:p>
+            <a:r>
+              <a:rPr lang="en-US" sz="1800" dirty="0">
+                <a:latin typeface="Arial"/>
+                <a:cs typeface="Arial"/>
+              </a:rPr>
+              <a:t>Enkavi, A. Z., Eisenberg, I., </a:t>
+            </a:r>
+            <a:r>
+              <a:rPr lang="en-US" sz="1800" dirty="0" err="1">
+                <a:latin typeface="Arial"/>
+                <a:cs typeface="Arial"/>
+              </a:rPr>
+              <a:t>Bissett</a:t>
+            </a:r>
+            <a:r>
+              <a:rPr lang="en-US" sz="1800" dirty="0">
+                <a:latin typeface="Arial"/>
+                <a:cs typeface="Arial"/>
+              </a:rPr>
+              <a:t>, P., </a:t>
+            </a:r>
+            <a:r>
+              <a:rPr lang="en-US" sz="1800" dirty="0" err="1">
+                <a:latin typeface="Arial"/>
+                <a:cs typeface="Arial"/>
+              </a:rPr>
+              <a:t>Mazza</a:t>
+            </a:r>
+            <a:r>
+              <a:rPr lang="en-US" sz="1800" dirty="0">
+                <a:latin typeface="Arial"/>
+                <a:cs typeface="Arial"/>
+              </a:rPr>
+              <a:t>, G. L., MacKinnon, D. P., </a:t>
+            </a:r>
+            <a:r>
+              <a:rPr lang="en-US" sz="1800" dirty="0" err="1">
+                <a:latin typeface="Arial"/>
+                <a:cs typeface="Arial"/>
+              </a:rPr>
+              <a:t>Marsch</a:t>
+            </a:r>
+            <a:r>
+              <a:rPr lang="en-US" sz="1800" dirty="0">
+                <a:latin typeface="Arial"/>
+                <a:cs typeface="Arial"/>
+              </a:rPr>
+              <a:t>, L. A., &amp; </a:t>
+            </a:r>
+            <a:r>
+              <a:rPr lang="en-US" sz="1800" dirty="0" err="1">
+                <a:latin typeface="Arial"/>
+                <a:cs typeface="Arial"/>
+              </a:rPr>
+              <a:t>Poldrack</a:t>
+            </a:r>
+            <a:r>
+              <a:rPr lang="en-US" sz="1800" dirty="0">
+                <a:latin typeface="Arial"/>
+                <a:cs typeface="Arial"/>
+              </a:rPr>
+              <a:t>, R. (2018). A large-scale analysis of test-retest reliabilities of self-regulation measures</a:t>
+            </a:r>
+            <a:r>
+              <a:rPr lang="en-US" sz="1800" dirty="0" smtClean="0">
+                <a:latin typeface="Arial"/>
+                <a:cs typeface="Arial"/>
+              </a:rPr>
+              <a:t>.</a:t>
+            </a:r>
+          </a:p>
+          <a:p>
+            <a:endParaRPr lang="en-US" sz="1800" dirty="0" smtClean="0">
+              <a:latin typeface="Arial"/>
+              <a:cs typeface="Arial"/>
+            </a:endParaRPr>
+          </a:p>
+          <a:p>
+            <a:endParaRPr lang="en-US" sz="1800" dirty="0">
+              <a:latin typeface="Arial"/>
+              <a:cs typeface="Arial"/>
+            </a:endParaRPr>
+          </a:p>
+        </p:txBody>
+      </p:sp>
       <p:pic>
         <p:nvPicPr>
-          <p:cNvPr id="28" name="Picture 27" descr="Flat_vs_hier.jpeg"/>
+          <p:cNvPr id="10" name="Picture 9" descr="EZ_PCA3_HClust_nolables.jpeg"/>
           <p:cNvPicPr>
-            <a:picLocks noChangeAspect="1"/>
+            <a:picLocks/>
           </p:cNvPicPr>
           <p:nvPr/>
         </p:nvPicPr>
-        <p:blipFill>
+        <p:blipFill rotWithShape="1">
           <a:blip r:embed="rId17">
             <a:extLst>
               <a:ext uri="{28A0092B-C50C-407E-A947-70E740481C1C}">
@@ -6033,14 +6259,13 @@
               </a:ext>
             </a:extLst>
           </a:blip>
-          <a:stretch>
-            <a:fillRect/>
-          </a:stretch>
+          <a:srcRect l="18148" t="4087" r="19968" b="6022"/>
+          <a:stretch/>
         </p:blipFill>
         <p:spPr>
-          <a:xfrm>
-            <a:off x="25071963" y="17373600"/>
-            <a:ext cx="5867400" cy="5029200"/>
+          <a:xfrm rot="5400000">
+            <a:off x="22540247" y="13385335"/>
+            <a:ext cx="2286000" cy="25603200"/>
           </a:xfrm>
           <a:prstGeom prst="rect">
             <a:avLst/>
@@ -6049,7 +6274,7 @@
       </p:pic>
       <p:pic>
         <p:nvPicPr>
-          <p:cNvPr id="29" name="Picture 28" descr="Flat_vs_hier_rel.jpeg"/>
+          <p:cNvPr id="11" name="Picture 10" descr="EZ_clust_rel.jpeg"/>
           <p:cNvPicPr>
             <a:picLocks noChangeAspect="1"/>
           </p:cNvPicPr>
@@ -6069,8 +6294,8 @@
         </p:blipFill>
         <p:spPr>
           <a:xfrm>
-            <a:off x="31654349" y="17373600"/>
-            <a:ext cx="5867400" cy="5029200"/>
+            <a:off x="31649096" y="27329936"/>
+            <a:ext cx="5277419" cy="4523501"/>
           </a:xfrm>
           <a:prstGeom prst="rect">
             <a:avLst/>
@@ -6079,14 +6304,14 @@
       </p:pic>
       <p:sp>
         <p:nvSpPr>
-          <p:cNvPr id="63" name="Rectangle 62"/>
+          <p:cNvPr id="68" name="Rectangle 67"/>
           <p:cNvSpPr/>
           <p:nvPr/>
         </p:nvSpPr>
         <p:spPr>
           <a:xfrm>
-            <a:off x="24614763" y="22349007"/>
-            <a:ext cx="12801600" cy="1463625"/>
+            <a:off x="43940167" y="23635959"/>
+            <a:ext cx="6274132" cy="4151176"/>
           </a:xfrm>
           <a:prstGeom prst="rect">
             <a:avLst/>
@@ -6115,203 +6340,75 @@
                 <a:latin typeface="Arial"/>
                 <a:cs typeface="Arial"/>
               </a:rPr>
-              <a:t>No </a:t>
+              <a:t>3 PCs for EZ </a:t>
+            </a:r>
+            <a:r>
+              <a:rPr lang="en-US" sz="4400" dirty="0" err="1" smtClean="0">
+                <a:latin typeface="Arial"/>
+                <a:cs typeface="Arial"/>
+              </a:rPr>
+              <a:t>ddm</a:t>
             </a:r>
             <a:r>
               <a:rPr lang="en-US" sz="4400" dirty="0" smtClean="0">
                 <a:latin typeface="Arial"/>
                 <a:cs typeface="Arial"/>
               </a:rPr>
-              <a:t>systematic difference </a:t>
+              <a:t> variables</a:t>
+            </a:r>
+            <a:r>
+              <a:rPr lang="en-US" sz="4400" dirty="0">
+                <a:latin typeface="Arial"/>
+                <a:cs typeface="Arial"/>
+              </a:rPr>
+              <a:t> </a:t>
             </a:r>
             <a:r>
               <a:rPr lang="en-US" sz="4400" dirty="0" smtClean="0">
                 <a:latin typeface="Arial"/>
                 <a:cs typeface="Arial"/>
               </a:rPr>
-              <a:t>in parameter estimate or reliability using hierarchical estimates </a:t>
-            </a:r>
-            <a:endParaRPr lang="en-US" sz="4400" dirty="0">
-              <a:latin typeface="Arial"/>
-              <a:cs typeface="Arial"/>
-            </a:endParaRPr>
-          </a:p>
-        </p:txBody>
-      </p:sp>
-      <p:sp>
-        <p:nvSpPr>
-          <p:cNvPr id="64" name="Rectangle 63"/>
-          <p:cNvSpPr/>
-          <p:nvPr/>
-        </p:nvSpPr>
-        <p:spPr>
-          <a:xfrm>
-            <a:off x="259768" y="31573821"/>
-            <a:ext cx="10398098" cy="1244845"/>
-          </a:xfrm>
-          <a:prstGeom prst="rect">
-            <a:avLst/>
-          </a:prstGeom>
-          <a:noFill/>
-        </p:spPr>
-        <p:txBody>
-          <a:bodyPr wrap="square" lIns="274320" rIns="274320" rtlCol="0">
-            <a:noAutofit/>
-          </a:bodyPr>
-          <a:lstStyle/>
-          <a:p>
-            <a:r>
-              <a:rPr lang="en-US" sz="1800" dirty="0">
-                <a:latin typeface="Arial"/>
-                <a:cs typeface="Arial"/>
-              </a:rPr>
-              <a:t>Eisenberg, I., </a:t>
-            </a:r>
-            <a:r>
-              <a:rPr lang="en-US" sz="1800" dirty="0" err="1">
-                <a:latin typeface="Arial"/>
-                <a:cs typeface="Arial"/>
-              </a:rPr>
-              <a:t>Bissett</a:t>
-            </a:r>
-            <a:r>
-              <a:rPr lang="en-US" sz="1800" dirty="0">
-                <a:latin typeface="Arial"/>
-                <a:cs typeface="Arial"/>
-              </a:rPr>
-              <a:t>, P., Enkavi, A. Z., Li, J., MacKinnon, D., </a:t>
-            </a:r>
-            <a:r>
-              <a:rPr lang="en-US" sz="1800" dirty="0" err="1">
-                <a:latin typeface="Arial"/>
-                <a:cs typeface="Arial"/>
-              </a:rPr>
-              <a:t>Marsch</a:t>
-            </a:r>
-            <a:r>
-              <a:rPr lang="en-US" sz="1800" dirty="0">
-                <a:latin typeface="Arial"/>
-                <a:cs typeface="Arial"/>
-              </a:rPr>
-              <a:t>, L., &amp; </a:t>
-            </a:r>
-            <a:r>
-              <a:rPr lang="en-US" sz="1800" dirty="0" err="1">
-                <a:latin typeface="Arial"/>
-                <a:cs typeface="Arial"/>
-              </a:rPr>
-              <a:t>Poldrack</a:t>
-            </a:r>
-            <a:r>
-              <a:rPr lang="en-US" sz="1800" dirty="0">
-                <a:latin typeface="Arial"/>
-                <a:cs typeface="Arial"/>
-              </a:rPr>
-              <a:t>, R. (2018). Uncovering mental structure through data-driven ontology </a:t>
-            </a:r>
-            <a:r>
-              <a:rPr lang="en-US" sz="1800" dirty="0" smtClean="0">
-                <a:latin typeface="Arial"/>
-                <a:cs typeface="Arial"/>
-              </a:rPr>
-              <a:t>discovery</a:t>
-            </a:r>
-          </a:p>
-          <a:p>
-            <a:r>
-              <a:rPr lang="en-US" sz="1800" dirty="0">
-                <a:latin typeface="Arial"/>
-                <a:cs typeface="Arial"/>
-              </a:rPr>
-              <a:t>Enkavi, A. Z., Eisenberg, I., </a:t>
-            </a:r>
-            <a:r>
-              <a:rPr lang="en-US" sz="1800" dirty="0" err="1">
-                <a:latin typeface="Arial"/>
-                <a:cs typeface="Arial"/>
-              </a:rPr>
-              <a:t>Bissett</a:t>
-            </a:r>
-            <a:r>
-              <a:rPr lang="en-US" sz="1800" dirty="0">
-                <a:latin typeface="Arial"/>
-                <a:cs typeface="Arial"/>
-              </a:rPr>
-              <a:t>, P., </a:t>
-            </a:r>
-            <a:r>
-              <a:rPr lang="en-US" sz="1800" dirty="0" err="1">
-                <a:latin typeface="Arial"/>
-                <a:cs typeface="Arial"/>
-              </a:rPr>
-              <a:t>Mazza</a:t>
-            </a:r>
-            <a:r>
-              <a:rPr lang="en-US" sz="1800" dirty="0">
-                <a:latin typeface="Arial"/>
-                <a:cs typeface="Arial"/>
-              </a:rPr>
-              <a:t>, G. L., MacKinnon, D. P., </a:t>
-            </a:r>
-            <a:r>
-              <a:rPr lang="en-US" sz="1800" dirty="0" err="1">
-                <a:latin typeface="Arial"/>
-                <a:cs typeface="Arial"/>
-              </a:rPr>
-              <a:t>Marsch</a:t>
-            </a:r>
-            <a:r>
-              <a:rPr lang="en-US" sz="1800" dirty="0">
-                <a:latin typeface="Arial"/>
-                <a:cs typeface="Arial"/>
-              </a:rPr>
-              <a:t>, L. A., &amp; </a:t>
-            </a:r>
-            <a:r>
-              <a:rPr lang="en-US" sz="1800" dirty="0" err="1">
-                <a:latin typeface="Arial"/>
-                <a:cs typeface="Arial"/>
-              </a:rPr>
-              <a:t>Poldrack</a:t>
-            </a:r>
-            <a:r>
-              <a:rPr lang="en-US" sz="1800" dirty="0">
-                <a:latin typeface="Arial"/>
-                <a:cs typeface="Arial"/>
-              </a:rPr>
-              <a:t>, R. (2018). A large-scale analysis of test-retest reliabilities of self-regulation measures</a:t>
-            </a:r>
-            <a:r>
-              <a:rPr lang="en-US" sz="1800" dirty="0" smtClean="0">
-                <a:latin typeface="Arial"/>
-                <a:cs typeface="Arial"/>
-              </a:rPr>
-              <a:t>.</a:t>
-            </a:r>
-          </a:p>
-          <a:p>
-            <a:endParaRPr lang="en-US" sz="1800" dirty="0" smtClean="0">
-              <a:latin typeface="Arial"/>
-              <a:cs typeface="Arial"/>
-            </a:endParaRPr>
-          </a:p>
-          <a:p>
-            <a:endParaRPr lang="en-US" sz="1800" dirty="0">
-              <a:latin typeface="Arial"/>
-              <a:cs typeface="Arial"/>
-            </a:endParaRPr>
+              <a:t>calculated on T1 data and used to predict T2 scores</a:t>
+            </a:r>
+          </a:p>
+          <a:p>
+            <a:pPr>
+              <a:buFont typeface="Arial"/>
+              <a:buChar char="•"/>
+            </a:pPr>
+            <a:r>
+              <a:rPr lang="en-US" sz="4400" dirty="0" smtClean="0">
+                <a:latin typeface="Arial"/>
+                <a:cs typeface="Arial"/>
+              </a:rPr>
+              <a:t> PCs are more reliable than </a:t>
+            </a:r>
+            <a:r>
+              <a:rPr lang="en-US" sz="4400" dirty="0" err="1" smtClean="0">
+                <a:latin typeface="Arial"/>
+                <a:cs typeface="Arial"/>
+              </a:rPr>
+              <a:t>dv’s</a:t>
+            </a:r>
+            <a:r>
+              <a:rPr lang="en-US" sz="4400" dirty="0" smtClean="0">
+                <a:latin typeface="Arial"/>
+                <a:cs typeface="Arial"/>
+              </a:rPr>
+              <a:t> that compose them</a:t>
+            </a:r>
           </a:p>
         </p:txBody>
       </p:sp>
       <p:pic>
         <p:nvPicPr>
-          <p:cNvPr id="10" name="Picture 9" descr="EZ_PCA3_HClust_nolables.jpeg"/>
+          <p:cNvPr id="8" name="Picture 7" descr="Boot_ddm_plot.jpeg"/>
           <p:cNvPicPr>
-            <a:picLocks/>
+            <a:picLocks noChangeAspect="1"/>
           </p:cNvPicPr>
           <p:nvPr/>
         </p:nvPicPr>
-        <p:blipFill rotWithShape="1">
+        <p:blipFill>
           <a:blip r:embed="rId19">
             <a:extLst>
               <a:ext uri="{28A0092B-C50C-407E-A947-70E740481C1C}">
@@ -6319,22 +6416,135 @@
               </a:ext>
             </a:extLst>
           </a:blip>
-          <a:srcRect l="18148" t="4087" r="19968" b="6022"/>
-          <a:stretch/>
+          <a:stretch>
+            <a:fillRect/>
+          </a:stretch>
         </p:blipFill>
         <p:spPr>
-          <a:xfrm rot="5400000">
-            <a:off x="22540247" y="13385335"/>
-            <a:ext cx="2286000" cy="25603200"/>
+          <a:xfrm>
+            <a:off x="11124963" y="11504263"/>
+            <a:ext cx="20116800" cy="3831771"/>
           </a:xfrm>
           <a:prstGeom prst="rect">
             <a:avLst/>
           </a:prstGeom>
         </p:spPr>
       </p:pic>
+      <p:sp>
+        <p:nvSpPr>
+          <p:cNvPr id="12" name="Rectangle 11"/>
+          <p:cNvSpPr/>
+          <p:nvPr/>
+        </p:nvSpPr>
+        <p:spPr>
+          <a:xfrm>
+            <a:off x="11091332" y="15130684"/>
+            <a:ext cx="26593525" cy="1446550"/>
+          </a:xfrm>
+          <a:prstGeom prst="rect">
+            <a:avLst/>
+          </a:prstGeom>
+        </p:spPr>
+        <p:txBody>
+          <a:bodyPr wrap="square">
+            <a:spAutoFit/>
+          </a:bodyPr>
+          <a:lstStyle/>
+          <a:p>
+            <a:pPr>
+              <a:buFont typeface="Arial"/>
+              <a:buChar char="•"/>
+            </a:pPr>
+            <a:r>
+              <a:rPr lang="en-US" sz="4400" dirty="0" smtClean="0">
+                <a:solidFill>
+                  <a:srgbClr val="000000"/>
+                </a:solidFill>
+                <a:latin typeface="Arial"/>
+                <a:cs typeface="Arial"/>
+                <a:sym typeface="Wingdings"/>
+              </a:rPr>
+              <a:t> Both contrast (b = -0.37, t(512) = -9.99) </a:t>
+            </a:r>
+            <a:r>
+              <a:rPr lang="en-US" sz="4400" dirty="0">
+                <a:solidFill>
+                  <a:srgbClr val="000000"/>
+                </a:solidFill>
+                <a:latin typeface="Arial"/>
+                <a:cs typeface="Arial"/>
+                <a:sym typeface="Wingdings"/>
+              </a:rPr>
+              <a:t>and </a:t>
+            </a:r>
+            <a:r>
+              <a:rPr lang="en-US" sz="4400" dirty="0" smtClean="0">
+                <a:solidFill>
+                  <a:srgbClr val="000000"/>
+                </a:solidFill>
+                <a:latin typeface="Arial"/>
+                <a:cs typeface="Arial"/>
+                <a:sym typeface="Wingdings"/>
+              </a:rPr>
+              <a:t>condition (b = -0.09, t(512) = -2.84) </a:t>
+            </a:r>
+            <a:r>
+              <a:rPr lang="en-US" sz="4400" dirty="0">
+                <a:solidFill>
+                  <a:srgbClr val="000000"/>
+                </a:solidFill>
+                <a:latin typeface="Arial"/>
+                <a:cs typeface="Arial"/>
+                <a:sym typeface="Wingdings"/>
+              </a:rPr>
+              <a:t>measures are less reliable than </a:t>
+            </a:r>
+            <a:r>
+              <a:rPr lang="en-US" sz="4400" dirty="0" smtClean="0">
+                <a:solidFill>
+                  <a:srgbClr val="000000"/>
+                </a:solidFill>
+                <a:latin typeface="Arial"/>
+                <a:cs typeface="Arial"/>
+                <a:sym typeface="Wingdings"/>
+              </a:rPr>
+              <a:t>measures </a:t>
+            </a:r>
+            <a:r>
+              <a:rPr lang="en-US" sz="4400" dirty="0">
+                <a:solidFill>
+                  <a:srgbClr val="000000"/>
+                </a:solidFill>
+                <a:latin typeface="Arial"/>
+                <a:cs typeface="Arial"/>
+                <a:sym typeface="Wingdings"/>
+              </a:rPr>
+              <a:t>that use </a:t>
+            </a:r>
+            <a:r>
+              <a:rPr lang="en-US" sz="4400" dirty="0" smtClean="0">
+                <a:solidFill>
+                  <a:srgbClr val="000000"/>
+                </a:solidFill>
+                <a:latin typeface="Arial"/>
+                <a:cs typeface="Arial"/>
+                <a:sym typeface="Wingdings"/>
+              </a:rPr>
+              <a:t>all trials </a:t>
+            </a:r>
+            <a:endParaRPr lang="en-US" sz="4400" dirty="0">
+              <a:solidFill>
+                <a:srgbClr val="000000"/>
+              </a:solidFill>
+              <a:latin typeface="Arial"/>
+              <a:cs typeface="Arial"/>
+            </a:endParaRPr>
+          </a:p>
+        </p:txBody>
+      </p:sp>
       <p:pic>
         <p:nvPicPr>
-          <p:cNvPr id="11" name="Picture 10" descr="EZ_clust_rel.jpeg"/>
+          <p:cNvPr id="15" name="Picture 14" descr="Sample_size.jpeg"/>
           <p:cNvPicPr>
             <a:picLocks noChangeAspect="1"/>
           </p:cNvPicPr>
@@ -6354,8 +6564,8 @@
         </p:blipFill>
         <p:spPr>
           <a:xfrm>
-            <a:off x="31903096" y="27329936"/>
-            <a:ext cx="5277419" cy="4523501"/>
+            <a:off x="10928167" y="17662817"/>
+            <a:ext cx="6400800" cy="4572000"/>
           </a:xfrm>
           <a:prstGeom prst="rect">
             <a:avLst/>
@@ -6364,14 +6574,102 @@
       </p:pic>
       <p:sp>
         <p:nvSpPr>
-          <p:cNvPr id="68" name="Rectangle 67"/>
+          <p:cNvPr id="27" name="Rectangle 26"/>
           <p:cNvSpPr/>
           <p:nvPr/>
         </p:nvSpPr>
         <p:spPr>
           <a:xfrm>
-            <a:off x="43940167" y="23635959"/>
-            <a:ext cx="6274132" cy="4151176"/>
+            <a:off x="11149278" y="22167597"/>
+            <a:ext cx="13223565" cy="1446550"/>
+          </a:xfrm>
+          <a:prstGeom prst="rect">
+            <a:avLst/>
+          </a:prstGeom>
+        </p:spPr>
+        <p:txBody>
+          <a:bodyPr wrap="square">
+            <a:spAutoFit/>
+          </a:bodyPr>
+          <a:lstStyle/>
+          <a:p>
+            <a:pPr>
+              <a:buFont typeface="Arial"/>
+              <a:buChar char="•"/>
+            </a:pPr>
+            <a:r>
+              <a:rPr lang="en-US" sz="4400" dirty="0">
+                <a:latin typeface="Arial"/>
+                <a:cs typeface="Arial"/>
+              </a:rPr>
+              <a:t> </a:t>
+            </a:r>
+            <a:r>
+              <a:rPr lang="en-US" sz="4400" dirty="0" smtClean="0">
+                <a:latin typeface="Arial"/>
+                <a:cs typeface="Arial"/>
+              </a:rPr>
+              <a:t>Conclusion does not change depending on </a:t>
+            </a:r>
+            <a:r>
+              <a:rPr lang="en-US" sz="4400" dirty="0">
+                <a:latin typeface="Arial"/>
+                <a:cs typeface="Arial"/>
+              </a:rPr>
+              <a:t>measure type (</a:t>
+            </a:r>
+            <a:r>
+              <a:rPr lang="en-US" sz="4400" dirty="0" smtClean="0">
+                <a:latin typeface="Arial"/>
+                <a:cs typeface="Arial"/>
+              </a:rPr>
+              <a:t>raw</a:t>
+            </a:r>
+            <a:r>
+              <a:rPr lang="en-US" sz="4400" dirty="0">
+                <a:latin typeface="Arial"/>
+                <a:cs typeface="Arial"/>
+              </a:rPr>
+              <a:t> </a:t>
+            </a:r>
+            <a:r>
+              <a:rPr lang="en-US" sz="4400" dirty="0" smtClean="0">
+                <a:latin typeface="Arial"/>
+                <a:cs typeface="Arial"/>
+              </a:rPr>
+              <a:t>vs. </a:t>
+            </a:r>
+            <a:r>
+              <a:rPr lang="en-US" sz="4400" dirty="0" err="1" smtClean="0">
+                <a:latin typeface="Arial"/>
+                <a:cs typeface="Arial"/>
+              </a:rPr>
+              <a:t>ddm</a:t>
+            </a:r>
+            <a:r>
+              <a:rPr lang="en-US" sz="4400" dirty="0" smtClean="0">
+                <a:latin typeface="Arial"/>
+                <a:cs typeface="Arial"/>
+              </a:rPr>
+              <a:t>, all trials vs. contrasts)</a:t>
+            </a:r>
+            <a:endParaRPr lang="en-US" sz="4400" dirty="0">
+              <a:latin typeface="Arial"/>
+              <a:cs typeface="Arial"/>
+            </a:endParaRPr>
+          </a:p>
+        </p:txBody>
+      </p:sp>
+      <p:sp>
+        <p:nvSpPr>
+          <p:cNvPr id="67" name="Rectangle 66"/>
+          <p:cNvSpPr/>
+          <p:nvPr/>
+        </p:nvSpPr>
+        <p:spPr>
+          <a:xfrm>
+            <a:off x="11174327" y="27328876"/>
+            <a:ext cx="6705743" cy="1310814"/>
           </a:xfrm>
           <a:prstGeom prst="rect">
             <a:avLst/>
@@ -6384,82 +6682,409 @@
           </a:bodyPr>
           <a:lstStyle/>
           <a:p>
-            <a:pPr>
-              <a:buFont typeface="Arial"/>
-              <a:buChar char="•"/>
-            </a:pPr>
-            <a:r>
-              <a:rPr lang="en-US" sz="4400" dirty="0">
-                <a:latin typeface="Arial"/>
-                <a:cs typeface="Arial"/>
-              </a:rPr>
-              <a:t> </a:t>
-            </a:r>
             <a:r>
               <a:rPr lang="en-US" sz="4400" dirty="0" smtClean="0">
                 <a:latin typeface="Arial"/>
                 <a:cs typeface="Arial"/>
               </a:rPr>
-              <a:t>3 PCs for EZ </a:t>
+              <a:t>EZ measures from T1 (164 measures, n=552)</a:t>
+            </a:r>
+            <a:endParaRPr lang="en-US" sz="4400" dirty="0" smtClean="0">
+              <a:latin typeface="Arial"/>
+              <a:cs typeface="Arial"/>
+            </a:endParaRPr>
+          </a:p>
+        </p:txBody>
+      </p:sp>
+      <p:sp>
+        <p:nvSpPr>
+          <p:cNvPr id="71" name="Rectangle 70"/>
+          <p:cNvSpPr/>
+          <p:nvPr/>
+        </p:nvSpPr>
+        <p:spPr>
+          <a:xfrm>
+            <a:off x="18781048" y="27533882"/>
+            <a:ext cx="1945810" cy="900803"/>
+          </a:xfrm>
+          <a:prstGeom prst="rect">
+            <a:avLst/>
+          </a:prstGeom>
+          <a:noFill/>
+        </p:spPr>
+        <p:txBody>
+          <a:bodyPr wrap="square" lIns="274320" rIns="274320" rtlCol="0">
+            <a:noAutofit/>
+          </a:bodyPr>
+          <a:lstStyle/>
+          <a:p>
+            <a:r>
+              <a:rPr lang="en-US" sz="4400" dirty="0" smtClean="0">
+                <a:latin typeface="Arial"/>
+                <a:cs typeface="Arial"/>
+              </a:rPr>
+              <a:t>PCA</a:t>
+            </a:r>
+            <a:endParaRPr lang="en-US" sz="4400" dirty="0" smtClean="0">
+              <a:latin typeface="Arial"/>
+              <a:cs typeface="Arial"/>
+            </a:endParaRPr>
+          </a:p>
+        </p:txBody>
+      </p:sp>
+      <p:sp>
+        <p:nvSpPr>
+          <p:cNvPr id="72" name="Rectangle 71"/>
+          <p:cNvSpPr/>
+          <p:nvPr/>
+        </p:nvSpPr>
+        <p:spPr>
+          <a:xfrm>
+            <a:off x="22111676" y="27328523"/>
+            <a:ext cx="6128556" cy="1311520"/>
+          </a:xfrm>
+          <a:prstGeom prst="rect">
+            <a:avLst/>
+          </a:prstGeom>
+          <a:noFill/>
+        </p:spPr>
+        <p:txBody>
+          <a:bodyPr wrap="square" lIns="274320" rIns="274320" rtlCol="0">
+            <a:noAutofit/>
+          </a:bodyPr>
+          <a:lstStyle/>
+          <a:p>
+            <a:r>
+              <a:rPr lang="en-US" sz="4400" dirty="0" smtClean="0">
+                <a:latin typeface="Arial"/>
+                <a:cs typeface="Arial"/>
+              </a:rPr>
+              <a:t>Hierarchical clustering of factor </a:t>
+            </a:r>
+            <a:r>
+              <a:rPr lang="en-US" sz="4400" i="1" dirty="0" smtClean="0">
+                <a:latin typeface="Arial"/>
+                <a:cs typeface="Arial"/>
+              </a:rPr>
+              <a:t>loadings</a:t>
+            </a:r>
+            <a:endParaRPr lang="en-US" sz="4400" i="1" dirty="0" smtClean="0">
+              <a:latin typeface="Arial"/>
+              <a:cs typeface="Arial"/>
+            </a:endParaRPr>
+          </a:p>
+        </p:txBody>
+      </p:sp>
+      <p:sp>
+        <p:nvSpPr>
+          <p:cNvPr id="73" name="Rectangle 72"/>
+          <p:cNvSpPr/>
+          <p:nvPr/>
+        </p:nvSpPr>
+        <p:spPr>
+          <a:xfrm>
+            <a:off x="11199588" y="28968519"/>
+            <a:ext cx="6129379" cy="1465484"/>
+          </a:xfrm>
+          <a:prstGeom prst="rect">
+            <a:avLst/>
+          </a:prstGeom>
+          <a:noFill/>
+        </p:spPr>
+        <p:txBody>
+          <a:bodyPr wrap="square" lIns="274320" rIns="274320" rtlCol="0">
+            <a:noAutofit/>
+          </a:bodyPr>
+          <a:lstStyle/>
+          <a:p>
+            <a:r>
+              <a:rPr lang="en-US" sz="4400" dirty="0" smtClean="0">
+                <a:latin typeface="Arial"/>
+                <a:cs typeface="Arial"/>
+              </a:rPr>
+              <a:t>Predict factor </a:t>
+            </a:r>
+            <a:r>
+              <a:rPr lang="en-US" sz="4400" i="1" dirty="0" smtClean="0">
+                <a:latin typeface="Arial"/>
+                <a:cs typeface="Arial"/>
+              </a:rPr>
+              <a:t>score</a:t>
+            </a:r>
+            <a:r>
+              <a:rPr lang="en-US" sz="4400" dirty="0" smtClean="0">
+                <a:latin typeface="Arial"/>
+                <a:cs typeface="Arial"/>
+              </a:rPr>
+              <a:t>s from T1 PCA for T2 </a:t>
+            </a:r>
+            <a:endParaRPr lang="en-US" sz="4400" dirty="0" smtClean="0">
+              <a:latin typeface="Arial"/>
+              <a:cs typeface="Arial"/>
+            </a:endParaRPr>
+          </a:p>
+        </p:txBody>
+      </p:sp>
+      <p:sp>
+        <p:nvSpPr>
+          <p:cNvPr id="74" name="Rectangle 73"/>
+          <p:cNvSpPr/>
+          <p:nvPr/>
+        </p:nvSpPr>
+        <p:spPr>
+          <a:xfrm>
+            <a:off x="18794469" y="28968519"/>
+            <a:ext cx="8485452" cy="1424350"/>
+          </a:xfrm>
+          <a:prstGeom prst="rect">
+            <a:avLst/>
+          </a:prstGeom>
+          <a:noFill/>
+        </p:spPr>
+        <p:txBody>
+          <a:bodyPr wrap="square" lIns="274320" rIns="274320" rtlCol="0">
+            <a:noAutofit/>
+          </a:bodyPr>
+          <a:lstStyle/>
+          <a:p>
+            <a:r>
+              <a:rPr lang="en-US" sz="4400" dirty="0" smtClean="0">
+                <a:latin typeface="Arial"/>
+                <a:cs typeface="Arial"/>
+              </a:rPr>
+              <a:t>ICC fo</a:t>
+            </a:r>
+            <a:r>
+              <a:rPr lang="en-US" sz="4400" dirty="0" smtClean="0">
+                <a:latin typeface="Arial"/>
+                <a:cs typeface="Arial"/>
+              </a:rPr>
+              <a:t>r the 3 PCs </a:t>
             </a:r>
             <a:r>
               <a:rPr lang="en-US" sz="4400" dirty="0" err="1" smtClean="0">
                 <a:latin typeface="Arial"/>
                 <a:cs typeface="Arial"/>
               </a:rPr>
-              <a:t>ddm</a:t>
+              <a:t>vs</a:t>
             </a:r>
             <a:r>
               <a:rPr lang="en-US" sz="4400" dirty="0" smtClean="0">
                 <a:latin typeface="Arial"/>
                 <a:cs typeface="Arial"/>
               </a:rPr>
-              <a:t> variables</a:t>
-            </a:r>
-            <a:r>
-              <a:rPr lang="en-US" sz="4400" dirty="0">
-                <a:latin typeface="Arial"/>
-                <a:cs typeface="Arial"/>
-              </a:rPr>
-              <a:t> </a:t>
-            </a:r>
-            <a:r>
-              <a:rPr lang="en-US" sz="4400" dirty="0" smtClean="0">
-                <a:latin typeface="Arial"/>
-                <a:cs typeface="Arial"/>
-              </a:rPr>
-              <a:t>calculated on T1 data and used to predict T2 scores</a:t>
-            </a:r>
-          </a:p>
-          <a:p>
-            <a:pPr>
-              <a:buFont typeface="Arial"/>
-              <a:buChar char="•"/>
-            </a:pPr>
-            <a:r>
-              <a:rPr lang="en-US" sz="4400" dirty="0" smtClean="0">
-                <a:latin typeface="Arial"/>
-                <a:cs typeface="Arial"/>
-              </a:rPr>
-              <a:t> PCs are more reliable than </a:t>
-            </a:r>
-            <a:r>
-              <a:rPr lang="en-US" sz="4400" dirty="0" err="1" smtClean="0">
-                <a:latin typeface="Arial"/>
-                <a:cs typeface="Arial"/>
-              </a:rPr>
-              <a:t>dv’s</a:t>
-            </a:r>
-            <a:r>
-              <a:rPr lang="en-US" sz="4400" dirty="0" smtClean="0">
-                <a:latin typeface="Arial"/>
-                <a:cs typeface="Arial"/>
-              </a:rPr>
-              <a:t> that compose them</a:t>
-            </a:r>
-          </a:p>
-        </p:txBody>
-      </p:sp>
+              <a:t> ICC of 164 EZ measures measures</a:t>
+            </a:r>
+            <a:endParaRPr lang="en-US" sz="4400" dirty="0" smtClean="0">
+              <a:latin typeface="Arial"/>
+              <a:cs typeface="Arial"/>
+            </a:endParaRPr>
+          </a:p>
+        </p:txBody>
+      </p:sp>
+      <p:cxnSp>
+        <p:nvCxnSpPr>
+          <p:cNvPr id="75" name="Straight Arrow Connector 74"/>
+          <p:cNvCxnSpPr/>
+          <p:nvPr/>
+        </p:nvCxnSpPr>
+        <p:spPr>
+          <a:xfrm>
+            <a:off x="17880069" y="27787135"/>
+            <a:ext cx="914400" cy="0"/>
+          </a:xfrm>
+          <a:prstGeom prst="straightConnector1">
+            <a:avLst/>
+          </a:prstGeom>
+          <a:ln w="57150" cmpd="sng">
+            <a:tailEnd type="arrow"/>
+          </a:ln>
+        </p:spPr>
+        <p:style>
+          <a:lnRef idx="2">
+            <a:schemeClr val="dk1"/>
+          </a:lnRef>
+          <a:fillRef idx="0">
+            <a:schemeClr val="dk1"/>
+          </a:fillRef>
+          <a:effectRef idx="1">
+            <a:schemeClr val="dk1"/>
+          </a:effectRef>
+          <a:fontRef idx="minor">
+            <a:schemeClr val="tx1"/>
+          </a:fontRef>
+        </p:style>
+      </p:cxnSp>
+      <p:cxnSp>
+        <p:nvCxnSpPr>
+          <p:cNvPr id="77" name="Straight Arrow Connector 76"/>
+          <p:cNvCxnSpPr/>
+          <p:nvPr/>
+        </p:nvCxnSpPr>
+        <p:spPr>
+          <a:xfrm>
+            <a:off x="20853796" y="27787135"/>
+            <a:ext cx="914400" cy="0"/>
+          </a:xfrm>
+          <a:prstGeom prst="straightConnector1">
+            <a:avLst/>
+          </a:prstGeom>
+          <a:ln w="57150" cmpd="sng">
+            <a:tailEnd type="arrow"/>
+          </a:ln>
+        </p:spPr>
+        <p:style>
+          <a:lnRef idx="2">
+            <a:schemeClr val="dk1"/>
+          </a:lnRef>
+          <a:fillRef idx="0">
+            <a:schemeClr val="dk1"/>
+          </a:fillRef>
+          <a:effectRef idx="1">
+            <a:schemeClr val="dk1"/>
+          </a:effectRef>
+          <a:fontRef idx="minor">
+            <a:schemeClr val="tx1"/>
+          </a:fontRef>
+        </p:style>
+      </p:cxnSp>
+      <p:cxnSp>
+        <p:nvCxnSpPr>
+          <p:cNvPr id="86" name="Straight Connector 85"/>
+          <p:cNvCxnSpPr/>
+          <p:nvPr/>
+        </p:nvCxnSpPr>
+        <p:spPr>
+          <a:xfrm>
+            <a:off x="28240232" y="27787135"/>
+            <a:ext cx="1954088" cy="0"/>
+          </a:xfrm>
+          <a:prstGeom prst="line">
+            <a:avLst/>
+          </a:prstGeom>
+          <a:ln w="57150" cmpd="sng">
+            <a:tailEnd type="none"/>
+          </a:ln>
+        </p:spPr>
+        <p:style>
+          <a:lnRef idx="2">
+            <a:schemeClr val="dk1"/>
+          </a:lnRef>
+          <a:fillRef idx="0">
+            <a:schemeClr val="dk1"/>
+          </a:fillRef>
+          <a:effectRef idx="1">
+            <a:schemeClr val="dk1"/>
+          </a:effectRef>
+          <a:fontRef idx="minor">
+            <a:schemeClr val="tx1"/>
+          </a:fontRef>
+        </p:style>
+      </p:cxnSp>
+      <p:cxnSp>
+        <p:nvCxnSpPr>
+          <p:cNvPr id="88" name="Straight Arrow Connector 87"/>
+          <p:cNvCxnSpPr/>
+          <p:nvPr/>
+        </p:nvCxnSpPr>
+        <p:spPr>
+          <a:xfrm flipV="1">
+            <a:off x="30194320" y="27328523"/>
+            <a:ext cx="0" cy="458612"/>
+          </a:xfrm>
+          <a:prstGeom prst="straightConnector1">
+            <a:avLst/>
+          </a:prstGeom>
+          <a:ln w="57150" cmpd="sng">
+            <a:tailEnd type="arrow"/>
+          </a:ln>
+        </p:spPr>
+        <p:style>
+          <a:lnRef idx="2">
+            <a:schemeClr val="dk1"/>
+          </a:lnRef>
+          <a:fillRef idx="0">
+            <a:schemeClr val="dk1"/>
+          </a:fillRef>
+          <a:effectRef idx="1">
+            <a:schemeClr val="dk1"/>
+          </a:effectRef>
+          <a:fontRef idx="minor">
+            <a:schemeClr val="tx1"/>
+          </a:fontRef>
+        </p:style>
+      </p:cxnSp>
+      <p:cxnSp>
+        <p:nvCxnSpPr>
+          <p:cNvPr id="90" name="Straight Arrow Connector 89"/>
+          <p:cNvCxnSpPr>
+            <a:stCxn id="73" idx="3"/>
+            <a:endCxn id="74" idx="1"/>
+          </p:cNvCxnSpPr>
+          <p:nvPr/>
+        </p:nvCxnSpPr>
+        <p:spPr>
+          <a:xfrm flipV="1">
+            <a:off x="17328967" y="29680694"/>
+            <a:ext cx="1465502" cy="20567"/>
+          </a:xfrm>
+          <a:prstGeom prst="straightConnector1">
+            <a:avLst/>
+          </a:prstGeom>
+          <a:ln w="57150" cmpd="sng">
+            <a:tailEnd type="arrow"/>
+          </a:ln>
+        </p:spPr>
+        <p:style>
+          <a:lnRef idx="2">
+            <a:schemeClr val="dk1"/>
+          </a:lnRef>
+          <a:fillRef idx="0">
+            <a:schemeClr val="dk1"/>
+          </a:fillRef>
+          <a:effectRef idx="1">
+            <a:schemeClr val="dk1"/>
+          </a:effectRef>
+          <a:fontRef idx="minor">
+            <a:schemeClr val="tx1"/>
+          </a:fontRef>
+        </p:style>
+      </p:cxnSp>
+      <p:cxnSp>
+        <p:nvCxnSpPr>
+          <p:cNvPr id="92" name="Straight Arrow Connector 91"/>
+          <p:cNvCxnSpPr>
+            <a:stCxn id="74" idx="3"/>
+          </p:cNvCxnSpPr>
+          <p:nvPr/>
+        </p:nvCxnSpPr>
+        <p:spPr>
+          <a:xfrm>
+            <a:off x="27279921" y="29680694"/>
+            <a:ext cx="3659442" cy="0"/>
+          </a:xfrm>
+          <a:prstGeom prst="straightConnector1">
+            <a:avLst/>
+          </a:prstGeom>
+          <a:ln w="57150" cmpd="sng">
+            <a:tailEnd type="arrow"/>
+          </a:ln>
+        </p:spPr>
+        <p:style>
+          <a:lnRef idx="2">
+            <a:schemeClr val="dk1"/>
+          </a:lnRef>
+          <a:fillRef idx="0">
+            <a:schemeClr val="dk1"/>
+          </a:fillRef>
+          <a:effectRef idx="1">
+            <a:schemeClr val="dk1"/>
+          </a:effectRef>
+          <a:fontRef idx="minor">
+            <a:schemeClr val="tx1"/>
+          </a:fontRef>
+        </p:style>
+      </p:cxnSp>
     </p:spTree>
   </p:cSld>
   <p:clrMapOvr>

--- a/presentations/NeuroeconPoster2018.pptx
+++ b/presentations/NeuroeconPoster2018.pptx
@@ -4480,7 +4480,7 @@
         </p:nvSpPr>
         <p:spPr bwMode="auto">
           <a:xfrm>
-            <a:off x="471431" y="30982413"/>
+            <a:off x="471431" y="30740533"/>
             <a:ext cx="9774936" cy="659507"/>
           </a:xfrm>
           <a:prstGeom prst="rect">
@@ -4587,8 +4587,8 @@
         </p:nvSpPr>
         <p:spPr>
           <a:xfrm>
-            <a:off x="454934" y="24521980"/>
-            <a:ext cx="9774936" cy="5438114"/>
+            <a:off x="454934" y="24521979"/>
+            <a:ext cx="9774936" cy="6460433"/>
           </a:xfrm>
           <a:prstGeom prst="rect">
             <a:avLst/>
@@ -4630,8 +4630,12 @@
                 <a:latin typeface="Arial"/>
                 <a:cs typeface="Arial"/>
               </a:rPr>
-              <a:t>Pilot studies of variable selection need n&gt;15 for reliable decisions </a:t>
-            </a:r>
+              <a:t>Reliability estimates stabilize n&gt;15</a:t>
+            </a:r>
+            <a:endParaRPr lang="en-US" sz="4400" dirty="0" smtClean="0">
+              <a:latin typeface="Arial"/>
+              <a:cs typeface="Arial"/>
+            </a:endParaRPr>
           </a:p>
           <a:p>
             <a:pPr>
@@ -4650,7 +4654,34 @@
                 <a:latin typeface="Arial"/>
                 <a:cs typeface="Arial"/>
               </a:rPr>
-              <a:t>Hierarchical estimates do not change parameter value or reliability</a:t>
+              <a:t>Hierarchical estimates do not change parameter value or </a:t>
+            </a:r>
+            <a:r>
+              <a:rPr lang="en-US" sz="4400" dirty="0" smtClean="0">
+                <a:latin typeface="Arial"/>
+                <a:cs typeface="Arial"/>
+              </a:rPr>
+              <a:t>reliability</a:t>
+            </a:r>
+          </a:p>
+          <a:p>
+            <a:pPr>
+              <a:buFont typeface="Arial"/>
+              <a:buChar char="•"/>
+            </a:pPr>
+            <a:r>
+              <a:rPr lang="en-US" sz="4400" dirty="0">
+                <a:latin typeface="Arial"/>
+                <a:cs typeface="Arial"/>
+              </a:rPr>
+              <a:t> </a:t>
+            </a:r>
+            <a:r>
+              <a:rPr lang="en-US" sz="4400" dirty="0" smtClean="0">
+                <a:latin typeface="Arial"/>
+                <a:cs typeface="Arial"/>
+              </a:rPr>
+              <a:t>Applying the same model across tasks yields 1. interpretable measures that 2. reduce to lower and more reliable trait measures</a:t>
             </a:r>
             <a:endParaRPr lang="en-US" sz="4400" dirty="0">
               <a:latin typeface="Arial"/>
@@ -6086,7 +6117,7 @@
         </p:nvSpPr>
         <p:spPr>
           <a:xfrm>
-            <a:off x="259768" y="31573821"/>
+            <a:off x="259768" y="31392411"/>
             <a:ext cx="10398098" cy="1244845"/>
           </a:xfrm>
           <a:prstGeom prst="rect">
@@ -6243,15 +6274,90 @@
           </a:p>
         </p:txBody>
       </p:sp>
+      <p:sp>
+        <p:nvSpPr>
+          <p:cNvPr id="68" name="Rectangle 67"/>
+          <p:cNvSpPr/>
+          <p:nvPr/>
+        </p:nvSpPr>
+        <p:spPr>
+          <a:xfrm>
+            <a:off x="11199588" y="30198848"/>
+            <a:ext cx="10334800" cy="1133093"/>
+          </a:xfrm>
+          <a:prstGeom prst="rect">
+            <a:avLst/>
+          </a:prstGeom>
+          <a:noFill/>
+        </p:spPr>
+        <p:txBody>
+          <a:bodyPr wrap="square" lIns="274320" rIns="274320" rtlCol="0">
+            <a:noAutofit/>
+          </a:bodyPr>
+          <a:lstStyle/>
+          <a:p>
+            <a:pPr>
+              <a:buFont typeface="Arial"/>
+              <a:buChar char="•"/>
+            </a:pPr>
+            <a:r>
+              <a:rPr lang="en-US" sz="4400" dirty="0" smtClean="0">
+                <a:latin typeface="Arial"/>
+                <a:cs typeface="Arial"/>
+              </a:rPr>
+              <a:t> PCs </a:t>
+            </a:r>
+            <a:r>
+              <a:rPr lang="en-US" sz="4400" dirty="0" smtClean="0">
+                <a:latin typeface="Arial"/>
+                <a:cs typeface="Arial"/>
+              </a:rPr>
+              <a:t>are more reliable than </a:t>
+            </a:r>
+            <a:r>
+              <a:rPr lang="en-US" sz="4400" dirty="0" smtClean="0">
+                <a:latin typeface="Arial"/>
+                <a:cs typeface="Arial"/>
+              </a:rPr>
+              <a:t>individual measures</a:t>
+            </a:r>
+            <a:r>
+              <a:rPr lang="en-US" sz="4400" dirty="0" smtClean="0">
+                <a:latin typeface="Arial"/>
+                <a:cs typeface="Arial"/>
+              </a:rPr>
+              <a:t> </a:t>
+            </a:r>
+            <a:r>
+              <a:rPr lang="en-US" sz="4400" dirty="0" smtClean="0">
+                <a:latin typeface="Arial"/>
+                <a:cs typeface="Arial"/>
+              </a:rPr>
+              <a:t>that </a:t>
+            </a:r>
+            <a:r>
+              <a:rPr lang="en-US" sz="4400" dirty="0" smtClean="0">
+                <a:latin typeface="Arial"/>
+                <a:cs typeface="Arial"/>
+              </a:rPr>
+              <a:t>compose them</a:t>
+            </a:r>
+            <a:endParaRPr lang="en-US" sz="4400" dirty="0" smtClean="0">
+              <a:latin typeface="Arial"/>
+              <a:cs typeface="Arial"/>
+            </a:endParaRPr>
+          </a:p>
+        </p:txBody>
+      </p:sp>
       <p:pic>
         <p:nvPicPr>
-          <p:cNvPr id="10" name="Picture 9" descr="EZ_PCA3_HClust_nolables.jpeg"/>
+          <p:cNvPr id="8" name="Picture 7" descr="Boot_ddm_plot.jpeg"/>
           <p:cNvPicPr>
-            <a:picLocks/>
+            <a:picLocks noChangeAspect="1"/>
           </p:cNvPicPr>
           <p:nvPr/>
         </p:nvPicPr>
-        <p:blipFill rotWithShape="1">
+        <p:blipFill>
           <a:blip r:embed="rId17">
             <a:extLst>
               <a:ext uri="{28A0092B-C50C-407E-A947-70E740481C1C}">
@@ -6259,22 +6365,135 @@
               </a:ext>
             </a:extLst>
           </a:blip>
-          <a:srcRect l="18148" t="4087" r="19968" b="6022"/>
-          <a:stretch/>
+          <a:stretch>
+            <a:fillRect/>
+          </a:stretch>
         </p:blipFill>
         <p:spPr>
-          <a:xfrm rot="5400000">
-            <a:off x="22540247" y="13385335"/>
-            <a:ext cx="2286000" cy="25603200"/>
+          <a:xfrm>
+            <a:off x="11124963" y="11504263"/>
+            <a:ext cx="20116800" cy="3831771"/>
           </a:xfrm>
           <a:prstGeom prst="rect">
             <a:avLst/>
           </a:prstGeom>
         </p:spPr>
       </p:pic>
+      <p:sp>
+        <p:nvSpPr>
+          <p:cNvPr id="12" name="Rectangle 11"/>
+          <p:cNvSpPr/>
+          <p:nvPr/>
+        </p:nvSpPr>
+        <p:spPr>
+          <a:xfrm>
+            <a:off x="11091332" y="15130684"/>
+            <a:ext cx="26593525" cy="1446550"/>
+          </a:xfrm>
+          <a:prstGeom prst="rect">
+            <a:avLst/>
+          </a:prstGeom>
+        </p:spPr>
+        <p:txBody>
+          <a:bodyPr wrap="square">
+            <a:spAutoFit/>
+          </a:bodyPr>
+          <a:lstStyle/>
+          <a:p>
+            <a:pPr>
+              <a:buFont typeface="Arial"/>
+              <a:buChar char="•"/>
+            </a:pPr>
+            <a:r>
+              <a:rPr lang="en-US" sz="4400" dirty="0" smtClean="0">
+                <a:solidFill>
+                  <a:srgbClr val="000000"/>
+                </a:solidFill>
+                <a:latin typeface="Arial"/>
+                <a:cs typeface="Arial"/>
+                <a:sym typeface="Wingdings"/>
+              </a:rPr>
+              <a:t> Both contrast (b = -0.37, t(512) = -9.99) </a:t>
+            </a:r>
+            <a:r>
+              <a:rPr lang="en-US" sz="4400" dirty="0">
+                <a:solidFill>
+                  <a:srgbClr val="000000"/>
+                </a:solidFill>
+                <a:latin typeface="Arial"/>
+                <a:cs typeface="Arial"/>
+                <a:sym typeface="Wingdings"/>
+              </a:rPr>
+              <a:t>and </a:t>
+            </a:r>
+            <a:r>
+              <a:rPr lang="en-US" sz="4400" dirty="0" smtClean="0">
+                <a:solidFill>
+                  <a:srgbClr val="000000"/>
+                </a:solidFill>
+                <a:latin typeface="Arial"/>
+                <a:cs typeface="Arial"/>
+                <a:sym typeface="Wingdings"/>
+              </a:rPr>
+              <a:t>condition (b = -0.09, t(512) = -2.84) </a:t>
+            </a:r>
+            <a:r>
+              <a:rPr lang="en-US" sz="4400" dirty="0">
+                <a:solidFill>
+                  <a:srgbClr val="000000"/>
+                </a:solidFill>
+                <a:latin typeface="Arial"/>
+                <a:cs typeface="Arial"/>
+                <a:sym typeface="Wingdings"/>
+              </a:rPr>
+              <a:t>measures are less reliable than </a:t>
+            </a:r>
+            <a:r>
+              <a:rPr lang="en-US" sz="4400" dirty="0" smtClean="0">
+                <a:solidFill>
+                  <a:srgbClr val="000000"/>
+                </a:solidFill>
+                <a:latin typeface="Arial"/>
+                <a:cs typeface="Arial"/>
+                <a:sym typeface="Wingdings"/>
+              </a:rPr>
+              <a:t>measures </a:t>
+            </a:r>
+            <a:r>
+              <a:rPr lang="en-US" sz="4400" dirty="0">
+                <a:solidFill>
+                  <a:srgbClr val="000000"/>
+                </a:solidFill>
+                <a:latin typeface="Arial"/>
+                <a:cs typeface="Arial"/>
+                <a:sym typeface="Wingdings"/>
+              </a:rPr>
+              <a:t>that use </a:t>
+            </a:r>
+            <a:r>
+              <a:rPr lang="en-US" sz="4400" dirty="0" smtClean="0">
+                <a:solidFill>
+                  <a:srgbClr val="000000"/>
+                </a:solidFill>
+                <a:latin typeface="Arial"/>
+                <a:cs typeface="Arial"/>
+                <a:sym typeface="Wingdings"/>
+              </a:rPr>
+              <a:t>all trials </a:t>
+            </a:r>
+            <a:endParaRPr lang="en-US" sz="4400" dirty="0">
+              <a:solidFill>
+                <a:srgbClr val="000000"/>
+              </a:solidFill>
+              <a:latin typeface="Arial"/>
+              <a:cs typeface="Arial"/>
+            </a:endParaRPr>
+          </a:p>
+        </p:txBody>
+      </p:sp>
       <p:pic>
         <p:nvPicPr>
-          <p:cNvPr id="11" name="Picture 10" descr="EZ_clust_rel.jpeg"/>
+          <p:cNvPr id="15" name="Picture 14" descr="Sample_size.jpeg"/>
           <p:cNvPicPr>
             <a:picLocks noChangeAspect="1"/>
           </p:cNvPicPr>
@@ -6294,8 +6513,8 @@
         </p:blipFill>
         <p:spPr>
           <a:xfrm>
-            <a:off x="31649096" y="27329936"/>
-            <a:ext cx="5277419" cy="4523501"/>
+            <a:off x="10928167" y="17662817"/>
+            <a:ext cx="6400800" cy="4572000"/>
           </a:xfrm>
           <a:prstGeom prst="rect">
             <a:avLst/>
@@ -6304,14 +6523,102 @@
       </p:pic>
       <p:sp>
         <p:nvSpPr>
-          <p:cNvPr id="68" name="Rectangle 67"/>
+          <p:cNvPr id="27" name="Rectangle 26"/>
           <p:cNvSpPr/>
           <p:nvPr/>
         </p:nvSpPr>
         <p:spPr>
           <a:xfrm>
-            <a:off x="43940167" y="23635959"/>
-            <a:ext cx="6274132" cy="4151176"/>
+            <a:off x="11149278" y="22167597"/>
+            <a:ext cx="13223565" cy="1446550"/>
+          </a:xfrm>
+          <a:prstGeom prst="rect">
+            <a:avLst/>
+          </a:prstGeom>
+        </p:spPr>
+        <p:txBody>
+          <a:bodyPr wrap="square">
+            <a:spAutoFit/>
+          </a:bodyPr>
+          <a:lstStyle/>
+          <a:p>
+            <a:pPr>
+              <a:buFont typeface="Arial"/>
+              <a:buChar char="•"/>
+            </a:pPr>
+            <a:r>
+              <a:rPr lang="en-US" sz="4400" dirty="0">
+                <a:latin typeface="Arial"/>
+                <a:cs typeface="Arial"/>
+              </a:rPr>
+              <a:t> </a:t>
+            </a:r>
+            <a:r>
+              <a:rPr lang="en-US" sz="4400" dirty="0" smtClean="0">
+                <a:latin typeface="Arial"/>
+                <a:cs typeface="Arial"/>
+              </a:rPr>
+              <a:t>Conclusion does not change depending on </a:t>
+            </a:r>
+            <a:r>
+              <a:rPr lang="en-US" sz="4400" dirty="0">
+                <a:latin typeface="Arial"/>
+                <a:cs typeface="Arial"/>
+              </a:rPr>
+              <a:t>measure type (</a:t>
+            </a:r>
+            <a:r>
+              <a:rPr lang="en-US" sz="4400" dirty="0" smtClean="0">
+                <a:latin typeface="Arial"/>
+                <a:cs typeface="Arial"/>
+              </a:rPr>
+              <a:t>raw</a:t>
+            </a:r>
+            <a:r>
+              <a:rPr lang="en-US" sz="4400" dirty="0">
+                <a:latin typeface="Arial"/>
+                <a:cs typeface="Arial"/>
+              </a:rPr>
+              <a:t> </a:t>
+            </a:r>
+            <a:r>
+              <a:rPr lang="en-US" sz="4400" dirty="0" smtClean="0">
+                <a:latin typeface="Arial"/>
+                <a:cs typeface="Arial"/>
+              </a:rPr>
+              <a:t>vs. </a:t>
+            </a:r>
+            <a:r>
+              <a:rPr lang="en-US" sz="4400" dirty="0" err="1" smtClean="0">
+                <a:latin typeface="Arial"/>
+                <a:cs typeface="Arial"/>
+              </a:rPr>
+              <a:t>ddm</a:t>
+            </a:r>
+            <a:r>
+              <a:rPr lang="en-US" sz="4400" dirty="0" smtClean="0">
+                <a:latin typeface="Arial"/>
+                <a:cs typeface="Arial"/>
+              </a:rPr>
+              <a:t>, all trials vs. contrasts)</a:t>
+            </a:r>
+            <a:endParaRPr lang="en-US" sz="4400" dirty="0">
+              <a:latin typeface="Arial"/>
+              <a:cs typeface="Arial"/>
+            </a:endParaRPr>
+          </a:p>
+        </p:txBody>
+      </p:sp>
+      <p:sp>
+        <p:nvSpPr>
+          <p:cNvPr id="67" name="Rectangle 66"/>
+          <p:cNvSpPr/>
+          <p:nvPr/>
+        </p:nvSpPr>
+        <p:spPr>
+          <a:xfrm>
+            <a:off x="11174328" y="27328876"/>
+            <a:ext cx="6154640" cy="1310814"/>
           </a:xfrm>
           <a:prstGeom prst="rect">
             <a:avLst/>
@@ -6324,352 +6631,30 @@
           </a:bodyPr>
           <a:lstStyle/>
           <a:p>
-            <a:pPr>
-              <a:buFont typeface="Arial"/>
-              <a:buChar char="•"/>
-            </a:pPr>
-            <a:r>
-              <a:rPr lang="en-US" sz="4400" dirty="0">
-                <a:latin typeface="Arial"/>
-                <a:cs typeface="Arial"/>
-              </a:rPr>
-              <a:t> </a:t>
-            </a:r>
-            <a:r>
-              <a:rPr lang="en-US" sz="4400" dirty="0" smtClean="0">
-                <a:latin typeface="Arial"/>
-                <a:cs typeface="Arial"/>
-              </a:rPr>
-              <a:t>3 PCs for EZ </a:t>
-            </a:r>
-            <a:r>
-              <a:rPr lang="en-US" sz="4400" dirty="0" err="1" smtClean="0">
-                <a:latin typeface="Arial"/>
-                <a:cs typeface="Arial"/>
-              </a:rPr>
-              <a:t>ddm</a:t>
-            </a:r>
-            <a:r>
-              <a:rPr lang="en-US" sz="4400" dirty="0" smtClean="0">
-                <a:latin typeface="Arial"/>
-                <a:cs typeface="Arial"/>
-              </a:rPr>
-              <a:t> variables</a:t>
-            </a:r>
-            <a:r>
-              <a:rPr lang="en-US" sz="4400" dirty="0">
-                <a:latin typeface="Arial"/>
-                <a:cs typeface="Arial"/>
-              </a:rPr>
-              <a:t> </a:t>
-            </a:r>
-            <a:r>
-              <a:rPr lang="en-US" sz="4400" dirty="0" smtClean="0">
-                <a:latin typeface="Arial"/>
-                <a:cs typeface="Arial"/>
-              </a:rPr>
-              <a:t>calculated on T1 data and used to predict T2 scores</a:t>
-            </a:r>
-          </a:p>
-          <a:p>
-            <a:pPr>
-              <a:buFont typeface="Arial"/>
-              <a:buChar char="•"/>
-            </a:pPr>
-            <a:r>
-              <a:rPr lang="en-US" sz="4400" dirty="0" smtClean="0">
-                <a:latin typeface="Arial"/>
-                <a:cs typeface="Arial"/>
-              </a:rPr>
-              <a:t> PCs are more reliable than </a:t>
-            </a:r>
-            <a:r>
-              <a:rPr lang="en-US" sz="4400" dirty="0" err="1" smtClean="0">
-                <a:latin typeface="Arial"/>
-                <a:cs typeface="Arial"/>
-              </a:rPr>
-              <a:t>dv’s</a:t>
-            </a:r>
-            <a:r>
-              <a:rPr lang="en-US" sz="4400" dirty="0" smtClean="0">
-                <a:latin typeface="Arial"/>
-                <a:cs typeface="Arial"/>
-              </a:rPr>
-              <a:t> that compose them</a:t>
-            </a:r>
-          </a:p>
-        </p:txBody>
-      </p:sp>
-      <p:pic>
-        <p:nvPicPr>
-          <p:cNvPr id="8" name="Picture 7" descr="Boot_ddm_plot.jpeg"/>
-          <p:cNvPicPr>
-            <a:picLocks noChangeAspect="1"/>
-          </p:cNvPicPr>
-          <p:nvPr/>
-        </p:nvPicPr>
-        <p:blipFill>
-          <a:blip r:embed="rId19">
-            <a:extLst>
-              <a:ext uri="{28A0092B-C50C-407E-A947-70E740481C1C}">
-                <a14:useLocalDpi xmlns:a14="http://schemas.microsoft.com/office/drawing/2010/main" val="0"/>
-              </a:ext>
-            </a:extLst>
-          </a:blip>
-          <a:stretch>
-            <a:fillRect/>
-          </a:stretch>
-        </p:blipFill>
-        <p:spPr>
-          <a:xfrm>
-            <a:off x="11124963" y="11504263"/>
-            <a:ext cx="20116800" cy="3831771"/>
-          </a:xfrm>
-          <a:prstGeom prst="rect">
-            <a:avLst/>
-          </a:prstGeom>
-        </p:spPr>
-      </p:pic>
-      <p:sp>
-        <p:nvSpPr>
-          <p:cNvPr id="12" name="Rectangle 11"/>
-          <p:cNvSpPr/>
-          <p:nvPr/>
-        </p:nvSpPr>
-        <p:spPr>
-          <a:xfrm>
-            <a:off x="11091332" y="15130684"/>
-            <a:ext cx="26593525" cy="1446550"/>
-          </a:xfrm>
-          <a:prstGeom prst="rect">
-            <a:avLst/>
-          </a:prstGeom>
-        </p:spPr>
-        <p:txBody>
-          <a:bodyPr wrap="square">
-            <a:spAutoFit/>
-          </a:bodyPr>
-          <a:lstStyle/>
-          <a:p>
-            <a:pPr>
-              <a:buFont typeface="Arial"/>
-              <a:buChar char="•"/>
-            </a:pPr>
-            <a:r>
-              <a:rPr lang="en-US" sz="4400" dirty="0" smtClean="0">
-                <a:solidFill>
-                  <a:srgbClr val="000000"/>
-                </a:solidFill>
-                <a:latin typeface="Arial"/>
-                <a:cs typeface="Arial"/>
-                <a:sym typeface="Wingdings"/>
-              </a:rPr>
-              <a:t> Both contrast (b = -0.37, t(512) = -9.99) </a:t>
-            </a:r>
-            <a:r>
-              <a:rPr lang="en-US" sz="4400" dirty="0">
-                <a:solidFill>
-                  <a:srgbClr val="000000"/>
-                </a:solidFill>
-                <a:latin typeface="Arial"/>
-                <a:cs typeface="Arial"/>
-                <a:sym typeface="Wingdings"/>
-              </a:rPr>
-              <a:t>and </a:t>
-            </a:r>
-            <a:r>
-              <a:rPr lang="en-US" sz="4400" dirty="0" smtClean="0">
-                <a:solidFill>
-                  <a:srgbClr val="000000"/>
-                </a:solidFill>
-                <a:latin typeface="Arial"/>
-                <a:cs typeface="Arial"/>
-                <a:sym typeface="Wingdings"/>
-              </a:rPr>
-              <a:t>condition (b = -0.09, t(512) = -2.84) </a:t>
-            </a:r>
-            <a:r>
-              <a:rPr lang="en-US" sz="4400" dirty="0">
-                <a:solidFill>
-                  <a:srgbClr val="000000"/>
-                </a:solidFill>
-                <a:latin typeface="Arial"/>
-                <a:cs typeface="Arial"/>
-                <a:sym typeface="Wingdings"/>
-              </a:rPr>
-              <a:t>measures are less reliable than </a:t>
-            </a:r>
-            <a:r>
-              <a:rPr lang="en-US" sz="4400" dirty="0" smtClean="0">
-                <a:solidFill>
-                  <a:srgbClr val="000000"/>
-                </a:solidFill>
-                <a:latin typeface="Arial"/>
-                <a:cs typeface="Arial"/>
-                <a:sym typeface="Wingdings"/>
-              </a:rPr>
-              <a:t>measures </a:t>
-            </a:r>
-            <a:r>
-              <a:rPr lang="en-US" sz="4400" dirty="0">
-                <a:solidFill>
-                  <a:srgbClr val="000000"/>
-                </a:solidFill>
-                <a:latin typeface="Arial"/>
-                <a:cs typeface="Arial"/>
-                <a:sym typeface="Wingdings"/>
-              </a:rPr>
-              <a:t>that use </a:t>
-            </a:r>
-            <a:r>
-              <a:rPr lang="en-US" sz="4400" dirty="0" smtClean="0">
-                <a:solidFill>
-                  <a:srgbClr val="000000"/>
-                </a:solidFill>
-                <a:latin typeface="Arial"/>
-                <a:cs typeface="Arial"/>
-                <a:sym typeface="Wingdings"/>
-              </a:rPr>
-              <a:t>all trials </a:t>
-            </a:r>
-            <a:endParaRPr lang="en-US" sz="4400" dirty="0">
-              <a:solidFill>
-                <a:srgbClr val="000000"/>
-              </a:solidFill>
+            <a:r>
+              <a:rPr lang="en-US" sz="4000" dirty="0" smtClean="0">
+                <a:latin typeface="Arial"/>
+                <a:cs typeface="Arial"/>
+              </a:rPr>
+              <a:t>EZ measures from T1 (164 measures, n=552)</a:t>
+            </a:r>
+            <a:endParaRPr lang="en-US" sz="4000" dirty="0" smtClean="0">
               <a:latin typeface="Arial"/>
               <a:cs typeface="Arial"/>
             </a:endParaRPr>
           </a:p>
         </p:txBody>
       </p:sp>
-      <p:pic>
-        <p:nvPicPr>
-          <p:cNvPr id="15" name="Picture 14" descr="Sample_size.jpeg"/>
-          <p:cNvPicPr>
-            <a:picLocks noChangeAspect="1"/>
-          </p:cNvPicPr>
-          <p:nvPr/>
-        </p:nvPicPr>
-        <p:blipFill>
-          <a:blip r:embed="rId20">
-            <a:extLst>
-              <a:ext uri="{28A0092B-C50C-407E-A947-70E740481C1C}">
-                <a14:useLocalDpi xmlns:a14="http://schemas.microsoft.com/office/drawing/2010/main" val="0"/>
-              </a:ext>
-            </a:extLst>
-          </a:blip>
-          <a:stretch>
-            <a:fillRect/>
-          </a:stretch>
-        </p:blipFill>
-        <p:spPr>
-          <a:xfrm>
-            <a:off x="10928167" y="17662817"/>
-            <a:ext cx="6400800" cy="4572000"/>
-          </a:xfrm>
-          <a:prstGeom prst="rect">
-            <a:avLst/>
-          </a:prstGeom>
-        </p:spPr>
-      </p:pic>
-      <p:sp>
-        <p:nvSpPr>
-          <p:cNvPr id="27" name="Rectangle 26"/>
+      <p:sp>
+        <p:nvSpPr>
+          <p:cNvPr id="71" name="Rectangle 70"/>
           <p:cNvSpPr/>
           <p:nvPr/>
         </p:nvSpPr>
         <p:spPr>
           <a:xfrm>
-            <a:off x="11149278" y="22167597"/>
-            <a:ext cx="13223565" cy="1446550"/>
-          </a:xfrm>
-          <a:prstGeom prst="rect">
-            <a:avLst/>
-          </a:prstGeom>
-        </p:spPr>
-        <p:txBody>
-          <a:bodyPr wrap="square">
-            <a:spAutoFit/>
-          </a:bodyPr>
-          <a:lstStyle/>
-          <a:p>
-            <a:pPr>
-              <a:buFont typeface="Arial"/>
-              <a:buChar char="•"/>
-            </a:pPr>
-            <a:r>
-              <a:rPr lang="en-US" sz="4400" dirty="0">
-                <a:latin typeface="Arial"/>
-                <a:cs typeface="Arial"/>
-              </a:rPr>
-              <a:t> </a:t>
-            </a:r>
-            <a:r>
-              <a:rPr lang="en-US" sz="4400" dirty="0" smtClean="0">
-                <a:latin typeface="Arial"/>
-                <a:cs typeface="Arial"/>
-              </a:rPr>
-              <a:t>Conclusion does not change depending on </a:t>
-            </a:r>
-            <a:r>
-              <a:rPr lang="en-US" sz="4400" dirty="0">
-                <a:latin typeface="Arial"/>
-                <a:cs typeface="Arial"/>
-              </a:rPr>
-              <a:t>measure type (</a:t>
-            </a:r>
-            <a:r>
-              <a:rPr lang="en-US" sz="4400" dirty="0" smtClean="0">
-                <a:latin typeface="Arial"/>
-                <a:cs typeface="Arial"/>
-              </a:rPr>
-              <a:t>raw</a:t>
-            </a:r>
-            <a:r>
-              <a:rPr lang="en-US" sz="4400" dirty="0">
-                <a:latin typeface="Arial"/>
-                <a:cs typeface="Arial"/>
-              </a:rPr>
-              <a:t> </a:t>
-            </a:r>
-            <a:r>
-              <a:rPr lang="en-US" sz="4400" dirty="0" smtClean="0">
-                <a:latin typeface="Arial"/>
-                <a:cs typeface="Arial"/>
-              </a:rPr>
-              <a:t>vs. </a:t>
-            </a:r>
-            <a:r>
-              <a:rPr lang="en-US" sz="4400" dirty="0" err="1" smtClean="0">
-                <a:latin typeface="Arial"/>
-                <a:cs typeface="Arial"/>
-              </a:rPr>
-              <a:t>ddm</a:t>
-            </a:r>
-            <a:r>
-              <a:rPr lang="en-US" sz="4400" dirty="0" smtClean="0">
-                <a:latin typeface="Arial"/>
-                <a:cs typeface="Arial"/>
-              </a:rPr>
-              <a:t>, all trials vs. contrasts)</a:t>
-            </a:r>
-            <a:endParaRPr lang="en-US" sz="4400" dirty="0">
-              <a:latin typeface="Arial"/>
-              <a:cs typeface="Arial"/>
-            </a:endParaRPr>
-          </a:p>
-        </p:txBody>
-      </p:sp>
-      <p:sp>
-        <p:nvSpPr>
-          <p:cNvPr id="67" name="Rectangle 66"/>
-          <p:cNvSpPr/>
-          <p:nvPr/>
-        </p:nvSpPr>
-        <p:spPr>
-          <a:xfrm>
-            <a:off x="11174327" y="27328876"/>
-            <a:ext cx="6705743" cy="1310814"/>
+            <a:off x="18781048" y="27533882"/>
+            <a:ext cx="1945810" cy="900803"/>
           </a:xfrm>
           <a:prstGeom prst="rect">
             <a:avLst/>
@@ -6683,13 +6668,13 @@
           <a:lstStyle/>
           <a:p>
             <a:r>
-              <a:rPr lang="en-US" sz="4400" dirty="0" smtClean="0">
-                <a:latin typeface="Arial"/>
-                <a:cs typeface="Arial"/>
-              </a:rPr>
-              <a:t>EZ measures from T1 (164 measures, n=552)</a:t>
-            </a:r>
-            <a:endParaRPr lang="en-US" sz="4400" dirty="0" smtClean="0">
+              <a:rPr lang="en-US" sz="4000" dirty="0" smtClean="0">
+                <a:latin typeface="Arial"/>
+                <a:cs typeface="Arial"/>
+              </a:rPr>
+              <a:t>PCA</a:t>
+            </a:r>
+            <a:endParaRPr lang="en-US" sz="4000" dirty="0" smtClean="0">
               <a:latin typeface="Arial"/>
               <a:cs typeface="Arial"/>
             </a:endParaRPr>
@@ -6698,14 +6683,14 @@
       </p:sp>
       <p:sp>
         <p:nvSpPr>
-          <p:cNvPr id="71" name="Rectangle 70"/>
+          <p:cNvPr id="72" name="Rectangle 71"/>
           <p:cNvSpPr/>
           <p:nvPr/>
         </p:nvSpPr>
         <p:spPr>
           <a:xfrm>
-            <a:off x="18781048" y="27533882"/>
-            <a:ext cx="1945810" cy="900803"/>
+            <a:off x="22111676" y="27328523"/>
+            <a:ext cx="6128556" cy="1311520"/>
           </a:xfrm>
           <a:prstGeom prst="rect">
             <a:avLst/>
@@ -6719,13 +6704,20 @@
           <a:lstStyle/>
           <a:p>
             <a:r>
-              <a:rPr lang="en-US" sz="4400" dirty="0" smtClean="0">
-                <a:latin typeface="Arial"/>
-                <a:cs typeface="Arial"/>
-              </a:rPr>
-              <a:t>PCA</a:t>
-            </a:r>
-            <a:endParaRPr lang="en-US" sz="4400" dirty="0" smtClean="0">
+              <a:rPr lang="en-US" sz="4000" dirty="0" smtClean="0">
+                <a:latin typeface="Arial"/>
+                <a:cs typeface="Arial"/>
+              </a:rPr>
+              <a:t>Hierarchical clustering of factor </a:t>
+            </a:r>
+            <a:r>
+              <a:rPr lang="en-US" sz="4000" i="1" dirty="0" smtClean="0">
+                <a:latin typeface="Arial"/>
+                <a:cs typeface="Arial"/>
+              </a:rPr>
+              <a:t>loadings</a:t>
+            </a:r>
+            <a:endParaRPr lang="en-US" sz="4000" i="1" dirty="0" smtClean="0">
               <a:latin typeface="Arial"/>
               <a:cs typeface="Arial"/>
             </a:endParaRPr>
@@ -6734,14 +6726,14 @@
       </p:sp>
       <p:sp>
         <p:nvSpPr>
-          <p:cNvPr id="72" name="Rectangle 71"/>
+          <p:cNvPr id="73" name="Rectangle 72"/>
           <p:cNvSpPr/>
           <p:nvPr/>
         </p:nvSpPr>
         <p:spPr>
           <a:xfrm>
-            <a:off x="22111676" y="27328523"/>
-            <a:ext cx="6128556" cy="1311520"/>
+            <a:off x="11199588" y="28726639"/>
+            <a:ext cx="6129379" cy="1465484"/>
           </a:xfrm>
           <a:prstGeom prst="rect">
             <a:avLst/>
@@ -6755,20 +6747,27 @@
           <a:lstStyle/>
           <a:p>
             <a:r>
-              <a:rPr lang="en-US" sz="4400" dirty="0" smtClean="0">
-                <a:latin typeface="Arial"/>
-                <a:cs typeface="Arial"/>
-              </a:rPr>
-              <a:t>Hierarchical clustering of factor </a:t>
-            </a:r>
-            <a:r>
-              <a:rPr lang="en-US" sz="4400" i="1" dirty="0" smtClean="0">
-                <a:latin typeface="Arial"/>
-                <a:cs typeface="Arial"/>
-              </a:rPr>
-              <a:t>loadings</a:t>
-            </a:r>
-            <a:endParaRPr lang="en-US" sz="4400" i="1" dirty="0" smtClean="0">
+              <a:rPr lang="en-US" sz="4000" dirty="0" smtClean="0">
+                <a:latin typeface="Arial"/>
+                <a:cs typeface="Arial"/>
+              </a:rPr>
+              <a:t>Predict factor </a:t>
+            </a:r>
+            <a:r>
+              <a:rPr lang="en-US" sz="4000" i="1" dirty="0" smtClean="0">
+                <a:latin typeface="Arial"/>
+                <a:cs typeface="Arial"/>
+              </a:rPr>
+              <a:t>score</a:t>
+            </a:r>
+            <a:r>
+              <a:rPr lang="en-US" sz="4000" dirty="0" smtClean="0">
+                <a:latin typeface="Arial"/>
+                <a:cs typeface="Arial"/>
+              </a:rPr>
+              <a:t>s from T1 PCA for T2 </a:t>
+            </a:r>
+            <a:endParaRPr lang="en-US" sz="4000" dirty="0" smtClean="0">
               <a:latin typeface="Arial"/>
               <a:cs typeface="Arial"/>
             </a:endParaRPr>
@@ -6777,14 +6776,14 @@
       </p:sp>
       <p:sp>
         <p:nvSpPr>
-          <p:cNvPr id="73" name="Rectangle 72"/>
+          <p:cNvPr id="74" name="Rectangle 73"/>
           <p:cNvSpPr/>
           <p:nvPr/>
         </p:nvSpPr>
         <p:spPr>
           <a:xfrm>
-            <a:off x="11199588" y="28968519"/>
-            <a:ext cx="6129379" cy="1465484"/>
+            <a:off x="18794469" y="28726639"/>
+            <a:ext cx="8485452" cy="1424350"/>
           </a:xfrm>
           <a:prstGeom prst="rect">
             <a:avLst/>
@@ -6798,84 +6797,34 @@
           <a:lstStyle/>
           <a:p>
             <a:r>
-              <a:rPr lang="en-US" sz="4400" dirty="0" smtClean="0">
-                <a:latin typeface="Arial"/>
-                <a:cs typeface="Arial"/>
-              </a:rPr>
-              <a:t>Predict factor </a:t>
-            </a:r>
-            <a:r>
-              <a:rPr lang="en-US" sz="4400" i="1" dirty="0" smtClean="0">
-                <a:latin typeface="Arial"/>
-                <a:cs typeface="Arial"/>
-              </a:rPr>
-              <a:t>score</a:t>
-            </a:r>
-            <a:r>
-              <a:rPr lang="en-US" sz="4400" dirty="0" smtClean="0">
-                <a:latin typeface="Arial"/>
-                <a:cs typeface="Arial"/>
-              </a:rPr>
-              <a:t>s from T1 PCA for T2 </a:t>
-            </a:r>
-            <a:endParaRPr lang="en-US" sz="4400" dirty="0" smtClean="0">
-              <a:latin typeface="Arial"/>
-              <a:cs typeface="Arial"/>
-            </a:endParaRPr>
-          </a:p>
-        </p:txBody>
-      </p:sp>
-      <p:sp>
-        <p:nvSpPr>
-          <p:cNvPr id="74" name="Rectangle 73"/>
-          <p:cNvSpPr/>
-          <p:nvPr/>
-        </p:nvSpPr>
-        <p:spPr>
-          <a:xfrm>
-            <a:off x="18794469" y="28968519"/>
-            <a:ext cx="8485452" cy="1424350"/>
-          </a:xfrm>
-          <a:prstGeom prst="rect">
-            <a:avLst/>
-          </a:prstGeom>
-          <a:noFill/>
-        </p:spPr>
-        <p:txBody>
-          <a:bodyPr wrap="square" lIns="274320" rIns="274320" rtlCol="0">
-            <a:noAutofit/>
-          </a:bodyPr>
-          <a:lstStyle/>
-          <a:p>
-            <a:r>
-              <a:rPr lang="en-US" sz="4400" dirty="0" smtClean="0">
+              <a:rPr lang="en-US" sz="4000" dirty="0" smtClean="0">
                 <a:latin typeface="Arial"/>
                 <a:cs typeface="Arial"/>
               </a:rPr>
               <a:t>ICC fo</a:t>
             </a:r>
             <a:r>
-              <a:rPr lang="en-US" sz="4400" dirty="0" smtClean="0">
+              <a:rPr lang="en-US" sz="4000" dirty="0" smtClean="0">
                 <a:latin typeface="Arial"/>
                 <a:cs typeface="Arial"/>
               </a:rPr>
               <a:t>r the 3 PCs </a:t>
             </a:r>
             <a:r>
-              <a:rPr lang="en-US" sz="4400" dirty="0" err="1" smtClean="0">
+              <a:rPr lang="en-US" sz="4000" dirty="0" err="1" smtClean="0">
                 <a:latin typeface="Arial"/>
                 <a:cs typeface="Arial"/>
               </a:rPr>
               <a:t>vs</a:t>
             </a:r>
             <a:r>
-              <a:rPr lang="en-US" sz="4400" dirty="0" smtClean="0">
+              <a:rPr lang="en-US" sz="4000" dirty="0" smtClean="0">
                 <a:latin typeface="Arial"/>
                 <a:cs typeface="Arial"/>
               </a:rPr>
               <a:t> ICC of 164 EZ measures measures</a:t>
             </a:r>
-            <a:endParaRPr lang="en-US" sz="4400" dirty="0" smtClean="0">
+            <a:endParaRPr lang="en-US" sz="4000" dirty="0" smtClean="0">
               <a:latin typeface="Arial"/>
               <a:cs typeface="Arial"/>
             </a:endParaRPr>
@@ -6890,7 +6839,7 @@
         </p:nvCxnSpPr>
         <p:spPr>
           <a:xfrm>
-            <a:off x="17880069" y="27787135"/>
+            <a:off x="17456709" y="27787135"/>
             <a:ext cx="914400" cy="0"/>
           </a:xfrm>
           <a:prstGeom prst="straightConnector1">
@@ -7025,7 +6974,7 @@
         </p:nvCxnSpPr>
         <p:spPr>
           <a:xfrm flipV="1">
-            <a:off x="17328967" y="29680694"/>
+            <a:off x="17328967" y="29438814"/>
             <a:ext cx="1465502" cy="20567"/>
           </a:xfrm>
           <a:prstGeom prst="straightConnector1">
@@ -7060,7 +7009,7 @@
         </p:nvCxnSpPr>
         <p:spPr>
           <a:xfrm>
-            <a:off x="27279921" y="29680694"/>
+            <a:off x="27279921" y="29438814"/>
             <a:ext cx="3659442" cy="0"/>
           </a:xfrm>
           <a:prstGeom prst="straightConnector1">
@@ -7085,6 +7034,338 @@
           </a:fontRef>
         </p:style>
       </p:cxnSp>
+      <p:pic>
+        <p:nvPicPr>
+          <p:cNvPr id="94" name="Picture 93" descr="EZ_PCA3_HClust_nolables.jpeg"/>
+          <p:cNvPicPr>
+            <a:picLocks noChangeAspect="1"/>
+          </p:cNvPicPr>
+          <p:nvPr/>
+        </p:nvPicPr>
+        <p:blipFill rotWithShape="1">
+          <a:blip r:embed="rId19">
+            <a:extLst>
+              <a:ext uri="{28A0092B-C50C-407E-A947-70E740481C1C}">
+                <a14:useLocalDpi xmlns:a14="http://schemas.microsoft.com/office/drawing/2010/main" val="0"/>
+              </a:ext>
+            </a:extLst>
+          </a:blip>
+          <a:srcRect l="5817" t="23768" r="4402" b="20204"/>
+          <a:stretch/>
+        </p:blipFill>
+        <p:spPr>
+          <a:xfrm>
+            <a:off x="11124963" y="24835608"/>
+            <a:ext cx="22987034" cy="2417677"/>
+          </a:xfrm>
+          <a:prstGeom prst="rect">
+            <a:avLst/>
+          </a:prstGeom>
+        </p:spPr>
+      </p:pic>
+      <p:pic>
+        <p:nvPicPr>
+          <p:cNvPr id="98" name="Picture 97" descr="EZ_clust_rel.jpeg"/>
+          <p:cNvPicPr>
+            <a:picLocks noChangeAspect="1"/>
+          </p:cNvPicPr>
+          <p:nvPr/>
+        </p:nvPicPr>
+        <p:blipFill>
+          <a:blip r:embed="rId20">
+            <a:extLst>
+              <a:ext uri="{28A0092B-C50C-407E-A947-70E740481C1C}">
+                <a14:useLocalDpi xmlns:a14="http://schemas.microsoft.com/office/drawing/2010/main" val="0"/>
+              </a:ext>
+            </a:extLst>
+          </a:blip>
+          <a:stretch>
+            <a:fillRect/>
+          </a:stretch>
+        </p:blipFill>
+        <p:spPr>
+          <a:xfrm>
+            <a:off x="31427722" y="27363237"/>
+            <a:ext cx="6117336" cy="3986784"/>
+          </a:xfrm>
+          <a:prstGeom prst="rect">
+            <a:avLst/>
+          </a:prstGeom>
+        </p:spPr>
+      </p:pic>
+      <p:graphicFrame>
+        <p:nvGraphicFramePr>
+          <p:cNvPr id="100" name="Table 99"/>
+          <p:cNvGraphicFramePr>
+            <a:graphicFrameLocks noGrp="1"/>
+          </p:cNvGraphicFramePr>
+          <p:nvPr>
+            <p:extLst>
+              <p:ext uri="{D42A27DB-BD31-4B8C-83A1-F6EECF244321}">
+                <p14:modId xmlns:p14="http://schemas.microsoft.com/office/powerpoint/2010/main" val="1321121019"/>
+              </p:ext>
+            </p:extLst>
+          </p:nvPr>
+        </p:nvGraphicFramePr>
+        <p:xfrm>
+          <a:off x="21586756" y="30141504"/>
+          <a:ext cx="10231200" cy="1645920"/>
+        </p:xfrm>
+        <a:graphic>
+          <a:graphicData uri="http://schemas.openxmlformats.org/drawingml/2006/table">
+            <a:tbl>
+              <a:tblPr firstRow="1" bandRow="1">
+                <a:tableStyleId>{2D5ABB26-0587-4C30-8999-92F81FD0307C}</a:tableStyleId>
+              </a:tblPr>
+              <a:tblGrid>
+                <a:gridCol w="2557800"/>
+                <a:gridCol w="2557800"/>
+                <a:gridCol w="2557800"/>
+                <a:gridCol w="2557800"/>
+              </a:tblGrid>
+              <a:tr h="370840">
+                <a:tc>
+                  <a:txBody>
+                    <a:bodyPr/>
+                    <a:lstStyle/>
+                    <a:p>
+                      <a:endParaRPr lang="en-US" sz="3000" dirty="0">
+                        <a:latin typeface="Arial"/>
+                        <a:cs typeface="Arial"/>
+                      </a:endParaRPr>
+                    </a:p>
+                  </a:txBody>
+                  <a:tcPr/>
+                </a:tc>
+                <a:tc>
+                  <a:txBody>
+                    <a:bodyPr/>
+                    <a:lstStyle/>
+                    <a:p>
+                      <a:r>
+                        <a:rPr lang="en-US" sz="3000" dirty="0" smtClean="0">
+                          <a:latin typeface="Arial"/>
+                          <a:cs typeface="Arial"/>
+                        </a:rPr>
+                        <a:t>Drift rate</a:t>
+                      </a:r>
+                      <a:endParaRPr lang="en-US" sz="3000" dirty="0">
+                        <a:latin typeface="Arial"/>
+                        <a:cs typeface="Arial"/>
+                      </a:endParaRPr>
+                    </a:p>
+                  </a:txBody>
+                  <a:tcPr/>
+                </a:tc>
+                <a:tc>
+                  <a:txBody>
+                    <a:bodyPr/>
+                    <a:lstStyle/>
+                    <a:p>
+                      <a:r>
+                        <a:rPr lang="en-US" sz="3000" dirty="0" smtClean="0">
+                          <a:latin typeface="Arial"/>
+                          <a:cs typeface="Arial"/>
+                        </a:rPr>
+                        <a:t>Threshold</a:t>
+                      </a:r>
+                      <a:endParaRPr lang="en-US" sz="3000" dirty="0">
+                        <a:latin typeface="Arial"/>
+                        <a:cs typeface="Arial"/>
+                      </a:endParaRPr>
+                    </a:p>
+                  </a:txBody>
+                  <a:tcPr/>
+                </a:tc>
+                <a:tc>
+                  <a:txBody>
+                    <a:bodyPr/>
+                    <a:lstStyle/>
+                    <a:p>
+                      <a:r>
+                        <a:rPr lang="en-US" sz="3000" dirty="0" smtClean="0">
+                          <a:latin typeface="Arial"/>
+                          <a:cs typeface="Arial"/>
+                        </a:rPr>
+                        <a:t>Non-decision</a:t>
+                      </a:r>
+                      <a:endParaRPr lang="en-US" sz="3000" dirty="0">
+                        <a:latin typeface="Arial"/>
+                        <a:cs typeface="Arial"/>
+                      </a:endParaRPr>
+                    </a:p>
+                  </a:txBody>
+                  <a:tcPr/>
+                </a:tc>
+              </a:tr>
+              <a:tr h="370840">
+                <a:tc>
+                  <a:txBody>
+                    <a:bodyPr/>
+                    <a:lstStyle/>
+                    <a:p>
+                      <a:r>
+                        <a:rPr lang="en-US" sz="3000" dirty="0" smtClean="0">
+                          <a:latin typeface="Arial"/>
+                          <a:cs typeface="Arial"/>
+                        </a:rPr>
+                        <a:t>DVs (median)</a:t>
+                      </a:r>
+                      <a:endParaRPr lang="en-US" sz="3000" dirty="0">
+                        <a:latin typeface="Arial"/>
+                        <a:cs typeface="Arial"/>
+                      </a:endParaRPr>
+                    </a:p>
+                  </a:txBody>
+                  <a:tcPr/>
+                </a:tc>
+                <a:tc>
+                  <a:txBody>
+                    <a:bodyPr/>
+                    <a:lstStyle/>
+                    <a:p>
+                      <a:r>
+                        <a:rPr lang="en-US" sz="3000" dirty="0" smtClean="0">
+                          <a:latin typeface="Arial"/>
+                          <a:cs typeface="Arial"/>
+                        </a:rPr>
+                        <a:t>0.51</a:t>
+                      </a:r>
+                      <a:endParaRPr lang="en-US" sz="3000" dirty="0">
+                        <a:latin typeface="Arial"/>
+                        <a:cs typeface="Arial"/>
+                      </a:endParaRPr>
+                    </a:p>
+                  </a:txBody>
+                  <a:tcPr/>
+                </a:tc>
+                <a:tc>
+                  <a:txBody>
+                    <a:bodyPr/>
+                    <a:lstStyle/>
+                    <a:p>
+                      <a:r>
+                        <a:rPr lang="en-US" sz="3000" dirty="0" smtClean="0">
+                          <a:latin typeface="Arial"/>
+                          <a:cs typeface="Arial"/>
+                        </a:rPr>
+                        <a:t>0.48</a:t>
+                      </a:r>
+                      <a:endParaRPr lang="en-US" sz="3000" dirty="0">
+                        <a:latin typeface="Arial"/>
+                        <a:cs typeface="Arial"/>
+                      </a:endParaRPr>
+                    </a:p>
+                  </a:txBody>
+                  <a:tcPr/>
+                </a:tc>
+                <a:tc>
+                  <a:txBody>
+                    <a:bodyPr/>
+                    <a:lstStyle/>
+                    <a:p>
+                      <a:r>
+                        <a:rPr lang="en-US" sz="3000" dirty="0" smtClean="0">
+                          <a:latin typeface="Arial"/>
+                          <a:cs typeface="Arial"/>
+                        </a:rPr>
+                        <a:t>0.51</a:t>
+                      </a:r>
+                      <a:endParaRPr lang="en-US" sz="3000" dirty="0">
+                        <a:latin typeface="Arial"/>
+                        <a:cs typeface="Arial"/>
+                      </a:endParaRPr>
+                    </a:p>
+                  </a:txBody>
+                  <a:tcPr/>
+                </a:tc>
+              </a:tr>
+              <a:tr h="370840">
+                <a:tc>
+                  <a:txBody>
+                    <a:bodyPr/>
+                    <a:lstStyle/>
+                    <a:p>
+                      <a:r>
+                        <a:rPr lang="en-US" sz="3000" dirty="0" smtClean="0">
+                          <a:latin typeface="Arial"/>
+                          <a:cs typeface="Arial"/>
+                        </a:rPr>
+                        <a:t>PC</a:t>
+                      </a:r>
+                      <a:endParaRPr lang="en-US" sz="3000" dirty="0">
+                        <a:latin typeface="Arial"/>
+                        <a:cs typeface="Arial"/>
+                      </a:endParaRPr>
+                    </a:p>
+                  </a:txBody>
+                  <a:tcPr/>
+                </a:tc>
+                <a:tc>
+                  <a:txBody>
+                    <a:bodyPr/>
+                    <a:lstStyle/>
+                    <a:p>
+                      <a:r>
+                        <a:rPr lang="en-US" sz="3000" dirty="0" smtClean="0">
+                          <a:latin typeface="Arial"/>
+                          <a:cs typeface="Arial"/>
+                        </a:rPr>
+                        <a:t>0.80</a:t>
+                      </a:r>
+                      <a:endParaRPr lang="en-US" sz="3000" dirty="0">
+                        <a:latin typeface="Arial"/>
+                        <a:cs typeface="Arial"/>
+                      </a:endParaRPr>
+                    </a:p>
+                  </a:txBody>
+                  <a:tcPr/>
+                </a:tc>
+                <a:tc>
+                  <a:txBody>
+                    <a:bodyPr/>
+                    <a:lstStyle/>
+                    <a:p>
+                      <a:r>
+                        <a:rPr lang="en-US" sz="3000" dirty="0" smtClean="0">
+                          <a:latin typeface="Arial"/>
+                          <a:cs typeface="Arial"/>
+                        </a:rPr>
+                        <a:t>0.87</a:t>
+                      </a:r>
+                      <a:endParaRPr lang="en-US" sz="3000" dirty="0">
+                        <a:latin typeface="Arial"/>
+                        <a:cs typeface="Arial"/>
+                      </a:endParaRPr>
+                    </a:p>
+                  </a:txBody>
+                  <a:tcPr/>
+                </a:tc>
+                <a:tc>
+                  <a:txBody>
+                    <a:bodyPr/>
+                    <a:lstStyle/>
+                    <a:p>
+                      <a:r>
+                        <a:rPr lang="en-US" sz="3000" dirty="0" smtClean="0">
+                          <a:latin typeface="Arial"/>
+                          <a:cs typeface="Arial"/>
+                        </a:rPr>
+                        <a:t>0.86</a:t>
+                      </a:r>
+                      <a:endParaRPr lang="en-US" sz="3000" dirty="0">
+                        <a:latin typeface="Arial"/>
+                        <a:cs typeface="Arial"/>
+                      </a:endParaRPr>
+                    </a:p>
+                  </a:txBody>
+                  <a:tcPr/>
+                </a:tc>
+              </a:tr>
+            </a:tbl>
+          </a:graphicData>
+        </a:graphic>
+      </p:graphicFrame>
     </p:spTree>
   </p:cSld>
   <p:clrMapOvr>

--- a/presentations/NeuroeconPoster2018.pptx
+++ b/presentations/NeuroeconPoster2018.pptx
@@ -5942,9 +5942,221 @@
           </a:p>
         </p:txBody>
       </p:sp>
+      <p:sp>
+        <p:nvSpPr>
+          <p:cNvPr id="63" name="Rectangle 62"/>
+          <p:cNvSpPr/>
+          <p:nvPr/>
+        </p:nvSpPr>
+        <p:spPr>
+          <a:xfrm>
+            <a:off x="24614763" y="22349007"/>
+            <a:ext cx="12801600" cy="1463625"/>
+          </a:xfrm>
+          <a:prstGeom prst="rect">
+            <a:avLst/>
+          </a:prstGeom>
+          <a:noFill/>
+        </p:spPr>
+        <p:txBody>
+          <a:bodyPr wrap="square" lIns="274320" rIns="274320" rtlCol="0">
+            <a:noAutofit/>
+          </a:bodyPr>
+          <a:lstStyle/>
+          <a:p>
+            <a:pPr>
+              <a:buFont typeface="Arial"/>
+              <a:buChar char="•"/>
+            </a:pPr>
+            <a:r>
+              <a:rPr lang="en-US" sz="4400" dirty="0">
+                <a:latin typeface="Arial"/>
+                <a:cs typeface="Arial"/>
+              </a:rPr>
+              <a:t> </a:t>
+            </a:r>
+            <a:r>
+              <a:rPr lang="en-US" sz="4400" dirty="0" smtClean="0">
+                <a:latin typeface="Arial"/>
+                <a:cs typeface="Arial"/>
+              </a:rPr>
+              <a:t>No systematic difference in parameter estimate or reliability using hierarchical estimates </a:t>
+            </a:r>
+            <a:endParaRPr lang="en-US" sz="4400" dirty="0">
+              <a:latin typeface="Arial"/>
+              <a:cs typeface="Arial"/>
+            </a:endParaRPr>
+          </a:p>
+        </p:txBody>
+      </p:sp>
+      <p:sp>
+        <p:nvSpPr>
+          <p:cNvPr id="64" name="Rectangle 63"/>
+          <p:cNvSpPr/>
+          <p:nvPr/>
+        </p:nvSpPr>
+        <p:spPr>
+          <a:xfrm>
+            <a:off x="259768" y="31392411"/>
+            <a:ext cx="10398098" cy="1244845"/>
+          </a:xfrm>
+          <a:prstGeom prst="rect">
+            <a:avLst/>
+          </a:prstGeom>
+          <a:noFill/>
+        </p:spPr>
+        <p:txBody>
+          <a:bodyPr wrap="square" lIns="274320" rIns="274320" rtlCol="0">
+            <a:noAutofit/>
+          </a:bodyPr>
+          <a:lstStyle/>
+          <a:p>
+            <a:r>
+              <a:rPr lang="en-US" sz="1800" dirty="0">
+                <a:latin typeface="Arial"/>
+                <a:cs typeface="Arial"/>
+              </a:rPr>
+              <a:t>Eisenberg, I., </a:t>
+            </a:r>
+            <a:r>
+              <a:rPr lang="en-US" sz="1800" dirty="0" err="1">
+                <a:latin typeface="Arial"/>
+                <a:cs typeface="Arial"/>
+              </a:rPr>
+              <a:t>Bissett</a:t>
+            </a:r>
+            <a:r>
+              <a:rPr lang="en-US" sz="1800" dirty="0">
+                <a:latin typeface="Arial"/>
+                <a:cs typeface="Arial"/>
+              </a:rPr>
+              <a:t>, P., Enkavi, A. Z., Li, J., MacKinnon, D., </a:t>
+            </a:r>
+            <a:r>
+              <a:rPr lang="en-US" sz="1800" dirty="0" err="1">
+                <a:latin typeface="Arial"/>
+                <a:cs typeface="Arial"/>
+              </a:rPr>
+              <a:t>Marsch</a:t>
+            </a:r>
+            <a:r>
+              <a:rPr lang="en-US" sz="1800" dirty="0">
+                <a:latin typeface="Arial"/>
+                <a:cs typeface="Arial"/>
+              </a:rPr>
+              <a:t>, L., &amp; </a:t>
+            </a:r>
+            <a:r>
+              <a:rPr lang="en-US" sz="1800" dirty="0" err="1">
+                <a:latin typeface="Arial"/>
+                <a:cs typeface="Arial"/>
+              </a:rPr>
+              <a:t>Poldrack</a:t>
+            </a:r>
+            <a:r>
+              <a:rPr lang="en-US" sz="1800" dirty="0">
+                <a:latin typeface="Arial"/>
+                <a:cs typeface="Arial"/>
+              </a:rPr>
+              <a:t>, R. (2018). Uncovering mental structure through data-driven ontology </a:t>
+            </a:r>
+            <a:r>
+              <a:rPr lang="en-US" sz="1800" dirty="0" smtClean="0">
+                <a:latin typeface="Arial"/>
+                <a:cs typeface="Arial"/>
+              </a:rPr>
+              <a:t>discovery</a:t>
+            </a:r>
+          </a:p>
+          <a:p>
+            <a:r>
+              <a:rPr lang="en-US" sz="1800" dirty="0">
+                <a:latin typeface="Arial"/>
+                <a:cs typeface="Arial"/>
+              </a:rPr>
+              <a:t>Enkavi, A. Z., Eisenberg, I., </a:t>
+            </a:r>
+            <a:r>
+              <a:rPr lang="en-US" sz="1800" dirty="0" err="1">
+                <a:latin typeface="Arial"/>
+                <a:cs typeface="Arial"/>
+              </a:rPr>
+              <a:t>Bissett</a:t>
+            </a:r>
+            <a:r>
+              <a:rPr lang="en-US" sz="1800" dirty="0">
+                <a:latin typeface="Arial"/>
+                <a:cs typeface="Arial"/>
+              </a:rPr>
+              <a:t>, P., </a:t>
+            </a:r>
+            <a:r>
+              <a:rPr lang="en-US" sz="1800" dirty="0" err="1">
+                <a:latin typeface="Arial"/>
+                <a:cs typeface="Arial"/>
+              </a:rPr>
+              <a:t>Mazza</a:t>
+            </a:r>
+            <a:r>
+              <a:rPr lang="en-US" sz="1800" dirty="0">
+                <a:latin typeface="Arial"/>
+                <a:cs typeface="Arial"/>
+              </a:rPr>
+              <a:t>, G. L., MacKinnon, D. P., </a:t>
+            </a:r>
+            <a:r>
+              <a:rPr lang="en-US" sz="1800" dirty="0" err="1">
+                <a:latin typeface="Arial"/>
+                <a:cs typeface="Arial"/>
+              </a:rPr>
+              <a:t>Marsch</a:t>
+            </a:r>
+            <a:r>
+              <a:rPr lang="en-US" sz="1800" dirty="0">
+                <a:latin typeface="Arial"/>
+                <a:cs typeface="Arial"/>
+              </a:rPr>
+              <a:t>, L. A., &amp; </a:t>
+            </a:r>
+            <a:r>
+              <a:rPr lang="en-US" sz="1800" dirty="0" err="1">
+                <a:latin typeface="Arial"/>
+                <a:cs typeface="Arial"/>
+              </a:rPr>
+              <a:t>Poldrack</a:t>
+            </a:r>
+            <a:r>
+              <a:rPr lang="en-US" sz="1800" dirty="0">
+                <a:latin typeface="Arial"/>
+                <a:cs typeface="Arial"/>
+              </a:rPr>
+              <a:t>, R. (2018). A large-scale analysis of test-retest reliabilities of self-regulation measures</a:t>
+            </a:r>
+            <a:r>
+              <a:rPr lang="en-US" sz="1800" dirty="0" smtClean="0">
+                <a:latin typeface="Arial"/>
+                <a:cs typeface="Arial"/>
+              </a:rPr>
+              <a:t>.</a:t>
+            </a:r>
+          </a:p>
+          <a:p>
+            <a:endParaRPr lang="en-US" sz="1800" dirty="0" smtClean="0">
+              <a:latin typeface="Arial"/>
+              <a:cs typeface="Arial"/>
+            </a:endParaRPr>
+          </a:p>
+          <a:p>
+            <a:endParaRPr lang="en-US" sz="1800" dirty="0">
+              <a:latin typeface="Arial"/>
+              <a:cs typeface="Arial"/>
+            </a:endParaRPr>
+          </a:p>
+        </p:txBody>
+      </p:sp>
       <p:pic>
         <p:nvPicPr>
-          <p:cNvPr id="28" name="Picture 27" descr="Flat_vs_hier.jpeg"/>
+          <p:cNvPr id="8" name="Picture 7" descr="Boot_ddm_plot.jpeg"/>
           <p:cNvPicPr>
             <a:picLocks noChangeAspect="1"/>
           </p:cNvPicPr>
@@ -5964,17 +6176,129 @@
         </p:blipFill>
         <p:spPr>
           <a:xfrm>
-            <a:off x="25071963" y="17373600"/>
-            <a:ext cx="5867400" cy="5029200"/>
+            <a:off x="11124963" y="11504263"/>
+            <a:ext cx="20116800" cy="3831771"/>
           </a:xfrm>
           <a:prstGeom prst="rect">
             <a:avLst/>
           </a:prstGeom>
         </p:spPr>
       </p:pic>
+      <p:sp>
+        <p:nvSpPr>
+          <p:cNvPr id="12" name="Rectangle 11"/>
+          <p:cNvSpPr/>
+          <p:nvPr/>
+        </p:nvSpPr>
+        <p:spPr>
+          <a:xfrm>
+            <a:off x="11091332" y="15130684"/>
+            <a:ext cx="26593525" cy="1446550"/>
+          </a:xfrm>
+          <a:prstGeom prst="rect">
+            <a:avLst/>
+          </a:prstGeom>
+        </p:spPr>
+        <p:txBody>
+          <a:bodyPr wrap="square">
+            <a:spAutoFit/>
+          </a:bodyPr>
+          <a:lstStyle/>
+          <a:p>
+            <a:pPr>
+              <a:buFont typeface="Arial"/>
+              <a:buChar char="•"/>
+            </a:pPr>
+            <a:r>
+              <a:rPr lang="en-US" sz="4400" dirty="0" smtClean="0">
+                <a:solidFill>
+                  <a:srgbClr val="000000"/>
+                </a:solidFill>
+                <a:latin typeface="Arial"/>
+                <a:cs typeface="Arial"/>
+                <a:sym typeface="Wingdings"/>
+              </a:rPr>
+              <a:t> Both contrast (b = -0.37, t(512) = -9.99) </a:t>
+            </a:r>
+            <a:r>
+              <a:rPr lang="en-US" sz="4400" dirty="0">
+                <a:solidFill>
+                  <a:srgbClr val="000000"/>
+                </a:solidFill>
+                <a:latin typeface="Arial"/>
+                <a:cs typeface="Arial"/>
+                <a:sym typeface="Wingdings"/>
+              </a:rPr>
+              <a:t>and </a:t>
+            </a:r>
+            <a:r>
+              <a:rPr lang="en-US" sz="4400" dirty="0" smtClean="0">
+                <a:solidFill>
+                  <a:srgbClr val="000000"/>
+                </a:solidFill>
+                <a:latin typeface="Arial"/>
+                <a:cs typeface="Arial"/>
+                <a:sym typeface="Wingdings"/>
+              </a:rPr>
+              <a:t>condition (b = -0.09, t(512) = -2.84) </a:t>
+            </a:r>
+            <a:r>
+              <a:rPr lang="en-US" sz="4400" dirty="0">
+                <a:solidFill>
+                  <a:srgbClr val="000000"/>
+                </a:solidFill>
+                <a:latin typeface="Arial"/>
+                <a:cs typeface="Arial"/>
+                <a:sym typeface="Wingdings"/>
+              </a:rPr>
+              <a:t>measures are less reliable than </a:t>
+            </a:r>
+            <a:r>
+              <a:rPr lang="en-US" sz="4400" dirty="0" smtClean="0">
+                <a:solidFill>
+                  <a:srgbClr val="000000"/>
+                </a:solidFill>
+                <a:latin typeface="Arial"/>
+                <a:cs typeface="Arial"/>
+                <a:sym typeface="Wingdings"/>
+              </a:rPr>
+              <a:t>measures </a:t>
+            </a:r>
+            <a:r>
+              <a:rPr lang="en-US" sz="4400" dirty="0">
+                <a:solidFill>
+                  <a:srgbClr val="000000"/>
+                </a:solidFill>
+                <a:latin typeface="Arial"/>
+                <a:cs typeface="Arial"/>
+                <a:sym typeface="Wingdings"/>
+              </a:rPr>
+              <a:t>that use </a:t>
+            </a:r>
+            <a:r>
+              <a:rPr lang="en-US" sz="4400" dirty="0" smtClean="0">
+                <a:solidFill>
+                  <a:srgbClr val="000000"/>
+                </a:solidFill>
+                <a:latin typeface="Arial"/>
+                <a:cs typeface="Arial"/>
+                <a:sym typeface="Wingdings"/>
+              </a:rPr>
+              <a:t>all trials </a:t>
+            </a:r>
+            <a:endParaRPr lang="en-US" sz="4400" dirty="0">
+              <a:solidFill>
+                <a:srgbClr val="000000"/>
+              </a:solidFill>
+              <a:latin typeface="Arial"/>
+              <a:cs typeface="Arial"/>
+            </a:endParaRPr>
+          </a:p>
+        </p:txBody>
+      </p:sp>
       <p:pic>
         <p:nvPicPr>
-          <p:cNvPr id="29" name="Picture 28" descr="Flat_vs_hier_rel.jpeg"/>
+          <p:cNvPr id="15" name="Picture 14" descr="Sample_size.jpeg"/>
           <p:cNvPicPr>
             <a:picLocks noChangeAspect="1"/>
           </p:cNvPicPr>
@@ -5994,8 +6318,8 @@
         </p:blipFill>
         <p:spPr>
           <a:xfrm>
-            <a:off x="31654349" y="17373600"/>
-            <a:ext cx="5867400" cy="5029200"/>
+            <a:off x="10928167" y="17662817"/>
+            <a:ext cx="6400800" cy="4572000"/>
           </a:xfrm>
           <a:prstGeom prst="rect">
             <a:avLst/>
@@ -6004,14 +6328,102 @@
       </p:pic>
       <p:sp>
         <p:nvSpPr>
-          <p:cNvPr id="63" name="Rectangle 62"/>
+          <p:cNvPr id="27" name="Rectangle 26"/>
           <p:cNvSpPr/>
           <p:nvPr/>
         </p:nvSpPr>
         <p:spPr>
           <a:xfrm>
-            <a:off x="24614763" y="22349007"/>
-            <a:ext cx="12801600" cy="1463625"/>
+            <a:off x="11149278" y="22167597"/>
+            <a:ext cx="13223565" cy="1446550"/>
+          </a:xfrm>
+          <a:prstGeom prst="rect">
+            <a:avLst/>
+          </a:prstGeom>
+        </p:spPr>
+        <p:txBody>
+          <a:bodyPr wrap="square">
+            <a:spAutoFit/>
+          </a:bodyPr>
+          <a:lstStyle/>
+          <a:p>
+            <a:pPr>
+              <a:buFont typeface="Arial"/>
+              <a:buChar char="•"/>
+            </a:pPr>
+            <a:r>
+              <a:rPr lang="en-US" sz="4400" dirty="0">
+                <a:latin typeface="Arial"/>
+                <a:cs typeface="Arial"/>
+              </a:rPr>
+              <a:t> </a:t>
+            </a:r>
+            <a:r>
+              <a:rPr lang="en-US" sz="4400" dirty="0" smtClean="0">
+                <a:latin typeface="Arial"/>
+                <a:cs typeface="Arial"/>
+              </a:rPr>
+              <a:t>Conclusion does not change depending on </a:t>
+            </a:r>
+            <a:r>
+              <a:rPr lang="en-US" sz="4400" dirty="0">
+                <a:latin typeface="Arial"/>
+                <a:cs typeface="Arial"/>
+              </a:rPr>
+              <a:t>measure type (</a:t>
+            </a:r>
+            <a:r>
+              <a:rPr lang="en-US" sz="4400" dirty="0" smtClean="0">
+                <a:latin typeface="Arial"/>
+                <a:cs typeface="Arial"/>
+              </a:rPr>
+              <a:t>raw</a:t>
+            </a:r>
+            <a:r>
+              <a:rPr lang="en-US" sz="4400" dirty="0">
+                <a:latin typeface="Arial"/>
+                <a:cs typeface="Arial"/>
+              </a:rPr>
+              <a:t> </a:t>
+            </a:r>
+            <a:r>
+              <a:rPr lang="en-US" sz="4400" dirty="0" smtClean="0">
+                <a:latin typeface="Arial"/>
+                <a:cs typeface="Arial"/>
+              </a:rPr>
+              <a:t>vs. </a:t>
+            </a:r>
+            <a:r>
+              <a:rPr lang="en-US" sz="4400" dirty="0" err="1" smtClean="0">
+                <a:latin typeface="Arial"/>
+                <a:cs typeface="Arial"/>
+              </a:rPr>
+              <a:t>ddm</a:t>
+            </a:r>
+            <a:r>
+              <a:rPr lang="en-US" sz="4400" dirty="0" smtClean="0">
+                <a:latin typeface="Arial"/>
+                <a:cs typeface="Arial"/>
+              </a:rPr>
+              <a:t>, all trials vs. contrasts)</a:t>
+            </a:r>
+            <a:endParaRPr lang="en-US" sz="4400" dirty="0">
+              <a:latin typeface="Arial"/>
+              <a:cs typeface="Arial"/>
+            </a:endParaRPr>
+          </a:p>
+        </p:txBody>
+      </p:sp>
+      <p:sp>
+        <p:nvSpPr>
+          <p:cNvPr id="76" name="Rectangle 75"/>
+          <p:cNvSpPr/>
+          <p:nvPr/>
+        </p:nvSpPr>
+        <p:spPr>
+          <a:xfrm>
+            <a:off x="10928167" y="25963157"/>
+            <a:ext cx="3223637" cy="1463625"/>
           </a:xfrm>
           <a:prstGeom prst="rect">
             <a:avLst/>
@@ -6024,23 +6436,12 @@
           </a:bodyPr>
           <a:lstStyle/>
           <a:p>
-            <a:pPr>
-              <a:buFont typeface="Arial"/>
-              <a:buChar char="•"/>
-            </a:pPr>
-            <a:r>
-              <a:rPr lang="en-US" sz="4400" dirty="0">
-                <a:latin typeface="Arial"/>
-                <a:cs typeface="Arial"/>
-              </a:rPr>
-              <a:t> </a:t>
-            </a:r>
             <a:r>
               <a:rPr lang="en-US" sz="4400" dirty="0" smtClean="0">
                 <a:latin typeface="Arial"/>
                 <a:cs typeface="Arial"/>
               </a:rPr>
-              <a:t>No systematic difference in parameter estimate or reliability using hierarchical estimates </a:t>
+              <a:t> Measures</a:t>
             </a:r>
             <a:endParaRPr lang="en-US" sz="4400" dirty="0">
               <a:latin typeface="Arial"/>
@@ -6051,14 +6452,14 @@
       </p:sp>
       <p:sp>
         <p:nvSpPr>
-          <p:cNvPr id="64" name="Rectangle 63"/>
+          <p:cNvPr id="78" name="Rectangle 77"/>
           <p:cNvSpPr/>
           <p:nvPr/>
         </p:nvSpPr>
         <p:spPr>
           <a:xfrm>
-            <a:off x="259768" y="31392411"/>
-            <a:ext cx="10398098" cy="1244845"/>
+            <a:off x="11080567" y="29633807"/>
+            <a:ext cx="3829233" cy="1463625"/>
           </a:xfrm>
           <a:prstGeom prst="rect">
             <a:avLst/>
@@ -6072,151 +6473,94 @@
           <a:lstStyle/>
           <a:p>
             <a:r>
-              <a:rPr lang="en-US" sz="1800" dirty="0">
-                <a:latin typeface="Arial"/>
-                <a:cs typeface="Arial"/>
-              </a:rPr>
-              <a:t>Eisenberg, I., </a:t>
-            </a:r>
-            <a:r>
-              <a:rPr lang="en-US" sz="1800" dirty="0" err="1">
-                <a:latin typeface="Arial"/>
-                <a:cs typeface="Arial"/>
-              </a:rPr>
-              <a:t>Bissett</a:t>
-            </a:r>
-            <a:r>
-              <a:rPr lang="en-US" sz="1800" dirty="0">
-                <a:latin typeface="Arial"/>
-                <a:cs typeface="Arial"/>
-              </a:rPr>
-              <a:t>, P., Enkavi, A. Z., Li, J., MacKinnon, D., </a:t>
-            </a:r>
-            <a:r>
-              <a:rPr lang="en-US" sz="1800" dirty="0" err="1">
-                <a:latin typeface="Arial"/>
-                <a:cs typeface="Arial"/>
-              </a:rPr>
-              <a:t>Marsch</a:t>
-            </a:r>
-            <a:r>
-              <a:rPr lang="en-US" sz="1800" dirty="0">
-                <a:latin typeface="Arial"/>
-                <a:cs typeface="Arial"/>
-              </a:rPr>
-              <a:t>, L., &amp; </a:t>
-            </a:r>
-            <a:r>
-              <a:rPr lang="en-US" sz="1800" dirty="0" err="1">
-                <a:latin typeface="Arial"/>
-                <a:cs typeface="Arial"/>
-              </a:rPr>
-              <a:t>Poldrack</a:t>
-            </a:r>
-            <a:r>
-              <a:rPr lang="en-US" sz="1800" dirty="0">
-                <a:latin typeface="Arial"/>
-                <a:cs typeface="Arial"/>
-              </a:rPr>
-              <a:t>, R. (2018). Uncovering mental structure through data-driven ontology </a:t>
-            </a:r>
-            <a:r>
-              <a:rPr lang="en-US" sz="1800" dirty="0" smtClean="0">
-                <a:latin typeface="Arial"/>
-                <a:cs typeface="Arial"/>
-              </a:rPr>
-              <a:t>discovery</a:t>
-            </a:r>
-          </a:p>
-          <a:p>
-            <a:r>
-              <a:rPr lang="en-US" sz="1800" dirty="0">
-                <a:latin typeface="Arial"/>
-                <a:cs typeface="Arial"/>
-              </a:rPr>
-              <a:t>Enkavi, A. Z., Eisenberg, I., </a:t>
-            </a:r>
-            <a:r>
-              <a:rPr lang="en-US" sz="1800" dirty="0" err="1">
-                <a:latin typeface="Arial"/>
-                <a:cs typeface="Arial"/>
-              </a:rPr>
-              <a:t>Bissett</a:t>
-            </a:r>
-            <a:r>
-              <a:rPr lang="en-US" sz="1800" dirty="0">
-                <a:latin typeface="Arial"/>
-                <a:cs typeface="Arial"/>
-              </a:rPr>
-              <a:t>, P., </a:t>
-            </a:r>
-            <a:r>
-              <a:rPr lang="en-US" sz="1800" dirty="0" err="1">
-                <a:latin typeface="Arial"/>
-                <a:cs typeface="Arial"/>
-              </a:rPr>
-              <a:t>Mazza</a:t>
-            </a:r>
-            <a:r>
-              <a:rPr lang="en-US" sz="1800" dirty="0">
-                <a:latin typeface="Arial"/>
-                <a:cs typeface="Arial"/>
-              </a:rPr>
-              <a:t>, G. L., MacKinnon, D. P., </a:t>
-            </a:r>
-            <a:r>
-              <a:rPr lang="en-US" sz="1800" dirty="0" err="1">
-                <a:latin typeface="Arial"/>
-                <a:cs typeface="Arial"/>
-              </a:rPr>
-              <a:t>Marsch</a:t>
-            </a:r>
-            <a:r>
-              <a:rPr lang="en-US" sz="1800" dirty="0">
-                <a:latin typeface="Arial"/>
-                <a:cs typeface="Arial"/>
-              </a:rPr>
-              <a:t>, L. A., &amp; </a:t>
-            </a:r>
-            <a:r>
-              <a:rPr lang="en-US" sz="1800" dirty="0" err="1">
-                <a:latin typeface="Arial"/>
-                <a:cs typeface="Arial"/>
-              </a:rPr>
-              <a:t>Poldrack</a:t>
-            </a:r>
-            <a:r>
-              <a:rPr lang="en-US" sz="1800" dirty="0">
-                <a:latin typeface="Arial"/>
-                <a:cs typeface="Arial"/>
-              </a:rPr>
-              <a:t>, R. (2018). A large-scale analysis of test-retest reliabilities of self-regulation measures</a:t>
-            </a:r>
-            <a:r>
-              <a:rPr lang="en-US" sz="1800" dirty="0" smtClean="0">
-                <a:latin typeface="Arial"/>
-                <a:cs typeface="Arial"/>
-              </a:rPr>
-              <a:t>.</a:t>
-            </a:r>
-          </a:p>
-          <a:p>
-            <a:endParaRPr lang="en-US" sz="1800" dirty="0" smtClean="0">
+              <a:rPr lang="en-US" sz="4400" dirty="0" smtClean="0">
+                <a:latin typeface="Arial"/>
+                <a:cs typeface="Arial"/>
+              </a:rPr>
+              <a:t>Principal Components</a:t>
+            </a:r>
+            <a:endParaRPr lang="en-US" sz="4400" dirty="0">
               <a:latin typeface="Arial"/>
               <a:cs typeface="Arial"/>
             </a:endParaRPr>
           </a:p>
-          <a:p>
-            <a:endParaRPr lang="en-US" sz="1800" dirty="0">
+        </p:txBody>
+      </p:sp>
+      <p:sp>
+        <p:nvSpPr>
+          <p:cNvPr id="80" name="Rectangle 79"/>
+          <p:cNvSpPr/>
+          <p:nvPr/>
+        </p:nvSpPr>
+        <p:spPr>
+          <a:xfrm>
+            <a:off x="16826123" y="24695037"/>
+            <a:ext cx="1359348" cy="806563"/>
+          </a:xfrm>
+          <a:prstGeom prst="rect">
+            <a:avLst/>
+          </a:prstGeom>
+          <a:noFill/>
+        </p:spPr>
+        <p:txBody>
+          <a:bodyPr wrap="square" lIns="274320" rIns="274320" rtlCol="0">
+            <a:noAutofit/>
+          </a:bodyPr>
+          <a:lstStyle/>
+          <a:p>
+            <a:r>
+              <a:rPr lang="en-US" sz="4400" dirty="0" smtClean="0">
+                <a:latin typeface="Arial"/>
+                <a:cs typeface="Arial"/>
+              </a:rPr>
+              <a:t>T1</a:t>
+            </a:r>
+            <a:endParaRPr lang="en-US" sz="4400" dirty="0">
               <a:latin typeface="Arial"/>
               <a:cs typeface="Arial"/>
             </a:endParaRPr>
           </a:p>
         </p:txBody>
       </p:sp>
+      <p:sp>
+        <p:nvSpPr>
+          <p:cNvPr id="81" name="Rectangle 80"/>
+          <p:cNvSpPr/>
+          <p:nvPr/>
+        </p:nvSpPr>
+        <p:spPr>
+          <a:xfrm>
+            <a:off x="24794071" y="24695037"/>
+            <a:ext cx="1359348" cy="806563"/>
+          </a:xfrm>
+          <a:prstGeom prst="rect">
+            <a:avLst/>
+          </a:prstGeom>
+          <a:noFill/>
+        </p:spPr>
+        <p:txBody>
+          <a:bodyPr wrap="square" lIns="274320" rIns="274320" rtlCol="0">
+            <a:noAutofit/>
+          </a:bodyPr>
+          <a:lstStyle/>
+          <a:p>
+            <a:r>
+              <a:rPr lang="en-US" sz="4400" dirty="0" smtClean="0">
+                <a:latin typeface="Arial"/>
+                <a:cs typeface="Arial"/>
+              </a:rPr>
+              <a:t>T2</a:t>
+            </a:r>
+            <a:endParaRPr lang="en-US" sz="4400" dirty="0">
+              <a:latin typeface="Arial"/>
+              <a:cs typeface="Arial"/>
+            </a:endParaRPr>
+          </a:p>
+        </p:txBody>
+      </p:sp>
       <p:pic>
         <p:nvPicPr>
-          <p:cNvPr id="8" name="Picture 7" descr="Boot_ddm_plot.jpeg"/>
+          <p:cNvPr id="26" name="Picture 25" descr="EZ_PCA_T1_plotly.png"/>
           <p:cNvPicPr>
             <a:picLocks noChangeAspect="1"/>
           </p:cNvPicPr>
@@ -6236,129 +6580,17 @@
         </p:blipFill>
         <p:spPr>
           <a:xfrm>
-            <a:off x="11124963" y="11504263"/>
-            <a:ext cx="20116800" cy="3831771"/>
+            <a:off x="15734909" y="28765632"/>
+            <a:ext cx="3541776" cy="3200400"/>
           </a:xfrm>
           <a:prstGeom prst="rect">
             <a:avLst/>
           </a:prstGeom>
         </p:spPr>
       </p:pic>
-      <p:sp>
-        <p:nvSpPr>
-          <p:cNvPr id="12" name="Rectangle 11"/>
-          <p:cNvSpPr/>
-          <p:nvPr/>
-        </p:nvSpPr>
-        <p:spPr>
-          <a:xfrm>
-            <a:off x="11091332" y="15130684"/>
-            <a:ext cx="26593525" cy="1446550"/>
-          </a:xfrm>
-          <a:prstGeom prst="rect">
-            <a:avLst/>
-          </a:prstGeom>
-        </p:spPr>
-        <p:txBody>
-          <a:bodyPr wrap="square">
-            <a:spAutoFit/>
-          </a:bodyPr>
-          <a:lstStyle/>
-          <a:p>
-            <a:pPr>
-              <a:buFont typeface="Arial"/>
-              <a:buChar char="•"/>
-            </a:pPr>
-            <a:r>
-              <a:rPr lang="en-US" sz="4400" dirty="0" smtClean="0">
-                <a:solidFill>
-                  <a:srgbClr val="000000"/>
-                </a:solidFill>
-                <a:latin typeface="Arial"/>
-                <a:cs typeface="Arial"/>
-                <a:sym typeface="Wingdings"/>
-              </a:rPr>
-              <a:t> Both contrast (b = -0.37, t(512) = -9.99) </a:t>
-            </a:r>
-            <a:r>
-              <a:rPr lang="en-US" sz="4400" dirty="0">
-                <a:solidFill>
-                  <a:srgbClr val="000000"/>
-                </a:solidFill>
-                <a:latin typeface="Arial"/>
-                <a:cs typeface="Arial"/>
-                <a:sym typeface="Wingdings"/>
-              </a:rPr>
-              <a:t>and </a:t>
-            </a:r>
-            <a:r>
-              <a:rPr lang="en-US" sz="4400" dirty="0" smtClean="0">
-                <a:solidFill>
-                  <a:srgbClr val="000000"/>
-                </a:solidFill>
-                <a:latin typeface="Arial"/>
-                <a:cs typeface="Arial"/>
-                <a:sym typeface="Wingdings"/>
-              </a:rPr>
-              <a:t>condition (b = -0.09, t(512) = -2.84) </a:t>
-            </a:r>
-            <a:r>
-              <a:rPr lang="en-US" sz="4400" dirty="0">
-                <a:solidFill>
-                  <a:srgbClr val="000000"/>
-                </a:solidFill>
-                <a:latin typeface="Arial"/>
-                <a:cs typeface="Arial"/>
-                <a:sym typeface="Wingdings"/>
-              </a:rPr>
-              <a:t>measures are less reliable than </a:t>
-            </a:r>
-            <a:r>
-              <a:rPr lang="en-US" sz="4400" dirty="0" smtClean="0">
-                <a:solidFill>
-                  <a:srgbClr val="000000"/>
-                </a:solidFill>
-                <a:latin typeface="Arial"/>
-                <a:cs typeface="Arial"/>
-                <a:sym typeface="Wingdings"/>
-              </a:rPr>
-              <a:t>measures </a:t>
-            </a:r>
-            <a:r>
-              <a:rPr lang="en-US" sz="4400" dirty="0">
-                <a:solidFill>
-                  <a:srgbClr val="000000"/>
-                </a:solidFill>
-                <a:latin typeface="Arial"/>
-                <a:cs typeface="Arial"/>
-                <a:sym typeface="Wingdings"/>
-              </a:rPr>
-              <a:t>that use </a:t>
-            </a:r>
-            <a:r>
-              <a:rPr lang="en-US" sz="4400" dirty="0" smtClean="0">
-                <a:solidFill>
-                  <a:srgbClr val="000000"/>
-                </a:solidFill>
-                <a:latin typeface="Arial"/>
-                <a:cs typeface="Arial"/>
-                <a:sym typeface="Wingdings"/>
-              </a:rPr>
-              <a:t>all trials </a:t>
-            </a:r>
-            <a:endParaRPr lang="en-US" sz="4400" dirty="0">
-              <a:solidFill>
-                <a:srgbClr val="000000"/>
-              </a:solidFill>
-              <a:latin typeface="Arial"/>
-              <a:cs typeface="Arial"/>
-            </a:endParaRPr>
-          </a:p>
-        </p:txBody>
-      </p:sp>
       <p:pic>
         <p:nvPicPr>
-          <p:cNvPr id="15" name="Picture 14" descr="Sample_size.jpeg"/>
+          <p:cNvPr id="30" name="Picture 29" descr="EZ_PCA_T2_plotly.png"/>
           <p:cNvPicPr>
             <a:picLocks noChangeAspect="1"/>
           </p:cNvPicPr>
@@ -6378,249 +6610,17 @@
         </p:blipFill>
         <p:spPr>
           <a:xfrm>
-            <a:off x="10928167" y="17662817"/>
-            <a:ext cx="6400800" cy="4572000"/>
+            <a:off x="22659451" y="28765632"/>
+            <a:ext cx="3781213" cy="3200400"/>
           </a:xfrm>
           <a:prstGeom prst="rect">
             <a:avLst/>
           </a:prstGeom>
         </p:spPr>
       </p:pic>
-      <p:sp>
-        <p:nvSpPr>
-          <p:cNvPr id="27" name="Rectangle 26"/>
-          <p:cNvSpPr/>
-          <p:nvPr/>
-        </p:nvSpPr>
-        <p:spPr>
-          <a:xfrm>
-            <a:off x="11149278" y="22167597"/>
-            <a:ext cx="13223565" cy="1446550"/>
-          </a:xfrm>
-          <a:prstGeom prst="rect">
-            <a:avLst/>
-          </a:prstGeom>
-        </p:spPr>
-        <p:txBody>
-          <a:bodyPr wrap="square">
-            <a:spAutoFit/>
-          </a:bodyPr>
-          <a:lstStyle/>
-          <a:p>
-            <a:pPr>
-              <a:buFont typeface="Arial"/>
-              <a:buChar char="•"/>
-            </a:pPr>
-            <a:r>
-              <a:rPr lang="en-US" sz="4400" dirty="0">
-                <a:latin typeface="Arial"/>
-                <a:cs typeface="Arial"/>
-              </a:rPr>
-              <a:t> </a:t>
-            </a:r>
-            <a:r>
-              <a:rPr lang="en-US" sz="4400" dirty="0" smtClean="0">
-                <a:latin typeface="Arial"/>
-                <a:cs typeface="Arial"/>
-              </a:rPr>
-              <a:t>Conclusion does not change depending on </a:t>
-            </a:r>
-            <a:r>
-              <a:rPr lang="en-US" sz="4400" dirty="0">
-                <a:latin typeface="Arial"/>
-                <a:cs typeface="Arial"/>
-              </a:rPr>
-              <a:t>measure type (</a:t>
-            </a:r>
-            <a:r>
-              <a:rPr lang="en-US" sz="4400" dirty="0" smtClean="0">
-                <a:latin typeface="Arial"/>
-                <a:cs typeface="Arial"/>
-              </a:rPr>
-              <a:t>raw</a:t>
-            </a:r>
-            <a:r>
-              <a:rPr lang="en-US" sz="4400" dirty="0">
-                <a:latin typeface="Arial"/>
-                <a:cs typeface="Arial"/>
-              </a:rPr>
-              <a:t> </a:t>
-            </a:r>
-            <a:r>
-              <a:rPr lang="en-US" sz="4400" dirty="0" smtClean="0">
-                <a:latin typeface="Arial"/>
-                <a:cs typeface="Arial"/>
-              </a:rPr>
-              <a:t>vs. </a:t>
-            </a:r>
-            <a:r>
-              <a:rPr lang="en-US" sz="4400" dirty="0" err="1" smtClean="0">
-                <a:latin typeface="Arial"/>
-                <a:cs typeface="Arial"/>
-              </a:rPr>
-              <a:t>ddm</a:t>
-            </a:r>
-            <a:r>
-              <a:rPr lang="en-US" sz="4400" dirty="0" smtClean="0">
-                <a:latin typeface="Arial"/>
-                <a:cs typeface="Arial"/>
-              </a:rPr>
-              <a:t>, all trials vs. contrasts)</a:t>
-            </a:r>
-            <a:endParaRPr lang="en-US" sz="4400" dirty="0">
-              <a:latin typeface="Arial"/>
-              <a:cs typeface="Arial"/>
-            </a:endParaRPr>
-          </a:p>
-        </p:txBody>
-      </p:sp>
-      <p:sp>
-        <p:nvSpPr>
-          <p:cNvPr id="76" name="Rectangle 75"/>
-          <p:cNvSpPr/>
-          <p:nvPr/>
-        </p:nvSpPr>
-        <p:spPr>
-          <a:xfrm>
-            <a:off x="10928167" y="26870207"/>
-            <a:ext cx="3223637" cy="1463625"/>
-          </a:xfrm>
-          <a:prstGeom prst="rect">
-            <a:avLst/>
-          </a:prstGeom>
-          <a:noFill/>
-        </p:spPr>
-        <p:txBody>
-          <a:bodyPr wrap="square" lIns="274320" rIns="274320" rtlCol="0">
-            <a:noAutofit/>
-          </a:bodyPr>
-          <a:lstStyle/>
-          <a:p>
-            <a:r>
-              <a:rPr lang="en-US" sz="4400" dirty="0" smtClean="0">
-                <a:latin typeface="Arial"/>
-                <a:cs typeface="Arial"/>
-              </a:rPr>
-              <a:t>Separate Measures</a:t>
-            </a:r>
-            <a:endParaRPr lang="en-US" sz="4400" dirty="0">
-              <a:latin typeface="Arial"/>
-              <a:cs typeface="Arial"/>
-            </a:endParaRPr>
-          </a:p>
-        </p:txBody>
-      </p:sp>
-      <p:sp>
-        <p:nvSpPr>
-          <p:cNvPr id="78" name="Rectangle 77"/>
-          <p:cNvSpPr/>
-          <p:nvPr/>
-        </p:nvSpPr>
-        <p:spPr>
-          <a:xfrm>
-            <a:off x="11080567" y="30502407"/>
-            <a:ext cx="3829233" cy="1463625"/>
-          </a:xfrm>
-          <a:prstGeom prst="rect">
-            <a:avLst/>
-          </a:prstGeom>
-          <a:noFill/>
-        </p:spPr>
-        <p:txBody>
-          <a:bodyPr wrap="square" lIns="274320" rIns="274320" rtlCol="0">
-            <a:noAutofit/>
-          </a:bodyPr>
-          <a:lstStyle/>
-          <a:p>
-            <a:r>
-              <a:rPr lang="en-US" sz="4400" dirty="0" smtClean="0">
-                <a:latin typeface="Arial"/>
-                <a:cs typeface="Arial"/>
-              </a:rPr>
-              <a:t>Principal Components</a:t>
-            </a:r>
-            <a:endParaRPr lang="en-US" sz="4400" dirty="0">
-              <a:latin typeface="Arial"/>
-              <a:cs typeface="Arial"/>
-            </a:endParaRPr>
-          </a:p>
-        </p:txBody>
-      </p:sp>
-      <p:sp>
-        <p:nvSpPr>
-          <p:cNvPr id="80" name="Rectangle 79"/>
-          <p:cNvSpPr/>
-          <p:nvPr/>
-        </p:nvSpPr>
-        <p:spPr>
-          <a:xfrm>
-            <a:off x="16826123" y="24695037"/>
-            <a:ext cx="1359348" cy="806563"/>
-          </a:xfrm>
-          <a:prstGeom prst="rect">
-            <a:avLst/>
-          </a:prstGeom>
-          <a:noFill/>
-        </p:spPr>
-        <p:txBody>
-          <a:bodyPr wrap="square" lIns="274320" rIns="274320" rtlCol="0">
-            <a:noAutofit/>
-          </a:bodyPr>
-          <a:lstStyle/>
-          <a:p>
-            <a:r>
-              <a:rPr lang="en-US" sz="4400" dirty="0" smtClean="0">
-                <a:latin typeface="Arial"/>
-                <a:cs typeface="Arial"/>
-              </a:rPr>
-              <a:t>T1</a:t>
-            </a:r>
-            <a:endParaRPr lang="en-US" sz="4400" dirty="0">
-              <a:latin typeface="Arial"/>
-              <a:cs typeface="Arial"/>
-            </a:endParaRPr>
-          </a:p>
-        </p:txBody>
-      </p:sp>
-      <p:sp>
-        <p:nvSpPr>
-          <p:cNvPr id="81" name="Rectangle 80"/>
-          <p:cNvSpPr/>
-          <p:nvPr/>
-        </p:nvSpPr>
-        <p:spPr>
-          <a:xfrm>
-            <a:off x="23870383" y="24695037"/>
-            <a:ext cx="1359348" cy="806563"/>
-          </a:xfrm>
-          <a:prstGeom prst="rect">
-            <a:avLst/>
-          </a:prstGeom>
-          <a:noFill/>
-        </p:spPr>
-        <p:txBody>
-          <a:bodyPr wrap="square" lIns="274320" rIns="274320" rtlCol="0">
-            <a:noAutofit/>
-          </a:bodyPr>
-          <a:lstStyle/>
-          <a:p>
-            <a:r>
-              <a:rPr lang="en-US" sz="4400" dirty="0" smtClean="0">
-                <a:latin typeface="Arial"/>
-                <a:cs typeface="Arial"/>
-              </a:rPr>
-              <a:t>T2</a:t>
-            </a:r>
-            <a:endParaRPr lang="en-US" sz="4400" dirty="0">
-              <a:latin typeface="Arial"/>
-              <a:cs typeface="Arial"/>
-            </a:endParaRPr>
-          </a:p>
-        </p:txBody>
-      </p:sp>
       <p:pic>
         <p:nvPicPr>
-          <p:cNvPr id="26" name="Picture 25" descr="EZ_PCA_T1_plotly.png"/>
+          <p:cNvPr id="31" name="Picture 30" descr="plotly_poster_legend.png"/>
           <p:cNvPicPr>
             <a:picLocks noChangeAspect="1"/>
           </p:cNvPicPr>
@@ -6640,8 +6640,8 @@
         </p:blipFill>
         <p:spPr>
           <a:xfrm>
-            <a:off x="15734909" y="28765632"/>
-            <a:ext cx="3541776" cy="3200400"/>
+            <a:off x="11112196" y="27426782"/>
+            <a:ext cx="2797238" cy="1588262"/>
           </a:xfrm>
           <a:prstGeom prst="rect">
             <a:avLst/>
@@ -6650,7 +6650,7 @@
       </p:pic>
       <p:pic>
         <p:nvPicPr>
-          <p:cNvPr id="30" name="Picture 29" descr="EZ_PCA_T2_plotly.png"/>
+          <p:cNvPr id="69" name="Picture 68" descr="t1_ddm_eg.jpeg"/>
           <p:cNvPicPr>
             <a:picLocks noChangeAspect="1"/>
           </p:cNvPicPr>
@@ -6670,66 +6670,6 @@
         </p:blipFill>
         <p:spPr>
           <a:xfrm>
-            <a:off x="22659451" y="28765632"/>
-            <a:ext cx="3781213" cy="3200400"/>
-          </a:xfrm>
-          <a:prstGeom prst="rect">
-            <a:avLst/>
-          </a:prstGeom>
-        </p:spPr>
-      </p:pic>
-      <p:pic>
-        <p:nvPicPr>
-          <p:cNvPr id="31" name="Picture 30" descr="plotly_poster_legend.png"/>
-          <p:cNvPicPr>
-            <a:picLocks noChangeAspect="1"/>
-          </p:cNvPicPr>
-          <p:nvPr/>
-        </p:nvPicPr>
-        <p:blipFill>
-          <a:blip r:embed="rId21">
-            <a:extLst>
-              <a:ext uri="{28A0092B-C50C-407E-A947-70E740481C1C}">
-                <a14:useLocalDpi xmlns:a14="http://schemas.microsoft.com/office/drawing/2010/main" val="0"/>
-              </a:ext>
-            </a:extLst>
-          </a:blip>
-          <a:stretch>
-            <a:fillRect/>
-          </a:stretch>
-        </p:blipFill>
-        <p:spPr>
-          <a:xfrm>
-            <a:off x="19729881" y="29902756"/>
-            <a:ext cx="2797238" cy="1588262"/>
-          </a:xfrm>
-          <a:prstGeom prst="rect">
-            <a:avLst/>
-          </a:prstGeom>
-        </p:spPr>
-      </p:pic>
-      <p:pic>
-        <p:nvPicPr>
-          <p:cNvPr id="69" name="Picture 68" descr="t1_ddm_eg.jpeg"/>
-          <p:cNvPicPr>
-            <a:picLocks noChangeAspect="1"/>
-          </p:cNvPicPr>
-          <p:nvPr/>
-        </p:nvPicPr>
-        <p:blipFill>
-          <a:blip r:embed="rId22">
-            <a:extLst>
-              <a:ext uri="{28A0092B-C50C-407E-A947-70E740481C1C}">
-                <a14:useLocalDpi xmlns:a14="http://schemas.microsoft.com/office/drawing/2010/main" val="0"/>
-              </a:ext>
-            </a:extLst>
-          </a:blip>
-          <a:stretch>
-            <a:fillRect/>
-          </a:stretch>
-        </p:blipFill>
-        <p:spPr>
-          <a:xfrm>
             <a:off x="14726640" y="26178441"/>
             <a:ext cx="6917662" cy="1383532"/>
           </a:xfrm>
@@ -6747,7 +6687,7 @@
           <p:nvPr/>
         </p:nvPicPr>
         <p:blipFill>
-          <a:blip r:embed="rId23">
+          <a:blip r:embed="rId21">
             <a:extLst>
               <a:ext uri="{28A0092B-C50C-407E-A947-70E740481C1C}">
                 <a14:useLocalDpi xmlns:a14="http://schemas.microsoft.com/office/drawing/2010/main" val="0"/>
@@ -7533,6 +7473,66 @@
           <p:nvPr/>
         </p:nvPicPr>
         <p:blipFill>
+          <a:blip r:embed="rId22">
+            <a:extLst>
+              <a:ext uri="{28A0092B-C50C-407E-A947-70E740481C1C}">
+                <a14:useLocalDpi xmlns:a14="http://schemas.microsoft.com/office/drawing/2010/main" val="0"/>
+              </a:ext>
+            </a:extLst>
+          </a:blip>
+          <a:stretch>
+            <a:fillRect/>
+          </a:stretch>
+        </p:blipFill>
+        <p:spPr>
+          <a:xfrm>
+            <a:off x="29782799" y="24913871"/>
+            <a:ext cx="7015294" cy="4572000"/>
+          </a:xfrm>
+          <a:prstGeom prst="rect">
+            <a:avLst/>
+          </a:prstGeom>
+        </p:spPr>
+      </p:pic>
+      <p:pic>
+        <p:nvPicPr>
+          <p:cNvPr id="121" name="Picture 120" descr="Flat_vs_hier_rel.jpeg"/>
+          <p:cNvPicPr>
+            <a:picLocks noChangeAspect="1"/>
+          </p:cNvPicPr>
+          <p:nvPr/>
+        </p:nvPicPr>
+        <p:blipFill>
+          <a:blip r:embed="rId23">
+            <a:extLst>
+              <a:ext uri="{28A0092B-C50C-407E-A947-70E740481C1C}">
+                <a14:useLocalDpi xmlns:a14="http://schemas.microsoft.com/office/drawing/2010/main" val="0"/>
+              </a:ext>
+            </a:extLst>
+          </a:blip>
+          <a:stretch>
+            <a:fillRect/>
+          </a:stretch>
+        </p:blipFill>
+        <p:spPr>
+          <a:xfrm>
+            <a:off x="31530067" y="17344931"/>
+            <a:ext cx="5867400" cy="5029200"/>
+          </a:xfrm>
+          <a:prstGeom prst="rect">
+            <a:avLst/>
+          </a:prstGeom>
+        </p:spPr>
+      </p:pic>
+      <p:pic>
+        <p:nvPicPr>
+          <p:cNvPr id="122" name="Picture 121" descr="Flat_vs_hier_est.jpeg"/>
+          <p:cNvPicPr>
+            <a:picLocks noChangeAspect="1"/>
+          </p:cNvPicPr>
+          <p:nvPr/>
+        </p:nvPicPr>
+        <p:blipFill>
           <a:blip r:embed="rId24">
             <a:extLst>
               <a:ext uri="{28A0092B-C50C-407E-A947-70E740481C1C}">
@@ -7546,14 +7546,528 @@
         </p:blipFill>
         <p:spPr>
           <a:xfrm>
-            <a:off x="29782799" y="25518571"/>
-            <a:ext cx="7015294" cy="4572000"/>
+            <a:off x="25210038" y="17344931"/>
+            <a:ext cx="5867400" cy="5029200"/>
           </a:xfrm>
           <a:prstGeom prst="rect">
             <a:avLst/>
           </a:prstGeom>
         </p:spPr>
       </p:pic>
+      <p:sp>
+        <p:nvSpPr>
+          <p:cNvPr id="124" name="Isosceles Triangle 123"/>
+          <p:cNvSpPr/>
+          <p:nvPr/>
+        </p:nvSpPr>
+        <p:spPr>
+          <a:xfrm rot="10800000" flipH="1">
+            <a:off x="15257603" y="27499435"/>
+            <a:ext cx="6858000" cy="1084787"/>
+          </a:xfrm>
+          <a:prstGeom prst="triangle">
+            <a:avLst/>
+          </a:prstGeom>
+          <a:solidFill>
+            <a:schemeClr val="bg1">
+              <a:lumMod val="75000"/>
+              <a:alpha val="44000"/>
+            </a:schemeClr>
+          </a:solidFill>
+          <a:ln>
+            <a:noFill/>
+          </a:ln>
+          <a:effectLst/>
+        </p:spPr>
+        <p:style>
+          <a:lnRef idx="1">
+            <a:schemeClr val="accent1"/>
+          </a:lnRef>
+          <a:fillRef idx="3">
+            <a:schemeClr val="accent1"/>
+          </a:fillRef>
+          <a:effectRef idx="2">
+            <a:schemeClr val="accent1"/>
+          </a:effectRef>
+          <a:fontRef idx="minor">
+            <a:schemeClr val="lt1"/>
+          </a:fontRef>
+        </p:style>
+        <p:txBody>
+          <a:bodyPr rtlCol="0" anchor="ctr"/>
+          <a:lstStyle/>
+          <a:p>
+            <a:pPr algn="ctr"/>
+            <a:endParaRPr lang="en-US"/>
+          </a:p>
+        </p:txBody>
+      </p:sp>
+      <p:sp>
+        <p:nvSpPr>
+          <p:cNvPr id="125" name="Isosceles Triangle 124"/>
+          <p:cNvSpPr/>
+          <p:nvPr/>
+        </p:nvSpPr>
+        <p:spPr>
+          <a:xfrm rot="10800000" flipH="1">
+            <a:off x="22425683" y="27499435"/>
+            <a:ext cx="6858000" cy="1084787"/>
+          </a:xfrm>
+          <a:prstGeom prst="triangle">
+            <a:avLst/>
+          </a:prstGeom>
+          <a:solidFill>
+            <a:schemeClr val="bg1">
+              <a:lumMod val="75000"/>
+              <a:alpha val="44000"/>
+            </a:schemeClr>
+          </a:solidFill>
+          <a:ln>
+            <a:noFill/>
+          </a:ln>
+          <a:effectLst/>
+        </p:spPr>
+        <p:style>
+          <a:lnRef idx="1">
+            <a:schemeClr val="accent1"/>
+          </a:lnRef>
+          <a:fillRef idx="3">
+            <a:schemeClr val="accent1"/>
+          </a:fillRef>
+          <a:effectRef idx="2">
+            <a:schemeClr val="accent1"/>
+          </a:effectRef>
+          <a:fontRef idx="minor">
+            <a:schemeClr val="lt1"/>
+          </a:fontRef>
+        </p:style>
+        <p:txBody>
+          <a:bodyPr rtlCol="0" anchor="ctr"/>
+          <a:lstStyle/>
+          <a:p>
+            <a:pPr algn="ctr"/>
+            <a:endParaRPr lang="en-US"/>
+          </a:p>
+        </p:txBody>
+      </p:sp>
+      <p:grpSp>
+        <p:nvGrpSpPr>
+          <p:cNvPr id="126" name="Group 125"/>
+          <p:cNvGrpSpPr/>
+          <p:nvPr/>
+        </p:nvGrpSpPr>
+        <p:grpSpPr>
+          <a:xfrm flipV="1">
+            <a:off x="17228254" y="29119491"/>
+            <a:ext cx="7132320" cy="558800"/>
+            <a:chOff x="15468600" y="27279600"/>
+            <a:chExt cx="7555781" cy="558800"/>
+          </a:xfrm>
+        </p:grpSpPr>
+        <p:cxnSp>
+          <p:nvCxnSpPr>
+            <p:cNvPr id="127" name="Straight Connector 126"/>
+            <p:cNvCxnSpPr/>
+            <p:nvPr/>
+          </p:nvCxnSpPr>
+          <p:spPr>
+            <a:xfrm>
+              <a:off x="15468600" y="27838400"/>
+              <a:ext cx="7555781" cy="0"/>
+            </a:xfrm>
+            <a:prstGeom prst="line">
+              <a:avLst/>
+            </a:prstGeom>
+            <a:ln w="38100" cmpd="sng">
+              <a:solidFill>
+                <a:srgbClr val="C61951"/>
+              </a:solidFill>
+              <a:tailEnd type="none"/>
+            </a:ln>
+            <a:effectLst/>
+          </p:spPr>
+          <p:style>
+            <a:lnRef idx="2">
+              <a:schemeClr val="dk1"/>
+            </a:lnRef>
+            <a:fillRef idx="0">
+              <a:schemeClr val="dk1"/>
+            </a:fillRef>
+            <a:effectRef idx="1">
+              <a:schemeClr val="dk1"/>
+            </a:effectRef>
+            <a:fontRef idx="minor">
+              <a:schemeClr val="tx1"/>
+            </a:fontRef>
+          </p:style>
+        </p:cxnSp>
+        <p:cxnSp>
+          <p:nvCxnSpPr>
+            <p:cNvPr id="128" name="Straight Connector 127"/>
+            <p:cNvCxnSpPr/>
+            <p:nvPr/>
+          </p:nvCxnSpPr>
+          <p:spPr>
+            <a:xfrm flipV="1">
+              <a:off x="15468600" y="27279600"/>
+              <a:ext cx="0" cy="558800"/>
+            </a:xfrm>
+            <a:prstGeom prst="line">
+              <a:avLst/>
+            </a:prstGeom>
+            <a:ln w="38100" cmpd="sng">
+              <a:solidFill>
+                <a:srgbClr val="C61951"/>
+              </a:solidFill>
+              <a:tailEnd type="none"/>
+            </a:ln>
+            <a:effectLst/>
+          </p:spPr>
+          <p:style>
+            <a:lnRef idx="2">
+              <a:schemeClr val="dk1"/>
+            </a:lnRef>
+            <a:fillRef idx="0">
+              <a:schemeClr val="dk1"/>
+            </a:fillRef>
+            <a:effectRef idx="1">
+              <a:schemeClr val="dk1"/>
+            </a:effectRef>
+            <a:fontRef idx="minor">
+              <a:schemeClr val="tx1"/>
+            </a:fontRef>
+          </p:style>
+        </p:cxnSp>
+        <p:cxnSp>
+          <p:nvCxnSpPr>
+            <p:cNvPr id="129" name="Straight Connector 128"/>
+            <p:cNvCxnSpPr/>
+            <p:nvPr/>
+          </p:nvCxnSpPr>
+          <p:spPr>
+            <a:xfrm flipV="1">
+              <a:off x="23021700" y="27279600"/>
+              <a:ext cx="0" cy="558800"/>
+            </a:xfrm>
+            <a:prstGeom prst="line">
+              <a:avLst/>
+            </a:prstGeom>
+            <a:ln w="38100" cmpd="sng">
+              <a:solidFill>
+                <a:srgbClr val="C61951"/>
+              </a:solidFill>
+              <a:tailEnd type="none"/>
+            </a:ln>
+            <a:effectLst/>
+          </p:spPr>
+          <p:style>
+            <a:lnRef idx="2">
+              <a:schemeClr val="dk1"/>
+            </a:lnRef>
+            <a:fillRef idx="0">
+              <a:schemeClr val="dk1"/>
+            </a:fillRef>
+            <a:effectRef idx="1">
+              <a:schemeClr val="dk1"/>
+            </a:effectRef>
+            <a:fontRef idx="minor">
+              <a:schemeClr val="tx1"/>
+            </a:fontRef>
+          </p:style>
+        </p:cxnSp>
+      </p:grpSp>
+      <p:grpSp>
+        <p:nvGrpSpPr>
+          <p:cNvPr id="130" name="Group 129"/>
+          <p:cNvGrpSpPr/>
+          <p:nvPr/>
+        </p:nvGrpSpPr>
+        <p:grpSpPr>
+          <a:xfrm flipV="1">
+            <a:off x="18381316" y="28810083"/>
+            <a:ext cx="7132320" cy="822960"/>
+            <a:chOff x="15468600" y="27279600"/>
+            <a:chExt cx="7555781" cy="558800"/>
+          </a:xfrm>
+        </p:grpSpPr>
+        <p:cxnSp>
+          <p:nvCxnSpPr>
+            <p:cNvPr id="131" name="Straight Connector 130"/>
+            <p:cNvCxnSpPr/>
+            <p:nvPr/>
+          </p:nvCxnSpPr>
+          <p:spPr>
+            <a:xfrm>
+              <a:off x="15468600" y="27838400"/>
+              <a:ext cx="7555781" cy="0"/>
+            </a:xfrm>
+            <a:prstGeom prst="line">
+              <a:avLst/>
+            </a:prstGeom>
+            <a:ln w="38100" cmpd="sng">
+              <a:solidFill>
+                <a:srgbClr val="4AC6B7"/>
+              </a:solidFill>
+              <a:tailEnd type="none"/>
+            </a:ln>
+            <a:effectLst/>
+          </p:spPr>
+          <p:style>
+            <a:lnRef idx="2">
+              <a:schemeClr val="dk1"/>
+            </a:lnRef>
+            <a:fillRef idx="0">
+              <a:schemeClr val="dk1"/>
+            </a:fillRef>
+            <a:effectRef idx="1">
+              <a:schemeClr val="dk1"/>
+            </a:effectRef>
+            <a:fontRef idx="minor">
+              <a:schemeClr val="tx1"/>
+            </a:fontRef>
+          </p:style>
+        </p:cxnSp>
+        <p:cxnSp>
+          <p:nvCxnSpPr>
+            <p:cNvPr id="132" name="Straight Connector 131"/>
+            <p:cNvCxnSpPr/>
+            <p:nvPr/>
+          </p:nvCxnSpPr>
+          <p:spPr>
+            <a:xfrm flipV="1">
+              <a:off x="15468600" y="27279600"/>
+              <a:ext cx="0" cy="558800"/>
+            </a:xfrm>
+            <a:prstGeom prst="line">
+              <a:avLst/>
+            </a:prstGeom>
+            <a:ln w="38100" cmpd="sng">
+              <a:solidFill>
+                <a:srgbClr val="4AC6B7"/>
+              </a:solidFill>
+              <a:tailEnd type="none"/>
+            </a:ln>
+            <a:effectLst/>
+          </p:spPr>
+          <p:style>
+            <a:lnRef idx="2">
+              <a:schemeClr val="dk1"/>
+            </a:lnRef>
+            <a:fillRef idx="0">
+              <a:schemeClr val="dk1"/>
+            </a:fillRef>
+            <a:effectRef idx="1">
+              <a:schemeClr val="dk1"/>
+            </a:effectRef>
+            <a:fontRef idx="minor">
+              <a:schemeClr val="tx1"/>
+            </a:fontRef>
+          </p:style>
+        </p:cxnSp>
+        <p:cxnSp>
+          <p:nvCxnSpPr>
+            <p:cNvPr id="133" name="Straight Connector 132"/>
+            <p:cNvCxnSpPr/>
+            <p:nvPr/>
+          </p:nvCxnSpPr>
+          <p:spPr>
+            <a:xfrm flipV="1">
+              <a:off x="23021700" y="27279600"/>
+              <a:ext cx="0" cy="558800"/>
+            </a:xfrm>
+            <a:prstGeom prst="line">
+              <a:avLst/>
+            </a:prstGeom>
+            <a:ln w="38100" cmpd="sng">
+              <a:solidFill>
+                <a:srgbClr val="4AC6B7"/>
+              </a:solidFill>
+              <a:tailEnd type="none"/>
+            </a:ln>
+            <a:effectLst/>
+          </p:spPr>
+          <p:style>
+            <a:lnRef idx="2">
+              <a:schemeClr val="dk1"/>
+            </a:lnRef>
+            <a:fillRef idx="0">
+              <a:schemeClr val="dk1"/>
+            </a:fillRef>
+            <a:effectRef idx="1">
+              <a:schemeClr val="dk1"/>
+            </a:effectRef>
+            <a:fontRef idx="minor">
+              <a:schemeClr val="tx1"/>
+            </a:fontRef>
+          </p:style>
+        </p:cxnSp>
+      </p:grpSp>
+      <p:grpSp>
+        <p:nvGrpSpPr>
+          <p:cNvPr id="134" name="Group 133"/>
+          <p:cNvGrpSpPr/>
+          <p:nvPr/>
+        </p:nvGrpSpPr>
+        <p:grpSpPr>
+          <a:xfrm>
+            <a:off x="17880070" y="31113011"/>
+            <a:ext cx="7132320" cy="558800"/>
+            <a:chOff x="15468600" y="27279600"/>
+            <a:chExt cx="7555781" cy="558800"/>
+          </a:xfrm>
+        </p:grpSpPr>
+        <p:cxnSp>
+          <p:nvCxnSpPr>
+            <p:cNvPr id="135" name="Straight Connector 134"/>
+            <p:cNvCxnSpPr/>
+            <p:nvPr/>
+          </p:nvCxnSpPr>
+          <p:spPr>
+            <a:xfrm>
+              <a:off x="15468600" y="27838400"/>
+              <a:ext cx="7555781" cy="0"/>
+            </a:xfrm>
+            <a:prstGeom prst="line">
+              <a:avLst/>
+            </a:prstGeom>
+            <a:ln w="38100" cmpd="sng">
+              <a:solidFill>
+                <a:srgbClr val="965F86"/>
+              </a:solidFill>
+              <a:tailEnd type="none"/>
+            </a:ln>
+            <a:effectLst/>
+          </p:spPr>
+          <p:style>
+            <a:lnRef idx="2">
+              <a:schemeClr val="dk1"/>
+            </a:lnRef>
+            <a:fillRef idx="0">
+              <a:schemeClr val="dk1"/>
+            </a:fillRef>
+            <a:effectRef idx="1">
+              <a:schemeClr val="dk1"/>
+            </a:effectRef>
+            <a:fontRef idx="minor">
+              <a:schemeClr val="tx1"/>
+            </a:fontRef>
+          </p:style>
+        </p:cxnSp>
+        <p:cxnSp>
+          <p:nvCxnSpPr>
+            <p:cNvPr id="136" name="Straight Connector 135"/>
+            <p:cNvCxnSpPr/>
+            <p:nvPr/>
+          </p:nvCxnSpPr>
+          <p:spPr>
+            <a:xfrm flipV="1">
+              <a:off x="15468600" y="27279600"/>
+              <a:ext cx="0" cy="558800"/>
+            </a:xfrm>
+            <a:prstGeom prst="line">
+              <a:avLst/>
+            </a:prstGeom>
+            <a:ln w="38100" cmpd="sng">
+              <a:solidFill>
+                <a:srgbClr val="965F86"/>
+              </a:solidFill>
+              <a:tailEnd type="none"/>
+            </a:ln>
+            <a:effectLst/>
+          </p:spPr>
+          <p:style>
+            <a:lnRef idx="2">
+              <a:schemeClr val="dk1"/>
+            </a:lnRef>
+            <a:fillRef idx="0">
+              <a:schemeClr val="dk1"/>
+            </a:fillRef>
+            <a:effectRef idx="1">
+              <a:schemeClr val="dk1"/>
+            </a:effectRef>
+            <a:fontRef idx="minor">
+              <a:schemeClr val="tx1"/>
+            </a:fontRef>
+          </p:style>
+        </p:cxnSp>
+        <p:cxnSp>
+          <p:nvCxnSpPr>
+            <p:cNvPr id="137" name="Straight Connector 136"/>
+            <p:cNvCxnSpPr/>
+            <p:nvPr/>
+          </p:nvCxnSpPr>
+          <p:spPr>
+            <a:xfrm flipV="1">
+              <a:off x="23021700" y="27279600"/>
+              <a:ext cx="0" cy="558800"/>
+            </a:xfrm>
+            <a:prstGeom prst="line">
+              <a:avLst/>
+            </a:prstGeom>
+            <a:ln w="38100" cmpd="sng">
+              <a:solidFill>
+                <a:srgbClr val="965F86"/>
+              </a:solidFill>
+              <a:tailEnd type="none"/>
+            </a:ln>
+            <a:effectLst/>
+          </p:spPr>
+          <p:style>
+            <a:lnRef idx="2">
+              <a:schemeClr val="dk1"/>
+            </a:lnRef>
+            <a:fillRef idx="0">
+              <a:schemeClr val="dk1"/>
+            </a:fillRef>
+            <a:effectRef idx="1">
+              <a:schemeClr val="dk1"/>
+            </a:effectRef>
+            <a:fontRef idx="minor">
+              <a:schemeClr val="tx1"/>
+            </a:fontRef>
+          </p:style>
+        </p:cxnSp>
+      </p:grpSp>
+      <p:sp>
+        <p:nvSpPr>
+          <p:cNvPr id="139" name="Rectangle 138"/>
+          <p:cNvSpPr/>
+          <p:nvPr/>
+        </p:nvSpPr>
+        <p:spPr>
+          <a:xfrm>
+            <a:off x="26561385" y="29469122"/>
+            <a:ext cx="11073673" cy="742790"/>
+          </a:xfrm>
+          <a:prstGeom prst="rect">
+            <a:avLst/>
+          </a:prstGeom>
+          <a:noFill/>
+        </p:spPr>
+        <p:txBody>
+          <a:bodyPr wrap="square" lIns="274320" rIns="274320" rtlCol="0">
+            <a:noAutofit/>
+          </a:bodyPr>
+          <a:lstStyle/>
+          <a:p>
+            <a:pPr marL="571500" indent="-571500">
+              <a:buFont typeface="Arial"/>
+              <a:buChar char="•"/>
+            </a:pPr>
+            <a:r>
+              <a:rPr lang="en-US" sz="4400" dirty="0" smtClean="0">
+                <a:latin typeface="Arial"/>
+                <a:cs typeface="Arial"/>
+              </a:rPr>
+              <a:t>Reducing the dimensionality of numerous measures that assess similar constructs increases their reliability</a:t>
+            </a:r>
+            <a:endParaRPr lang="en-US" sz="4400" dirty="0">
+              <a:latin typeface="Arial"/>
+              <a:cs typeface="Arial"/>
+            </a:endParaRPr>
+          </a:p>
+        </p:txBody>
+      </p:sp>
     </p:spTree>
   </p:cSld>
   <p:clrMapOvr>

--- a/presentations/NeuroeconPoster2018.pptx
+++ b/presentations/NeuroeconPoster2018.pptx
@@ -112,7 +112,7 @@
   </p:defaultTextStyle>
   <p:extLst>
     <p:ext uri="{EFAFB233-063F-42B5-8137-9DF3F51BA10A}">
-      <p15:sldGuideLst xmlns:p15="http://schemas.microsoft.com/office/powerpoint/2012/main" xmlns="">
+      <p15:sldGuideLst xmlns="" xmlns:p15="http://schemas.microsoft.com/office/powerpoint/2012/main">
         <p15:guide id="1" orient="horz" pos="10368">
           <p15:clr>
             <a:srgbClr val="A4A3A4"/>
@@ -217,7 +217,7 @@
           <a:p>
             <a:fld id="{1ADD2877-6E47-914A-A562-5BB1D9253FFF}" type="datetimeFigureOut">
               <a:rPr lang="en-US" smtClean="0"/>
-              <a:t>10/1/18</a:t>
+              <a:t>10/2/18</a:t>
             </a:fld>
             <a:endParaRPr lang="en-US"/>
           </a:p>
@@ -383,7 +383,7 @@
             <a:fld id="{9C8C3FF2-16C4-3444-9527-EB6C5966600B}" type="datetimeFigureOut">
               <a:rPr lang="en-US" smtClean="0"/>
               <a:pPr/>
-              <a:t>10/1/18</a:t>
+              <a:t>10/2/18</a:t>
             </a:fld>
             <a:endParaRPr lang="en-US"/>
           </a:p>
@@ -994,7 +994,7 @@
             <a:fld id="{34EA0383-EA84-CF41-8911-55C3D60C640A}" type="datetimeFigureOut">
               <a:rPr lang="en-US" smtClean="0"/>
               <a:pPr/>
-              <a:t>10/1/18</a:t>
+              <a:t>10/2/18</a:t>
             </a:fld>
             <a:endParaRPr lang="en-US"/>
           </a:p>
@@ -1161,7 +1161,7 @@
             <a:fld id="{34EA0383-EA84-CF41-8911-55C3D60C640A}" type="datetimeFigureOut">
               <a:rPr lang="en-US" smtClean="0"/>
               <a:pPr/>
-              <a:t>10/1/18</a:t>
+              <a:t>10/2/18</a:t>
             </a:fld>
             <a:endParaRPr lang="en-US"/>
           </a:p>
@@ -1338,7 +1338,7 @@
             <a:fld id="{34EA0383-EA84-CF41-8911-55C3D60C640A}" type="datetimeFigureOut">
               <a:rPr lang="en-US" smtClean="0"/>
               <a:pPr/>
-              <a:t>10/1/18</a:t>
+              <a:t>10/2/18</a:t>
             </a:fld>
             <a:endParaRPr lang="en-US"/>
           </a:p>
@@ -1505,7 +1505,7 @@
             <a:fld id="{34EA0383-EA84-CF41-8911-55C3D60C640A}" type="datetimeFigureOut">
               <a:rPr lang="en-US" smtClean="0"/>
               <a:pPr/>
-              <a:t>10/1/18</a:t>
+              <a:t>10/2/18</a:t>
             </a:fld>
             <a:endParaRPr lang="en-US"/>
           </a:p>
@@ -1748,7 +1748,7 @@
             <a:fld id="{34EA0383-EA84-CF41-8911-55C3D60C640A}" type="datetimeFigureOut">
               <a:rPr lang="en-US" smtClean="0"/>
               <a:pPr/>
-              <a:t>10/1/18</a:t>
+              <a:t>10/2/18</a:t>
             </a:fld>
             <a:endParaRPr lang="en-US"/>
           </a:p>
@@ -2033,7 +2033,7 @@
             <a:fld id="{34EA0383-EA84-CF41-8911-55C3D60C640A}" type="datetimeFigureOut">
               <a:rPr lang="en-US" smtClean="0"/>
               <a:pPr/>
-              <a:t>10/1/18</a:t>
+              <a:t>10/2/18</a:t>
             </a:fld>
             <a:endParaRPr lang="en-US"/>
           </a:p>
@@ -2457,7 +2457,7 @@
             <a:fld id="{34EA0383-EA84-CF41-8911-55C3D60C640A}" type="datetimeFigureOut">
               <a:rPr lang="en-US" smtClean="0"/>
               <a:pPr/>
-              <a:t>10/1/18</a:t>
+              <a:t>10/2/18</a:t>
             </a:fld>
             <a:endParaRPr lang="en-US"/>
           </a:p>
@@ -2572,7 +2572,7 @@
             <a:fld id="{34EA0383-EA84-CF41-8911-55C3D60C640A}" type="datetimeFigureOut">
               <a:rPr lang="en-US" smtClean="0"/>
               <a:pPr/>
-              <a:t>10/1/18</a:t>
+              <a:t>10/2/18</a:t>
             </a:fld>
             <a:endParaRPr lang="en-US"/>
           </a:p>
@@ -2664,7 +2664,7 @@
             <a:fld id="{34EA0383-EA84-CF41-8911-55C3D60C640A}" type="datetimeFigureOut">
               <a:rPr lang="en-US" smtClean="0"/>
               <a:pPr/>
-              <a:t>10/1/18</a:t>
+              <a:t>10/2/18</a:t>
             </a:fld>
             <a:endParaRPr lang="en-US"/>
           </a:p>
@@ -2938,7 +2938,7 @@
             <a:fld id="{34EA0383-EA84-CF41-8911-55C3D60C640A}" type="datetimeFigureOut">
               <a:rPr lang="en-US" smtClean="0"/>
               <a:pPr/>
-              <a:t>10/1/18</a:t>
+              <a:t>10/2/18</a:t>
             </a:fld>
             <a:endParaRPr lang="en-US"/>
           </a:p>
@@ -3188,7 +3188,7 @@
             <a:fld id="{34EA0383-EA84-CF41-8911-55C3D60C640A}" type="datetimeFigureOut">
               <a:rPr lang="en-US" smtClean="0"/>
               <a:pPr/>
-              <a:t>10/1/18</a:t>
+              <a:t>10/2/18</a:t>
             </a:fld>
             <a:endParaRPr lang="en-US"/>
           </a:p>
@@ -3398,7 +3398,7 @@
             <a:fld id="{34EA0383-EA84-CF41-8911-55C3D60C640A}" type="datetimeFigureOut">
               <a:rPr lang="en-US" smtClean="0"/>
               <a:pPr/>
-              <a:t>10/1/18</a:t>
+              <a:t>10/2/18</a:t>
             </a:fld>
             <a:endParaRPr lang="en-US"/>
           </a:p>
@@ -6414,153 +6414,9 @@
           </a:p>
         </p:txBody>
       </p:sp>
-      <p:sp>
-        <p:nvSpPr>
-          <p:cNvPr id="76" name="Rectangle 75"/>
-          <p:cNvSpPr/>
-          <p:nvPr/>
-        </p:nvSpPr>
-        <p:spPr>
-          <a:xfrm>
-            <a:off x="10928167" y="25963157"/>
-            <a:ext cx="3223637" cy="1463625"/>
-          </a:xfrm>
-          <a:prstGeom prst="rect">
-            <a:avLst/>
-          </a:prstGeom>
-          <a:noFill/>
-        </p:spPr>
-        <p:txBody>
-          <a:bodyPr wrap="square" lIns="274320" rIns="274320" rtlCol="0">
-            <a:noAutofit/>
-          </a:bodyPr>
-          <a:lstStyle/>
-          <a:p>
-            <a:r>
-              <a:rPr lang="en-US" sz="4400" dirty="0" smtClean="0">
-                <a:latin typeface="Arial"/>
-                <a:cs typeface="Arial"/>
-              </a:rPr>
-              <a:t> Measures</a:t>
-            </a:r>
-            <a:endParaRPr lang="en-US" sz="4400" dirty="0">
-              <a:latin typeface="Arial"/>
-              <a:cs typeface="Arial"/>
-            </a:endParaRPr>
-          </a:p>
-        </p:txBody>
-      </p:sp>
-      <p:sp>
-        <p:nvSpPr>
-          <p:cNvPr id="78" name="Rectangle 77"/>
-          <p:cNvSpPr/>
-          <p:nvPr/>
-        </p:nvSpPr>
-        <p:spPr>
-          <a:xfrm>
-            <a:off x="11080567" y="29633807"/>
-            <a:ext cx="3829233" cy="1463625"/>
-          </a:xfrm>
-          <a:prstGeom prst="rect">
-            <a:avLst/>
-          </a:prstGeom>
-          <a:noFill/>
-        </p:spPr>
-        <p:txBody>
-          <a:bodyPr wrap="square" lIns="274320" rIns="274320" rtlCol="0">
-            <a:noAutofit/>
-          </a:bodyPr>
-          <a:lstStyle/>
-          <a:p>
-            <a:r>
-              <a:rPr lang="en-US" sz="4400" dirty="0" smtClean="0">
-                <a:latin typeface="Arial"/>
-                <a:cs typeface="Arial"/>
-              </a:rPr>
-              <a:t>Principal Components</a:t>
-            </a:r>
-            <a:endParaRPr lang="en-US" sz="4400" dirty="0">
-              <a:latin typeface="Arial"/>
-              <a:cs typeface="Arial"/>
-            </a:endParaRPr>
-          </a:p>
-        </p:txBody>
-      </p:sp>
-      <p:sp>
-        <p:nvSpPr>
-          <p:cNvPr id="80" name="Rectangle 79"/>
-          <p:cNvSpPr/>
-          <p:nvPr/>
-        </p:nvSpPr>
-        <p:spPr>
-          <a:xfrm>
-            <a:off x="16826123" y="24695037"/>
-            <a:ext cx="1359348" cy="806563"/>
-          </a:xfrm>
-          <a:prstGeom prst="rect">
-            <a:avLst/>
-          </a:prstGeom>
-          <a:noFill/>
-        </p:spPr>
-        <p:txBody>
-          <a:bodyPr wrap="square" lIns="274320" rIns="274320" rtlCol="0">
-            <a:noAutofit/>
-          </a:bodyPr>
-          <a:lstStyle/>
-          <a:p>
-            <a:r>
-              <a:rPr lang="en-US" sz="4400" dirty="0" smtClean="0">
-                <a:latin typeface="Arial"/>
-                <a:cs typeface="Arial"/>
-              </a:rPr>
-              <a:t>T1</a:t>
-            </a:r>
-            <a:endParaRPr lang="en-US" sz="4400" dirty="0">
-              <a:latin typeface="Arial"/>
-              <a:cs typeface="Arial"/>
-            </a:endParaRPr>
-          </a:p>
-        </p:txBody>
-      </p:sp>
-      <p:sp>
-        <p:nvSpPr>
-          <p:cNvPr id="81" name="Rectangle 80"/>
-          <p:cNvSpPr/>
-          <p:nvPr/>
-        </p:nvSpPr>
-        <p:spPr>
-          <a:xfrm>
-            <a:off x="24794071" y="24695037"/>
-            <a:ext cx="1359348" cy="806563"/>
-          </a:xfrm>
-          <a:prstGeom prst="rect">
-            <a:avLst/>
-          </a:prstGeom>
-          <a:noFill/>
-        </p:spPr>
-        <p:txBody>
-          <a:bodyPr wrap="square" lIns="274320" rIns="274320" rtlCol="0">
-            <a:noAutofit/>
-          </a:bodyPr>
-          <a:lstStyle/>
-          <a:p>
-            <a:r>
-              <a:rPr lang="en-US" sz="4400" dirty="0" smtClean="0">
-                <a:latin typeface="Arial"/>
-                <a:cs typeface="Arial"/>
-              </a:rPr>
-              <a:t>T2</a:t>
-            </a:r>
-            <a:endParaRPr lang="en-US" sz="4400" dirty="0">
-              <a:latin typeface="Arial"/>
-              <a:cs typeface="Arial"/>
-            </a:endParaRPr>
-          </a:p>
-        </p:txBody>
-      </p:sp>
       <p:pic>
         <p:nvPicPr>
-          <p:cNvPr id="26" name="Picture 25" descr="EZ_PCA_T1_plotly.png"/>
+          <p:cNvPr id="3" name="Picture 2" descr="Flat_vs_hier_rel.jpeg"/>
           <p:cNvPicPr>
             <a:picLocks noChangeAspect="1"/>
           </p:cNvPicPr>
@@ -6580,8 +6436,8 @@
         </p:blipFill>
         <p:spPr>
           <a:xfrm>
-            <a:off x="15734909" y="28765632"/>
-            <a:ext cx="3541776" cy="3200400"/>
+            <a:off x="31218917" y="17345207"/>
+            <a:ext cx="5867400" cy="5029200"/>
           </a:xfrm>
           <a:prstGeom prst="rect">
             <a:avLst/>
@@ -6590,7 +6446,7 @@
       </p:pic>
       <p:pic>
         <p:nvPicPr>
-          <p:cNvPr id="30" name="Picture 29" descr="EZ_PCA_T2_plotly.png"/>
+          <p:cNvPr id="6" name="Picture 5" descr="Flat_vs_hier_est.jpeg"/>
           <p:cNvPicPr>
             <a:picLocks noChangeAspect="1"/>
           </p:cNvPicPr>
@@ -6610,8 +6466,8 @@
         </p:blipFill>
         <p:spPr>
           <a:xfrm>
-            <a:off x="22659451" y="28765632"/>
-            <a:ext cx="3781213" cy="3200400"/>
+            <a:off x="24995917" y="17345207"/>
+            <a:ext cx="5867400" cy="5029200"/>
           </a:xfrm>
           <a:prstGeom prst="rect">
             <a:avLst/>
@@ -6620,7 +6476,7 @@
       </p:pic>
       <p:pic>
         <p:nvPicPr>
-          <p:cNvPr id="31" name="Picture 30" descr="plotly_poster_legend.png"/>
+          <p:cNvPr id="10" name="Picture 9" descr="EZ_clust_rel.jpeg"/>
           <p:cNvPicPr>
             <a:picLocks noChangeAspect="1"/>
           </p:cNvPicPr>
@@ -6640,107 +6496,1220 @@
         </p:blipFill>
         <p:spPr>
           <a:xfrm>
-            <a:off x="11112196" y="27426782"/>
-            <a:ext cx="2797238" cy="1588262"/>
+            <a:off x="27031882" y="25011846"/>
+            <a:ext cx="6592982" cy="5727793"/>
           </a:xfrm>
           <a:prstGeom prst="rect">
             <a:avLst/>
           </a:prstGeom>
         </p:spPr>
       </p:pic>
-      <p:pic>
-        <p:nvPicPr>
-          <p:cNvPr id="69" name="Picture 68" descr="t1_ddm_eg.jpeg"/>
-          <p:cNvPicPr>
-            <a:picLocks noChangeAspect="1"/>
-          </p:cNvPicPr>
+      <p:sp>
+        <p:nvSpPr>
+          <p:cNvPr id="123" name="Rectangle 122"/>
+          <p:cNvSpPr/>
           <p:nvPr/>
-        </p:nvPicPr>
-        <p:blipFill>
-          <a:blip r:embed="rId20">
-            <a:extLst>
-              <a:ext uri="{28A0092B-C50C-407E-A947-70E740481C1C}">
-                <a14:useLocalDpi xmlns:a14="http://schemas.microsoft.com/office/drawing/2010/main" val="0"/>
-              </a:ext>
-            </a:extLst>
-          </a:blip>
-          <a:stretch>
-            <a:fillRect/>
-          </a:stretch>
-        </p:blipFill>
+        </p:nvSpPr>
         <p:spPr>
           <a:xfrm>
-            <a:off x="14726640" y="26178441"/>
-            <a:ext cx="6917662" cy="1383532"/>
+            <a:off x="27705282" y="25375441"/>
+            <a:ext cx="2888315" cy="1386776"/>
           </a:xfrm>
           <a:prstGeom prst="rect">
             <a:avLst/>
           </a:prstGeom>
+          <a:noFill/>
         </p:spPr>
-      </p:pic>
-      <p:pic>
-        <p:nvPicPr>
-          <p:cNvPr id="82" name="Picture 81" descr="t2_ddm_eg.jpeg"/>
-          <p:cNvPicPr>
-            <a:picLocks noChangeAspect="1"/>
-          </p:cNvPicPr>
+        <p:txBody>
+          <a:bodyPr wrap="square" lIns="274320" rIns="274320" rtlCol="0">
+            <a:noAutofit/>
+          </a:bodyPr>
+          <a:lstStyle/>
+          <a:p>
+            <a:r>
+              <a:rPr lang="en-US" sz="3400" dirty="0" smtClean="0">
+                <a:latin typeface="Arial"/>
+                <a:cs typeface="Arial"/>
+              </a:rPr>
+              <a:t>Reliability of individual variables </a:t>
+            </a:r>
+            <a:endParaRPr lang="en-US" sz="3400" dirty="0">
+              <a:latin typeface="Arial"/>
+              <a:cs typeface="Arial"/>
+            </a:endParaRPr>
+          </a:p>
+        </p:txBody>
+      </p:sp>
+      <p:cxnSp>
+        <p:nvCxnSpPr>
+          <p:cNvPr id="13" name="Straight Arrow Connector 12"/>
+          <p:cNvCxnSpPr/>
           <p:nvPr/>
-        </p:nvPicPr>
-        <p:blipFill>
-          <a:blip r:embed="rId21">
-            <a:extLst>
-              <a:ext uri="{28A0092B-C50C-407E-A947-70E740481C1C}">
-                <a14:useLocalDpi xmlns:a14="http://schemas.microsoft.com/office/drawing/2010/main" val="0"/>
-              </a:ext>
-            </a:extLst>
-          </a:blip>
-          <a:stretch>
-            <a:fillRect/>
-          </a:stretch>
-        </p:blipFill>
+        </p:nvCxnSpPr>
         <p:spPr>
-          <a:xfrm>
-            <a:off x="22217560" y="26172085"/>
-            <a:ext cx="6949440" cy="1389888"/>
+          <a:xfrm flipV="1">
+            <a:off x="30125701" y="26335211"/>
+            <a:ext cx="1252525" cy="24066"/>
+          </a:xfrm>
+          <a:prstGeom prst="straightConnector1">
+            <a:avLst/>
+          </a:prstGeom>
+          <a:ln w="57150" cmpd="sng">
+            <a:tailEnd type="arrow"/>
+          </a:ln>
+          <a:effectLst/>
+        </p:spPr>
+        <p:style>
+          <a:lnRef idx="2">
+            <a:schemeClr val="dk1"/>
+          </a:lnRef>
+          <a:fillRef idx="0">
+            <a:schemeClr val="dk1"/>
+          </a:fillRef>
+          <a:effectRef idx="1">
+            <a:schemeClr val="dk1"/>
+          </a:effectRef>
+          <a:fontRef idx="minor">
+            <a:schemeClr val="tx1"/>
+          </a:fontRef>
+        </p:style>
+      </p:cxnSp>
+      <p:sp>
+        <p:nvSpPr>
+          <p:cNvPr id="138" name="Rectangle 137"/>
+          <p:cNvSpPr/>
+          <p:nvPr/>
+        </p:nvSpPr>
+        <p:spPr>
+          <a:xfrm>
+            <a:off x="34236155" y="25032700"/>
+            <a:ext cx="3019526" cy="640777"/>
           </a:xfrm>
           <a:prstGeom prst="rect">
             <a:avLst/>
           </a:prstGeom>
+          <a:noFill/>
         </p:spPr>
-      </p:pic>
+        <p:txBody>
+          <a:bodyPr wrap="square" lIns="274320" rIns="274320" rtlCol="0">
+            <a:noAutofit/>
+          </a:bodyPr>
+          <a:lstStyle/>
+          <a:p>
+            <a:r>
+              <a:rPr lang="en-US" sz="3400" dirty="0" smtClean="0">
+                <a:latin typeface="Arial"/>
+                <a:cs typeface="Arial"/>
+              </a:rPr>
+              <a:t>Reliability of:</a:t>
+            </a:r>
+            <a:endParaRPr lang="en-US" sz="3400" dirty="0">
+              <a:latin typeface="Arial"/>
+              <a:cs typeface="Arial"/>
+            </a:endParaRPr>
+          </a:p>
+        </p:txBody>
+      </p:sp>
+      <p:sp>
+        <p:nvSpPr>
+          <p:cNvPr id="140" name="Rectangle 139"/>
+          <p:cNvSpPr/>
+          <p:nvPr/>
+        </p:nvSpPr>
+        <p:spPr>
+          <a:xfrm>
+            <a:off x="33997237" y="26120437"/>
+            <a:ext cx="3670963" cy="613283"/>
+          </a:xfrm>
+          <a:prstGeom prst="rect">
+            <a:avLst/>
+          </a:prstGeom>
+          <a:noFill/>
+        </p:spPr>
+        <p:txBody>
+          <a:bodyPr wrap="square" lIns="274320" rIns="274320" rtlCol="0">
+            <a:noAutofit/>
+          </a:bodyPr>
+          <a:lstStyle/>
+          <a:p>
+            <a:r>
+              <a:rPr lang="en-US" sz="3400" dirty="0" smtClean="0">
+                <a:solidFill>
+                  <a:srgbClr val="1B9E77"/>
+                </a:solidFill>
+                <a:latin typeface="Arial"/>
+                <a:cs typeface="Arial"/>
+              </a:rPr>
+              <a:t>PC1: Drift rates</a:t>
+            </a:r>
+            <a:endParaRPr lang="en-US" sz="3400" dirty="0">
+              <a:solidFill>
+                <a:srgbClr val="1B9E77"/>
+              </a:solidFill>
+              <a:latin typeface="Arial"/>
+              <a:cs typeface="Arial"/>
+            </a:endParaRPr>
+          </a:p>
+        </p:txBody>
+      </p:sp>
+      <p:sp>
+        <p:nvSpPr>
+          <p:cNvPr id="141" name="Rectangle 140"/>
+          <p:cNvSpPr/>
+          <p:nvPr/>
+        </p:nvSpPr>
+        <p:spPr>
+          <a:xfrm>
+            <a:off x="33997247" y="27486003"/>
+            <a:ext cx="3435950" cy="1057683"/>
+          </a:xfrm>
+          <a:prstGeom prst="rect">
+            <a:avLst/>
+          </a:prstGeom>
+          <a:noFill/>
+        </p:spPr>
+        <p:txBody>
+          <a:bodyPr wrap="square" lIns="274320" rIns="274320" rtlCol="0">
+            <a:noAutofit/>
+          </a:bodyPr>
+          <a:lstStyle/>
+          <a:p>
+            <a:r>
+              <a:rPr lang="en-US" sz="3400" dirty="0" smtClean="0">
+                <a:solidFill>
+                  <a:srgbClr val="D95F02"/>
+                </a:solidFill>
+                <a:latin typeface="Arial"/>
+                <a:cs typeface="Arial"/>
+              </a:rPr>
+              <a:t>PC2: Non-decision times</a:t>
+            </a:r>
+            <a:endParaRPr lang="en-US" sz="3400" dirty="0">
+              <a:solidFill>
+                <a:srgbClr val="D95F02"/>
+              </a:solidFill>
+              <a:latin typeface="Arial"/>
+              <a:cs typeface="Arial"/>
+            </a:endParaRPr>
+          </a:p>
+        </p:txBody>
+      </p:sp>
+      <p:sp>
+        <p:nvSpPr>
+          <p:cNvPr id="142" name="Rectangle 141"/>
+          <p:cNvSpPr/>
+          <p:nvPr/>
+        </p:nvSpPr>
+        <p:spPr>
+          <a:xfrm>
+            <a:off x="33997237" y="29271340"/>
+            <a:ext cx="4026562" cy="613283"/>
+          </a:xfrm>
+          <a:prstGeom prst="rect">
+            <a:avLst/>
+          </a:prstGeom>
+          <a:noFill/>
+        </p:spPr>
+        <p:txBody>
+          <a:bodyPr wrap="square" lIns="274320" rIns="274320" rtlCol="0">
+            <a:noAutofit/>
+          </a:bodyPr>
+          <a:lstStyle/>
+          <a:p>
+            <a:r>
+              <a:rPr lang="en-US" sz="3400" dirty="0" smtClean="0">
+                <a:solidFill>
+                  <a:srgbClr val="7570B3"/>
+                </a:solidFill>
+                <a:latin typeface="Arial"/>
+                <a:cs typeface="Arial"/>
+              </a:rPr>
+              <a:t>PC3: Thresholds</a:t>
+            </a:r>
+            <a:endParaRPr lang="en-US" sz="3400" dirty="0">
+              <a:solidFill>
+                <a:srgbClr val="7570B3"/>
+              </a:solidFill>
+              <a:latin typeface="Arial"/>
+              <a:cs typeface="Arial"/>
+            </a:endParaRPr>
+          </a:p>
+        </p:txBody>
+      </p:sp>
+      <p:cxnSp>
+        <p:nvCxnSpPr>
+          <p:cNvPr id="32" name="Straight Arrow Connector 31"/>
+          <p:cNvCxnSpPr>
+            <a:endCxn id="142" idx="1"/>
+          </p:cNvCxnSpPr>
+          <p:nvPr/>
+        </p:nvCxnSpPr>
+        <p:spPr>
+          <a:xfrm>
+            <a:off x="32791400" y="28841511"/>
+            <a:ext cx="1205837" cy="736471"/>
+          </a:xfrm>
+          <a:prstGeom prst="straightConnector1">
+            <a:avLst/>
+          </a:prstGeom>
+          <a:ln w="57150" cmpd="sng">
+            <a:solidFill>
+              <a:srgbClr val="7570B3"/>
+            </a:solidFill>
+            <a:tailEnd type="arrow"/>
+          </a:ln>
+          <a:effectLst/>
+        </p:spPr>
+        <p:style>
+          <a:lnRef idx="2">
+            <a:schemeClr val="dk1"/>
+          </a:lnRef>
+          <a:fillRef idx="0">
+            <a:schemeClr val="dk1"/>
+          </a:fillRef>
+          <a:effectRef idx="1">
+            <a:schemeClr val="dk1"/>
+          </a:effectRef>
+          <a:fontRef idx="minor">
+            <a:schemeClr val="tx1"/>
+          </a:fontRef>
+        </p:style>
+      </p:cxnSp>
+      <p:cxnSp>
+        <p:nvCxnSpPr>
+          <p:cNvPr id="37" name="Straight Arrow Connector 36"/>
+          <p:cNvCxnSpPr>
+            <a:endCxn id="141" idx="1"/>
+          </p:cNvCxnSpPr>
+          <p:nvPr/>
+        </p:nvCxnSpPr>
+        <p:spPr>
+          <a:xfrm>
+            <a:off x="32422916" y="27486003"/>
+            <a:ext cx="1574331" cy="528842"/>
+          </a:xfrm>
+          <a:prstGeom prst="straightConnector1">
+            <a:avLst/>
+          </a:prstGeom>
+          <a:ln w="57150" cmpd="sng">
+            <a:solidFill>
+              <a:srgbClr val="D95F02"/>
+            </a:solidFill>
+            <a:tailEnd type="arrow"/>
+          </a:ln>
+          <a:effectLst/>
+        </p:spPr>
+        <p:style>
+          <a:lnRef idx="2">
+            <a:schemeClr val="dk1"/>
+          </a:lnRef>
+          <a:fillRef idx="0">
+            <a:schemeClr val="dk1"/>
+          </a:fillRef>
+          <a:effectRef idx="1">
+            <a:schemeClr val="dk1"/>
+          </a:effectRef>
+          <a:fontRef idx="minor">
+            <a:schemeClr val="tx1"/>
+          </a:fontRef>
+        </p:style>
+      </p:cxnSp>
+      <p:cxnSp>
+        <p:nvCxnSpPr>
+          <p:cNvPr id="67" name="Straight Arrow Connector 66"/>
+          <p:cNvCxnSpPr>
+            <a:endCxn id="140" idx="1"/>
+          </p:cNvCxnSpPr>
+          <p:nvPr/>
+        </p:nvCxnSpPr>
+        <p:spPr>
+          <a:xfrm>
+            <a:off x="32422916" y="25722972"/>
+            <a:ext cx="1574321" cy="704107"/>
+          </a:xfrm>
+          <a:prstGeom prst="straightConnector1">
+            <a:avLst/>
+          </a:prstGeom>
+          <a:ln w="57150" cmpd="sng">
+            <a:solidFill>
+              <a:srgbClr val="1B9E77"/>
+            </a:solidFill>
+            <a:tailEnd type="arrow"/>
+          </a:ln>
+          <a:effectLst/>
+        </p:spPr>
+        <p:style>
+          <a:lnRef idx="2">
+            <a:schemeClr val="dk1"/>
+          </a:lnRef>
+          <a:fillRef idx="0">
+            <a:schemeClr val="dk1"/>
+          </a:fillRef>
+          <a:effectRef idx="1">
+            <a:schemeClr val="dk1"/>
+          </a:effectRef>
+          <a:fontRef idx="minor">
+            <a:schemeClr val="tx1"/>
+          </a:fontRef>
+        </p:style>
+      </p:cxnSp>
       <p:grpSp>
         <p:nvGrpSpPr>
-          <p:cNvPr id="95" name="Group 94"/>
+          <p:cNvPr id="169" name="Group 168"/>
           <p:cNvGrpSpPr/>
           <p:nvPr/>
         </p:nvGrpSpPr>
         <p:grpSpPr>
-          <a:xfrm flipV="1">
-            <a:off x="15468600" y="25789504"/>
-            <a:ext cx="7555781" cy="558800"/>
-            <a:chOff x="15468600" y="27279600"/>
-            <a:chExt cx="7555781" cy="558800"/>
+          <a:xfrm>
+            <a:off x="10986911" y="24879931"/>
+            <a:ext cx="6084227" cy="2186541"/>
+            <a:chOff x="10986911" y="24879931"/>
+            <a:chExt cx="6084227" cy="2186541"/>
+          </a:xfrm>
+        </p:grpSpPr>
+        <p:grpSp>
+          <p:nvGrpSpPr>
+            <p:cNvPr id="100" name="Group 99"/>
+            <p:cNvGrpSpPr/>
+            <p:nvPr/>
+          </p:nvGrpSpPr>
+          <p:grpSpPr>
+            <a:xfrm>
+              <a:off x="10986911" y="24879931"/>
+              <a:ext cx="484273" cy="2186541"/>
+              <a:chOff x="10986911" y="24879931"/>
+              <a:chExt cx="484273" cy="2186541"/>
+            </a:xfrm>
+          </p:grpSpPr>
+          <p:sp>
+            <p:nvSpPr>
+              <p:cNvPr id="156" name="Oval 155"/>
+              <p:cNvSpPr/>
+              <p:nvPr/>
+            </p:nvSpPr>
+            <p:spPr>
+              <a:xfrm>
+                <a:off x="10986911" y="26464563"/>
+                <a:ext cx="484273" cy="601909"/>
+              </a:xfrm>
+              <a:prstGeom prst="ellipse">
+                <a:avLst/>
+              </a:prstGeom>
+              <a:solidFill>
+                <a:srgbClr val="1B9E77">
+                  <a:alpha val="53000"/>
+                </a:srgbClr>
+              </a:solidFill>
+              <a:ln>
+                <a:solidFill>
+                  <a:srgbClr val="1B9E77"/>
+                </a:solidFill>
+              </a:ln>
+              <a:effectLst/>
+            </p:spPr>
+            <p:style>
+              <a:lnRef idx="1">
+                <a:schemeClr val="accent1"/>
+              </a:lnRef>
+              <a:fillRef idx="3">
+                <a:schemeClr val="accent1"/>
+              </a:fillRef>
+              <a:effectRef idx="2">
+                <a:schemeClr val="accent1"/>
+              </a:effectRef>
+              <a:fontRef idx="minor">
+                <a:schemeClr val="lt1"/>
+              </a:fontRef>
+            </p:style>
+            <p:txBody>
+              <a:bodyPr rtlCol="0" anchor="ctr"/>
+              <a:lstStyle/>
+              <a:p>
+                <a:pPr algn="ctr"/>
+                <a:endParaRPr lang="en-US">
+                  <a:solidFill>
+                    <a:srgbClr val="1B9E77"/>
+                  </a:solidFill>
+                </a:endParaRPr>
+              </a:p>
+            </p:txBody>
+          </p:sp>
+          <p:sp>
+            <p:nvSpPr>
+              <p:cNvPr id="157" name="Oval 156"/>
+              <p:cNvSpPr/>
+              <p:nvPr/>
+            </p:nvSpPr>
+            <p:spPr>
+              <a:xfrm>
+                <a:off x="10986911" y="25672247"/>
+                <a:ext cx="484273" cy="601909"/>
+              </a:xfrm>
+              <a:prstGeom prst="ellipse">
+                <a:avLst/>
+              </a:prstGeom>
+              <a:solidFill>
+                <a:srgbClr val="1B9E77">
+                  <a:alpha val="70000"/>
+                </a:srgbClr>
+              </a:solidFill>
+              <a:ln>
+                <a:solidFill>
+                  <a:srgbClr val="1B9E77"/>
+                </a:solidFill>
+              </a:ln>
+              <a:effectLst/>
+            </p:spPr>
+            <p:style>
+              <a:lnRef idx="1">
+                <a:schemeClr val="accent1"/>
+              </a:lnRef>
+              <a:fillRef idx="3">
+                <a:schemeClr val="accent1"/>
+              </a:fillRef>
+              <a:effectRef idx="2">
+                <a:schemeClr val="accent1"/>
+              </a:effectRef>
+              <a:fontRef idx="minor">
+                <a:schemeClr val="lt1"/>
+              </a:fontRef>
+            </p:style>
+            <p:txBody>
+              <a:bodyPr rtlCol="0" anchor="ctr"/>
+              <a:lstStyle/>
+              <a:p>
+                <a:pPr algn="ctr"/>
+                <a:endParaRPr lang="en-US">
+                  <a:solidFill>
+                    <a:srgbClr val="1B9E77"/>
+                  </a:solidFill>
+                </a:endParaRPr>
+              </a:p>
+            </p:txBody>
+          </p:sp>
+          <p:sp>
+            <p:nvSpPr>
+              <p:cNvPr id="158" name="Oval 157"/>
+              <p:cNvSpPr/>
+              <p:nvPr/>
+            </p:nvSpPr>
+            <p:spPr>
+              <a:xfrm>
+                <a:off x="10986911" y="24879931"/>
+                <a:ext cx="484273" cy="601909"/>
+              </a:xfrm>
+              <a:prstGeom prst="ellipse">
+                <a:avLst/>
+              </a:prstGeom>
+              <a:solidFill>
+                <a:srgbClr val="1B9E77"/>
+              </a:solidFill>
+              <a:ln>
+                <a:solidFill>
+                  <a:srgbClr val="1B9E77"/>
+                </a:solidFill>
+              </a:ln>
+              <a:effectLst/>
+            </p:spPr>
+            <p:style>
+              <a:lnRef idx="1">
+                <a:schemeClr val="accent1"/>
+              </a:lnRef>
+              <a:fillRef idx="3">
+                <a:schemeClr val="accent1"/>
+              </a:fillRef>
+              <a:effectRef idx="2">
+                <a:schemeClr val="accent1"/>
+              </a:effectRef>
+              <a:fontRef idx="minor">
+                <a:schemeClr val="lt1"/>
+              </a:fontRef>
+            </p:style>
+            <p:txBody>
+              <a:bodyPr rtlCol="0" anchor="ctr"/>
+              <a:lstStyle/>
+              <a:p>
+                <a:pPr algn="ctr"/>
+                <a:endParaRPr lang="en-US">
+                  <a:solidFill>
+                    <a:srgbClr val="1B9E77"/>
+                  </a:solidFill>
+                </a:endParaRPr>
+              </a:p>
+            </p:txBody>
+          </p:sp>
+        </p:grpSp>
+        <p:grpSp>
+          <p:nvGrpSpPr>
+            <p:cNvPr id="168" name="Group 167"/>
+            <p:cNvGrpSpPr/>
+            <p:nvPr/>
+          </p:nvGrpSpPr>
+          <p:grpSpPr>
+            <a:xfrm>
+              <a:off x="13076046" y="25513543"/>
+              <a:ext cx="3995092" cy="919316"/>
+              <a:chOff x="13884978" y="25354840"/>
+              <a:chExt cx="3995092" cy="919316"/>
+            </a:xfrm>
+          </p:grpSpPr>
+          <p:sp>
+            <p:nvSpPr>
+              <p:cNvPr id="74" name="Oval 73"/>
+              <p:cNvSpPr/>
+              <p:nvPr/>
+            </p:nvSpPr>
+            <p:spPr>
+              <a:xfrm>
+                <a:off x="13884978" y="25354840"/>
+                <a:ext cx="3995092" cy="919316"/>
+              </a:xfrm>
+              <a:prstGeom prst="ellipse">
+                <a:avLst/>
+              </a:prstGeom>
+              <a:solidFill>
+                <a:srgbClr val="1B9E77"/>
+              </a:solidFill>
+              <a:ln>
+                <a:noFill/>
+              </a:ln>
+              <a:effectLst/>
+            </p:spPr>
+            <p:style>
+              <a:lnRef idx="1">
+                <a:schemeClr val="accent1"/>
+              </a:lnRef>
+              <a:fillRef idx="3">
+                <a:schemeClr val="accent1"/>
+              </a:fillRef>
+              <a:effectRef idx="2">
+                <a:schemeClr val="accent1"/>
+              </a:effectRef>
+              <a:fontRef idx="minor">
+                <a:schemeClr val="lt1"/>
+              </a:fontRef>
+            </p:style>
+            <p:txBody>
+              <a:bodyPr rtlCol="0" anchor="ctr"/>
+              <a:lstStyle/>
+              <a:p>
+                <a:pPr algn="ctr"/>
+                <a:endParaRPr lang="en-US"/>
+              </a:p>
+            </p:txBody>
+          </p:sp>
+          <p:sp>
+            <p:nvSpPr>
+              <p:cNvPr id="75" name="TextBox 74"/>
+              <p:cNvSpPr txBox="1"/>
+              <p:nvPr/>
+            </p:nvSpPr>
+            <p:spPr>
+              <a:xfrm>
+                <a:off x="14185900" y="25501600"/>
+                <a:ext cx="3334504" cy="615553"/>
+              </a:xfrm>
+              <a:prstGeom prst="rect">
+                <a:avLst/>
+              </a:prstGeom>
+              <a:noFill/>
+            </p:spPr>
+            <p:txBody>
+              <a:bodyPr wrap="none" rtlCol="0">
+                <a:spAutoFit/>
+              </a:bodyPr>
+              <a:lstStyle/>
+              <a:p>
+                <a:r>
+                  <a:rPr lang="en-US" sz="3400" dirty="0" smtClean="0">
+                    <a:latin typeface="Arial"/>
+                    <a:cs typeface="Arial"/>
+                  </a:rPr>
+                  <a:t>PC1: Drift Rates</a:t>
+                </a:r>
+                <a:endParaRPr lang="en-US" sz="3400" dirty="0">
+                  <a:latin typeface="Arial"/>
+                  <a:cs typeface="Arial"/>
+                </a:endParaRPr>
+              </a:p>
+            </p:txBody>
+          </p:sp>
+        </p:grpSp>
+      </p:grpSp>
+      <p:grpSp>
+        <p:nvGrpSpPr>
+          <p:cNvPr id="170" name="Group 169"/>
+          <p:cNvGrpSpPr/>
+          <p:nvPr/>
+        </p:nvGrpSpPr>
+        <p:grpSpPr>
+          <a:xfrm>
+            <a:off x="10986911" y="27256879"/>
+            <a:ext cx="6084227" cy="2186541"/>
+            <a:chOff x="10986911" y="27185957"/>
+            <a:chExt cx="6084227" cy="2186541"/>
+          </a:xfrm>
+        </p:grpSpPr>
+        <p:grpSp>
+          <p:nvGrpSpPr>
+            <p:cNvPr id="163" name="Group 162"/>
+            <p:cNvGrpSpPr/>
+            <p:nvPr/>
+          </p:nvGrpSpPr>
+          <p:grpSpPr>
+            <a:xfrm>
+              <a:off x="10986911" y="27185957"/>
+              <a:ext cx="484273" cy="2186541"/>
+              <a:chOff x="10986911" y="27256879"/>
+              <a:chExt cx="484273" cy="2186541"/>
+            </a:xfrm>
+          </p:grpSpPr>
+          <p:sp>
+            <p:nvSpPr>
+              <p:cNvPr id="153" name="Oval 152"/>
+              <p:cNvSpPr/>
+              <p:nvPr/>
+            </p:nvSpPr>
+            <p:spPr>
+              <a:xfrm>
+                <a:off x="10986911" y="28841511"/>
+                <a:ext cx="484273" cy="601909"/>
+              </a:xfrm>
+              <a:prstGeom prst="ellipse">
+                <a:avLst/>
+              </a:prstGeom>
+              <a:solidFill>
+                <a:srgbClr val="D95F02">
+                  <a:alpha val="50000"/>
+                </a:srgbClr>
+              </a:solidFill>
+              <a:ln>
+                <a:solidFill>
+                  <a:srgbClr val="D95F02"/>
+                </a:solidFill>
+              </a:ln>
+              <a:effectLst/>
+            </p:spPr>
+            <p:style>
+              <a:lnRef idx="1">
+                <a:schemeClr val="accent1"/>
+              </a:lnRef>
+              <a:fillRef idx="3">
+                <a:schemeClr val="accent1"/>
+              </a:fillRef>
+              <a:effectRef idx="2">
+                <a:schemeClr val="accent1"/>
+              </a:effectRef>
+              <a:fontRef idx="minor">
+                <a:schemeClr val="lt1"/>
+              </a:fontRef>
+            </p:style>
+            <p:txBody>
+              <a:bodyPr rtlCol="0" anchor="ctr"/>
+              <a:lstStyle/>
+              <a:p>
+                <a:pPr algn="ctr"/>
+                <a:endParaRPr lang="en-US"/>
+              </a:p>
+            </p:txBody>
+          </p:sp>
+          <p:sp>
+            <p:nvSpPr>
+              <p:cNvPr id="154" name="Oval 153"/>
+              <p:cNvSpPr/>
+              <p:nvPr/>
+            </p:nvSpPr>
+            <p:spPr>
+              <a:xfrm>
+                <a:off x="10986911" y="27256879"/>
+                <a:ext cx="484273" cy="601909"/>
+              </a:xfrm>
+              <a:prstGeom prst="ellipse">
+                <a:avLst/>
+              </a:prstGeom>
+              <a:solidFill>
+                <a:srgbClr val="D95F02"/>
+              </a:solidFill>
+              <a:ln>
+                <a:solidFill>
+                  <a:srgbClr val="D95F02"/>
+                </a:solidFill>
+              </a:ln>
+              <a:effectLst/>
+            </p:spPr>
+            <p:style>
+              <a:lnRef idx="1">
+                <a:schemeClr val="accent1"/>
+              </a:lnRef>
+              <a:fillRef idx="3">
+                <a:schemeClr val="accent1"/>
+              </a:fillRef>
+              <a:effectRef idx="2">
+                <a:schemeClr val="accent1"/>
+              </a:effectRef>
+              <a:fontRef idx="minor">
+                <a:schemeClr val="lt1"/>
+              </a:fontRef>
+            </p:style>
+            <p:txBody>
+              <a:bodyPr rtlCol="0" anchor="ctr"/>
+              <a:lstStyle/>
+              <a:p>
+                <a:pPr algn="ctr"/>
+                <a:endParaRPr lang="en-US"/>
+              </a:p>
+            </p:txBody>
+          </p:sp>
+          <p:sp>
+            <p:nvSpPr>
+              <p:cNvPr id="155" name="Oval 154"/>
+              <p:cNvSpPr/>
+              <p:nvPr/>
+            </p:nvSpPr>
+            <p:spPr>
+              <a:xfrm>
+                <a:off x="10986911" y="28049195"/>
+                <a:ext cx="484273" cy="601909"/>
+              </a:xfrm>
+              <a:prstGeom prst="ellipse">
+                <a:avLst/>
+              </a:prstGeom>
+              <a:solidFill>
+                <a:srgbClr val="D95F02">
+                  <a:alpha val="70000"/>
+                </a:srgbClr>
+              </a:solidFill>
+              <a:ln>
+                <a:solidFill>
+                  <a:srgbClr val="D95F02"/>
+                </a:solidFill>
+              </a:ln>
+              <a:effectLst/>
+            </p:spPr>
+            <p:style>
+              <a:lnRef idx="1">
+                <a:schemeClr val="accent1"/>
+              </a:lnRef>
+              <a:fillRef idx="3">
+                <a:schemeClr val="accent1"/>
+              </a:fillRef>
+              <a:effectRef idx="2">
+                <a:schemeClr val="accent1"/>
+              </a:effectRef>
+              <a:fontRef idx="minor">
+                <a:schemeClr val="lt1"/>
+              </a:fontRef>
+            </p:style>
+            <p:txBody>
+              <a:bodyPr rtlCol="0" anchor="ctr"/>
+              <a:lstStyle/>
+              <a:p>
+                <a:pPr algn="ctr"/>
+                <a:endParaRPr lang="en-US"/>
+              </a:p>
+            </p:txBody>
+          </p:sp>
+        </p:grpSp>
+        <p:grpSp>
+          <p:nvGrpSpPr>
+            <p:cNvPr id="166" name="Group 165"/>
+            <p:cNvGrpSpPr/>
+            <p:nvPr/>
+          </p:nvGrpSpPr>
+          <p:grpSpPr>
+            <a:xfrm>
+              <a:off x="13076046" y="27819569"/>
+              <a:ext cx="3995092" cy="919316"/>
+              <a:chOff x="13961178" y="27115035"/>
+              <a:chExt cx="3995092" cy="919316"/>
+            </a:xfrm>
+          </p:grpSpPr>
+          <p:sp>
+            <p:nvSpPr>
+              <p:cNvPr id="159" name="Oval 158"/>
+              <p:cNvSpPr/>
+              <p:nvPr/>
+            </p:nvSpPr>
+            <p:spPr>
+              <a:xfrm>
+                <a:off x="13961178" y="27115035"/>
+                <a:ext cx="3995092" cy="919316"/>
+              </a:xfrm>
+              <a:prstGeom prst="ellipse">
+                <a:avLst/>
+              </a:prstGeom>
+              <a:solidFill>
+                <a:srgbClr val="D95F02"/>
+              </a:solidFill>
+              <a:ln>
+                <a:noFill/>
+              </a:ln>
+              <a:effectLst/>
+            </p:spPr>
+            <p:style>
+              <a:lnRef idx="1">
+                <a:schemeClr val="accent1"/>
+              </a:lnRef>
+              <a:fillRef idx="3">
+                <a:schemeClr val="accent1"/>
+              </a:fillRef>
+              <a:effectRef idx="2">
+                <a:schemeClr val="accent1"/>
+              </a:effectRef>
+              <a:fontRef idx="minor">
+                <a:schemeClr val="lt1"/>
+              </a:fontRef>
+            </p:style>
+            <p:txBody>
+              <a:bodyPr rtlCol="0" anchor="ctr"/>
+              <a:lstStyle/>
+              <a:p>
+                <a:pPr algn="ctr"/>
+                <a:endParaRPr lang="en-US"/>
+              </a:p>
+            </p:txBody>
+          </p:sp>
+          <p:sp>
+            <p:nvSpPr>
+              <p:cNvPr id="160" name="TextBox 159"/>
+              <p:cNvSpPr txBox="1"/>
+              <p:nvPr/>
+            </p:nvSpPr>
+            <p:spPr>
+              <a:xfrm>
+                <a:off x="14058900" y="27236395"/>
+                <a:ext cx="3819913" cy="615553"/>
+              </a:xfrm>
+              <a:prstGeom prst="rect">
+                <a:avLst/>
+              </a:prstGeom>
+              <a:noFill/>
+            </p:spPr>
+            <p:txBody>
+              <a:bodyPr wrap="none" rtlCol="0">
+                <a:spAutoFit/>
+              </a:bodyPr>
+              <a:lstStyle/>
+              <a:p>
+                <a:r>
+                  <a:rPr lang="en-US" sz="3400" dirty="0" smtClean="0">
+                    <a:latin typeface="Arial"/>
+                    <a:cs typeface="Arial"/>
+                  </a:rPr>
+                  <a:t>PC2: Non-decision</a:t>
+                </a:r>
+                <a:endParaRPr lang="en-US" sz="3400" dirty="0">
+                  <a:latin typeface="Arial"/>
+                  <a:cs typeface="Arial"/>
+                </a:endParaRPr>
+              </a:p>
+            </p:txBody>
+          </p:sp>
+        </p:grpSp>
+      </p:grpSp>
+      <p:grpSp>
+        <p:nvGrpSpPr>
+          <p:cNvPr id="171" name="Group 170"/>
+          <p:cNvGrpSpPr/>
+          <p:nvPr/>
+        </p:nvGrpSpPr>
+        <p:grpSpPr>
+          <a:xfrm>
+            <a:off x="10986911" y="29633827"/>
+            <a:ext cx="6084227" cy="2186538"/>
+            <a:chOff x="10986911" y="29633827"/>
+            <a:chExt cx="6084227" cy="2186538"/>
+          </a:xfrm>
+        </p:grpSpPr>
+        <p:grpSp>
+          <p:nvGrpSpPr>
+            <p:cNvPr id="164" name="Group 163"/>
+            <p:cNvGrpSpPr/>
+            <p:nvPr/>
+          </p:nvGrpSpPr>
+          <p:grpSpPr>
+            <a:xfrm>
+              <a:off x="10986911" y="29633827"/>
+              <a:ext cx="484273" cy="2186538"/>
+              <a:chOff x="10986911" y="29633827"/>
+              <a:chExt cx="484273" cy="2186538"/>
+            </a:xfrm>
+          </p:grpSpPr>
+          <p:sp>
+            <p:nvSpPr>
+              <p:cNvPr id="144" name="Oval 143"/>
+              <p:cNvSpPr/>
+              <p:nvPr/>
+            </p:nvSpPr>
+            <p:spPr>
+              <a:xfrm>
+                <a:off x="10986911" y="30426143"/>
+                <a:ext cx="484273" cy="601909"/>
+              </a:xfrm>
+              <a:prstGeom prst="ellipse">
+                <a:avLst/>
+              </a:prstGeom>
+              <a:solidFill>
+                <a:srgbClr val="7570B3"/>
+              </a:solidFill>
+              <a:ln>
+                <a:solidFill>
+                  <a:srgbClr val="7570B3"/>
+                </a:solidFill>
+              </a:ln>
+              <a:effectLst/>
+            </p:spPr>
+            <p:style>
+              <a:lnRef idx="1">
+                <a:schemeClr val="accent1"/>
+              </a:lnRef>
+              <a:fillRef idx="3">
+                <a:schemeClr val="accent1"/>
+              </a:fillRef>
+              <a:effectRef idx="2">
+                <a:schemeClr val="accent1"/>
+              </a:effectRef>
+              <a:fontRef idx="minor">
+                <a:schemeClr val="lt1"/>
+              </a:fontRef>
+            </p:style>
+            <p:txBody>
+              <a:bodyPr rtlCol="0" anchor="ctr"/>
+              <a:lstStyle/>
+              <a:p>
+                <a:pPr algn="ctr"/>
+                <a:endParaRPr lang="en-US"/>
+              </a:p>
+            </p:txBody>
+          </p:sp>
+          <p:sp>
+            <p:nvSpPr>
+              <p:cNvPr id="151" name="Oval 150"/>
+              <p:cNvSpPr/>
+              <p:nvPr/>
+            </p:nvSpPr>
+            <p:spPr>
+              <a:xfrm>
+                <a:off x="10986911" y="31218456"/>
+                <a:ext cx="484273" cy="601909"/>
+              </a:xfrm>
+              <a:prstGeom prst="ellipse">
+                <a:avLst/>
+              </a:prstGeom>
+              <a:solidFill>
+                <a:srgbClr val="7570B3"/>
+              </a:solidFill>
+              <a:ln>
+                <a:solidFill>
+                  <a:srgbClr val="7570B3"/>
+                </a:solidFill>
+              </a:ln>
+              <a:effectLst/>
+            </p:spPr>
+            <p:style>
+              <a:lnRef idx="1">
+                <a:schemeClr val="accent1"/>
+              </a:lnRef>
+              <a:fillRef idx="3">
+                <a:schemeClr val="accent1"/>
+              </a:fillRef>
+              <a:effectRef idx="2">
+                <a:schemeClr val="accent1"/>
+              </a:effectRef>
+              <a:fontRef idx="minor">
+                <a:schemeClr val="lt1"/>
+              </a:fontRef>
+            </p:style>
+            <p:txBody>
+              <a:bodyPr rtlCol="0" anchor="ctr"/>
+              <a:lstStyle/>
+              <a:p>
+                <a:pPr algn="ctr"/>
+                <a:endParaRPr lang="en-US"/>
+              </a:p>
+            </p:txBody>
+          </p:sp>
+          <p:sp>
+            <p:nvSpPr>
+              <p:cNvPr id="152" name="Oval 151"/>
+              <p:cNvSpPr/>
+              <p:nvPr/>
+            </p:nvSpPr>
+            <p:spPr>
+              <a:xfrm>
+                <a:off x="10986911" y="29633827"/>
+                <a:ext cx="484273" cy="601909"/>
+              </a:xfrm>
+              <a:prstGeom prst="ellipse">
+                <a:avLst/>
+              </a:prstGeom>
+              <a:solidFill>
+                <a:srgbClr val="7570B3"/>
+              </a:solidFill>
+              <a:ln>
+                <a:solidFill>
+                  <a:srgbClr val="7570B3"/>
+                </a:solidFill>
+              </a:ln>
+              <a:effectLst/>
+            </p:spPr>
+            <p:style>
+              <a:lnRef idx="1">
+                <a:schemeClr val="accent1"/>
+              </a:lnRef>
+              <a:fillRef idx="3">
+                <a:schemeClr val="accent1"/>
+              </a:fillRef>
+              <a:effectRef idx="2">
+                <a:schemeClr val="accent1"/>
+              </a:effectRef>
+              <a:fontRef idx="minor">
+                <a:schemeClr val="lt1"/>
+              </a:fontRef>
+            </p:style>
+            <p:txBody>
+              <a:bodyPr rtlCol="0" anchor="ctr"/>
+              <a:lstStyle/>
+              <a:p>
+                <a:pPr algn="ctr"/>
+                <a:endParaRPr lang="en-US"/>
+              </a:p>
+            </p:txBody>
+          </p:sp>
+        </p:grpSp>
+        <p:grpSp>
+          <p:nvGrpSpPr>
+            <p:cNvPr id="165" name="Group 164"/>
+            <p:cNvGrpSpPr/>
+            <p:nvPr/>
+          </p:nvGrpSpPr>
+          <p:grpSpPr>
+            <a:xfrm>
+              <a:off x="13076046" y="30267438"/>
+              <a:ext cx="3995092" cy="919316"/>
+              <a:chOff x="13961178" y="29978220"/>
+              <a:chExt cx="3995092" cy="919316"/>
+            </a:xfrm>
+          </p:grpSpPr>
+          <p:sp>
+            <p:nvSpPr>
+              <p:cNvPr id="161" name="Oval 160"/>
+              <p:cNvSpPr/>
+              <p:nvPr/>
+            </p:nvSpPr>
+            <p:spPr>
+              <a:xfrm>
+                <a:off x="13961178" y="29978220"/>
+                <a:ext cx="3995092" cy="919316"/>
+              </a:xfrm>
+              <a:prstGeom prst="ellipse">
+                <a:avLst/>
+              </a:prstGeom>
+              <a:solidFill>
+                <a:srgbClr val="7570B3"/>
+              </a:solidFill>
+              <a:ln>
+                <a:noFill/>
+              </a:ln>
+              <a:effectLst/>
+            </p:spPr>
+            <p:style>
+              <a:lnRef idx="1">
+                <a:schemeClr val="accent1"/>
+              </a:lnRef>
+              <a:fillRef idx="3">
+                <a:schemeClr val="accent1"/>
+              </a:fillRef>
+              <a:effectRef idx="2">
+                <a:schemeClr val="accent1"/>
+              </a:effectRef>
+              <a:fontRef idx="minor">
+                <a:schemeClr val="lt1"/>
+              </a:fontRef>
+            </p:style>
+            <p:txBody>
+              <a:bodyPr rtlCol="0" anchor="ctr"/>
+              <a:lstStyle/>
+              <a:p>
+                <a:pPr algn="ctr"/>
+                <a:endParaRPr lang="en-US"/>
+              </a:p>
+            </p:txBody>
+          </p:sp>
+          <p:sp>
+            <p:nvSpPr>
+              <p:cNvPr id="162" name="TextBox 161"/>
+              <p:cNvSpPr txBox="1"/>
+              <p:nvPr/>
+            </p:nvSpPr>
+            <p:spPr>
+              <a:xfrm>
+                <a:off x="14262100" y="30124980"/>
+                <a:ext cx="3424134" cy="615553"/>
+              </a:xfrm>
+              <a:prstGeom prst="rect">
+                <a:avLst/>
+              </a:prstGeom>
+              <a:noFill/>
+            </p:spPr>
+            <p:txBody>
+              <a:bodyPr wrap="none" rtlCol="0">
+                <a:spAutoFit/>
+              </a:bodyPr>
+              <a:lstStyle/>
+              <a:p>
+                <a:r>
+                  <a:rPr lang="en-US" sz="3400" dirty="0" smtClean="0">
+                    <a:latin typeface="Arial"/>
+                    <a:cs typeface="Arial"/>
+                  </a:rPr>
+                  <a:t>PC3: Thresholds</a:t>
+                </a:r>
+                <a:endParaRPr lang="en-US" sz="3400" dirty="0">
+                  <a:latin typeface="Arial"/>
+                  <a:cs typeface="Arial"/>
+                </a:endParaRPr>
+              </a:p>
+            </p:txBody>
+          </p:sp>
+        </p:grpSp>
+      </p:grpSp>
+      <p:grpSp>
+        <p:nvGrpSpPr>
+          <p:cNvPr id="180" name="Group 179"/>
+          <p:cNvGrpSpPr/>
+          <p:nvPr/>
+        </p:nvGrpSpPr>
+        <p:grpSpPr>
+          <a:xfrm>
+            <a:off x="11471184" y="25180886"/>
+            <a:ext cx="1604862" cy="1584632"/>
+            <a:chOff x="11471184" y="25180886"/>
+            <a:chExt cx="1604862" cy="1584632"/>
           </a:xfrm>
         </p:grpSpPr>
         <p:cxnSp>
           <p:nvCxnSpPr>
-            <p:cNvPr id="87" name="Straight Connector 86"/>
-            <p:cNvCxnSpPr/>
+            <p:cNvPr id="173" name="Straight Arrow Connector 172"/>
+            <p:cNvCxnSpPr>
+              <a:stCxn id="158" idx="6"/>
+              <a:endCxn id="74" idx="2"/>
+            </p:cNvCxnSpPr>
             <p:nvPr/>
           </p:nvCxnSpPr>
           <p:spPr>
             <a:xfrm>
-              <a:off x="15468600" y="27838400"/>
-              <a:ext cx="7555781" cy="0"/>
+              <a:off x="11471184" y="25180886"/>
+              <a:ext cx="1604862" cy="792315"/>
             </a:xfrm>
-            <a:prstGeom prst="line">
+            <a:prstGeom prst="straightConnector1">
               <a:avLst/>
             </a:prstGeom>
-            <a:ln w="38100" cmpd="sng">
+            <a:ln w="57150" cmpd="sng">
               <a:solidFill>
-                <a:srgbClr val="4AC6B7"/>
+                <a:srgbClr val="1B9E77"/>
               </a:solidFill>
-              <a:tailEnd type="none"/>
+              <a:tailEnd type="arrow"/>
             </a:ln>
             <a:effectLst/>
           </p:spPr>
@@ -6761,23 +7730,26 @@
         </p:cxnSp>
         <p:cxnSp>
           <p:nvCxnSpPr>
-            <p:cNvPr id="91" name="Straight Connector 90"/>
-            <p:cNvCxnSpPr/>
+            <p:cNvPr id="175" name="Straight Arrow Connector 174"/>
+            <p:cNvCxnSpPr>
+              <a:stCxn id="157" idx="6"/>
+              <a:endCxn id="74" idx="2"/>
+            </p:cNvCxnSpPr>
             <p:nvPr/>
           </p:nvCxnSpPr>
           <p:spPr>
             <a:xfrm flipV="1">
-              <a:off x="15468600" y="27279600"/>
-              <a:ext cx="0" cy="558800"/>
+              <a:off x="11471184" y="25973201"/>
+              <a:ext cx="1604862" cy="1"/>
             </a:xfrm>
-            <a:prstGeom prst="line">
+            <a:prstGeom prst="straightConnector1">
               <a:avLst/>
             </a:prstGeom>
-            <a:ln w="38100" cmpd="sng">
+            <a:ln w="57150" cmpd="sng">
               <a:solidFill>
-                <a:srgbClr val="4AC6B7"/>
+                <a:srgbClr val="1B9E77"/>
               </a:solidFill>
-              <a:tailEnd type="none"/>
+              <a:tailEnd type="arrow"/>
             </a:ln>
             <a:effectLst/>
           </p:spPr>
@@ -6798,23 +7770,26 @@
         </p:cxnSp>
         <p:cxnSp>
           <p:nvCxnSpPr>
-            <p:cNvPr id="96" name="Straight Connector 95"/>
-            <p:cNvCxnSpPr/>
+            <p:cNvPr id="179" name="Straight Arrow Connector 178"/>
+            <p:cNvCxnSpPr>
+              <a:stCxn id="156" idx="6"/>
+              <a:endCxn id="74" idx="2"/>
+            </p:cNvCxnSpPr>
             <p:nvPr/>
           </p:nvCxnSpPr>
           <p:spPr>
             <a:xfrm flipV="1">
-              <a:off x="23021700" y="27279600"/>
-              <a:ext cx="0" cy="558800"/>
+              <a:off x="11471184" y="25973201"/>
+              <a:ext cx="1604862" cy="792317"/>
             </a:xfrm>
-            <a:prstGeom prst="line">
+            <a:prstGeom prst="straightConnector1">
               <a:avLst/>
             </a:prstGeom>
-            <a:ln w="38100" cmpd="sng">
+            <a:ln w="57150" cmpd="sng">
               <a:solidFill>
-                <a:srgbClr val="4AC6B7"/>
+                <a:srgbClr val="1B9E77"/>
               </a:solidFill>
-              <a:tailEnd type="none"/>
+              <a:tailEnd type="arrow"/>
             </a:ln>
             <a:effectLst/>
           </p:spPr>
@@ -6836,37 +7811,37 @@
       </p:grpSp>
       <p:grpSp>
         <p:nvGrpSpPr>
-          <p:cNvPr id="99" name="Group 98"/>
+          <p:cNvPr id="181" name="Group 180"/>
           <p:cNvGrpSpPr/>
           <p:nvPr/>
         </p:nvGrpSpPr>
         <p:grpSpPr>
-          <a:xfrm flipV="1">
-            <a:off x="16552315" y="25518571"/>
-            <a:ext cx="7555781" cy="829730"/>
-            <a:chOff x="15468600" y="27279600"/>
-            <a:chExt cx="7555781" cy="558800"/>
+          <a:xfrm>
+            <a:off x="11471184" y="27536585"/>
+            <a:ext cx="1604862" cy="1584632"/>
+            <a:chOff x="11471184" y="25180886"/>
+            <a:chExt cx="1604862" cy="1584632"/>
           </a:xfrm>
         </p:grpSpPr>
         <p:cxnSp>
           <p:nvCxnSpPr>
-            <p:cNvPr id="101" name="Straight Connector 100"/>
+            <p:cNvPr id="182" name="Straight Arrow Connector 181"/>
             <p:cNvCxnSpPr/>
             <p:nvPr/>
           </p:nvCxnSpPr>
           <p:spPr>
             <a:xfrm>
-              <a:off x="15468600" y="27838400"/>
-              <a:ext cx="7555781" cy="0"/>
+              <a:off x="11471184" y="25180886"/>
+              <a:ext cx="1604862" cy="792315"/>
             </a:xfrm>
-            <a:prstGeom prst="line">
+            <a:prstGeom prst="straightConnector1">
               <a:avLst/>
             </a:prstGeom>
-            <a:ln w="38100" cmpd="sng">
+            <a:ln w="57150" cmpd="sng">
               <a:solidFill>
-                <a:srgbClr val="4AC6B7"/>
+                <a:srgbClr val="D95F02"/>
               </a:solidFill>
-              <a:tailEnd type="none"/>
+              <a:tailEnd type="arrow"/>
             </a:ln>
             <a:effectLst/>
           </p:spPr>
@@ -6887,23 +7862,23 @@
         </p:cxnSp>
         <p:cxnSp>
           <p:nvCxnSpPr>
-            <p:cNvPr id="102" name="Straight Connector 101"/>
+            <p:cNvPr id="183" name="Straight Arrow Connector 182"/>
             <p:cNvCxnSpPr/>
             <p:nvPr/>
           </p:nvCxnSpPr>
           <p:spPr>
             <a:xfrm flipV="1">
-              <a:off x="15468600" y="27279600"/>
-              <a:ext cx="0" cy="558800"/>
+              <a:off x="11471184" y="25973201"/>
+              <a:ext cx="1604862" cy="1"/>
             </a:xfrm>
-            <a:prstGeom prst="line">
+            <a:prstGeom prst="straightConnector1">
               <a:avLst/>
             </a:prstGeom>
-            <a:ln w="38100" cmpd="sng">
+            <a:ln w="57150" cmpd="sng">
               <a:solidFill>
-                <a:srgbClr val="4AC6B7"/>
+                <a:srgbClr val="D95F02"/>
               </a:solidFill>
-              <a:tailEnd type="none"/>
+              <a:tailEnd type="arrow"/>
             </a:ln>
             <a:effectLst/>
           </p:spPr>
@@ -6924,23 +7899,23 @@
         </p:cxnSp>
         <p:cxnSp>
           <p:nvCxnSpPr>
-            <p:cNvPr id="103" name="Straight Connector 102"/>
+            <p:cNvPr id="184" name="Straight Arrow Connector 183"/>
             <p:cNvCxnSpPr/>
             <p:nvPr/>
           </p:nvCxnSpPr>
           <p:spPr>
             <a:xfrm flipV="1">
-              <a:off x="23021700" y="27279600"/>
-              <a:ext cx="0" cy="558800"/>
+              <a:off x="11471184" y="25973201"/>
+              <a:ext cx="1604862" cy="792317"/>
             </a:xfrm>
-            <a:prstGeom prst="line">
+            <a:prstGeom prst="straightConnector1">
               <a:avLst/>
             </a:prstGeom>
-            <a:ln w="38100" cmpd="sng">
+            <a:ln w="57150" cmpd="sng">
               <a:solidFill>
-                <a:srgbClr val="4AC6B7"/>
+                <a:srgbClr val="D95F02"/>
               </a:solidFill>
-              <a:tailEnd type="none"/>
+              <a:tailEnd type="arrow"/>
             </a:ln>
             <a:effectLst/>
           </p:spPr>
@@ -6962,37 +7937,37 @@
       </p:grpSp>
       <p:grpSp>
         <p:nvGrpSpPr>
-          <p:cNvPr id="104" name="Group 103"/>
+          <p:cNvPr id="185" name="Group 184"/>
           <p:cNvGrpSpPr/>
           <p:nvPr/>
         </p:nvGrpSpPr>
         <p:grpSpPr>
-          <a:xfrm flipV="1">
-            <a:off x="17686826" y="25789501"/>
-            <a:ext cx="7555781" cy="558800"/>
-            <a:chOff x="15468600" y="27279600"/>
-            <a:chExt cx="7555781" cy="558800"/>
+          <a:xfrm>
+            <a:off x="11472696" y="29915963"/>
+            <a:ext cx="1604862" cy="1584632"/>
+            <a:chOff x="11471184" y="25180886"/>
+            <a:chExt cx="1604862" cy="1584632"/>
           </a:xfrm>
         </p:grpSpPr>
         <p:cxnSp>
           <p:nvCxnSpPr>
-            <p:cNvPr id="105" name="Straight Connector 104"/>
+            <p:cNvPr id="186" name="Straight Arrow Connector 185"/>
             <p:cNvCxnSpPr/>
             <p:nvPr/>
           </p:nvCxnSpPr>
           <p:spPr>
             <a:xfrm>
-              <a:off x="15468600" y="27838400"/>
-              <a:ext cx="7555781" cy="0"/>
+              <a:off x="11471184" y="25180886"/>
+              <a:ext cx="1604862" cy="792315"/>
             </a:xfrm>
-            <a:prstGeom prst="line">
+            <a:prstGeom prst="straightConnector1">
               <a:avLst/>
             </a:prstGeom>
-            <a:ln w="38100" cmpd="sng">
+            <a:ln w="57150" cmpd="sng">
               <a:solidFill>
-                <a:srgbClr val="965F86"/>
+                <a:srgbClr val="7570B3"/>
               </a:solidFill>
-              <a:tailEnd type="none"/>
+              <a:tailEnd type="arrow"/>
             </a:ln>
             <a:effectLst/>
           </p:spPr>
@@ -7013,23 +7988,23 @@
         </p:cxnSp>
         <p:cxnSp>
           <p:nvCxnSpPr>
-            <p:cNvPr id="106" name="Straight Connector 105"/>
+            <p:cNvPr id="187" name="Straight Arrow Connector 186"/>
             <p:cNvCxnSpPr/>
             <p:nvPr/>
           </p:nvCxnSpPr>
           <p:spPr>
             <a:xfrm flipV="1">
-              <a:off x="15468600" y="27279600"/>
-              <a:ext cx="0" cy="558800"/>
+              <a:off x="11471184" y="25973201"/>
+              <a:ext cx="1604862" cy="1"/>
             </a:xfrm>
-            <a:prstGeom prst="line">
+            <a:prstGeom prst="straightConnector1">
               <a:avLst/>
             </a:prstGeom>
-            <a:ln w="38100" cmpd="sng">
+            <a:ln w="57150" cmpd="sng">
               <a:solidFill>
-                <a:srgbClr val="965F86"/>
+                <a:srgbClr val="7570B3"/>
               </a:solidFill>
-              <a:tailEnd type="none"/>
+              <a:tailEnd type="arrow"/>
             </a:ln>
             <a:effectLst/>
           </p:spPr>
@@ -7050,23 +8025,23 @@
         </p:cxnSp>
         <p:cxnSp>
           <p:nvCxnSpPr>
-            <p:cNvPr id="107" name="Straight Connector 106"/>
+            <p:cNvPr id="188" name="Straight Arrow Connector 187"/>
             <p:cNvCxnSpPr/>
             <p:nvPr/>
           </p:nvCxnSpPr>
           <p:spPr>
             <a:xfrm flipV="1">
-              <a:off x="23021700" y="27279600"/>
-              <a:ext cx="0" cy="558800"/>
+              <a:off x="11471184" y="25973201"/>
+              <a:ext cx="1604862" cy="792317"/>
             </a:xfrm>
-            <a:prstGeom prst="line">
+            <a:prstGeom prst="straightConnector1">
               <a:avLst/>
             </a:prstGeom>
-            <a:ln w="38100" cmpd="sng">
+            <a:ln w="57150" cmpd="sng">
               <a:solidFill>
-                <a:srgbClr val="965F86"/>
+                <a:srgbClr val="7570B3"/>
               </a:solidFill>
-              <a:tailEnd type="none"/>
+              <a:tailEnd type="arrow"/>
             </a:ln>
             <a:effectLst/>
           </p:spPr>
@@ -7086,958 +8061,16 @@
           </p:style>
         </p:cxnSp>
       </p:grpSp>
-      <p:grpSp>
-        <p:nvGrpSpPr>
-          <p:cNvPr id="108" name="Group 107"/>
-          <p:cNvGrpSpPr/>
-          <p:nvPr/>
-        </p:nvGrpSpPr>
-        <p:grpSpPr>
-          <a:xfrm flipV="1">
-            <a:off x="18821340" y="25518568"/>
-            <a:ext cx="7555781" cy="829730"/>
-            <a:chOff x="15468600" y="27279600"/>
-            <a:chExt cx="7555781" cy="558800"/>
-          </a:xfrm>
-        </p:grpSpPr>
-        <p:cxnSp>
-          <p:nvCxnSpPr>
-            <p:cNvPr id="109" name="Straight Connector 108"/>
-            <p:cNvCxnSpPr/>
-            <p:nvPr/>
-          </p:nvCxnSpPr>
-          <p:spPr>
-            <a:xfrm>
-              <a:off x="15468600" y="27838400"/>
-              <a:ext cx="7555781" cy="0"/>
-            </a:xfrm>
-            <a:prstGeom prst="line">
-              <a:avLst/>
-            </a:prstGeom>
-            <a:ln w="38100" cmpd="sng">
-              <a:solidFill>
-                <a:srgbClr val="965F86"/>
-              </a:solidFill>
-              <a:tailEnd type="none"/>
-            </a:ln>
-            <a:effectLst/>
-          </p:spPr>
-          <p:style>
-            <a:lnRef idx="2">
-              <a:schemeClr val="dk1"/>
-            </a:lnRef>
-            <a:fillRef idx="0">
-              <a:schemeClr val="dk1"/>
-            </a:fillRef>
-            <a:effectRef idx="1">
-              <a:schemeClr val="dk1"/>
-            </a:effectRef>
-            <a:fontRef idx="minor">
-              <a:schemeClr val="tx1"/>
-            </a:fontRef>
-          </p:style>
-        </p:cxnSp>
-        <p:cxnSp>
-          <p:nvCxnSpPr>
-            <p:cNvPr id="110" name="Straight Connector 109"/>
-            <p:cNvCxnSpPr/>
-            <p:nvPr/>
-          </p:nvCxnSpPr>
-          <p:spPr>
-            <a:xfrm flipV="1">
-              <a:off x="15468600" y="27279600"/>
-              <a:ext cx="0" cy="558800"/>
-            </a:xfrm>
-            <a:prstGeom prst="line">
-              <a:avLst/>
-            </a:prstGeom>
-            <a:ln w="38100" cmpd="sng">
-              <a:solidFill>
-                <a:srgbClr val="965F86"/>
-              </a:solidFill>
-              <a:tailEnd type="none"/>
-            </a:ln>
-            <a:effectLst/>
-          </p:spPr>
-          <p:style>
-            <a:lnRef idx="2">
-              <a:schemeClr val="dk1"/>
-            </a:lnRef>
-            <a:fillRef idx="0">
-              <a:schemeClr val="dk1"/>
-            </a:fillRef>
-            <a:effectRef idx="1">
-              <a:schemeClr val="dk1"/>
-            </a:effectRef>
-            <a:fontRef idx="minor">
-              <a:schemeClr val="tx1"/>
-            </a:fontRef>
-          </p:style>
-        </p:cxnSp>
-        <p:cxnSp>
-          <p:nvCxnSpPr>
-            <p:cNvPr id="111" name="Straight Connector 110"/>
-            <p:cNvCxnSpPr/>
-            <p:nvPr/>
-          </p:nvCxnSpPr>
-          <p:spPr>
-            <a:xfrm flipV="1">
-              <a:off x="23021700" y="27279600"/>
-              <a:ext cx="0" cy="558800"/>
-            </a:xfrm>
-            <a:prstGeom prst="line">
-              <a:avLst/>
-            </a:prstGeom>
-            <a:ln w="38100" cmpd="sng">
-              <a:solidFill>
-                <a:srgbClr val="965F86"/>
-              </a:solidFill>
-              <a:tailEnd type="none"/>
-            </a:ln>
-            <a:effectLst/>
-          </p:spPr>
-          <p:style>
-            <a:lnRef idx="2">
-              <a:schemeClr val="dk1"/>
-            </a:lnRef>
-            <a:fillRef idx="0">
-              <a:schemeClr val="dk1"/>
-            </a:fillRef>
-            <a:effectRef idx="1">
-              <a:schemeClr val="dk1"/>
-            </a:effectRef>
-            <a:fontRef idx="minor">
-              <a:schemeClr val="tx1"/>
-            </a:fontRef>
-          </p:style>
-        </p:cxnSp>
-      </p:grpSp>
-      <p:grpSp>
-        <p:nvGrpSpPr>
-          <p:cNvPr id="112" name="Group 111"/>
-          <p:cNvGrpSpPr/>
-          <p:nvPr/>
-        </p:nvGrpSpPr>
-        <p:grpSpPr>
-          <a:xfrm flipV="1">
-            <a:off x="19955848" y="25789501"/>
-            <a:ext cx="7555781" cy="558800"/>
-            <a:chOff x="15468600" y="27279600"/>
-            <a:chExt cx="7555781" cy="558800"/>
-          </a:xfrm>
-        </p:grpSpPr>
-        <p:cxnSp>
-          <p:nvCxnSpPr>
-            <p:cNvPr id="113" name="Straight Connector 112"/>
-            <p:cNvCxnSpPr/>
-            <p:nvPr/>
-          </p:nvCxnSpPr>
-          <p:spPr>
-            <a:xfrm>
-              <a:off x="15468600" y="27838400"/>
-              <a:ext cx="7555781" cy="0"/>
-            </a:xfrm>
-            <a:prstGeom prst="line">
-              <a:avLst/>
-            </a:prstGeom>
-            <a:ln w="38100" cmpd="sng">
-              <a:solidFill>
-                <a:srgbClr val="C61951"/>
-              </a:solidFill>
-              <a:tailEnd type="none"/>
-            </a:ln>
-            <a:effectLst/>
-          </p:spPr>
-          <p:style>
-            <a:lnRef idx="2">
-              <a:schemeClr val="dk1"/>
-            </a:lnRef>
-            <a:fillRef idx="0">
-              <a:schemeClr val="dk1"/>
-            </a:fillRef>
-            <a:effectRef idx="1">
-              <a:schemeClr val="dk1"/>
-            </a:effectRef>
-            <a:fontRef idx="minor">
-              <a:schemeClr val="tx1"/>
-            </a:fontRef>
-          </p:style>
-        </p:cxnSp>
-        <p:cxnSp>
-          <p:nvCxnSpPr>
-            <p:cNvPr id="114" name="Straight Connector 113"/>
-            <p:cNvCxnSpPr/>
-            <p:nvPr/>
-          </p:nvCxnSpPr>
-          <p:spPr>
-            <a:xfrm flipV="1">
-              <a:off x="15468600" y="27279600"/>
-              <a:ext cx="0" cy="558800"/>
-            </a:xfrm>
-            <a:prstGeom prst="line">
-              <a:avLst/>
-            </a:prstGeom>
-            <a:ln w="38100" cmpd="sng">
-              <a:solidFill>
-                <a:srgbClr val="C61951"/>
-              </a:solidFill>
-              <a:tailEnd type="none"/>
-            </a:ln>
-            <a:effectLst/>
-          </p:spPr>
-          <p:style>
-            <a:lnRef idx="2">
-              <a:schemeClr val="dk1"/>
-            </a:lnRef>
-            <a:fillRef idx="0">
-              <a:schemeClr val="dk1"/>
-            </a:fillRef>
-            <a:effectRef idx="1">
-              <a:schemeClr val="dk1"/>
-            </a:effectRef>
-            <a:fontRef idx="minor">
-              <a:schemeClr val="tx1"/>
-            </a:fontRef>
-          </p:style>
-        </p:cxnSp>
-        <p:cxnSp>
-          <p:nvCxnSpPr>
-            <p:cNvPr id="115" name="Straight Connector 114"/>
-            <p:cNvCxnSpPr/>
-            <p:nvPr/>
-          </p:nvCxnSpPr>
-          <p:spPr>
-            <a:xfrm flipV="1">
-              <a:off x="23021700" y="27279600"/>
-              <a:ext cx="0" cy="558800"/>
-            </a:xfrm>
-            <a:prstGeom prst="line">
-              <a:avLst/>
-            </a:prstGeom>
-            <a:ln w="38100" cmpd="sng">
-              <a:solidFill>
-                <a:srgbClr val="C61951"/>
-              </a:solidFill>
-              <a:tailEnd type="none"/>
-            </a:ln>
-            <a:effectLst/>
-          </p:spPr>
-          <p:style>
-            <a:lnRef idx="2">
-              <a:schemeClr val="dk1"/>
-            </a:lnRef>
-            <a:fillRef idx="0">
-              <a:schemeClr val="dk1"/>
-            </a:fillRef>
-            <a:effectRef idx="1">
-              <a:schemeClr val="dk1"/>
-            </a:effectRef>
-            <a:fontRef idx="minor">
-              <a:schemeClr val="tx1"/>
-            </a:fontRef>
-          </p:style>
-        </p:cxnSp>
-      </p:grpSp>
-      <p:grpSp>
-        <p:nvGrpSpPr>
-          <p:cNvPr id="116" name="Group 115"/>
-          <p:cNvGrpSpPr/>
-          <p:nvPr/>
-        </p:nvGrpSpPr>
-        <p:grpSpPr>
-          <a:xfrm flipV="1">
-            <a:off x="21039563" y="25518568"/>
-            <a:ext cx="7555781" cy="829730"/>
-            <a:chOff x="15468600" y="27279600"/>
-            <a:chExt cx="7555781" cy="558800"/>
-          </a:xfrm>
-        </p:grpSpPr>
-        <p:cxnSp>
-          <p:nvCxnSpPr>
-            <p:cNvPr id="117" name="Straight Connector 116"/>
-            <p:cNvCxnSpPr/>
-            <p:nvPr/>
-          </p:nvCxnSpPr>
-          <p:spPr>
-            <a:xfrm>
-              <a:off x="15468600" y="27838400"/>
-              <a:ext cx="7555781" cy="0"/>
-            </a:xfrm>
-            <a:prstGeom prst="line">
-              <a:avLst/>
-            </a:prstGeom>
-            <a:ln w="38100" cmpd="sng">
-              <a:solidFill>
-                <a:srgbClr val="C61951"/>
-              </a:solidFill>
-              <a:tailEnd type="none"/>
-            </a:ln>
-            <a:effectLst/>
-          </p:spPr>
-          <p:style>
-            <a:lnRef idx="2">
-              <a:schemeClr val="dk1"/>
-            </a:lnRef>
-            <a:fillRef idx="0">
-              <a:schemeClr val="dk1"/>
-            </a:fillRef>
-            <a:effectRef idx="1">
-              <a:schemeClr val="dk1"/>
-            </a:effectRef>
-            <a:fontRef idx="minor">
-              <a:schemeClr val="tx1"/>
-            </a:fontRef>
-          </p:style>
-        </p:cxnSp>
-        <p:cxnSp>
-          <p:nvCxnSpPr>
-            <p:cNvPr id="118" name="Straight Connector 117"/>
-            <p:cNvCxnSpPr/>
-            <p:nvPr/>
-          </p:nvCxnSpPr>
-          <p:spPr>
-            <a:xfrm flipV="1">
-              <a:off x="15468600" y="27279600"/>
-              <a:ext cx="0" cy="558800"/>
-            </a:xfrm>
-            <a:prstGeom prst="line">
-              <a:avLst/>
-            </a:prstGeom>
-            <a:ln w="38100" cmpd="sng">
-              <a:solidFill>
-                <a:srgbClr val="C61951"/>
-              </a:solidFill>
-              <a:tailEnd type="none"/>
-            </a:ln>
-            <a:effectLst/>
-          </p:spPr>
-          <p:style>
-            <a:lnRef idx="2">
-              <a:schemeClr val="dk1"/>
-            </a:lnRef>
-            <a:fillRef idx="0">
-              <a:schemeClr val="dk1"/>
-            </a:fillRef>
-            <a:effectRef idx="1">
-              <a:schemeClr val="dk1"/>
-            </a:effectRef>
-            <a:fontRef idx="minor">
-              <a:schemeClr val="tx1"/>
-            </a:fontRef>
-          </p:style>
-        </p:cxnSp>
-        <p:cxnSp>
-          <p:nvCxnSpPr>
-            <p:cNvPr id="119" name="Straight Connector 118"/>
-            <p:cNvCxnSpPr/>
-            <p:nvPr/>
-          </p:nvCxnSpPr>
-          <p:spPr>
-            <a:xfrm flipV="1">
-              <a:off x="23021700" y="27279600"/>
-              <a:ext cx="0" cy="558800"/>
-            </a:xfrm>
-            <a:prstGeom prst="line">
-              <a:avLst/>
-            </a:prstGeom>
-            <a:ln w="38100" cmpd="sng">
-              <a:solidFill>
-                <a:srgbClr val="C61951"/>
-              </a:solidFill>
-              <a:tailEnd type="none"/>
-            </a:ln>
-            <a:effectLst/>
-          </p:spPr>
-          <p:style>
-            <a:lnRef idx="2">
-              <a:schemeClr val="dk1"/>
-            </a:lnRef>
-            <a:fillRef idx="0">
-              <a:schemeClr val="dk1"/>
-            </a:fillRef>
-            <a:effectRef idx="1">
-              <a:schemeClr val="dk1"/>
-            </a:effectRef>
-            <a:fontRef idx="minor">
-              <a:schemeClr val="tx1"/>
-            </a:fontRef>
-          </p:style>
-        </p:cxnSp>
-      </p:grpSp>
-      <p:pic>
-        <p:nvPicPr>
-          <p:cNvPr id="120" name="Picture 119" descr="EZ_clust_rel.jpeg"/>
-          <p:cNvPicPr>
-            <a:picLocks noChangeAspect="1"/>
-          </p:cNvPicPr>
-          <p:nvPr/>
-        </p:nvPicPr>
-        <p:blipFill>
-          <a:blip r:embed="rId22">
-            <a:extLst>
-              <a:ext uri="{28A0092B-C50C-407E-A947-70E740481C1C}">
-                <a14:useLocalDpi xmlns:a14="http://schemas.microsoft.com/office/drawing/2010/main" val="0"/>
-              </a:ext>
-            </a:extLst>
-          </a:blip>
-          <a:stretch>
-            <a:fillRect/>
-          </a:stretch>
-        </p:blipFill>
-        <p:spPr>
-          <a:xfrm>
-            <a:off x="29782799" y="24913871"/>
-            <a:ext cx="7015294" cy="4572000"/>
-          </a:xfrm>
-          <a:prstGeom prst="rect">
-            <a:avLst/>
-          </a:prstGeom>
-        </p:spPr>
-      </p:pic>
-      <p:pic>
-        <p:nvPicPr>
-          <p:cNvPr id="121" name="Picture 120" descr="Flat_vs_hier_rel.jpeg"/>
-          <p:cNvPicPr>
-            <a:picLocks noChangeAspect="1"/>
-          </p:cNvPicPr>
-          <p:nvPr/>
-        </p:nvPicPr>
-        <p:blipFill>
-          <a:blip r:embed="rId23">
-            <a:extLst>
-              <a:ext uri="{28A0092B-C50C-407E-A947-70E740481C1C}">
-                <a14:useLocalDpi xmlns:a14="http://schemas.microsoft.com/office/drawing/2010/main" val="0"/>
-              </a:ext>
-            </a:extLst>
-          </a:blip>
-          <a:stretch>
-            <a:fillRect/>
-          </a:stretch>
-        </p:blipFill>
-        <p:spPr>
-          <a:xfrm>
-            <a:off x="31530067" y="17344931"/>
-            <a:ext cx="5867400" cy="5029200"/>
-          </a:xfrm>
-          <a:prstGeom prst="rect">
-            <a:avLst/>
-          </a:prstGeom>
-        </p:spPr>
-      </p:pic>
-      <p:pic>
-        <p:nvPicPr>
-          <p:cNvPr id="122" name="Picture 121" descr="Flat_vs_hier_est.jpeg"/>
-          <p:cNvPicPr>
-            <a:picLocks noChangeAspect="1"/>
-          </p:cNvPicPr>
-          <p:nvPr/>
-        </p:nvPicPr>
-        <p:blipFill>
-          <a:blip r:embed="rId24">
-            <a:extLst>
-              <a:ext uri="{28A0092B-C50C-407E-A947-70E740481C1C}">
-                <a14:useLocalDpi xmlns:a14="http://schemas.microsoft.com/office/drawing/2010/main" val="0"/>
-              </a:ext>
-            </a:extLst>
-          </a:blip>
-          <a:stretch>
-            <a:fillRect/>
-          </a:stretch>
-        </p:blipFill>
-        <p:spPr>
-          <a:xfrm>
-            <a:off x="25210038" y="17344931"/>
-            <a:ext cx="5867400" cy="5029200"/>
-          </a:xfrm>
-          <a:prstGeom prst="rect">
-            <a:avLst/>
-          </a:prstGeom>
-        </p:spPr>
-      </p:pic>
-      <p:sp>
-        <p:nvSpPr>
-          <p:cNvPr id="124" name="Isosceles Triangle 123"/>
+      <p:sp>
+        <p:nvSpPr>
+          <p:cNvPr id="189" name="Rectangle 188"/>
           <p:cNvSpPr/>
           <p:nvPr/>
         </p:nvSpPr>
         <p:spPr>
-          <a:xfrm rot="10800000" flipH="1">
-            <a:off x="15257603" y="27499435"/>
-            <a:ext cx="6858000" cy="1084787"/>
-          </a:xfrm>
-          <a:prstGeom prst="triangle">
-            <a:avLst/>
-          </a:prstGeom>
-          <a:solidFill>
-            <a:schemeClr val="bg1">
-              <a:lumMod val="75000"/>
-              <a:alpha val="44000"/>
-            </a:schemeClr>
-          </a:solidFill>
-          <a:ln>
-            <a:noFill/>
-          </a:ln>
-          <a:effectLst/>
-        </p:spPr>
-        <p:style>
-          <a:lnRef idx="1">
-            <a:schemeClr val="accent1"/>
-          </a:lnRef>
-          <a:fillRef idx="3">
-            <a:schemeClr val="accent1"/>
-          </a:fillRef>
-          <a:effectRef idx="2">
-            <a:schemeClr val="accent1"/>
-          </a:effectRef>
-          <a:fontRef idx="minor">
-            <a:schemeClr val="lt1"/>
-          </a:fontRef>
-        </p:style>
-        <p:txBody>
-          <a:bodyPr rtlCol="0" anchor="ctr"/>
-          <a:lstStyle/>
-          <a:p>
-            <a:pPr algn="ctr"/>
-            <a:endParaRPr lang="en-US"/>
-          </a:p>
-        </p:txBody>
-      </p:sp>
-      <p:sp>
-        <p:nvSpPr>
-          <p:cNvPr id="125" name="Isosceles Triangle 124"/>
-          <p:cNvSpPr/>
-          <p:nvPr/>
-        </p:nvSpPr>
-        <p:spPr>
-          <a:xfrm rot="10800000" flipH="1">
-            <a:off x="22425683" y="27499435"/>
-            <a:ext cx="6858000" cy="1084787"/>
-          </a:xfrm>
-          <a:prstGeom prst="triangle">
-            <a:avLst/>
-          </a:prstGeom>
-          <a:solidFill>
-            <a:schemeClr val="bg1">
-              <a:lumMod val="75000"/>
-              <a:alpha val="44000"/>
-            </a:schemeClr>
-          </a:solidFill>
-          <a:ln>
-            <a:noFill/>
-          </a:ln>
-          <a:effectLst/>
-        </p:spPr>
-        <p:style>
-          <a:lnRef idx="1">
-            <a:schemeClr val="accent1"/>
-          </a:lnRef>
-          <a:fillRef idx="3">
-            <a:schemeClr val="accent1"/>
-          </a:fillRef>
-          <a:effectRef idx="2">
-            <a:schemeClr val="accent1"/>
-          </a:effectRef>
-          <a:fontRef idx="minor">
-            <a:schemeClr val="lt1"/>
-          </a:fontRef>
-        </p:style>
-        <p:txBody>
-          <a:bodyPr rtlCol="0" anchor="ctr"/>
-          <a:lstStyle/>
-          <a:p>
-            <a:pPr algn="ctr"/>
-            <a:endParaRPr lang="en-US"/>
-          </a:p>
-        </p:txBody>
-      </p:sp>
-      <p:grpSp>
-        <p:nvGrpSpPr>
-          <p:cNvPr id="126" name="Group 125"/>
-          <p:cNvGrpSpPr/>
-          <p:nvPr/>
-        </p:nvGrpSpPr>
-        <p:grpSpPr>
-          <a:xfrm flipV="1">
-            <a:off x="17228254" y="29119491"/>
-            <a:ext cx="7132320" cy="558800"/>
-            <a:chOff x="15468600" y="27279600"/>
-            <a:chExt cx="7555781" cy="558800"/>
-          </a:xfrm>
-        </p:grpSpPr>
-        <p:cxnSp>
-          <p:nvCxnSpPr>
-            <p:cNvPr id="127" name="Straight Connector 126"/>
-            <p:cNvCxnSpPr/>
-            <p:nvPr/>
-          </p:nvCxnSpPr>
-          <p:spPr>
-            <a:xfrm>
-              <a:off x="15468600" y="27838400"/>
-              <a:ext cx="7555781" cy="0"/>
-            </a:xfrm>
-            <a:prstGeom prst="line">
-              <a:avLst/>
-            </a:prstGeom>
-            <a:ln w="38100" cmpd="sng">
-              <a:solidFill>
-                <a:srgbClr val="C61951"/>
-              </a:solidFill>
-              <a:tailEnd type="none"/>
-            </a:ln>
-            <a:effectLst/>
-          </p:spPr>
-          <p:style>
-            <a:lnRef idx="2">
-              <a:schemeClr val="dk1"/>
-            </a:lnRef>
-            <a:fillRef idx="0">
-              <a:schemeClr val="dk1"/>
-            </a:fillRef>
-            <a:effectRef idx="1">
-              <a:schemeClr val="dk1"/>
-            </a:effectRef>
-            <a:fontRef idx="minor">
-              <a:schemeClr val="tx1"/>
-            </a:fontRef>
-          </p:style>
-        </p:cxnSp>
-        <p:cxnSp>
-          <p:nvCxnSpPr>
-            <p:cNvPr id="128" name="Straight Connector 127"/>
-            <p:cNvCxnSpPr/>
-            <p:nvPr/>
-          </p:nvCxnSpPr>
-          <p:spPr>
-            <a:xfrm flipV="1">
-              <a:off x="15468600" y="27279600"/>
-              <a:ext cx="0" cy="558800"/>
-            </a:xfrm>
-            <a:prstGeom prst="line">
-              <a:avLst/>
-            </a:prstGeom>
-            <a:ln w="38100" cmpd="sng">
-              <a:solidFill>
-                <a:srgbClr val="C61951"/>
-              </a:solidFill>
-              <a:tailEnd type="none"/>
-            </a:ln>
-            <a:effectLst/>
-          </p:spPr>
-          <p:style>
-            <a:lnRef idx="2">
-              <a:schemeClr val="dk1"/>
-            </a:lnRef>
-            <a:fillRef idx="0">
-              <a:schemeClr val="dk1"/>
-            </a:fillRef>
-            <a:effectRef idx="1">
-              <a:schemeClr val="dk1"/>
-            </a:effectRef>
-            <a:fontRef idx="minor">
-              <a:schemeClr val="tx1"/>
-            </a:fontRef>
-          </p:style>
-        </p:cxnSp>
-        <p:cxnSp>
-          <p:nvCxnSpPr>
-            <p:cNvPr id="129" name="Straight Connector 128"/>
-            <p:cNvCxnSpPr/>
-            <p:nvPr/>
-          </p:nvCxnSpPr>
-          <p:spPr>
-            <a:xfrm flipV="1">
-              <a:off x="23021700" y="27279600"/>
-              <a:ext cx="0" cy="558800"/>
-            </a:xfrm>
-            <a:prstGeom prst="line">
-              <a:avLst/>
-            </a:prstGeom>
-            <a:ln w="38100" cmpd="sng">
-              <a:solidFill>
-                <a:srgbClr val="C61951"/>
-              </a:solidFill>
-              <a:tailEnd type="none"/>
-            </a:ln>
-            <a:effectLst/>
-          </p:spPr>
-          <p:style>
-            <a:lnRef idx="2">
-              <a:schemeClr val="dk1"/>
-            </a:lnRef>
-            <a:fillRef idx="0">
-              <a:schemeClr val="dk1"/>
-            </a:fillRef>
-            <a:effectRef idx="1">
-              <a:schemeClr val="dk1"/>
-            </a:effectRef>
-            <a:fontRef idx="minor">
-              <a:schemeClr val="tx1"/>
-            </a:fontRef>
-          </p:style>
-        </p:cxnSp>
-      </p:grpSp>
-      <p:grpSp>
-        <p:nvGrpSpPr>
-          <p:cNvPr id="130" name="Group 129"/>
-          <p:cNvGrpSpPr/>
-          <p:nvPr/>
-        </p:nvGrpSpPr>
-        <p:grpSpPr>
-          <a:xfrm flipV="1">
-            <a:off x="18381316" y="28810083"/>
-            <a:ext cx="7132320" cy="822960"/>
-            <a:chOff x="15468600" y="27279600"/>
-            <a:chExt cx="7555781" cy="558800"/>
-          </a:xfrm>
-        </p:grpSpPr>
-        <p:cxnSp>
-          <p:nvCxnSpPr>
-            <p:cNvPr id="131" name="Straight Connector 130"/>
-            <p:cNvCxnSpPr/>
-            <p:nvPr/>
-          </p:nvCxnSpPr>
-          <p:spPr>
-            <a:xfrm>
-              <a:off x="15468600" y="27838400"/>
-              <a:ext cx="7555781" cy="0"/>
-            </a:xfrm>
-            <a:prstGeom prst="line">
-              <a:avLst/>
-            </a:prstGeom>
-            <a:ln w="38100" cmpd="sng">
-              <a:solidFill>
-                <a:srgbClr val="4AC6B7"/>
-              </a:solidFill>
-              <a:tailEnd type="none"/>
-            </a:ln>
-            <a:effectLst/>
-          </p:spPr>
-          <p:style>
-            <a:lnRef idx="2">
-              <a:schemeClr val="dk1"/>
-            </a:lnRef>
-            <a:fillRef idx="0">
-              <a:schemeClr val="dk1"/>
-            </a:fillRef>
-            <a:effectRef idx="1">
-              <a:schemeClr val="dk1"/>
-            </a:effectRef>
-            <a:fontRef idx="minor">
-              <a:schemeClr val="tx1"/>
-            </a:fontRef>
-          </p:style>
-        </p:cxnSp>
-        <p:cxnSp>
-          <p:nvCxnSpPr>
-            <p:cNvPr id="132" name="Straight Connector 131"/>
-            <p:cNvCxnSpPr/>
-            <p:nvPr/>
-          </p:nvCxnSpPr>
-          <p:spPr>
-            <a:xfrm flipV="1">
-              <a:off x="15468600" y="27279600"/>
-              <a:ext cx="0" cy="558800"/>
-            </a:xfrm>
-            <a:prstGeom prst="line">
-              <a:avLst/>
-            </a:prstGeom>
-            <a:ln w="38100" cmpd="sng">
-              <a:solidFill>
-                <a:srgbClr val="4AC6B7"/>
-              </a:solidFill>
-              <a:tailEnd type="none"/>
-            </a:ln>
-            <a:effectLst/>
-          </p:spPr>
-          <p:style>
-            <a:lnRef idx="2">
-              <a:schemeClr val="dk1"/>
-            </a:lnRef>
-            <a:fillRef idx="0">
-              <a:schemeClr val="dk1"/>
-            </a:fillRef>
-            <a:effectRef idx="1">
-              <a:schemeClr val="dk1"/>
-            </a:effectRef>
-            <a:fontRef idx="minor">
-              <a:schemeClr val="tx1"/>
-            </a:fontRef>
-          </p:style>
-        </p:cxnSp>
-        <p:cxnSp>
-          <p:nvCxnSpPr>
-            <p:cNvPr id="133" name="Straight Connector 132"/>
-            <p:cNvCxnSpPr/>
-            <p:nvPr/>
-          </p:nvCxnSpPr>
-          <p:spPr>
-            <a:xfrm flipV="1">
-              <a:off x="23021700" y="27279600"/>
-              <a:ext cx="0" cy="558800"/>
-            </a:xfrm>
-            <a:prstGeom prst="line">
-              <a:avLst/>
-            </a:prstGeom>
-            <a:ln w="38100" cmpd="sng">
-              <a:solidFill>
-                <a:srgbClr val="4AC6B7"/>
-              </a:solidFill>
-              <a:tailEnd type="none"/>
-            </a:ln>
-            <a:effectLst/>
-          </p:spPr>
-          <p:style>
-            <a:lnRef idx="2">
-              <a:schemeClr val="dk1"/>
-            </a:lnRef>
-            <a:fillRef idx="0">
-              <a:schemeClr val="dk1"/>
-            </a:fillRef>
-            <a:effectRef idx="1">
-              <a:schemeClr val="dk1"/>
-            </a:effectRef>
-            <a:fontRef idx="minor">
-              <a:schemeClr val="tx1"/>
-            </a:fontRef>
-          </p:style>
-        </p:cxnSp>
-      </p:grpSp>
-      <p:grpSp>
-        <p:nvGrpSpPr>
-          <p:cNvPr id="134" name="Group 133"/>
-          <p:cNvGrpSpPr/>
-          <p:nvPr/>
-        </p:nvGrpSpPr>
-        <p:grpSpPr>
-          <a:xfrm>
-            <a:off x="17880070" y="31113011"/>
-            <a:ext cx="7132320" cy="558800"/>
-            <a:chOff x="15468600" y="27279600"/>
-            <a:chExt cx="7555781" cy="558800"/>
-          </a:xfrm>
-        </p:grpSpPr>
-        <p:cxnSp>
-          <p:nvCxnSpPr>
-            <p:cNvPr id="135" name="Straight Connector 134"/>
-            <p:cNvCxnSpPr/>
-            <p:nvPr/>
-          </p:nvCxnSpPr>
-          <p:spPr>
-            <a:xfrm>
-              <a:off x="15468600" y="27838400"/>
-              <a:ext cx="7555781" cy="0"/>
-            </a:xfrm>
-            <a:prstGeom prst="line">
-              <a:avLst/>
-            </a:prstGeom>
-            <a:ln w="38100" cmpd="sng">
-              <a:solidFill>
-                <a:srgbClr val="965F86"/>
-              </a:solidFill>
-              <a:tailEnd type="none"/>
-            </a:ln>
-            <a:effectLst/>
-          </p:spPr>
-          <p:style>
-            <a:lnRef idx="2">
-              <a:schemeClr val="dk1"/>
-            </a:lnRef>
-            <a:fillRef idx="0">
-              <a:schemeClr val="dk1"/>
-            </a:fillRef>
-            <a:effectRef idx="1">
-              <a:schemeClr val="dk1"/>
-            </a:effectRef>
-            <a:fontRef idx="minor">
-              <a:schemeClr val="tx1"/>
-            </a:fontRef>
-          </p:style>
-        </p:cxnSp>
-        <p:cxnSp>
-          <p:nvCxnSpPr>
-            <p:cNvPr id="136" name="Straight Connector 135"/>
-            <p:cNvCxnSpPr/>
-            <p:nvPr/>
-          </p:nvCxnSpPr>
-          <p:spPr>
-            <a:xfrm flipV="1">
-              <a:off x="15468600" y="27279600"/>
-              <a:ext cx="0" cy="558800"/>
-            </a:xfrm>
-            <a:prstGeom prst="line">
-              <a:avLst/>
-            </a:prstGeom>
-            <a:ln w="38100" cmpd="sng">
-              <a:solidFill>
-                <a:srgbClr val="965F86"/>
-              </a:solidFill>
-              <a:tailEnd type="none"/>
-            </a:ln>
-            <a:effectLst/>
-          </p:spPr>
-          <p:style>
-            <a:lnRef idx="2">
-              <a:schemeClr val="dk1"/>
-            </a:lnRef>
-            <a:fillRef idx="0">
-              <a:schemeClr val="dk1"/>
-            </a:fillRef>
-            <a:effectRef idx="1">
-              <a:schemeClr val="dk1"/>
-            </a:effectRef>
-            <a:fontRef idx="minor">
-              <a:schemeClr val="tx1"/>
-            </a:fontRef>
-          </p:style>
-        </p:cxnSp>
-        <p:cxnSp>
-          <p:nvCxnSpPr>
-            <p:cNvPr id="137" name="Straight Connector 136"/>
-            <p:cNvCxnSpPr/>
-            <p:nvPr/>
-          </p:nvCxnSpPr>
-          <p:spPr>
-            <a:xfrm flipV="1">
-              <a:off x="23021700" y="27279600"/>
-              <a:ext cx="0" cy="558800"/>
-            </a:xfrm>
-            <a:prstGeom prst="line">
-              <a:avLst/>
-            </a:prstGeom>
-            <a:ln w="38100" cmpd="sng">
-              <a:solidFill>
-                <a:srgbClr val="965F86"/>
-              </a:solidFill>
-              <a:tailEnd type="none"/>
-            </a:ln>
-            <a:effectLst/>
-          </p:spPr>
-          <p:style>
-            <a:lnRef idx="2">
-              <a:schemeClr val="dk1"/>
-            </a:lnRef>
-            <a:fillRef idx="0">
-              <a:schemeClr val="dk1"/>
-            </a:fillRef>
-            <a:effectRef idx="1">
-              <a:schemeClr val="dk1"/>
-            </a:effectRef>
-            <a:fontRef idx="minor">
-              <a:schemeClr val="tx1"/>
-            </a:fontRef>
-          </p:style>
-        </p:cxnSp>
-      </p:grpSp>
-      <p:sp>
-        <p:nvSpPr>
-          <p:cNvPr id="139" name="Rectangle 138"/>
-          <p:cNvSpPr/>
-          <p:nvPr/>
-        </p:nvSpPr>
-        <p:spPr>
-          <a:xfrm>
-            <a:off x="26561385" y="29469122"/>
-            <a:ext cx="11073673" cy="742790"/>
+          <a:xfrm>
+            <a:off x="17880070" y="30555310"/>
+            <a:ext cx="20279985" cy="1463625"/>
           </a:xfrm>
           <a:prstGeom prst="rect">
             <a:avLst/>
@@ -8050,16 +8083,23 @@
           </a:bodyPr>
           <a:lstStyle/>
           <a:p>
-            <a:pPr marL="571500" indent="-571500">
+            <a:pPr>
               <a:buFont typeface="Arial"/>
               <a:buChar char="•"/>
             </a:pPr>
             <a:r>
+              <a:rPr lang="en-US" sz="4400" dirty="0">
+                <a:latin typeface="Arial"/>
+                <a:cs typeface="Arial"/>
+              </a:rPr>
+              <a:t> </a:t>
+            </a:r>
+            <a:r>
               <a:rPr lang="en-US" sz="4400" dirty="0" smtClean="0">
                 <a:latin typeface="Arial"/>
                 <a:cs typeface="Arial"/>
               </a:rPr>
-              <a:t>Reducing the dimensionality of numerous measures that assess similar constructs increases their reliability</a:t>
+              <a:t>Reducing the dimensionality of numerous measures that assess similar constructs increases their reliability (and suitability as trait measures)</a:t>
             </a:r>
             <a:endParaRPr lang="en-US" sz="4400" dirty="0">
               <a:latin typeface="Arial"/>
@@ -8068,6 +8108,252 @@
           </a:p>
         </p:txBody>
       </p:sp>
+      <p:sp>
+        <p:nvSpPr>
+          <p:cNvPr id="197" name="Rectangle 196"/>
+          <p:cNvSpPr/>
+          <p:nvPr/>
+        </p:nvSpPr>
+        <p:spPr>
+          <a:xfrm>
+            <a:off x="18265387" y="25011846"/>
+            <a:ext cx="4587420" cy="613283"/>
+          </a:xfrm>
+          <a:prstGeom prst="rect">
+            <a:avLst/>
+          </a:prstGeom>
+          <a:noFill/>
+        </p:spPr>
+        <p:txBody>
+          <a:bodyPr wrap="square" lIns="274320" rIns="274320" rtlCol="0">
+            <a:noAutofit/>
+          </a:bodyPr>
+          <a:lstStyle/>
+          <a:p>
+            <a:r>
+              <a:rPr lang="en-US" sz="3400" dirty="0" smtClean="0">
+                <a:solidFill>
+                  <a:srgbClr val="1B9E77"/>
+                </a:solidFill>
+                <a:latin typeface="Arial"/>
+                <a:cs typeface="Arial"/>
+              </a:rPr>
+              <a:t>Example drift rate</a:t>
+            </a:r>
+            <a:endParaRPr lang="en-US" sz="3400" dirty="0">
+              <a:solidFill>
+                <a:srgbClr val="1B9E77"/>
+              </a:solidFill>
+              <a:latin typeface="Arial"/>
+              <a:cs typeface="Arial"/>
+            </a:endParaRPr>
+          </a:p>
+        </p:txBody>
+      </p:sp>
+      <p:sp>
+        <p:nvSpPr>
+          <p:cNvPr id="198" name="Rectangle 197"/>
+          <p:cNvSpPr/>
+          <p:nvPr/>
+        </p:nvSpPr>
+        <p:spPr>
+          <a:xfrm>
+            <a:off x="22916042" y="25011846"/>
+            <a:ext cx="3888183" cy="613283"/>
+          </a:xfrm>
+          <a:prstGeom prst="rect">
+            <a:avLst/>
+          </a:prstGeom>
+          <a:noFill/>
+        </p:spPr>
+        <p:txBody>
+          <a:bodyPr wrap="square" lIns="274320" rIns="274320" rtlCol="0">
+            <a:noAutofit/>
+          </a:bodyPr>
+          <a:lstStyle/>
+          <a:p>
+            <a:r>
+              <a:rPr lang="en-US" sz="3400" dirty="0" smtClean="0">
+                <a:solidFill>
+                  <a:srgbClr val="1B9E77"/>
+                </a:solidFill>
+                <a:latin typeface="Arial"/>
+                <a:cs typeface="Arial"/>
+              </a:rPr>
+              <a:t>PC1: Drift Rate</a:t>
+            </a:r>
+            <a:endParaRPr lang="en-US" sz="3400" dirty="0">
+              <a:solidFill>
+                <a:srgbClr val="1B9E77"/>
+              </a:solidFill>
+              <a:latin typeface="Arial"/>
+              <a:cs typeface="Arial"/>
+            </a:endParaRPr>
+          </a:p>
+        </p:txBody>
+      </p:sp>
+      <p:grpSp>
+        <p:nvGrpSpPr>
+          <p:cNvPr id="202" name="Group 201"/>
+          <p:cNvGrpSpPr/>
+          <p:nvPr/>
+        </p:nvGrpSpPr>
+        <p:grpSpPr>
+          <a:xfrm>
+            <a:off x="17995999" y="25812915"/>
+            <a:ext cx="3907746" cy="4572000"/>
+            <a:chOff x="18437435" y="25639737"/>
+            <a:chExt cx="3907746" cy="4572000"/>
+          </a:xfrm>
+        </p:grpSpPr>
+        <p:pic>
+          <p:nvPicPr>
+            <p:cNvPr id="196" name="Picture 195" descr="measure_icc_eg.jpeg"/>
+            <p:cNvPicPr>
+              <a:picLocks noChangeAspect="1"/>
+            </p:cNvPicPr>
+            <p:nvPr/>
+          </p:nvPicPr>
+          <p:blipFill>
+            <a:blip r:embed="rId20">
+              <a:extLst>
+                <a:ext uri="{28A0092B-C50C-407E-A947-70E740481C1C}">
+                  <a14:useLocalDpi xmlns:a14="http://schemas.microsoft.com/office/drawing/2010/main" val="0"/>
+                </a:ext>
+              </a:extLst>
+            </a:blip>
+            <a:stretch>
+              <a:fillRect/>
+            </a:stretch>
+          </p:blipFill>
+          <p:spPr>
+            <a:xfrm>
+              <a:off x="18437435" y="25639737"/>
+              <a:ext cx="3657600" cy="4572000"/>
+            </a:xfrm>
+            <a:prstGeom prst="rect">
+              <a:avLst/>
+            </a:prstGeom>
+          </p:spPr>
+        </p:pic>
+        <p:sp>
+          <p:nvSpPr>
+            <p:cNvPr id="199" name="Rectangle 198"/>
+            <p:cNvSpPr/>
+            <p:nvPr/>
+          </p:nvSpPr>
+          <p:spPr>
+            <a:xfrm>
+              <a:off x="20760380" y="28625058"/>
+              <a:ext cx="1584801" cy="640777"/>
+            </a:xfrm>
+            <a:prstGeom prst="rect">
+              <a:avLst/>
+            </a:prstGeom>
+            <a:noFill/>
+          </p:spPr>
+          <p:txBody>
+            <a:bodyPr wrap="square" lIns="274320" rIns="274320" rtlCol="0">
+              <a:noAutofit/>
+            </a:bodyPr>
+            <a:lstStyle/>
+            <a:p>
+              <a:r>
+                <a:rPr lang="en-US" sz="3000" dirty="0" smtClean="0">
+                  <a:latin typeface="Arial"/>
+                  <a:cs typeface="Arial"/>
+                </a:rPr>
+                <a:t>ICC = 0.05 </a:t>
+              </a:r>
+              <a:endParaRPr lang="en-US" sz="3000" dirty="0">
+                <a:latin typeface="Arial"/>
+                <a:cs typeface="Arial"/>
+              </a:endParaRPr>
+            </a:p>
+          </p:txBody>
+        </p:sp>
+      </p:grpSp>
+      <p:grpSp>
+        <p:nvGrpSpPr>
+          <p:cNvPr id="203" name="Group 202"/>
+          <p:cNvGrpSpPr/>
+          <p:nvPr/>
+        </p:nvGrpSpPr>
+        <p:grpSpPr>
+          <a:xfrm>
+            <a:off x="22550444" y="25812915"/>
+            <a:ext cx="4045273" cy="4572000"/>
+            <a:chOff x="23005851" y="25639737"/>
+            <a:chExt cx="4045273" cy="4572000"/>
+          </a:xfrm>
+        </p:grpSpPr>
+        <p:pic>
+          <p:nvPicPr>
+            <p:cNvPr id="193" name="Picture 192" descr="drift_pc_icc_eg.jpeg"/>
+            <p:cNvPicPr>
+              <a:picLocks noChangeAspect="1"/>
+            </p:cNvPicPr>
+            <p:nvPr/>
+          </p:nvPicPr>
+          <p:blipFill>
+            <a:blip r:embed="rId21">
+              <a:extLst>
+                <a:ext uri="{28A0092B-C50C-407E-A947-70E740481C1C}">
+                  <a14:useLocalDpi xmlns:a14="http://schemas.microsoft.com/office/drawing/2010/main" val="0"/>
+                </a:ext>
+              </a:extLst>
+            </a:blip>
+            <a:stretch>
+              <a:fillRect/>
+            </a:stretch>
+          </p:blipFill>
+          <p:spPr>
+            <a:xfrm>
+              <a:off x="23005851" y="25639737"/>
+              <a:ext cx="3657600" cy="4572000"/>
+            </a:xfrm>
+            <a:prstGeom prst="rect">
+              <a:avLst/>
+            </a:prstGeom>
+          </p:spPr>
+        </p:pic>
+        <p:sp>
+          <p:nvSpPr>
+            <p:cNvPr id="201" name="Rectangle 200"/>
+            <p:cNvSpPr/>
+            <p:nvPr/>
+          </p:nvSpPr>
+          <p:spPr>
+            <a:xfrm>
+              <a:off x="25323617" y="28659044"/>
+              <a:ext cx="1727507" cy="640777"/>
+            </a:xfrm>
+            <a:prstGeom prst="rect">
+              <a:avLst/>
+            </a:prstGeom>
+            <a:noFill/>
+          </p:spPr>
+          <p:txBody>
+            <a:bodyPr wrap="square" lIns="274320" rIns="274320" rtlCol="0">
+              <a:noAutofit/>
+            </a:bodyPr>
+            <a:lstStyle/>
+            <a:p>
+              <a:r>
+                <a:rPr lang="en-US" sz="3000" dirty="0" smtClean="0">
+                  <a:latin typeface="Arial"/>
+                  <a:cs typeface="Arial"/>
+                </a:rPr>
+                <a:t>ICC = 0.74 </a:t>
+              </a:r>
+              <a:endParaRPr lang="en-US" sz="3000" dirty="0">
+                <a:latin typeface="Arial"/>
+                <a:cs typeface="Arial"/>
+              </a:endParaRPr>
+            </a:p>
+          </p:txBody>
+        </p:sp>
+      </p:grpSp>
     </p:spTree>
   </p:cSld>
   <p:clrMapOvr>
